--- a/ppt/Einleitung.pptx
+++ b/ppt/Einleitung.pptx
@@ -1312,7 +1312,7 @@
             <a:fld id="{71D6DBAF-C9CC-41B3-844C-C1F5D8267235}" type="datetime4">
               <a:rPr lang="en-US"/>
               <a:pPr/>
-              <a:t>March 27, 2014</a:t>
+              <a:t>March 28, 2014</a:t>
             </a:fld>
             <a:endParaRPr lang="en-US"/>
           </a:p>
@@ -1546,7 +1546,7 @@
             <a:fld id="{D9CB193C-FC74-4279-8388-9DD1BFD58DB8}" type="datetime4">
               <a:rPr lang="en-US"/>
               <a:pPr/>
-              <a:t>March 27, 2014</a:t>
+              <a:t>March 28, 2014</a:t>
             </a:fld>
             <a:endParaRPr lang="en-US"/>
           </a:p>
@@ -1994,7 +1994,7 @@
             <a:fld id="{F9C0533E-6560-41EF-998F-4A06FB5FB3B5}" type="datetime4">
               <a:rPr lang="en-US"/>
               <a:pPr/>
-              <a:t>March 27, 2014</a:t>
+              <a:t>March 28, 2014</a:t>
             </a:fld>
             <a:endParaRPr lang="en-US"/>
           </a:p>
@@ -2564,7 +2564,7 @@
             <a:fld id="{BE3ACA9F-847D-4917-9890-CF03388418A4}" type="datetime4">
               <a:rPr lang="en-US"/>
               <a:pPr/>
-              <a:t>March 27, 2014</a:t>
+              <a:t>March 28, 2014</a:t>
             </a:fld>
             <a:endParaRPr lang="en-US"/>
           </a:p>
@@ -3247,7 +3247,7 @@
             <a:fld id="{D9CB193C-FC74-4279-8388-9DD1BFD58DB8}" type="datetime4">
               <a:rPr lang="en-US" smtClean="0"/>
               <a:pPr/>
-              <a:t>March 27, 2014</a:t>
+              <a:t>March 28, 2014</a:t>
             </a:fld>
             <a:endParaRPr lang="en-US"/>
           </a:p>
@@ -3483,7 +3483,7 @@
             <a:fld id="{D9CB193C-FC74-4279-8388-9DD1BFD58DB8}" type="datetime4">
               <a:rPr lang="en-US" smtClean="0"/>
               <a:pPr/>
-              <a:t>March 27, 2014</a:t>
+              <a:t>March 28, 2014</a:t>
             </a:fld>
             <a:endParaRPr lang="en-US"/>
           </a:p>
@@ -3562,8 +3562,13 @@
             </a:pPr>
             <a:r>
               <a:rPr lang="en-US" altLang="zh-CN" sz="1600" i="0" dirty="0" smtClean="0"/>
-              <a:t>In charge of opening windows,  giving pet water and etc.</a:t>
-            </a:r>
+              <a:t>In charge of opening windows,  giving pet water and </a:t>
+            </a:r>
+            <a:r>
+              <a:rPr lang="en-US" altLang="zh-CN" sz="1600" i="0" dirty="0" smtClean="0"/>
+              <a:t>etc</a:t>
+            </a:r>
+            <a:endParaRPr lang="en-US" altLang="zh-CN" sz="1600" i="0" dirty="0" smtClean="0"/>
           </a:p>
           <a:p>
             <a:pPr>
@@ -3758,7 +3763,7 @@
             <a:fld id="{D9CB193C-FC74-4279-8388-9DD1BFD58DB8}" type="datetime4">
               <a:rPr lang="en-US" smtClean="0"/>
               <a:pPr/>
-              <a:t>March 27, 2014</a:t>
+              <a:t>March 28, 2014</a:t>
             </a:fld>
             <a:endParaRPr lang="en-US"/>
           </a:p>
@@ -4097,7 +4102,7 @@
             <a:fld id="{D9CB193C-FC74-4279-8388-9DD1BFD58DB8}" type="datetime4">
               <a:rPr lang="en-US" smtClean="0"/>
               <a:pPr/>
-              <a:t>March 27, 2014</a:t>
+              <a:t>March 28, 2014</a:t>
             </a:fld>
             <a:endParaRPr lang="en-US"/>
           </a:p>
@@ -4466,7 +4471,7 @@
             <a:fld id="{D9CB193C-FC74-4279-8388-9DD1BFD58DB8}" type="datetime4">
               <a:rPr lang="en-US" smtClean="0"/>
               <a:pPr/>
-              <a:t>March 27, 2014</a:t>
+              <a:t>March 28, 2014</a:t>
             </a:fld>
             <a:endParaRPr lang="en-US"/>
           </a:p>
@@ -4550,32 +4555,69 @@
           <a:p>
             <a:r>
               <a:rPr lang="en-US" altLang="zh-CN" dirty="0" smtClean="0"/>
-              <a:t>Dummy client/server construction</a:t>
-            </a:r>
-          </a:p>
-          <a:p>
-            <a:r>
-              <a:rPr lang="en-US" altLang="zh-CN" dirty="0" smtClean="0"/>
-              <a:t>Communication stack on UICC smart card</a:t>
-            </a:r>
-          </a:p>
-          <a:p>
-            <a:r>
-              <a:rPr lang="en-US" altLang="zh-CN" dirty="0" smtClean="0"/>
-              <a:t>Combination and debugging</a:t>
-            </a:r>
-          </a:p>
-          <a:p>
-            <a:r>
-              <a:rPr lang="en-US" altLang="zh-CN" dirty="0" smtClean="0"/>
-              <a:t>Analyze secure protocols </a:t>
-            </a:r>
-          </a:p>
-          <a:p>
-            <a:r>
-              <a:rPr lang="en-US" altLang="zh-CN" dirty="0" smtClean="0"/>
-              <a:t>Analyze performance</a:t>
-            </a:r>
+              <a:t>OPC UA </a:t>
+            </a:r>
+            <a:r>
+              <a:rPr lang="en-US" altLang="zh-CN" dirty="0" smtClean="0"/>
+              <a:t>client/server construction</a:t>
+            </a:r>
+          </a:p>
+          <a:p>
+            <a:r>
+              <a:rPr lang="en-US" altLang="zh-CN" dirty="0" smtClean="0"/>
+              <a:t>Communication stack on UICC smart </a:t>
+            </a:r>
+            <a:r>
+              <a:rPr lang="en-US" altLang="zh-CN" dirty="0" smtClean="0"/>
+              <a:t>card</a:t>
+            </a:r>
+          </a:p>
+          <a:p>
+            <a:r>
+              <a:rPr lang="en-US" altLang="zh-CN" dirty="0" smtClean="0"/>
+              <a:t>Deployment </a:t>
+            </a:r>
+            <a:endParaRPr lang="en-US" altLang="zh-CN" dirty="0" smtClean="0"/>
+          </a:p>
+          <a:p>
+            <a:r>
+              <a:rPr lang="en-US" altLang="zh-CN" dirty="0" smtClean="0"/>
+              <a:t>Combination </a:t>
+            </a:r>
+            <a:r>
+              <a:rPr lang="en-US" altLang="zh-CN" dirty="0" smtClean="0"/>
+              <a:t>test and </a:t>
+            </a:r>
+            <a:r>
+              <a:rPr lang="en-US" altLang="zh-CN" dirty="0" smtClean="0"/>
+              <a:t>debugging</a:t>
+            </a:r>
+          </a:p>
+          <a:p>
+            <a:r>
+              <a:rPr lang="en-US" altLang="zh-CN" dirty="0" smtClean="0"/>
+              <a:t>Analyze </a:t>
+            </a:r>
+            <a:r>
+              <a:rPr lang="en-US" altLang="zh-CN" dirty="0" smtClean="0"/>
+              <a:t>different possible secure policies</a:t>
+            </a:r>
+            <a:endParaRPr lang="en-US" altLang="zh-CN" dirty="0" smtClean="0"/>
+          </a:p>
+          <a:p>
+            <a:r>
+              <a:rPr lang="en-US" altLang="zh-CN" dirty="0" smtClean="0"/>
+              <a:t>Analyze </a:t>
+            </a:r>
+            <a:r>
+              <a:rPr lang="en-US" altLang="zh-CN" dirty="0" smtClean="0"/>
+              <a:t>the performance of </a:t>
+            </a:r>
+            <a:r>
+              <a:rPr lang="en-US" altLang="zh-CN" smtClean="0"/>
+              <a:t>secure protocols</a:t>
+            </a:r>
+            <a:endParaRPr lang="en-US" altLang="zh-CN" dirty="0" smtClean="0"/>
           </a:p>
           <a:p>
             <a:endParaRPr lang="zh-CN" altLang="en-US" dirty="0"/>
@@ -4647,7 +4689,7 @@
             <a:fld id="{D9CB193C-FC74-4279-8388-9DD1BFD58DB8}" type="datetime4">
               <a:rPr lang="en-US" smtClean="0"/>
               <a:pPr/>
-              <a:t>March 27, 2014</a:t>
+              <a:t>March 28, 2014</a:t>
             </a:fld>
             <a:endParaRPr lang="en-US"/>
           </a:p>
@@ -4875,7 +4917,7 @@
             <a:fld id="{D9CB193C-FC74-4279-8388-9DD1BFD58DB8}" type="datetime4">
               <a:rPr lang="en-US" smtClean="0"/>
               <a:pPr/>
-              <a:t>March 27, 2014</a:t>
+              <a:t>March 28, 2014</a:t>
             </a:fld>
             <a:endParaRPr lang="en-US"/>
           </a:p>
@@ -5020,7 +5062,7 @@
             <a:fld id="{D9CB193C-FC74-4279-8388-9DD1BFD58DB8}" type="datetime4">
               <a:rPr lang="en-US" smtClean="0"/>
               <a:pPr/>
-              <a:t>March 27, 2014</a:t>
+              <a:t>March 28, 2014</a:t>
             </a:fld>
             <a:endParaRPr lang="en-US"/>
           </a:p>
@@ -5215,7 +5257,7 @@
             <a:fld id="{D9CB193C-FC74-4279-8388-9DD1BFD58DB8}" type="datetime4">
               <a:rPr lang="en-US" smtClean="0"/>
               <a:pPr/>
-              <a:t>March 27, 2014</a:t>
+              <a:t>March 28, 2014</a:t>
             </a:fld>
             <a:endParaRPr lang="en-US"/>
           </a:p>
@@ -5405,7 +5447,7 @@
             <a:fld id="{D9CB193C-FC74-4279-8388-9DD1BFD58DB8}" type="datetime4">
               <a:rPr lang="en-US" smtClean="0"/>
               <a:pPr/>
-              <a:t>March 27, 2014</a:t>
+              <a:t>March 28, 2014</a:t>
             </a:fld>
             <a:endParaRPr lang="en-US"/>
           </a:p>
@@ -5574,7 +5616,7 @@
             <a:fld id="{D9CB193C-FC74-4279-8388-9DD1BFD58DB8}" type="datetime4">
               <a:rPr lang="en-US" smtClean="0"/>
               <a:pPr/>
-              <a:t>March 27, 2014</a:t>
+              <a:t>March 28, 2014</a:t>
             </a:fld>
             <a:endParaRPr lang="en-US"/>
           </a:p>
@@ -5811,7 +5853,7 @@
             <a:fld id="{D9CB193C-FC74-4279-8388-9DD1BFD58DB8}" type="datetime4">
               <a:rPr lang="en-US" smtClean="0"/>
               <a:pPr/>
-              <a:t>March 27, 2014</a:t>
+              <a:t>March 28, 2014</a:t>
             </a:fld>
             <a:endParaRPr lang="en-US"/>
           </a:p>
@@ -5937,7 +5979,7 @@
             <a:fld id="{D9CB193C-FC74-4279-8388-9DD1BFD58DB8}" type="datetime4">
               <a:rPr lang="en-US" smtClean="0"/>
               <a:pPr/>
-              <a:t>March 27, 2014</a:t>
+              <a:t>March 28, 2014</a:t>
             </a:fld>
             <a:endParaRPr lang="en-US"/>
           </a:p>
@@ -6220,7 +6262,7 @@
             <a:fld id="{D9CB193C-FC74-4279-8388-9DD1BFD58DB8}" type="datetime4">
               <a:rPr lang="en-US" smtClean="0"/>
               <a:pPr/>
-              <a:t>March 27, 2014</a:t>
+              <a:t>March 28, 2014</a:t>
             </a:fld>
             <a:endParaRPr lang="en-US"/>
           </a:p>
@@ -6322,17 +6364,21 @@
           <a:p>
             <a:r>
               <a:rPr lang="en-US" altLang="zh-CN" dirty="0" smtClean="0"/>
-              <a:t>Process cryptographic algorithms on </a:t>
-            </a:r>
-            <a:r>
-              <a:rPr lang="en-US" altLang="zh-CN" dirty="0" smtClean="0"/>
-              <a:t>hardware</a:t>
-            </a:r>
-          </a:p>
-          <a:p>
-            <a:r>
-              <a:rPr lang="en-US" altLang="zh-CN" dirty="0" smtClean="0"/>
-              <a:t>Wide applications:</a:t>
+              <a:t>Process cryptographic algorithms on hardware</a:t>
+            </a:r>
+          </a:p>
+          <a:p>
+            <a:r>
+              <a:rPr lang="en-US" altLang="zh-CN" dirty="0" smtClean="0"/>
+              <a:t>A</a:t>
+            </a:r>
+            <a:r>
+              <a:rPr lang="en-US" altLang="zh-CN" dirty="0" smtClean="0"/>
+              <a:t>pplications</a:t>
+            </a:r>
+            <a:r>
+              <a:rPr lang="en-US" altLang="zh-CN" dirty="0" smtClean="0"/>
+              <a:t>:</a:t>
             </a:r>
           </a:p>
           <a:p>
@@ -6347,11 +6393,7 @@
             <a:pPr lvl="1"/>
             <a:r>
               <a:rPr lang="en-US" altLang="zh-CN" dirty="0" smtClean="0"/>
-              <a:t>Sending personal </a:t>
-            </a:r>
-            <a:r>
-              <a:rPr lang="en-US" altLang="zh-CN" dirty="0" smtClean="0"/>
-              <a:t>data</a:t>
+              <a:t>Sending personal data</a:t>
             </a:r>
           </a:p>
           <a:p>
@@ -6367,7 +6409,6 @@
               <a:rPr lang="en-US" altLang="zh-CN" dirty="0" smtClean="0"/>
               <a:t>….</a:t>
             </a:r>
-            <a:endParaRPr lang="en-US" altLang="zh-CN" dirty="0" smtClean="0"/>
           </a:p>
         </p:txBody>
       </p:sp>
@@ -6436,7 +6477,7 @@
             <a:fld id="{D9CB193C-FC74-4279-8388-9DD1BFD58DB8}" type="datetime4">
               <a:rPr lang="en-US" smtClean="0"/>
               <a:pPr/>
-              <a:t>March 27, 2014</a:t>
+              <a:t>March 28, 2014</a:t>
             </a:fld>
             <a:endParaRPr lang="en-US"/>
           </a:p>
@@ -6626,7 +6667,7 @@
             <a:fld id="{D9CB193C-FC74-4279-8388-9DD1BFD58DB8}" type="datetime4">
               <a:rPr lang="en-US" smtClean="0"/>
               <a:pPr/>
-              <a:t>March 27, 2014</a:t>
+              <a:t>March 28, 2014</a:t>
             </a:fld>
             <a:endParaRPr lang="en-US"/>
           </a:p>

--- a/ppt/Einleitung.pptx
+++ b/ppt/Einleitung.pptx
@@ -5,29 +5,31 @@
     <p:sldMasterId id="2147483651" r:id="rId1"/>
   </p:sldMasterIdLst>
   <p:notesMasterIdLst>
-    <p:notesMasterId r:id="rId19"/>
+    <p:notesMasterId r:id="rId21"/>
   </p:notesMasterIdLst>
   <p:handoutMasterIdLst>
-    <p:handoutMasterId r:id="rId20"/>
+    <p:handoutMasterId r:id="rId22"/>
   </p:handoutMasterIdLst>
   <p:sldIdLst>
     <p:sldId id="256" r:id="rId2"/>
     <p:sldId id="257" r:id="rId3"/>
     <p:sldId id="258" r:id="rId4"/>
-    <p:sldId id="284" r:id="rId5"/>
-    <p:sldId id="260" r:id="rId6"/>
-    <p:sldId id="282" r:id="rId7"/>
-    <p:sldId id="285" r:id="rId8"/>
-    <p:sldId id="262" r:id="rId9"/>
-    <p:sldId id="283" r:id="rId10"/>
-    <p:sldId id="289" r:id="rId11"/>
-    <p:sldId id="286" r:id="rId12"/>
-    <p:sldId id="290" r:id="rId13"/>
-    <p:sldId id="291" r:id="rId14"/>
-    <p:sldId id="287" r:id="rId15"/>
-    <p:sldId id="273" r:id="rId16"/>
-    <p:sldId id="281" r:id="rId17"/>
-    <p:sldId id="274" r:id="rId18"/>
+    <p:sldId id="260" r:id="rId5"/>
+    <p:sldId id="285" r:id="rId6"/>
+    <p:sldId id="262" r:id="rId7"/>
+    <p:sldId id="283" r:id="rId8"/>
+    <p:sldId id="282" r:id="rId9"/>
+    <p:sldId id="292" r:id="rId10"/>
+    <p:sldId id="293" r:id="rId11"/>
+    <p:sldId id="289" r:id="rId12"/>
+    <p:sldId id="286" r:id="rId13"/>
+    <p:sldId id="290" r:id="rId14"/>
+    <p:sldId id="291" r:id="rId15"/>
+    <p:sldId id="287" r:id="rId16"/>
+    <p:sldId id="294" r:id="rId17"/>
+    <p:sldId id="273" r:id="rId18"/>
+    <p:sldId id="281" r:id="rId19"/>
+    <p:sldId id="274" r:id="rId20"/>
   </p:sldIdLst>
   <p:sldSz cx="9144000" cy="6858000" type="screen4x3"/>
   <p:notesSz cx="6743700" cy="9906000"/>
@@ -1312,7 +1314,7 @@
             <a:fld id="{71D6DBAF-C9CC-41B3-844C-C1F5D8267235}" type="datetime4">
               <a:rPr lang="en-US"/>
               <a:pPr/>
-              <a:t>March 28, 2014</a:t>
+              <a:t>March 31, 2014</a:t>
             </a:fld>
             <a:endParaRPr lang="en-US"/>
           </a:p>
@@ -1546,7 +1548,7 @@
             <a:fld id="{D9CB193C-FC74-4279-8388-9DD1BFD58DB8}" type="datetime4">
               <a:rPr lang="en-US"/>
               <a:pPr/>
-              <a:t>March 28, 2014</a:t>
+              <a:t>March 31, 2014</a:t>
             </a:fld>
             <a:endParaRPr lang="en-US"/>
           </a:p>
@@ -1994,7 +1996,7 @@
             <a:fld id="{F9C0533E-6560-41EF-998F-4A06FB5FB3B5}" type="datetime4">
               <a:rPr lang="en-US"/>
               <a:pPr/>
-              <a:t>March 28, 2014</a:t>
+              <a:t>March 31, 2014</a:t>
             </a:fld>
             <a:endParaRPr lang="en-US"/>
           </a:p>
@@ -2564,7 +2566,7 @@
             <a:fld id="{BE3ACA9F-847D-4917-9890-CF03388418A4}" type="datetime4">
               <a:rPr lang="en-US"/>
               <a:pPr/>
-              <a:t>March 28, 2014</a:t>
+              <a:t>March 31, 2014</a:t>
             </a:fld>
             <a:endParaRPr lang="en-US"/>
           </a:p>
@@ -3176,7 +3178,7 @@
           <a:p>
             <a:r>
               <a:rPr lang="en-US" altLang="zh-CN" dirty="0" smtClean="0"/>
-              <a:t>Implementation Scenario</a:t>
+              <a:t>OPC UA Client Server Architecture </a:t>
             </a:r>
             <a:endParaRPr lang="zh-CN" altLang="en-US" dirty="0"/>
           </a:p>
@@ -3247,122 +3249,375 @@
             <a:fld id="{D9CB193C-FC74-4279-8388-9DD1BFD58DB8}" type="datetime4">
               <a:rPr lang="en-US" smtClean="0"/>
               <a:pPr/>
-              <a:t>March 28, 2014</a:t>
+              <a:t>March 31, 2014</a:t>
             </a:fld>
             <a:endParaRPr lang="en-US"/>
           </a:p>
         </p:txBody>
       </p:sp>
-      <p:sp>
-        <p:nvSpPr>
-          <p:cNvPr id="8" name="TextBox 7"/>
-          <p:cNvSpPr txBox="1"/>
-          <p:nvPr/>
-        </p:nvSpPr>
-        <p:spPr>
-          <a:xfrm>
-            <a:off x="5184395" y="2432304"/>
-            <a:ext cx="4087621" cy="3046988"/>
-          </a:xfrm>
-          <a:prstGeom prst="rect">
-            <a:avLst/>
-          </a:prstGeom>
-          <a:noFill/>
-        </p:spPr>
-        <p:txBody>
-          <a:bodyPr wrap="square" rtlCol="0">
-            <a:spAutoFit/>
-          </a:bodyPr>
-          <a:lstStyle/>
-          <a:p>
-            <a:r>
-              <a:rPr lang="en-US" altLang="zh-CN" sz="1600" i="0" dirty="0" smtClean="0"/>
-              <a:t>OPC UA Server: </a:t>
-            </a:r>
-          </a:p>
-          <a:p>
-            <a:r>
-              <a:rPr lang="en-US" altLang="zh-CN" sz="1600" i="0" dirty="0" smtClean="0"/>
-              <a:t>	Central Controller</a:t>
-            </a:r>
-          </a:p>
-          <a:p>
-            <a:endParaRPr lang="en-US" altLang="zh-CN" sz="1600" i="0" dirty="0" smtClean="0"/>
-          </a:p>
-          <a:p>
-            <a:r>
-              <a:rPr lang="en-US" altLang="zh-CN" sz="1600" i="0" dirty="0" smtClean="0"/>
-              <a:t>OPC UA Clients: </a:t>
-            </a:r>
-          </a:p>
-          <a:p>
-            <a:r>
-              <a:rPr lang="en-US" altLang="zh-CN" sz="1600" i="0" dirty="0" smtClean="0"/>
-              <a:t>	Sensors</a:t>
-            </a:r>
-          </a:p>
-          <a:p>
-            <a:r>
-              <a:rPr lang="en-US" altLang="zh-CN" sz="1600" i="0" dirty="0" smtClean="0"/>
-              <a:t>	control devices</a:t>
-            </a:r>
-          </a:p>
-          <a:p>
-            <a:r>
-              <a:rPr lang="en-US" altLang="zh-CN" sz="1600" i="0" dirty="0" smtClean="0"/>
-              <a:t>	access control locks</a:t>
-            </a:r>
-          </a:p>
-          <a:p>
-            <a:r>
-              <a:rPr lang="en-US" altLang="zh-CN" sz="1600" i="0" dirty="0" smtClean="0"/>
-              <a:t>	phones</a:t>
-            </a:r>
-          </a:p>
-          <a:p>
-            <a:endParaRPr lang="en-US" altLang="zh-CN" sz="1600" i="0" dirty="0" smtClean="0"/>
-          </a:p>
-          <a:p>
-            <a:endParaRPr lang="en-US" altLang="zh-CN" sz="1600" dirty="0" smtClean="0"/>
-          </a:p>
-          <a:p>
-            <a:endParaRPr lang="en-US" altLang="zh-CN" sz="1600" dirty="0" smtClean="0"/>
-          </a:p>
-          <a:p>
-            <a:r>
-              <a:rPr lang="en-US" altLang="zh-CN" sz="1600" dirty="0" smtClean="0"/>
-              <a:t> s</a:t>
-            </a:r>
-            <a:endParaRPr lang="zh-CN" altLang="en-US" sz="1600" dirty="0"/>
-          </a:p>
-        </p:txBody>
-      </p:sp>
       <p:pic>
         <p:nvPicPr>
-          <p:cNvPr id="9" name="Picture 3" descr="D:\opc_ua\ppt\v1.png"/>
+          <p:cNvPr id="1026" name="Picture 2"/>
           <p:cNvPicPr>
-            <a:picLocks noChangeAspect="1" noChangeArrowheads="1"/>
+            <a:picLocks noGrp="1" noChangeAspect="1" noChangeArrowheads="1"/>
           </p:cNvPicPr>
-          <p:nvPr/>
+          <p:nvPr>
+            <p:ph idx="1"/>
+          </p:nvPr>
         </p:nvPicPr>
         <p:blipFill>
           <a:blip r:embed="rId2" cstate="print"/>
-          <a:srcRect/>
+          <a:srcRect l="36641"/>
           <a:stretch>
             <a:fillRect/>
           </a:stretch>
         </p:blipFill>
         <p:spPr bwMode="auto">
           <a:xfrm>
-            <a:off x="457200" y="1723580"/>
-            <a:ext cx="4556349" cy="4274884"/>
+            <a:off x="4645152" y="1065213"/>
+            <a:ext cx="4259135" cy="3857657"/>
           </a:xfrm>
           <a:prstGeom prst="rect">
             <a:avLst/>
           </a:prstGeom>
           <a:noFill/>
+          <a:ln w="9525">
+            <a:noFill/>
+            <a:miter lim="800000"/>
+            <a:headEnd/>
+            <a:tailEnd/>
+          </a:ln>
         </p:spPr>
       </p:pic>
+      <p:sp>
+        <p:nvSpPr>
+          <p:cNvPr id="7" name="内容占位符 2"/>
+          <p:cNvSpPr txBox="1">
+            <a:spLocks/>
+          </p:cNvSpPr>
+          <p:nvPr/>
+        </p:nvSpPr>
+        <p:spPr bwMode="auto">
+          <a:xfrm>
+            <a:off x="210312" y="1197864"/>
+            <a:ext cx="4434840" cy="5056187"/>
+          </a:xfrm>
+          <a:prstGeom prst="rect">
+            <a:avLst/>
+          </a:prstGeom>
+          <a:noFill/>
+          <a:ln w="9525">
+            <a:noFill/>
+            <a:miter lim="800000"/>
+            <a:headEnd/>
+            <a:tailEnd/>
+          </a:ln>
+        </p:spPr>
+        <p:txBody>
+          <a:bodyPr vert="horz" wrap="square" lIns="91440" tIns="45720" rIns="91440" bIns="45720" numCol="1" anchor="t" anchorCtr="0" compatLnSpc="1">
+            <a:prstTxWarp prst="textNoShape">
+              <a:avLst/>
+            </a:prstTxWarp>
+          </a:bodyPr>
+          <a:lstStyle/>
+          <a:p>
+            <a:pPr marL="342900" marR="0" lvl="0" indent="-342900" algn="l" defTabSz="914400" rtl="0" eaLnBrk="1" fontAlgn="base" latinLnBrk="0" hangingPunct="1">
+              <a:lnSpc>
+                <a:spcPct val="100000"/>
+              </a:lnSpc>
+              <a:spcBef>
+                <a:spcPct val="20000"/>
+              </a:spcBef>
+              <a:spcAft>
+                <a:spcPct val="0"/>
+              </a:spcAft>
+              <a:buClr>
+                <a:srgbClr val="073482"/>
+              </a:buClr>
+              <a:buSzTx/>
+              <a:buFont typeface="Wingdings" pitchFamily="2" charset="2"/>
+              <a:buChar char="§"/>
+              <a:tabLst/>
+              <a:defRPr/>
+            </a:pPr>
+            <a:r>
+              <a:rPr kumimoji="0" lang="en-US" altLang="zh-CN" b="0" i="0" u="none" strike="noStrike" kern="0" cap="none" spc="0" normalizeH="0" baseline="0" noProof="0" dirty="0" smtClean="0">
+                <a:ln>
+                  <a:noFill/>
+                </a:ln>
+                <a:solidFill>
+                  <a:schemeClr val="tx1"/>
+                </a:solidFill>
+                <a:effectLst/>
+                <a:uLnTx/>
+                <a:uFillTx/>
+                <a:latin typeface="+mn-lt"/>
+                <a:ea typeface="+mn-ea"/>
+                <a:cs typeface="+mn-cs"/>
+              </a:rPr>
+              <a:t>Real Object: Field</a:t>
+            </a:r>
+            <a:r>
+              <a:rPr kumimoji="0" lang="en-US" altLang="zh-CN" b="0" i="0" u="none" strike="noStrike" kern="0" cap="none" spc="0" normalizeH="0" noProof="0" dirty="0" smtClean="0">
+                <a:ln>
+                  <a:noFill/>
+                </a:ln>
+                <a:solidFill>
+                  <a:schemeClr val="tx1"/>
+                </a:solidFill>
+                <a:effectLst/>
+                <a:uLnTx/>
+                <a:uFillTx/>
+                <a:latin typeface="+mn-lt"/>
+                <a:ea typeface="+mn-ea"/>
+                <a:cs typeface="+mn-cs"/>
+              </a:rPr>
+              <a:t> devices, abstract date.</a:t>
+            </a:r>
+          </a:p>
+          <a:p>
+            <a:pPr marL="342900" marR="0" lvl="0" indent="-342900" algn="l" defTabSz="914400" rtl="0" eaLnBrk="1" fontAlgn="base" latinLnBrk="0" hangingPunct="1">
+              <a:lnSpc>
+                <a:spcPct val="100000"/>
+              </a:lnSpc>
+              <a:spcBef>
+                <a:spcPct val="20000"/>
+              </a:spcBef>
+              <a:spcAft>
+                <a:spcPct val="0"/>
+              </a:spcAft>
+              <a:buClr>
+                <a:srgbClr val="073482"/>
+              </a:buClr>
+              <a:buSzTx/>
+              <a:buFont typeface="Wingdings" pitchFamily="2" charset="2"/>
+              <a:buChar char="§"/>
+              <a:tabLst/>
+              <a:defRPr/>
+            </a:pPr>
+            <a:r>
+              <a:rPr lang="en-US" altLang="zh-CN" b="0" i="0" kern="0" dirty="0" smtClean="0">
+                <a:solidFill>
+                  <a:schemeClr val="tx1"/>
+                </a:solidFill>
+                <a:latin typeface="+mn-lt"/>
+              </a:rPr>
+              <a:t>Node: Real Objects are represented by Nodes.</a:t>
+            </a:r>
+            <a:endParaRPr kumimoji="0" lang="en-US" altLang="zh-CN" b="0" i="0" u="none" strike="noStrike" kern="0" cap="none" spc="0" normalizeH="0" noProof="0" dirty="0" smtClean="0">
+              <a:ln>
+                <a:noFill/>
+              </a:ln>
+              <a:solidFill>
+                <a:schemeClr val="tx1"/>
+              </a:solidFill>
+              <a:effectLst/>
+              <a:uLnTx/>
+              <a:uFillTx/>
+              <a:latin typeface="+mn-lt"/>
+              <a:ea typeface="+mn-ea"/>
+              <a:cs typeface="+mn-cs"/>
+            </a:endParaRPr>
+          </a:p>
+          <a:p>
+            <a:pPr marL="342900" marR="0" lvl="0" indent="-342900" algn="l" defTabSz="914400" rtl="0" eaLnBrk="1" fontAlgn="base" latinLnBrk="0" hangingPunct="1">
+              <a:lnSpc>
+                <a:spcPct val="100000"/>
+              </a:lnSpc>
+              <a:spcBef>
+                <a:spcPct val="20000"/>
+              </a:spcBef>
+              <a:spcAft>
+                <a:spcPct val="0"/>
+              </a:spcAft>
+              <a:buClr>
+                <a:srgbClr val="073482"/>
+              </a:buClr>
+              <a:buSzTx/>
+              <a:buFont typeface="Wingdings" pitchFamily="2" charset="2"/>
+              <a:buChar char="§"/>
+              <a:tabLst/>
+              <a:defRPr/>
+            </a:pPr>
+            <a:r>
+              <a:rPr lang="en-US" altLang="zh-CN" b="0" i="0" kern="0" dirty="0" smtClean="0">
+                <a:solidFill>
+                  <a:schemeClr val="tx1"/>
+                </a:solidFill>
+                <a:latin typeface="+mn-lt"/>
+              </a:rPr>
+              <a:t>Address Space: Information that can be viewed by OPC UA clients</a:t>
+            </a:r>
+          </a:p>
+          <a:p>
+            <a:pPr marL="342900" marR="0" lvl="0" indent="-342900" algn="l" defTabSz="914400" rtl="0" eaLnBrk="1" fontAlgn="base" latinLnBrk="0" hangingPunct="1">
+              <a:lnSpc>
+                <a:spcPct val="100000"/>
+              </a:lnSpc>
+              <a:spcBef>
+                <a:spcPct val="20000"/>
+              </a:spcBef>
+              <a:spcAft>
+                <a:spcPct val="0"/>
+              </a:spcAft>
+              <a:buClr>
+                <a:srgbClr val="073482"/>
+              </a:buClr>
+              <a:buSzTx/>
+              <a:buFont typeface="Wingdings" pitchFamily="2" charset="2"/>
+              <a:buChar char="§"/>
+              <a:tabLst/>
+              <a:defRPr/>
+            </a:pPr>
+            <a:r>
+              <a:rPr lang="en-US" altLang="zh-CN" b="0" i="0" kern="0" noProof="0" dirty="0" smtClean="0">
+                <a:solidFill>
+                  <a:schemeClr val="tx1"/>
+                </a:solidFill>
+                <a:latin typeface="+mn-lt"/>
+              </a:rPr>
+              <a:t>Subscription: Client can subscript particular information</a:t>
+            </a:r>
+          </a:p>
+          <a:p>
+            <a:pPr marL="342900" marR="0" lvl="0" indent="-342900" algn="l" defTabSz="914400" rtl="0" eaLnBrk="1" fontAlgn="base" latinLnBrk="0" hangingPunct="1">
+              <a:lnSpc>
+                <a:spcPct val="100000"/>
+              </a:lnSpc>
+              <a:spcBef>
+                <a:spcPct val="20000"/>
+              </a:spcBef>
+              <a:spcAft>
+                <a:spcPct val="0"/>
+              </a:spcAft>
+              <a:buClr>
+                <a:srgbClr val="073482"/>
+              </a:buClr>
+              <a:buSzTx/>
+              <a:buFont typeface="Wingdings" pitchFamily="2" charset="2"/>
+              <a:buChar char="§"/>
+              <a:tabLst/>
+              <a:defRPr/>
+            </a:pPr>
+            <a:r>
+              <a:rPr lang="en-US" altLang="zh-CN" b="0" i="0" kern="0" dirty="0" smtClean="0">
+                <a:solidFill>
+                  <a:schemeClr val="tx1"/>
+                </a:solidFill>
+                <a:latin typeface="+mn-lt"/>
+              </a:rPr>
+              <a:t>Monitored Item: manage subscripted Nodes.</a:t>
+            </a:r>
+          </a:p>
+          <a:p>
+            <a:pPr marL="342900" marR="0" lvl="0" indent="-342900" algn="l" defTabSz="914400" rtl="0" eaLnBrk="1" fontAlgn="base" latinLnBrk="0" hangingPunct="1">
+              <a:lnSpc>
+                <a:spcPct val="100000"/>
+              </a:lnSpc>
+              <a:spcBef>
+                <a:spcPct val="20000"/>
+              </a:spcBef>
+              <a:spcAft>
+                <a:spcPct val="0"/>
+              </a:spcAft>
+              <a:buClr>
+                <a:srgbClr val="073482"/>
+              </a:buClr>
+              <a:buSzTx/>
+              <a:buFont typeface="Wingdings" pitchFamily="2" charset="2"/>
+              <a:buChar char="§"/>
+              <a:tabLst/>
+              <a:defRPr/>
+            </a:pPr>
+            <a:r>
+              <a:rPr lang="en-US" altLang="zh-CN" b="0" i="0" kern="0" noProof="0" dirty="0" smtClean="0">
+                <a:solidFill>
+                  <a:schemeClr val="tx1"/>
+                </a:solidFill>
+                <a:latin typeface="+mn-lt"/>
+              </a:rPr>
+              <a:t>Server API: Translate Server application instructions</a:t>
+            </a:r>
+          </a:p>
+          <a:p>
+            <a:pPr marL="342900" marR="0" lvl="0" indent="-342900" algn="l" defTabSz="914400" rtl="0" eaLnBrk="1" fontAlgn="base" latinLnBrk="0" hangingPunct="1">
+              <a:lnSpc>
+                <a:spcPct val="100000"/>
+              </a:lnSpc>
+              <a:spcBef>
+                <a:spcPct val="20000"/>
+              </a:spcBef>
+              <a:spcAft>
+                <a:spcPct val="0"/>
+              </a:spcAft>
+              <a:buClr>
+                <a:srgbClr val="073482"/>
+              </a:buClr>
+              <a:buSzTx/>
+              <a:buFont typeface="Wingdings" pitchFamily="2" charset="2"/>
+              <a:buChar char="§"/>
+              <a:tabLst/>
+              <a:defRPr/>
+            </a:pPr>
+            <a:r>
+              <a:rPr lang="en-US" altLang="zh-CN" b="0" i="0" kern="0" dirty="0" smtClean="0">
+                <a:solidFill>
+                  <a:schemeClr val="tx1"/>
+                </a:solidFill>
+                <a:latin typeface="+mn-lt"/>
+              </a:rPr>
+              <a:t>Communication Stack: realize commutation with OPC UA client</a:t>
+            </a:r>
+            <a:endParaRPr lang="en-US" altLang="zh-CN" b="0" i="0" kern="0" noProof="0" dirty="0" smtClean="0">
+              <a:solidFill>
+                <a:schemeClr val="tx1"/>
+              </a:solidFill>
+              <a:latin typeface="+mn-lt"/>
+            </a:endParaRPr>
+          </a:p>
+          <a:p>
+            <a:pPr marL="342900" marR="0" lvl="0" indent="-342900" algn="l" defTabSz="914400" rtl="0" eaLnBrk="1" fontAlgn="base" latinLnBrk="0" hangingPunct="1">
+              <a:lnSpc>
+                <a:spcPct val="100000"/>
+              </a:lnSpc>
+              <a:spcBef>
+                <a:spcPct val="20000"/>
+              </a:spcBef>
+              <a:spcAft>
+                <a:spcPct val="0"/>
+              </a:spcAft>
+              <a:buClr>
+                <a:srgbClr val="073482"/>
+              </a:buClr>
+              <a:buSzTx/>
+              <a:tabLst/>
+              <a:defRPr/>
+            </a:pPr>
+            <a:endParaRPr lang="en-US" altLang="zh-CN" b="0" i="0" kern="0" dirty="0" smtClean="0">
+              <a:solidFill>
+                <a:schemeClr val="tx1"/>
+              </a:solidFill>
+              <a:latin typeface="+mn-lt"/>
+            </a:endParaRPr>
+          </a:p>
+          <a:p>
+            <a:pPr marL="800100" lvl="1" indent="-342900">
+              <a:spcBef>
+                <a:spcPct val="20000"/>
+              </a:spcBef>
+              <a:buClr>
+                <a:srgbClr val="073482"/>
+              </a:buClr>
+            </a:pPr>
+            <a:endParaRPr lang="en-US" altLang="zh-CN" sz="2400" b="0" i="0" kern="0" dirty="0" smtClean="0">
+              <a:solidFill>
+                <a:schemeClr val="tx1"/>
+              </a:solidFill>
+              <a:latin typeface="+mn-lt"/>
+            </a:endParaRPr>
+          </a:p>
+        </p:txBody>
+      </p:sp>
     </p:spTree>
   </p:cSld>
   <p:clrMapOvr>
@@ -3412,7 +3667,7 @@
           <a:p>
             <a:r>
               <a:rPr lang="en-US" altLang="zh-CN" dirty="0" smtClean="0"/>
-              <a:t>Implementation Scenario</a:t>
+              <a:t>Application Scenario</a:t>
             </a:r>
             <a:endParaRPr lang="zh-CN" altLang="en-US" dirty="0"/>
           </a:p>
@@ -3483,7 +3738,7 @@
             <a:fld id="{D9CB193C-FC74-4279-8388-9DD1BFD58DB8}" type="datetime4">
               <a:rPr lang="en-US" smtClean="0"/>
               <a:pPr/>
-              <a:t>March 28, 2014</a:t>
+              <a:t>March 31, 2014</a:t>
             </a:fld>
             <a:endParaRPr lang="en-US"/>
           </a:p>
@@ -3497,8 +3752,8 @@
         </p:nvSpPr>
         <p:spPr>
           <a:xfrm>
-            <a:off x="5184395" y="1901952"/>
-            <a:ext cx="3743579" cy="4524315"/>
+            <a:off x="5184395" y="2432304"/>
+            <a:ext cx="4087621" cy="3046988"/>
           </a:xfrm>
           <a:prstGeom prst="rect">
             <a:avLst/>
@@ -3513,96 +3768,52 @@
           <a:p>
             <a:r>
               <a:rPr lang="en-US" altLang="zh-CN" sz="1600" i="0" dirty="0" smtClean="0"/>
-              <a:t>sensor:</a:t>
-            </a:r>
-          </a:p>
-          <a:p>
-            <a:pPr>
-              <a:buFont typeface="Wingdings" pitchFamily="2" charset="2"/>
-              <a:buChar char="p"/>
-            </a:pPr>
+              <a:t>OPC UA Server: </a:t>
+            </a:r>
+          </a:p>
+          <a:p>
             <a:r>
               <a:rPr lang="en-US" altLang="zh-CN" sz="1600" i="0" dirty="0" smtClean="0"/>
-              <a:t> measure environment variables : luminance, temperature…</a:t>
-            </a:r>
-          </a:p>
-          <a:p>
-            <a:pPr>
-              <a:buFont typeface="Wingdings" pitchFamily="2" charset="2"/>
-              <a:buChar char="p"/>
-            </a:pPr>
+              <a:t>	Central Controller</a:t>
+            </a:r>
+          </a:p>
+          <a:p>
+            <a:endParaRPr lang="en-US" altLang="zh-CN" sz="1600" i="0" dirty="0" smtClean="0"/>
+          </a:p>
+          <a:p>
             <a:r>
               <a:rPr lang="en-US" altLang="zh-CN" sz="1600" i="0" dirty="0" smtClean="0"/>
-              <a:t>Inform controller</a:t>
-            </a:r>
-          </a:p>
-          <a:p>
-            <a:pPr>
-              <a:buFont typeface="Wingdings" pitchFamily="2" charset="2"/>
-              <a:buChar char="p"/>
-            </a:pPr>
+              <a:t>OPC UA Clients: </a:t>
+            </a:r>
+          </a:p>
+          <a:p>
             <a:r>
               <a:rPr lang="en-US" altLang="zh-CN" sz="1600" i="0" dirty="0" smtClean="0"/>
-              <a:t>Connected through inner network</a:t>
+              <a:t>	Sensors</a:t>
+            </a:r>
+          </a:p>
+          <a:p>
+            <a:r>
+              <a:rPr lang="en-US" altLang="zh-CN" sz="1600" i="0" dirty="0" smtClean="0"/>
+              <a:t>	control devices</a:t>
+            </a:r>
+          </a:p>
+          <a:p>
+            <a:r>
+              <a:rPr lang="en-US" altLang="zh-CN" sz="1600" i="0" dirty="0" smtClean="0"/>
+              <a:t>	access control locks</a:t>
+            </a:r>
+          </a:p>
+          <a:p>
+            <a:r>
+              <a:rPr lang="en-US" altLang="zh-CN" sz="1600" i="0" dirty="0" smtClean="0"/>
+              <a:t>	phones</a:t>
             </a:r>
           </a:p>
           <a:p>
             <a:endParaRPr lang="en-US" altLang="zh-CN" sz="1600" i="0" dirty="0" smtClean="0"/>
           </a:p>
           <a:p>
-            <a:r>
-              <a:rPr lang="en-US" altLang="zh-CN" sz="1600" i="0" dirty="0" smtClean="0"/>
-              <a:t>Control device:</a:t>
-            </a:r>
-          </a:p>
-          <a:p>
-            <a:pPr>
-              <a:buFont typeface="Wingdings" pitchFamily="2" charset="2"/>
-              <a:buChar char="p"/>
-            </a:pPr>
-            <a:r>
-              <a:rPr lang="en-US" altLang="zh-CN" sz="1600" i="0" dirty="0" smtClean="0"/>
-              <a:t>In charge of opening windows,  giving pet water and </a:t>
-            </a:r>
-            <a:r>
-              <a:rPr lang="en-US" altLang="zh-CN" sz="1600" i="0" dirty="0" smtClean="0"/>
-              <a:t>etc</a:t>
-            </a:r>
-            <a:endParaRPr lang="en-US" altLang="zh-CN" sz="1600" i="0" dirty="0" smtClean="0"/>
-          </a:p>
-          <a:p>
-            <a:pPr>
-              <a:buFont typeface="Wingdings" pitchFamily="2" charset="2"/>
-              <a:buChar char="p"/>
-            </a:pPr>
-            <a:r>
-              <a:rPr lang="en-US" altLang="zh-CN" sz="1600" i="0" dirty="0" smtClean="0"/>
-              <a:t>Taken command from UA Server</a:t>
-            </a:r>
-          </a:p>
-          <a:p>
-            <a:pPr>
-              <a:buFont typeface="Wingdings" pitchFamily="2" charset="2"/>
-              <a:buChar char="p"/>
-            </a:pPr>
-            <a:r>
-              <a:rPr lang="en-US" altLang="zh-CN" sz="1600" i="0" dirty="0" smtClean="0"/>
-              <a:t>Connected through inner network</a:t>
-            </a:r>
-          </a:p>
-          <a:p>
-            <a:endParaRPr lang="en-US" altLang="zh-CN" sz="1600" i="0" dirty="0" smtClean="0"/>
-          </a:p>
-          <a:p>
-            <a:endParaRPr lang="en-US" altLang="zh-CN" sz="1600" i="0" dirty="0" smtClean="0"/>
-          </a:p>
-          <a:p>
-            <a:endParaRPr lang="en-US" altLang="zh-CN" sz="1600" i="0" dirty="0" smtClean="0"/>
-          </a:p>
-          <a:p>
-            <a:endParaRPr lang="en-US" altLang="zh-CN" sz="1600" i="0" dirty="0" smtClean="0"/>
-          </a:p>
-          <a:p>
             <a:endParaRPr lang="en-US" altLang="zh-CN" sz="1600" dirty="0" smtClean="0"/>
           </a:p>
           <a:p>
@@ -3611,7 +3822,7 @@
           <a:p>
             <a:r>
               <a:rPr lang="en-US" altLang="zh-CN" sz="1600" dirty="0" smtClean="0"/>
-              <a:t> </a:t>
+              <a:t> s</a:t>
             </a:r>
             <a:endParaRPr lang="zh-CN" altLang="en-US" sz="1600" dirty="0"/>
           </a:p>
@@ -3619,7 +3830,7 @@
       </p:sp>
       <p:pic>
         <p:nvPicPr>
-          <p:cNvPr id="1027" name="Picture 3" descr="D:\opc_ua\ppt\v1.png"/>
+          <p:cNvPr id="9" name="Picture 3" descr="D:\opc_ua\ppt\v1.png"/>
           <p:cNvPicPr>
             <a:picLocks noChangeAspect="1" noChangeArrowheads="1"/>
           </p:cNvPicPr>
@@ -3692,7 +3903,7 @@
           <a:p>
             <a:r>
               <a:rPr lang="en-US" altLang="zh-CN" dirty="0" smtClean="0"/>
-              <a:t>Implementation Scenario</a:t>
+              <a:t>Application Scenario</a:t>
             </a:r>
             <a:endParaRPr lang="zh-CN" altLang="en-US" dirty="0"/>
           </a:p>
@@ -3763,7 +3974,7 @@
             <a:fld id="{D9CB193C-FC74-4279-8388-9DD1BFD58DB8}" type="datetime4">
               <a:rPr lang="en-US" smtClean="0"/>
               <a:pPr/>
-              <a:t>March 28, 2014</a:t>
+              <a:t>March 31, 2014</a:t>
             </a:fld>
             <a:endParaRPr lang="en-US"/>
           </a:p>
@@ -3777,8 +3988,8 @@
         </p:nvSpPr>
         <p:spPr>
           <a:xfrm>
-            <a:off x="5184395" y="1558988"/>
-            <a:ext cx="3743579" cy="6247864"/>
+            <a:off x="5184395" y="1901952"/>
+            <a:ext cx="3743579" cy="4524315"/>
           </a:xfrm>
           <a:prstGeom prst="rect">
             <a:avLst/>
@@ -3791,12 +4002,9 @@
           </a:bodyPr>
           <a:lstStyle/>
           <a:p>
-            <a:endParaRPr lang="en-US" altLang="zh-CN" sz="1600" i="0" dirty="0" smtClean="0"/>
-          </a:p>
-          <a:p>
             <a:r>
               <a:rPr lang="en-US" altLang="zh-CN" sz="1600" i="0" dirty="0" smtClean="0"/>
-              <a:t>Access control lock</a:t>
+              <a:t>sensor:</a:t>
             </a:r>
           </a:p>
           <a:p>
@@ -3806,7 +4014,7 @@
             </a:pPr>
             <a:r>
               <a:rPr lang="en-US" altLang="zh-CN" sz="1600" i="0" dirty="0" smtClean="0"/>
-              <a:t>Digital lock</a:t>
+              <a:t> measure environment variables : luminance, temperature…</a:t>
             </a:r>
           </a:p>
           <a:p>
@@ -3816,7 +4024,7 @@
             </a:pPr>
             <a:r>
               <a:rPr lang="en-US" altLang="zh-CN" sz="1600" i="0" dirty="0" smtClean="0"/>
-              <a:t>only allows phone user with enough authority</a:t>
+              <a:t>Inform controller</a:t>
             </a:r>
           </a:p>
           <a:p>
@@ -3826,7 +4034,16 @@
             </a:pPr>
             <a:r>
               <a:rPr lang="en-US" altLang="zh-CN" sz="1600" i="0" dirty="0" smtClean="0"/>
-              <a:t>different locks have different policies</a:t>
+              <a:t>Connected through inner network</a:t>
+            </a:r>
+          </a:p>
+          <a:p>
+            <a:endParaRPr lang="en-US" altLang="zh-CN" sz="1600" i="0" dirty="0" smtClean="0"/>
+          </a:p>
+          <a:p>
+            <a:r>
+              <a:rPr lang="en-US" altLang="zh-CN" sz="1600" i="0" dirty="0" smtClean="0"/>
+              <a:t>Control device:</a:t>
             </a:r>
           </a:p>
           <a:p>
@@ -3836,7 +4053,7 @@
             </a:pPr>
             <a:r>
               <a:rPr lang="en-US" altLang="zh-CN" sz="1600" i="0" dirty="0" smtClean="0"/>
-              <a:t>Send alarm when illegal access </a:t>
+              <a:t>In charge of opening windows,  giving pet water and etc</a:t>
             </a:r>
           </a:p>
           <a:p>
@@ -3846,16 +4063,7 @@
             </a:pPr>
             <a:r>
               <a:rPr lang="en-US" altLang="zh-CN" sz="1600" i="0" dirty="0" smtClean="0"/>
-              <a:t>Connected through inner network</a:t>
-            </a:r>
-          </a:p>
-          <a:p>
-            <a:endParaRPr lang="en-US" altLang="zh-CN" sz="1600" i="0" dirty="0" smtClean="0"/>
-          </a:p>
-          <a:p>
-            <a:r>
-              <a:rPr lang="en-US" altLang="zh-CN" sz="1600" i="0" dirty="0" smtClean="0"/>
-              <a:t>Phone user: </a:t>
+              <a:t>Taken command from UA Server</a:t>
             </a:r>
           </a:p>
           <a:p>
@@ -3865,74 +4073,13 @@
             </a:pPr>
             <a:r>
               <a:rPr lang="en-US" altLang="zh-CN" sz="1600" i="0" dirty="0" smtClean="0"/>
-              <a:t>Smart Phone</a:t>
-            </a:r>
-          </a:p>
-          <a:p>
-            <a:pPr>
-              <a:buFont typeface="Wingdings" pitchFamily="2" charset="2"/>
-              <a:buChar char="p"/>
-            </a:pPr>
-            <a:r>
-              <a:rPr lang="en-US" altLang="zh-CN" sz="1600" i="0" dirty="0" smtClean="0"/>
-              <a:t>UICC smart Card</a:t>
-            </a:r>
-          </a:p>
-          <a:p>
-            <a:pPr>
-              <a:buFont typeface="Wingdings" pitchFamily="2" charset="2"/>
-              <a:buChar char="p"/>
-            </a:pPr>
-            <a:r>
-              <a:rPr lang="en-US" altLang="zh-CN" sz="1600" i="0" dirty="0" smtClean="0"/>
-              <a:t>Installation of Client application</a:t>
-            </a:r>
-          </a:p>
-          <a:p>
-            <a:pPr>
-              <a:buFont typeface="Wingdings" pitchFamily="2" charset="2"/>
-              <a:buChar char="p"/>
-            </a:pPr>
-            <a:r>
-              <a:rPr lang="en-US" altLang="zh-CN" sz="1600" i="0" dirty="0" smtClean="0"/>
-              <a:t>Root user = house owner</a:t>
-            </a:r>
-          </a:p>
-          <a:p>
-            <a:pPr>
-              <a:buFont typeface="Wingdings" pitchFamily="2" charset="2"/>
-              <a:buChar char="p"/>
-            </a:pPr>
-            <a:r>
-              <a:rPr lang="en-US" altLang="zh-CN" sz="1600" i="0" dirty="0" smtClean="0"/>
-              <a:t>Guest user = neighbor etc…</a:t>
-            </a:r>
-          </a:p>
-          <a:p>
-            <a:pPr>
-              <a:buFont typeface="Wingdings" pitchFamily="2" charset="2"/>
-              <a:buChar char="p"/>
-            </a:pPr>
-            <a:r>
-              <a:rPr lang="en-US" altLang="zh-CN" sz="1600" i="0" dirty="0" smtClean="0"/>
-              <a:t>Parameterized control devices through server</a:t>
-            </a:r>
-          </a:p>
-          <a:p>
-            <a:pPr>
-              <a:buFont typeface="Wingdings" pitchFamily="2" charset="2"/>
-              <a:buChar char="p"/>
-            </a:pPr>
-            <a:r>
-              <a:rPr lang="en-US" altLang="zh-CN" sz="1600" i="0" dirty="0" smtClean="0"/>
-              <a:t>Connected through open network</a:t>
-            </a:r>
-          </a:p>
-          <a:p>
-            <a:pPr>
-              <a:buFont typeface="Wingdings" pitchFamily="2" charset="2"/>
-              <a:buChar char="p"/>
-            </a:pPr>
+              <a:t>Connected through inner network</a:t>
+            </a:r>
+          </a:p>
+          <a:p>
+            <a:endParaRPr lang="en-US" altLang="zh-CN" sz="1600" i="0" dirty="0" smtClean="0"/>
+          </a:p>
+          <a:p>
             <a:endParaRPr lang="en-US" altLang="zh-CN" sz="1600" i="0" dirty="0" smtClean="0"/>
           </a:p>
           <a:p>
@@ -4031,7 +4178,7 @@
           <a:p>
             <a:r>
               <a:rPr lang="en-US" altLang="zh-CN" dirty="0" smtClean="0"/>
-              <a:t>Implementation Scenario</a:t>
+              <a:t>Application Scenario</a:t>
             </a:r>
             <a:endParaRPr lang="zh-CN" altLang="en-US" dirty="0"/>
           </a:p>
@@ -4102,7 +4249,7 @@
             <a:fld id="{D9CB193C-FC74-4279-8388-9DD1BFD58DB8}" type="datetime4">
               <a:rPr lang="en-US" smtClean="0"/>
               <a:pPr/>
-              <a:t>March 28, 2014</a:t>
+              <a:t>March 31, 2014</a:t>
             </a:fld>
             <a:endParaRPr lang="en-US"/>
           </a:p>
@@ -4117,7 +4264,7 @@
         <p:spPr>
           <a:xfrm>
             <a:off x="5184395" y="1558988"/>
-            <a:ext cx="3743579" cy="5262979"/>
+            <a:ext cx="3743579" cy="6247864"/>
           </a:xfrm>
           <a:prstGeom prst="rect">
             <a:avLst/>
@@ -4135,7 +4282,7 @@
           <a:p>
             <a:r>
               <a:rPr lang="en-US" altLang="zh-CN" sz="1600" i="0" dirty="0" smtClean="0"/>
-              <a:t>Central Controller</a:t>
+              <a:t>Access control lock</a:t>
             </a:r>
           </a:p>
           <a:p>
@@ -4145,7 +4292,7 @@
             </a:pPr>
             <a:r>
               <a:rPr lang="en-US" altLang="zh-CN" sz="1600" i="0" dirty="0" smtClean="0"/>
-              <a:t>Embedded device with chip card</a:t>
+              <a:t>Digital lock</a:t>
             </a:r>
           </a:p>
           <a:p>
@@ -4155,7 +4302,7 @@
             </a:pPr>
             <a:r>
               <a:rPr lang="en-US" altLang="zh-CN" sz="1600" i="0" dirty="0" smtClean="0"/>
-              <a:t>Chip card = security token</a:t>
+              <a:t>only allows phone user with enough authority</a:t>
             </a:r>
           </a:p>
           <a:p>
@@ -4165,7 +4312,7 @@
             </a:pPr>
             <a:r>
               <a:rPr lang="en-US" altLang="zh-CN" sz="1600" i="0" dirty="0" smtClean="0"/>
-              <a:t>Take date from sensor</a:t>
+              <a:t>different locks have different policies</a:t>
             </a:r>
           </a:p>
           <a:p>
@@ -4175,7 +4322,7 @@
             </a:pPr>
             <a:r>
               <a:rPr lang="en-US" altLang="zh-CN" sz="1600" i="0" dirty="0" smtClean="0"/>
-              <a:t>Take subscriptions from phone user</a:t>
+              <a:t>Send alarm when illegal access </a:t>
             </a:r>
           </a:p>
           <a:p>
@@ -4185,7 +4332,16 @@
             </a:pPr>
             <a:r>
               <a:rPr lang="en-US" altLang="zh-CN" sz="1600" i="0" dirty="0" smtClean="0"/>
-              <a:t>Inform phone user based on subscription</a:t>
+              <a:t>Connected through inner network</a:t>
+            </a:r>
+          </a:p>
+          <a:p>
+            <a:endParaRPr lang="en-US" altLang="zh-CN" sz="1600" i="0" dirty="0" smtClean="0"/>
+          </a:p>
+          <a:p>
+            <a:r>
+              <a:rPr lang="en-US" altLang="zh-CN" sz="1600" i="0" dirty="0" smtClean="0"/>
+              <a:t>Phone user: </a:t>
             </a:r>
           </a:p>
           <a:p>
@@ -4195,7 +4351,7 @@
             </a:pPr>
             <a:r>
               <a:rPr lang="en-US" altLang="zh-CN" sz="1600" i="0" dirty="0" smtClean="0"/>
-              <a:t>Parameterize control device based on phone user command</a:t>
+              <a:t>Smart Phone</a:t>
             </a:r>
           </a:p>
           <a:p>
@@ -4205,7 +4361,7 @@
             </a:pPr>
             <a:r>
               <a:rPr lang="en-US" altLang="zh-CN" sz="1600" i="0" dirty="0" smtClean="0"/>
-              <a:t>Auditing</a:t>
+              <a:t>UICC smart Card</a:t>
             </a:r>
           </a:p>
           <a:p>
@@ -4213,13 +4369,50 @@
               <a:buFont typeface="Wingdings" pitchFamily="2" charset="2"/>
               <a:buChar char="p"/>
             </a:pPr>
-            <a:endParaRPr lang="en-US" altLang="zh-CN" sz="1600" i="0" dirty="0" smtClean="0"/>
-          </a:p>
-          <a:p>
-            <a:endParaRPr lang="en-US" altLang="zh-CN" sz="1600" i="0" dirty="0" smtClean="0"/>
-          </a:p>
-          <a:p>
-            <a:endParaRPr lang="en-US" altLang="zh-CN" sz="1600" i="0" dirty="0" smtClean="0"/>
+            <a:r>
+              <a:rPr lang="en-US" altLang="zh-CN" sz="1600" i="0" dirty="0" smtClean="0"/>
+              <a:t>Installation of Client application</a:t>
+            </a:r>
+          </a:p>
+          <a:p>
+            <a:pPr>
+              <a:buFont typeface="Wingdings" pitchFamily="2" charset="2"/>
+              <a:buChar char="p"/>
+            </a:pPr>
+            <a:r>
+              <a:rPr lang="en-US" altLang="zh-CN" sz="1600" i="0" dirty="0" smtClean="0"/>
+              <a:t>Root user = house owner</a:t>
+            </a:r>
+          </a:p>
+          <a:p>
+            <a:pPr>
+              <a:buFont typeface="Wingdings" pitchFamily="2" charset="2"/>
+              <a:buChar char="p"/>
+            </a:pPr>
+            <a:r>
+              <a:rPr lang="en-US" altLang="zh-CN" sz="1600" i="0" dirty="0" smtClean="0"/>
+              <a:t>Guest user = neighbor etc…</a:t>
+            </a:r>
+          </a:p>
+          <a:p>
+            <a:pPr>
+              <a:buFont typeface="Wingdings" pitchFamily="2" charset="2"/>
+              <a:buChar char="p"/>
+            </a:pPr>
+            <a:r>
+              <a:rPr lang="en-US" altLang="zh-CN" sz="1600" i="0" dirty="0" smtClean="0"/>
+              <a:t>Parameterized control devices through server</a:t>
+            </a:r>
+          </a:p>
+          <a:p>
+            <a:pPr>
+              <a:buFont typeface="Wingdings" pitchFamily="2" charset="2"/>
+              <a:buChar char="p"/>
+            </a:pPr>
+            <a:r>
+              <a:rPr lang="en-US" altLang="zh-CN" sz="1600" i="0" dirty="0" smtClean="0"/>
+              <a:t>Connected through open network</a:t>
+            </a:r>
           </a:p>
           <a:p>
             <a:pPr>
@@ -4324,85 +4517,9 @@
           <a:p>
             <a:r>
               <a:rPr lang="en-US" altLang="zh-CN" dirty="0" smtClean="0"/>
-              <a:t>Focus on Security direction</a:t>
+              <a:t>Application Scenario</a:t>
             </a:r>
             <a:endParaRPr lang="zh-CN" altLang="en-US" dirty="0"/>
-          </a:p>
-        </p:txBody>
-      </p:sp>
-      <p:sp>
-        <p:nvSpPr>
-          <p:cNvPr id="3" name="内容占位符 2"/>
-          <p:cNvSpPr>
-            <a:spLocks noGrp="1"/>
-          </p:cNvSpPr>
-          <p:nvPr>
-            <p:ph idx="1"/>
-          </p:nvPr>
-        </p:nvSpPr>
-        <p:spPr/>
-        <p:txBody>
-          <a:bodyPr/>
-          <a:lstStyle/>
-          <a:p>
-            <a:r>
-              <a:rPr lang="en-US" altLang="zh-CN" dirty="0" smtClean="0"/>
-              <a:t>Confidentiality</a:t>
-            </a:r>
-          </a:p>
-          <a:p>
-            <a:r>
-              <a:rPr lang="en-US" altLang="zh-CN" dirty="0" smtClean="0"/>
-              <a:t>Integrity</a:t>
-            </a:r>
-          </a:p>
-          <a:p>
-            <a:r>
-              <a:rPr lang="en-US" altLang="zh-CN" dirty="0" smtClean="0"/>
-              <a:t>Application authentication</a:t>
-            </a:r>
-          </a:p>
-          <a:p>
-            <a:r>
-              <a:rPr lang="en-US" altLang="zh-CN" dirty="0" smtClean="0"/>
-              <a:t>User authentication</a:t>
-            </a:r>
-          </a:p>
-          <a:p>
-            <a:r>
-              <a:rPr lang="en-US" altLang="zh-CN" dirty="0" smtClean="0"/>
-              <a:t>User authorization</a:t>
-            </a:r>
-          </a:p>
-          <a:p>
-            <a:r>
-              <a:rPr lang="en-US" altLang="zh-CN" dirty="0" smtClean="0"/>
-              <a:t>Traceability</a:t>
-            </a:r>
-          </a:p>
-          <a:p>
-            <a:r>
-              <a:rPr lang="en-US" altLang="zh-CN" dirty="0" smtClean="0"/>
-              <a:t>Availability</a:t>
-            </a:r>
-          </a:p>
-          <a:p>
-            <a:r>
-              <a:rPr lang="en-US" altLang="zh-CN" dirty="0" smtClean="0"/>
-              <a:t>Secure messaging with smart card</a:t>
-            </a:r>
-          </a:p>
-          <a:p>
-            <a:r>
-              <a:rPr lang="en-US" altLang="zh-CN" dirty="0" smtClean="0"/>
-              <a:t>APDU secure communication</a:t>
-            </a:r>
-          </a:p>
-          <a:p>
-            <a:endParaRPr lang="en-US" altLang="zh-CN" dirty="0" smtClean="0"/>
-          </a:p>
-          <a:p>
-            <a:endParaRPr lang="en-US" altLang="zh-CN" dirty="0" smtClean="0"/>
           </a:p>
         </p:txBody>
       </p:sp>
@@ -4471,12 +4588,179 @@
             <a:fld id="{D9CB193C-FC74-4279-8388-9DD1BFD58DB8}" type="datetime4">
               <a:rPr lang="en-US" smtClean="0"/>
               <a:pPr/>
-              <a:t>March 28, 2014</a:t>
+              <a:t>March 31, 2014</a:t>
             </a:fld>
             <a:endParaRPr lang="en-US"/>
           </a:p>
         </p:txBody>
       </p:sp>
+      <p:sp>
+        <p:nvSpPr>
+          <p:cNvPr id="8" name="TextBox 7"/>
+          <p:cNvSpPr txBox="1"/>
+          <p:nvPr/>
+        </p:nvSpPr>
+        <p:spPr>
+          <a:xfrm>
+            <a:off x="5184395" y="1558988"/>
+            <a:ext cx="3743579" cy="5262979"/>
+          </a:xfrm>
+          <a:prstGeom prst="rect">
+            <a:avLst/>
+          </a:prstGeom>
+          <a:noFill/>
+        </p:spPr>
+        <p:txBody>
+          <a:bodyPr wrap="square" rtlCol="0">
+            <a:spAutoFit/>
+          </a:bodyPr>
+          <a:lstStyle/>
+          <a:p>
+            <a:endParaRPr lang="en-US" altLang="zh-CN" sz="1600" i="0" dirty="0" smtClean="0"/>
+          </a:p>
+          <a:p>
+            <a:r>
+              <a:rPr lang="en-US" altLang="zh-CN" sz="1600" i="0" dirty="0" smtClean="0"/>
+              <a:t>Central Controller</a:t>
+            </a:r>
+          </a:p>
+          <a:p>
+            <a:pPr>
+              <a:buFont typeface="Wingdings" pitchFamily="2" charset="2"/>
+              <a:buChar char="p"/>
+            </a:pPr>
+            <a:r>
+              <a:rPr lang="en-US" altLang="zh-CN" sz="1600" i="0" dirty="0" smtClean="0"/>
+              <a:t>Embedded device with chip card</a:t>
+            </a:r>
+          </a:p>
+          <a:p>
+            <a:pPr>
+              <a:buFont typeface="Wingdings" pitchFamily="2" charset="2"/>
+              <a:buChar char="p"/>
+            </a:pPr>
+            <a:r>
+              <a:rPr lang="en-US" altLang="zh-CN" sz="1600" i="0" dirty="0" smtClean="0"/>
+              <a:t>Chip card = security token</a:t>
+            </a:r>
+          </a:p>
+          <a:p>
+            <a:pPr>
+              <a:buFont typeface="Wingdings" pitchFamily="2" charset="2"/>
+              <a:buChar char="p"/>
+            </a:pPr>
+            <a:r>
+              <a:rPr lang="en-US" altLang="zh-CN" sz="1600" i="0" dirty="0" smtClean="0"/>
+              <a:t>Take date from sensor</a:t>
+            </a:r>
+          </a:p>
+          <a:p>
+            <a:pPr>
+              <a:buFont typeface="Wingdings" pitchFamily="2" charset="2"/>
+              <a:buChar char="p"/>
+            </a:pPr>
+            <a:r>
+              <a:rPr lang="en-US" altLang="zh-CN" sz="1600" i="0" dirty="0" smtClean="0"/>
+              <a:t>Take subscriptions from phone user</a:t>
+            </a:r>
+          </a:p>
+          <a:p>
+            <a:pPr>
+              <a:buFont typeface="Wingdings" pitchFamily="2" charset="2"/>
+              <a:buChar char="p"/>
+            </a:pPr>
+            <a:r>
+              <a:rPr lang="en-US" altLang="zh-CN" sz="1600" i="0" dirty="0" smtClean="0"/>
+              <a:t>Inform phone user based on subscription</a:t>
+            </a:r>
+          </a:p>
+          <a:p>
+            <a:pPr>
+              <a:buFont typeface="Wingdings" pitchFamily="2" charset="2"/>
+              <a:buChar char="p"/>
+            </a:pPr>
+            <a:r>
+              <a:rPr lang="en-US" altLang="zh-CN" sz="1600" i="0" dirty="0" smtClean="0"/>
+              <a:t>Parameterize control device based on phone user command</a:t>
+            </a:r>
+          </a:p>
+          <a:p>
+            <a:pPr>
+              <a:buFont typeface="Wingdings" pitchFamily="2" charset="2"/>
+              <a:buChar char="p"/>
+            </a:pPr>
+            <a:r>
+              <a:rPr lang="en-US" altLang="zh-CN" sz="1600" i="0" dirty="0" smtClean="0"/>
+              <a:t>Auditing</a:t>
+            </a:r>
+          </a:p>
+          <a:p>
+            <a:pPr>
+              <a:buFont typeface="Wingdings" pitchFamily="2" charset="2"/>
+              <a:buChar char="p"/>
+            </a:pPr>
+            <a:endParaRPr lang="en-US" altLang="zh-CN" sz="1600" i="0" dirty="0" smtClean="0"/>
+          </a:p>
+          <a:p>
+            <a:endParaRPr lang="en-US" altLang="zh-CN" sz="1600" i="0" dirty="0" smtClean="0"/>
+          </a:p>
+          <a:p>
+            <a:endParaRPr lang="en-US" altLang="zh-CN" sz="1600" i="0" dirty="0" smtClean="0"/>
+          </a:p>
+          <a:p>
+            <a:pPr>
+              <a:buFont typeface="Wingdings" pitchFamily="2" charset="2"/>
+              <a:buChar char="p"/>
+            </a:pPr>
+            <a:endParaRPr lang="en-US" altLang="zh-CN" sz="1600" i="0" dirty="0" smtClean="0"/>
+          </a:p>
+          <a:p>
+            <a:endParaRPr lang="en-US" altLang="zh-CN" sz="1600" i="0" dirty="0" smtClean="0"/>
+          </a:p>
+          <a:p>
+            <a:endParaRPr lang="en-US" altLang="zh-CN" sz="1600" i="0" dirty="0" smtClean="0"/>
+          </a:p>
+          <a:p>
+            <a:endParaRPr lang="en-US" altLang="zh-CN" sz="1600" dirty="0" smtClean="0"/>
+          </a:p>
+          <a:p>
+            <a:endParaRPr lang="en-US" altLang="zh-CN" sz="1600" dirty="0" smtClean="0"/>
+          </a:p>
+          <a:p>
+            <a:r>
+              <a:rPr lang="en-US" altLang="zh-CN" sz="1600" dirty="0" smtClean="0"/>
+              <a:t> </a:t>
+            </a:r>
+            <a:endParaRPr lang="zh-CN" altLang="en-US" sz="1600" dirty="0"/>
+          </a:p>
+        </p:txBody>
+      </p:sp>
+      <p:pic>
+        <p:nvPicPr>
+          <p:cNvPr id="1027" name="Picture 3" descr="D:\opc_ua\ppt\v1.png"/>
+          <p:cNvPicPr>
+            <a:picLocks noChangeAspect="1" noChangeArrowheads="1"/>
+          </p:cNvPicPr>
+          <p:nvPr/>
+        </p:nvPicPr>
+        <p:blipFill>
+          <a:blip r:embed="rId2" cstate="print"/>
+          <a:srcRect/>
+          <a:stretch>
+            <a:fillRect/>
+          </a:stretch>
+        </p:blipFill>
+        <p:spPr bwMode="auto">
+          <a:xfrm>
+            <a:off x="457200" y="1723580"/>
+            <a:ext cx="4556349" cy="4274884"/>
+          </a:xfrm>
+          <a:prstGeom prst="rect">
+            <a:avLst/>
+          </a:prstGeom>
+          <a:noFill/>
+        </p:spPr>
+      </p:pic>
     </p:spTree>
   </p:cSld>
   <p:clrMapOvr>
@@ -4526,7 +4810,7 @@
           <a:p>
             <a:r>
               <a:rPr lang="en-US" altLang="zh-CN" dirty="0" smtClean="0"/>
-              <a:t>Time Lines</a:t>
+              <a:t>Focus on Security direction</a:t>
             </a:r>
             <a:endParaRPr lang="zh-CN" altLang="en-US" dirty="0"/>
           </a:p>
@@ -4549,78 +4833,62 @@
           <a:p>
             <a:r>
               <a:rPr lang="en-US" altLang="zh-CN" dirty="0" smtClean="0"/>
-              <a:t>Reference</a:t>
-            </a:r>
-          </a:p>
-          <a:p>
-            <a:r>
-              <a:rPr lang="en-US" altLang="zh-CN" dirty="0" smtClean="0"/>
-              <a:t>OPC UA </a:t>
-            </a:r>
-            <a:r>
-              <a:rPr lang="en-US" altLang="zh-CN" dirty="0" smtClean="0"/>
-              <a:t>client/server construction</a:t>
-            </a:r>
-          </a:p>
-          <a:p>
-            <a:r>
-              <a:rPr lang="en-US" altLang="zh-CN" dirty="0" smtClean="0"/>
-              <a:t>Communication stack on UICC smart </a:t>
-            </a:r>
-            <a:r>
-              <a:rPr lang="en-US" altLang="zh-CN" dirty="0" smtClean="0"/>
-              <a:t>card</a:t>
-            </a:r>
-          </a:p>
-          <a:p>
-            <a:r>
-              <a:rPr lang="en-US" altLang="zh-CN" dirty="0" smtClean="0"/>
-              <a:t>Deployment </a:t>
-            </a:r>
+              <a:t>Confidentiality</a:t>
+            </a:r>
+          </a:p>
+          <a:p>
+            <a:r>
+              <a:rPr lang="en-US" altLang="zh-CN" dirty="0" smtClean="0"/>
+              <a:t>Integrity</a:t>
+            </a:r>
+          </a:p>
+          <a:p>
+            <a:r>
+              <a:rPr lang="en-US" altLang="zh-CN" dirty="0" smtClean="0"/>
+              <a:t>Application authentication</a:t>
+            </a:r>
+          </a:p>
+          <a:p>
+            <a:r>
+              <a:rPr lang="en-US" altLang="zh-CN" dirty="0" smtClean="0"/>
+              <a:t>User authentication</a:t>
+            </a:r>
+          </a:p>
+          <a:p>
+            <a:r>
+              <a:rPr lang="en-US" altLang="zh-CN" dirty="0" smtClean="0"/>
+              <a:t>User authorization</a:t>
+            </a:r>
+          </a:p>
+          <a:p>
+            <a:r>
+              <a:rPr lang="en-US" altLang="zh-CN" dirty="0" smtClean="0"/>
+              <a:t>Traceability</a:t>
+            </a:r>
+          </a:p>
+          <a:p>
+            <a:r>
+              <a:rPr lang="en-US" altLang="zh-CN" dirty="0" smtClean="0"/>
+              <a:t>Availability</a:t>
+            </a:r>
+          </a:p>
+          <a:p>
+            <a:r>
+              <a:rPr lang="en-US" altLang="zh-CN" dirty="0" smtClean="0"/>
+              <a:t>Secure messaging with smart card</a:t>
+            </a:r>
+          </a:p>
+          <a:p>
+            <a:r>
+              <a:rPr lang="en-US" altLang="zh-CN" dirty="0" smtClean="0"/>
+              <a:t>APDU secure communication</a:t>
+            </a:r>
+          </a:p>
+          <a:p>
             <a:endParaRPr lang="en-US" altLang="zh-CN" dirty="0" smtClean="0"/>
           </a:p>
           <a:p>
-            <a:r>
-              <a:rPr lang="en-US" altLang="zh-CN" dirty="0" smtClean="0"/>
-              <a:t>Combination </a:t>
-            </a:r>
-            <a:r>
-              <a:rPr lang="en-US" altLang="zh-CN" dirty="0" smtClean="0"/>
-              <a:t>test and </a:t>
-            </a:r>
-            <a:r>
-              <a:rPr lang="en-US" altLang="zh-CN" dirty="0" smtClean="0"/>
-              <a:t>debugging</a:t>
-            </a:r>
-          </a:p>
-          <a:p>
-            <a:r>
-              <a:rPr lang="en-US" altLang="zh-CN" dirty="0" smtClean="0"/>
-              <a:t>Analyze </a:t>
-            </a:r>
-            <a:r>
-              <a:rPr lang="en-US" altLang="zh-CN" dirty="0" smtClean="0"/>
-              <a:t>different possible secure policies</a:t>
-            </a:r>
             <a:endParaRPr lang="en-US" altLang="zh-CN" dirty="0" smtClean="0"/>
-          </a:p>
-          <a:p>
-            <a:r>
-              <a:rPr lang="en-US" altLang="zh-CN" dirty="0" smtClean="0"/>
-              <a:t>Analyze </a:t>
-            </a:r>
-            <a:r>
-              <a:rPr lang="en-US" altLang="zh-CN" dirty="0" smtClean="0"/>
-              <a:t>the performance of </a:t>
-            </a:r>
-            <a:r>
-              <a:rPr lang="en-US" altLang="zh-CN" smtClean="0"/>
-              <a:t>secure protocols</a:t>
-            </a:r>
-            <a:endParaRPr lang="en-US" altLang="zh-CN" dirty="0" smtClean="0"/>
-          </a:p>
-          <a:p>
-            <a:endParaRPr lang="zh-CN" altLang="en-US" dirty="0"/>
           </a:p>
         </p:txBody>
       </p:sp>
@@ -4689,7 +4957,7 @@
             <a:fld id="{D9CB193C-FC74-4279-8388-9DD1BFD58DB8}" type="datetime4">
               <a:rPr lang="en-US" smtClean="0"/>
               <a:pPr/>
-              <a:t>March 28, 2014</a:t>
+              <a:t>March 31, 2014</a:t>
             </a:fld>
             <a:endParaRPr lang="en-US"/>
           </a:p>
@@ -4743,8 +5011,8 @@
           <a:lstStyle/>
           <a:p>
             <a:r>
-              <a:rPr lang="en-US" altLang="zh-CN" dirty="0" err="1" smtClean="0"/>
-              <a:t>Rerferences</a:t>
+              <a:rPr lang="en-US" altLang="zh-CN" dirty="0" smtClean="0"/>
+              <a:t>Goals</a:t>
             </a:r>
             <a:endParaRPr lang="zh-CN" altLang="en-US" dirty="0"/>
           </a:p>
@@ -4767,88 +5035,35 @@
           <a:p>
             <a:r>
               <a:rPr lang="en-US" altLang="zh-CN" dirty="0" smtClean="0"/>
-              <a:t>OPC UA specification 1-11</a:t>
-            </a:r>
-          </a:p>
-          <a:p>
-            <a:r>
-              <a:rPr lang="en-US" altLang="zh-CN" dirty="0" smtClean="0"/>
-              <a:t>Stefan-Helmut </a:t>
-            </a:r>
-            <a:r>
-              <a:rPr lang="en-US" altLang="zh-CN" dirty="0" err="1" smtClean="0"/>
-              <a:t>Leitner</a:t>
-            </a:r>
-            <a:r>
-              <a:rPr lang="en-US" altLang="zh-CN" dirty="0" smtClean="0"/>
-              <a:t> and Wolfgang </a:t>
-            </a:r>
-            <a:r>
-              <a:rPr lang="en-US" altLang="zh-CN" dirty="0" err="1" smtClean="0"/>
-              <a:t>Mahnk</a:t>
-            </a:r>
-            <a:r>
-              <a:rPr lang="en-US" altLang="zh-CN" dirty="0" smtClean="0"/>
-              <a:t>: </a:t>
-            </a:r>
-            <a:r>
-              <a:rPr lang="en-US" altLang="zh-CN" dirty="0" err="1" smtClean="0"/>
-              <a:t>Opc</a:t>
-            </a:r>
-            <a:r>
-              <a:rPr lang="en-US" altLang="zh-CN" dirty="0" smtClean="0"/>
-              <a:t> </a:t>
-            </a:r>
-            <a:r>
-              <a:rPr lang="en-US" altLang="zh-CN" dirty="0" err="1" smtClean="0"/>
-              <a:t>ua</a:t>
-            </a:r>
-            <a:r>
-              <a:rPr lang="en-US" altLang="zh-CN" dirty="0" smtClean="0"/>
-              <a:t>-service-oriented architecture for industrial applications</a:t>
-            </a:r>
-          </a:p>
-          <a:p>
-            <a:r>
-              <a:rPr lang="en-US" altLang="zh-CN" dirty="0" smtClean="0"/>
-              <a:t>Wolfgang </a:t>
-            </a:r>
-            <a:r>
-              <a:rPr lang="en-US" altLang="zh-CN" dirty="0" err="1" smtClean="0"/>
-              <a:t>Mahnke</a:t>
-            </a:r>
-            <a:r>
-              <a:rPr lang="en-US" altLang="zh-CN" dirty="0" smtClean="0"/>
-              <a:t>, Stefan-Helmut </a:t>
-            </a:r>
-            <a:r>
-              <a:rPr lang="en-US" altLang="zh-CN" dirty="0" err="1" smtClean="0"/>
-              <a:t>Leitner:OPC</a:t>
-            </a:r>
-            <a:r>
-              <a:rPr lang="en-US" altLang="zh-CN" dirty="0" smtClean="0"/>
-              <a:t> Unified Architecture</a:t>
-            </a:r>
-          </a:p>
-          <a:p>
-            <a:r>
-              <a:rPr lang="de-DE" altLang="zh-CN" dirty="0" smtClean="0"/>
-              <a:t>Wolfgang Rankl und Wolfgang Eng: Handbuch der chipkarten - 5. deutsche </a:t>
-            </a:r>
-            <a:r>
-              <a:rPr lang="en-US" altLang="zh-CN" dirty="0" err="1" smtClean="0"/>
-              <a:t>auflage</a:t>
-            </a:r>
-            <a:r>
-              <a:rPr lang="en-US" altLang="zh-CN" dirty="0" smtClean="0"/>
-              <a:t>. (2008)</a:t>
+              <a:t>Learning highlight features from OPC UA protocols </a:t>
+            </a:r>
+          </a:p>
+          <a:p>
+            <a:r>
+              <a:rPr lang="en-US" altLang="zh-CN" dirty="0" smtClean="0"/>
+              <a:t>Studying OPC UA security mechanisms </a:t>
+            </a:r>
+          </a:p>
+          <a:p>
+            <a:r>
+              <a:rPr lang="en-US" altLang="zh-CN" dirty="0" smtClean="0"/>
+              <a:t>Learning Smart card technology and security</a:t>
+            </a:r>
+          </a:p>
+          <a:p>
+            <a:r>
+              <a:rPr lang="en-US" altLang="zh-CN" dirty="0" smtClean="0"/>
+              <a:t>Building communication stack on UICC smart card using Java</a:t>
+            </a:r>
+          </a:p>
+          <a:p>
+            <a:r>
+              <a:rPr lang="en-US" altLang="zh-CN" dirty="0" smtClean="0"/>
+              <a:t>Combination OPC UA with smart card and analyzing the performance of secure policies under different conditions. I.e. different network quality,  different date complexity and etc…</a:t>
             </a:r>
           </a:p>
           <a:p>
             <a:endParaRPr lang="en-US" altLang="zh-CN" dirty="0" smtClean="0"/>
-          </a:p>
-          <a:p>
-            <a:endParaRPr lang="zh-CN" altLang="en-US" dirty="0"/>
           </a:p>
         </p:txBody>
       </p:sp>
@@ -4917,7 +5132,7 @@
             <a:fld id="{D9CB193C-FC74-4279-8388-9DD1BFD58DB8}" type="datetime4">
               <a:rPr lang="en-US" smtClean="0"/>
               <a:pPr/>
-              <a:t>March 28, 2014</a:t>
+              <a:t>March 31, 2014</a:t>
             </a:fld>
             <a:endParaRPr lang="en-US"/>
           </a:p>
@@ -4928,13 +5143,6 @@
   <p:clrMapOvr>
     <a:masterClrMapping/>
   </p:clrMapOvr>
-  <p:timing>
-    <p:tnLst>
-      <p:par>
-        <p:cTn id="1" dur="indefinite" restart="never" nodeType="tmRoot"/>
-      </p:par>
-    </p:tnLst>
-  </p:timing>
 </p:sld>
 </file>
 
@@ -4957,12 +5165,12 @@
       </p:grpSpPr>
       <p:sp>
         <p:nvSpPr>
-          <p:cNvPr id="8" name="副标题 7"/>
-          <p:cNvSpPr>
-            <a:spLocks noGrp="1"/>
-          </p:cNvSpPr>
-          <p:nvPr>
-            <p:ph type="subTitle" idx="1"/>
+          <p:cNvPr id="2" name="标题 1"/>
+          <p:cNvSpPr>
+            <a:spLocks noGrp="1"/>
+          </p:cNvSpPr>
+          <p:nvPr>
+            <p:ph type="title"/>
           </p:nvPr>
         </p:nvSpPr>
         <p:spPr/>
@@ -4970,7 +5178,72 @@
           <a:bodyPr/>
           <a:lstStyle/>
           <a:p>
-            <a:endParaRPr lang="zh-CN" altLang="en-US"/>
+            <a:r>
+              <a:rPr lang="en-US" altLang="zh-CN" dirty="0" smtClean="0"/>
+              <a:t>Time Lines</a:t>
+            </a:r>
+            <a:endParaRPr lang="zh-CN" altLang="en-US" dirty="0"/>
+          </a:p>
+        </p:txBody>
+      </p:sp>
+      <p:sp>
+        <p:nvSpPr>
+          <p:cNvPr id="3" name="内容占位符 2"/>
+          <p:cNvSpPr>
+            <a:spLocks noGrp="1"/>
+          </p:cNvSpPr>
+          <p:nvPr>
+            <p:ph idx="1"/>
+          </p:nvPr>
+        </p:nvSpPr>
+        <p:spPr/>
+        <p:txBody>
+          <a:bodyPr/>
+          <a:lstStyle/>
+          <a:p>
+            <a:r>
+              <a:rPr lang="en-US" altLang="zh-CN" dirty="0" smtClean="0"/>
+              <a:t>Finding Reference</a:t>
+            </a:r>
+          </a:p>
+          <a:p>
+            <a:r>
+              <a:rPr lang="en-US" altLang="zh-CN" dirty="0" smtClean="0"/>
+              <a:t>OPC UA client/server construction</a:t>
+            </a:r>
+          </a:p>
+          <a:p>
+            <a:r>
+              <a:rPr lang="en-US" altLang="zh-CN" dirty="0" smtClean="0"/>
+              <a:t>Designing communication stack on UICC smart card</a:t>
+            </a:r>
+          </a:p>
+          <a:p>
+            <a:r>
+              <a:rPr lang="en-US" altLang="zh-CN" dirty="0" smtClean="0"/>
+              <a:t>Deployment </a:t>
+            </a:r>
+          </a:p>
+          <a:p>
+            <a:r>
+              <a:rPr lang="en-US" altLang="zh-CN" dirty="0" smtClean="0"/>
+              <a:t>Combination test and debugging</a:t>
+            </a:r>
+          </a:p>
+          <a:p>
+            <a:r>
+              <a:rPr lang="en-US" altLang="zh-CN" dirty="0" smtClean="0"/>
+              <a:t>Analyze different possible secure policies</a:t>
+            </a:r>
+          </a:p>
+          <a:p>
+            <a:r>
+              <a:rPr lang="en-US" altLang="zh-CN" dirty="0" smtClean="0"/>
+              <a:t>Analyze the performance of secure protocols</a:t>
+            </a:r>
+          </a:p>
+          <a:p>
+            <a:endParaRPr lang="zh-CN" altLang="en-US" dirty="0"/>
           </a:p>
         </p:txBody>
       </p:sp>
@@ -4981,7 +5254,7 @@
             <a:spLocks noGrp="1"/>
           </p:cNvSpPr>
           <p:nvPr>
-            <p:ph type="sldNum" sz="quarter" idx="4"/>
+            <p:ph type="sldNum" sz="quarter" idx="10"/>
           </p:nvPr>
         </p:nvSpPr>
         <p:spPr/>
@@ -5000,35 +5273,12 @@
       </p:sp>
       <p:sp>
         <p:nvSpPr>
-          <p:cNvPr id="7" name="标题 6"/>
-          <p:cNvSpPr>
-            <a:spLocks noGrp="1"/>
-          </p:cNvSpPr>
-          <p:nvPr>
-            <p:ph type="ctrTitle"/>
-          </p:nvPr>
-        </p:nvSpPr>
-        <p:spPr/>
-        <p:txBody>
-          <a:bodyPr/>
-          <a:lstStyle/>
-          <a:p>
-            <a:r>
-              <a:rPr lang="en-US" altLang="zh-CN" dirty="0" smtClean="0"/>
-              <a:t>Thank you! Question?</a:t>
-            </a:r>
-            <a:endParaRPr lang="zh-CN" altLang="en-US" dirty="0"/>
-          </a:p>
-        </p:txBody>
-      </p:sp>
-      <p:sp>
-        <p:nvSpPr>
           <p:cNvPr id="5" name="页脚占位符 4"/>
           <p:cNvSpPr>
             <a:spLocks noGrp="1"/>
           </p:cNvSpPr>
           <p:nvPr>
-            <p:ph type="ftr" sz="quarter" idx="3"/>
+            <p:ph type="ftr" sz="quarter" idx="11"/>
           </p:nvPr>
         </p:nvSpPr>
         <p:spPr/>
@@ -5051,7 +5301,7 @@
             <a:spLocks noGrp="1"/>
           </p:cNvSpPr>
           <p:nvPr>
-            <p:ph type="dt" sz="half" idx="2"/>
+            <p:ph type="dt" sz="half" idx="12"/>
           </p:nvPr>
         </p:nvSpPr>
         <p:spPr/>
@@ -5062,7 +5312,418 @@
             <a:fld id="{D9CB193C-FC74-4279-8388-9DD1BFD58DB8}" type="datetime4">
               <a:rPr lang="en-US" smtClean="0"/>
               <a:pPr/>
-              <a:t>March 28, 2014</a:t>
+              <a:t>March 31, 2014</a:t>
+            </a:fld>
+            <a:endParaRPr lang="en-US"/>
+          </a:p>
+        </p:txBody>
+      </p:sp>
+    </p:spTree>
+  </p:cSld>
+  <p:clrMapOvr>
+    <a:masterClrMapping/>
+  </p:clrMapOvr>
+  <p:timing>
+    <p:tnLst>
+      <p:par>
+        <p:cTn id="1" dur="indefinite" restart="never" nodeType="tmRoot"/>
+      </p:par>
+    </p:tnLst>
+  </p:timing>
+</p:sld>
+</file>
+
+<file path=ppt/slides/slide18.xml><?xml version="1.0" encoding="utf-8"?>
+<p:sld xmlns:a="http://schemas.openxmlformats.org/drawingml/2006/main" xmlns:r="http://schemas.openxmlformats.org/officeDocument/2006/relationships" xmlns:p="http://schemas.openxmlformats.org/presentationml/2006/main">
+  <p:cSld>
+    <p:spTree>
+      <p:nvGrpSpPr>
+        <p:cNvPr id="1" name=""/>
+        <p:cNvGrpSpPr/>
+        <p:nvPr/>
+      </p:nvGrpSpPr>
+      <p:grpSpPr>
+        <a:xfrm>
+          <a:off x="0" y="0"/>
+          <a:ext cx="0" cy="0"/>
+          <a:chOff x="0" y="0"/>
+          <a:chExt cx="0" cy="0"/>
+        </a:xfrm>
+      </p:grpSpPr>
+      <p:sp>
+        <p:nvSpPr>
+          <p:cNvPr id="2" name="标题 1"/>
+          <p:cNvSpPr>
+            <a:spLocks noGrp="1"/>
+          </p:cNvSpPr>
+          <p:nvPr>
+            <p:ph type="title"/>
+          </p:nvPr>
+        </p:nvSpPr>
+        <p:spPr/>
+        <p:txBody>
+          <a:bodyPr/>
+          <a:lstStyle/>
+          <a:p>
+            <a:r>
+              <a:rPr lang="en-US" altLang="zh-CN" dirty="0" err="1" smtClean="0"/>
+              <a:t>Rerferences</a:t>
+            </a:r>
+            <a:endParaRPr lang="zh-CN" altLang="en-US" dirty="0"/>
+          </a:p>
+        </p:txBody>
+      </p:sp>
+      <p:sp>
+        <p:nvSpPr>
+          <p:cNvPr id="3" name="内容占位符 2"/>
+          <p:cNvSpPr>
+            <a:spLocks noGrp="1"/>
+          </p:cNvSpPr>
+          <p:nvPr>
+            <p:ph idx="1"/>
+          </p:nvPr>
+        </p:nvSpPr>
+        <p:spPr/>
+        <p:txBody>
+          <a:bodyPr/>
+          <a:lstStyle/>
+          <a:p>
+            <a:r>
+              <a:rPr lang="en-US" altLang="zh-CN" dirty="0" smtClean="0"/>
+              <a:t>OPC UA specification 1-11</a:t>
+            </a:r>
+          </a:p>
+          <a:p>
+            <a:r>
+              <a:rPr lang="en-US" altLang="zh-CN" dirty="0" err="1" smtClean="0"/>
+              <a:t>Jahanzaib</a:t>
+            </a:r>
+            <a:r>
+              <a:rPr lang="en-US" altLang="zh-CN" dirty="0" smtClean="0"/>
+              <a:t> </a:t>
+            </a:r>
+            <a:r>
+              <a:rPr lang="en-US" altLang="zh-CN" dirty="0" err="1" smtClean="0"/>
+              <a:t>Imtiaz</a:t>
+            </a:r>
+            <a:r>
+              <a:rPr lang="en-US" altLang="zh-CN" dirty="0" smtClean="0"/>
+              <a:t> and </a:t>
+            </a:r>
+            <a:r>
+              <a:rPr lang="en-US" altLang="zh-CN" dirty="0" err="1" smtClean="0"/>
+              <a:t>Juegen</a:t>
+            </a:r>
+            <a:r>
+              <a:rPr lang="en-US" altLang="zh-CN" dirty="0" smtClean="0"/>
+              <a:t> </a:t>
+            </a:r>
+            <a:r>
+              <a:rPr lang="en-US" altLang="zh-CN" dirty="0" err="1" smtClean="0"/>
+              <a:t>Jasperneite</a:t>
+            </a:r>
+            <a:r>
+              <a:rPr lang="en-US" altLang="zh-CN" smtClean="0"/>
+              <a:t>, Scalability </a:t>
+            </a:r>
+            <a:r>
+              <a:rPr lang="en-US" altLang="zh-CN" dirty="0" smtClean="0"/>
+              <a:t>of OPC-UA Down to the Chip Level Enables "Internet of Things“</a:t>
+            </a:r>
+          </a:p>
+          <a:p>
+            <a:r>
+              <a:rPr lang="en-US" altLang="zh-CN" dirty="0" smtClean="0"/>
+              <a:t>Stefan-Helmut </a:t>
+            </a:r>
+            <a:r>
+              <a:rPr lang="en-US" altLang="zh-CN" dirty="0" err="1" smtClean="0"/>
+              <a:t>Leitner</a:t>
+            </a:r>
+            <a:r>
+              <a:rPr lang="en-US" altLang="zh-CN" dirty="0" smtClean="0"/>
+              <a:t> and Wolfgang </a:t>
+            </a:r>
+            <a:r>
+              <a:rPr lang="en-US" altLang="zh-CN" dirty="0" err="1" smtClean="0"/>
+              <a:t>Mahnk</a:t>
+            </a:r>
+            <a:r>
+              <a:rPr lang="en-US" altLang="zh-CN" dirty="0" smtClean="0"/>
+              <a:t>: </a:t>
+            </a:r>
+            <a:r>
+              <a:rPr lang="en-US" altLang="zh-CN" dirty="0" err="1" smtClean="0"/>
+              <a:t>Opc</a:t>
+            </a:r>
+            <a:r>
+              <a:rPr lang="en-US" altLang="zh-CN" dirty="0" smtClean="0"/>
+              <a:t> </a:t>
+            </a:r>
+            <a:r>
+              <a:rPr lang="en-US" altLang="zh-CN" dirty="0" err="1" smtClean="0"/>
+              <a:t>ua</a:t>
+            </a:r>
+            <a:r>
+              <a:rPr lang="en-US" altLang="zh-CN" dirty="0" smtClean="0"/>
+              <a:t>-service-oriented architecture for industrial applications</a:t>
+            </a:r>
+          </a:p>
+          <a:p>
+            <a:r>
+              <a:rPr lang="en-US" altLang="zh-CN" dirty="0" smtClean="0"/>
+              <a:t>Wolfgang </a:t>
+            </a:r>
+            <a:r>
+              <a:rPr lang="en-US" altLang="zh-CN" dirty="0" err="1" smtClean="0"/>
+              <a:t>Mahnke</a:t>
+            </a:r>
+            <a:r>
+              <a:rPr lang="en-US" altLang="zh-CN" dirty="0" smtClean="0"/>
+              <a:t>, Stefan-Helmut </a:t>
+            </a:r>
+            <a:r>
+              <a:rPr lang="en-US" altLang="zh-CN" dirty="0" err="1" smtClean="0"/>
+              <a:t>Leitner:OPC</a:t>
+            </a:r>
+            <a:r>
+              <a:rPr lang="en-US" altLang="zh-CN" dirty="0" smtClean="0"/>
+              <a:t> Unified Architecture</a:t>
+            </a:r>
+          </a:p>
+          <a:p>
+            <a:r>
+              <a:rPr lang="de-DE" altLang="zh-CN" dirty="0" smtClean="0"/>
+              <a:t>Wolfgang Rankl und Wolfgang Eng: Handbuch der chipkarten - 5. deutsche </a:t>
+            </a:r>
+            <a:r>
+              <a:rPr lang="en-US" altLang="zh-CN" dirty="0" err="1" smtClean="0"/>
+              <a:t>auflage</a:t>
+            </a:r>
+            <a:r>
+              <a:rPr lang="en-US" altLang="zh-CN" dirty="0" smtClean="0"/>
+              <a:t>. (2008)</a:t>
+            </a:r>
+          </a:p>
+          <a:p>
+            <a:endParaRPr lang="en-US" altLang="zh-CN" dirty="0" smtClean="0"/>
+          </a:p>
+          <a:p>
+            <a:endParaRPr lang="zh-CN" altLang="en-US" dirty="0"/>
+          </a:p>
+        </p:txBody>
+      </p:sp>
+      <p:sp>
+        <p:nvSpPr>
+          <p:cNvPr id="4" name="灯片编号占位符 3"/>
+          <p:cNvSpPr>
+            <a:spLocks noGrp="1"/>
+          </p:cNvSpPr>
+          <p:nvPr>
+            <p:ph type="sldNum" sz="quarter" idx="10"/>
+          </p:nvPr>
+        </p:nvSpPr>
+        <p:spPr/>
+        <p:txBody>
+          <a:bodyPr/>
+          <a:lstStyle/>
+          <a:p>
+            <a:fld id="{FAF38CBB-378C-4311-BC9A-BAB83E9729AD}" type="slidenum">
+              <a:rPr lang="en-US" smtClean="0"/>
+              <a:pPr/>
+              <a:t>18</a:t>
+            </a:fld>
+            <a:endParaRPr lang="en-US"/>
+          </a:p>
+        </p:txBody>
+      </p:sp>
+      <p:sp>
+        <p:nvSpPr>
+          <p:cNvPr id="5" name="页脚占位符 4"/>
+          <p:cNvSpPr>
+            <a:spLocks noGrp="1"/>
+          </p:cNvSpPr>
+          <p:nvPr>
+            <p:ph type="ftr" sz="quarter" idx="11"/>
+          </p:nvPr>
+        </p:nvSpPr>
+        <p:spPr/>
+        <p:txBody>
+          <a:bodyPr/>
+          <a:lstStyle/>
+          <a:p>
+            <a:r>
+              <a:rPr lang="en-US" altLang="zh-CN" smtClean="0"/>
+              <a:t>OPC UA on Secure Device Yuankui Wang</a:t>
+            </a:r>
+            <a:endParaRPr lang="en-US" altLang="zh-CN" dirty="0"/>
+          </a:p>
+        </p:txBody>
+      </p:sp>
+      <p:sp>
+        <p:nvSpPr>
+          <p:cNvPr id="6" name="日期占位符 5"/>
+          <p:cNvSpPr>
+            <a:spLocks noGrp="1"/>
+          </p:cNvSpPr>
+          <p:nvPr>
+            <p:ph type="dt" sz="half" idx="12"/>
+          </p:nvPr>
+        </p:nvSpPr>
+        <p:spPr/>
+        <p:txBody>
+          <a:bodyPr/>
+          <a:lstStyle/>
+          <a:p>
+            <a:fld id="{D9CB193C-FC74-4279-8388-9DD1BFD58DB8}" type="datetime4">
+              <a:rPr lang="en-US" smtClean="0"/>
+              <a:pPr/>
+              <a:t>March 31, 2014</a:t>
+            </a:fld>
+            <a:endParaRPr lang="en-US"/>
+          </a:p>
+        </p:txBody>
+      </p:sp>
+    </p:spTree>
+  </p:cSld>
+  <p:clrMapOvr>
+    <a:masterClrMapping/>
+  </p:clrMapOvr>
+  <p:timing>
+    <p:tnLst>
+      <p:par>
+        <p:cTn id="1" dur="indefinite" restart="never" nodeType="tmRoot"/>
+      </p:par>
+    </p:tnLst>
+  </p:timing>
+</p:sld>
+</file>
+
+<file path=ppt/slides/slide19.xml><?xml version="1.0" encoding="utf-8"?>
+<p:sld xmlns:a="http://schemas.openxmlformats.org/drawingml/2006/main" xmlns:r="http://schemas.openxmlformats.org/officeDocument/2006/relationships" xmlns:p="http://schemas.openxmlformats.org/presentationml/2006/main">
+  <p:cSld>
+    <p:spTree>
+      <p:nvGrpSpPr>
+        <p:cNvPr id="1" name=""/>
+        <p:cNvGrpSpPr/>
+        <p:nvPr/>
+      </p:nvGrpSpPr>
+      <p:grpSpPr>
+        <a:xfrm>
+          <a:off x="0" y="0"/>
+          <a:ext cx="0" cy="0"/>
+          <a:chOff x="0" y="0"/>
+          <a:chExt cx="0" cy="0"/>
+        </a:xfrm>
+      </p:grpSpPr>
+      <p:sp>
+        <p:nvSpPr>
+          <p:cNvPr id="8" name="副标题 7"/>
+          <p:cNvSpPr>
+            <a:spLocks noGrp="1"/>
+          </p:cNvSpPr>
+          <p:nvPr>
+            <p:ph type="subTitle" idx="1"/>
+          </p:nvPr>
+        </p:nvSpPr>
+        <p:spPr/>
+        <p:txBody>
+          <a:bodyPr/>
+          <a:lstStyle/>
+          <a:p>
+            <a:endParaRPr lang="zh-CN" altLang="en-US"/>
+          </a:p>
+        </p:txBody>
+      </p:sp>
+      <p:sp>
+        <p:nvSpPr>
+          <p:cNvPr id="4" name="灯片编号占位符 3"/>
+          <p:cNvSpPr>
+            <a:spLocks noGrp="1"/>
+          </p:cNvSpPr>
+          <p:nvPr>
+            <p:ph type="sldNum" sz="quarter" idx="4"/>
+          </p:nvPr>
+        </p:nvSpPr>
+        <p:spPr/>
+        <p:txBody>
+          <a:bodyPr/>
+          <a:lstStyle/>
+          <a:p>
+            <a:fld id="{FAF38CBB-378C-4311-BC9A-BAB83E9729AD}" type="slidenum">
+              <a:rPr lang="en-US" smtClean="0"/>
+              <a:pPr/>
+              <a:t>19</a:t>
+            </a:fld>
+            <a:endParaRPr lang="en-US"/>
+          </a:p>
+        </p:txBody>
+      </p:sp>
+      <p:sp>
+        <p:nvSpPr>
+          <p:cNvPr id="7" name="标题 6"/>
+          <p:cNvSpPr>
+            <a:spLocks noGrp="1"/>
+          </p:cNvSpPr>
+          <p:nvPr>
+            <p:ph type="ctrTitle"/>
+          </p:nvPr>
+        </p:nvSpPr>
+        <p:spPr/>
+        <p:txBody>
+          <a:bodyPr/>
+          <a:lstStyle/>
+          <a:p>
+            <a:r>
+              <a:rPr lang="en-US" altLang="zh-CN" dirty="0" smtClean="0"/>
+              <a:t>Thank you! Question?</a:t>
+            </a:r>
+            <a:endParaRPr lang="zh-CN" altLang="en-US" dirty="0"/>
+          </a:p>
+        </p:txBody>
+      </p:sp>
+      <p:sp>
+        <p:nvSpPr>
+          <p:cNvPr id="5" name="页脚占位符 4"/>
+          <p:cNvSpPr>
+            <a:spLocks noGrp="1"/>
+          </p:cNvSpPr>
+          <p:nvPr>
+            <p:ph type="ftr" sz="quarter" idx="3"/>
+          </p:nvPr>
+        </p:nvSpPr>
+        <p:spPr/>
+        <p:txBody>
+          <a:bodyPr/>
+          <a:lstStyle/>
+          <a:p>
+            <a:r>
+              <a:rPr lang="en-US" altLang="zh-CN" smtClean="0"/>
+              <a:t>OPC UA on Secure Device Yuankui Wang</a:t>
+            </a:r>
+            <a:endParaRPr lang="en-US" altLang="zh-CN" dirty="0"/>
+          </a:p>
+        </p:txBody>
+      </p:sp>
+      <p:sp>
+        <p:nvSpPr>
+          <p:cNvPr id="6" name="日期占位符 5"/>
+          <p:cNvSpPr>
+            <a:spLocks noGrp="1"/>
+          </p:cNvSpPr>
+          <p:nvPr>
+            <p:ph type="dt" sz="half" idx="2"/>
+          </p:nvPr>
+        </p:nvSpPr>
+        <p:spPr/>
+        <p:txBody>
+          <a:bodyPr/>
+          <a:lstStyle/>
+          <a:p>
+            <a:fld id="{D9CB193C-FC74-4279-8388-9DD1BFD58DB8}" type="datetime4">
+              <a:rPr lang="en-US" smtClean="0"/>
+              <a:pPr/>
+              <a:t>March 31, 2014</a:t>
             </a:fld>
             <a:endParaRPr lang="en-US"/>
           </a:p>
@@ -5164,7 +5825,13 @@
           <a:p>
             <a:r>
               <a:rPr lang="en-US" altLang="zh-CN" dirty="0" smtClean="0"/>
-              <a:t>Implementation Scenario</a:t>
+              <a:t>Application Scenario</a:t>
+            </a:r>
+          </a:p>
+          <a:p>
+            <a:r>
+              <a:rPr lang="en-US" altLang="zh-CN" dirty="0" smtClean="0"/>
+              <a:t>Goals</a:t>
             </a:r>
           </a:p>
           <a:p>
@@ -5257,7 +5924,7 @@
             <a:fld id="{D9CB193C-FC74-4279-8388-9DD1BFD58DB8}" type="datetime4">
               <a:rPr lang="en-US" smtClean="0"/>
               <a:pPr/>
-              <a:t>March 28, 2014</a:t>
+              <a:t>March 31, 2014</a:t>
             </a:fld>
             <a:endParaRPr lang="en-US"/>
           </a:p>
@@ -5447,7 +6114,7 @@
             <a:fld id="{D9CB193C-FC74-4279-8388-9DD1BFD58DB8}" type="datetime4">
               <a:rPr lang="en-US" smtClean="0"/>
               <a:pPr/>
-              <a:t>March 28, 2014</a:t>
+              <a:t>March 31, 2014</a:t>
             </a:fld>
             <a:endParaRPr lang="en-US"/>
           </a:p>
@@ -5469,175 +6136,6 @@
 </file>
 
 <file path=ppt/slides/slide4.xml><?xml version="1.0" encoding="utf-8"?>
-<p:sld xmlns:a="http://schemas.openxmlformats.org/drawingml/2006/main" xmlns:r="http://schemas.openxmlformats.org/officeDocument/2006/relationships" xmlns:p="http://schemas.openxmlformats.org/presentationml/2006/main">
-  <p:cSld>
-    <p:spTree>
-      <p:nvGrpSpPr>
-        <p:cNvPr id="1" name=""/>
-        <p:cNvGrpSpPr/>
-        <p:nvPr/>
-      </p:nvGrpSpPr>
-      <p:grpSpPr>
-        <a:xfrm>
-          <a:off x="0" y="0"/>
-          <a:ext cx="0" cy="0"/>
-          <a:chOff x="0" y="0"/>
-          <a:chExt cx="0" cy="0"/>
-        </a:xfrm>
-      </p:grpSpPr>
-      <p:sp>
-        <p:nvSpPr>
-          <p:cNvPr id="2" name="标题 1"/>
-          <p:cNvSpPr>
-            <a:spLocks noGrp="1"/>
-          </p:cNvSpPr>
-          <p:nvPr>
-            <p:ph type="title"/>
-          </p:nvPr>
-        </p:nvSpPr>
-        <p:spPr/>
-        <p:txBody>
-          <a:bodyPr/>
-          <a:lstStyle/>
-          <a:p>
-            <a:r>
-              <a:rPr lang="en-US" altLang="zh-CN" dirty="0" smtClean="0"/>
-              <a:t>Classic OPC</a:t>
-            </a:r>
-            <a:endParaRPr lang="zh-CN" altLang="en-US" dirty="0"/>
-          </a:p>
-        </p:txBody>
-      </p:sp>
-      <p:sp>
-        <p:nvSpPr>
-          <p:cNvPr id="3" name="内容占位符 2"/>
-          <p:cNvSpPr>
-            <a:spLocks noGrp="1"/>
-          </p:cNvSpPr>
-          <p:nvPr>
-            <p:ph idx="1"/>
-          </p:nvPr>
-        </p:nvSpPr>
-        <p:spPr/>
-        <p:txBody>
-          <a:bodyPr/>
-          <a:lstStyle/>
-          <a:p>
-            <a:r>
-              <a:rPr lang="en-US" altLang="zh-CN" dirty="0" smtClean="0"/>
-              <a:t>Classic OPC offers solutions for data access, historical data access, alarms and events.</a:t>
-            </a:r>
-          </a:p>
-          <a:p>
-            <a:r>
-              <a:rPr lang="en-US" altLang="zh-CN" dirty="0" smtClean="0"/>
-              <a:t>Plug and produce capability</a:t>
-            </a:r>
-          </a:p>
-          <a:p>
-            <a:r>
-              <a:rPr lang="en-US" altLang="zh-CN" dirty="0" smtClean="0"/>
-              <a:t>But there exits limitations and imperfections</a:t>
-            </a:r>
-          </a:p>
-          <a:p>
-            <a:r>
-              <a:rPr lang="en-US" altLang="zh-CN" dirty="0" smtClean="0"/>
-              <a:t>Windows platform only, DCOM/COM, no complex data structure</a:t>
-            </a:r>
-          </a:p>
-          <a:p>
-            <a:endParaRPr lang="zh-CN" altLang="en-US" dirty="0"/>
-          </a:p>
-        </p:txBody>
-      </p:sp>
-      <p:sp>
-        <p:nvSpPr>
-          <p:cNvPr id="4" name="灯片编号占位符 3"/>
-          <p:cNvSpPr>
-            <a:spLocks noGrp="1"/>
-          </p:cNvSpPr>
-          <p:nvPr>
-            <p:ph type="sldNum" sz="quarter" idx="10"/>
-          </p:nvPr>
-        </p:nvSpPr>
-        <p:spPr/>
-        <p:txBody>
-          <a:bodyPr/>
-          <a:lstStyle/>
-          <a:p>
-            <a:fld id="{FAF38CBB-378C-4311-BC9A-BAB83E9729AD}" type="slidenum">
-              <a:rPr lang="en-US" smtClean="0"/>
-              <a:pPr/>
-              <a:t>4</a:t>
-            </a:fld>
-            <a:endParaRPr lang="en-US"/>
-          </a:p>
-        </p:txBody>
-      </p:sp>
-      <p:sp>
-        <p:nvSpPr>
-          <p:cNvPr id="5" name="页脚占位符 4"/>
-          <p:cNvSpPr>
-            <a:spLocks noGrp="1"/>
-          </p:cNvSpPr>
-          <p:nvPr>
-            <p:ph type="ftr" sz="quarter" idx="11"/>
-          </p:nvPr>
-        </p:nvSpPr>
-        <p:spPr/>
-        <p:txBody>
-          <a:bodyPr/>
-          <a:lstStyle/>
-          <a:p>
-            <a:r>
-              <a:rPr lang="en-US" altLang="zh-CN" smtClean="0"/>
-              <a:t>OPC UA on Secure Device Yuankui Wang</a:t>
-            </a:r>
-            <a:endParaRPr lang="en-US" altLang="zh-CN" dirty="0"/>
-          </a:p>
-        </p:txBody>
-      </p:sp>
-      <p:sp>
-        <p:nvSpPr>
-          <p:cNvPr id="6" name="日期占位符 5"/>
-          <p:cNvSpPr>
-            <a:spLocks noGrp="1"/>
-          </p:cNvSpPr>
-          <p:nvPr>
-            <p:ph type="dt" sz="half" idx="12"/>
-          </p:nvPr>
-        </p:nvSpPr>
-        <p:spPr/>
-        <p:txBody>
-          <a:bodyPr/>
-          <a:lstStyle/>
-          <a:p>
-            <a:fld id="{D9CB193C-FC74-4279-8388-9DD1BFD58DB8}" type="datetime4">
-              <a:rPr lang="en-US" smtClean="0"/>
-              <a:pPr/>
-              <a:t>March 28, 2014</a:t>
-            </a:fld>
-            <a:endParaRPr lang="en-US"/>
-          </a:p>
-        </p:txBody>
-      </p:sp>
-    </p:spTree>
-  </p:cSld>
-  <p:clrMapOvr>
-    <a:masterClrMapping/>
-  </p:clrMapOvr>
-  <p:timing>
-    <p:tnLst>
-      <p:par>
-        <p:cTn id="1" dur="indefinite" restart="never" nodeType="tmRoot"/>
-      </p:par>
-    </p:tnLst>
-  </p:timing>
-</p:sld>
-</file>
-
-<file path=ppt/slides/slide5.xml><?xml version="1.0" encoding="utf-8"?>
 <p:sld xmlns:a="http://schemas.openxmlformats.org/drawingml/2006/main" xmlns:r="http://schemas.openxmlformats.org/officeDocument/2006/relationships" xmlns:p="http://schemas.openxmlformats.org/presentationml/2006/main">
   <p:cSld>
     <p:spTree>
@@ -5730,6 +6228,21 @@
           <a:p>
             <a:r>
               <a:rPr lang="en-US" altLang="zh-CN" dirty="0" smtClean="0"/>
+              <a:t>OPC UA is the M2M </a:t>
+            </a:r>
+            <a:r>
+              <a:rPr lang="en-US" altLang="zh-CN" smtClean="0"/>
+              <a:t>communication </a:t>
+            </a:r>
+            <a:r>
+              <a:rPr lang="en-US" altLang="zh-CN" smtClean="0"/>
+              <a:t>protocol</a:t>
+            </a:r>
+            <a:endParaRPr lang="en-US" altLang="zh-CN" dirty="0" smtClean="0"/>
+          </a:p>
+          <a:p>
+            <a:r>
+              <a:rPr lang="en-US" altLang="zh-CN" dirty="0" smtClean="0"/>
               <a:t>Platform independent data communication</a:t>
             </a:r>
           </a:p>
@@ -5798,7 +6311,7 @@
             <a:fld id="{FAF38CBB-378C-4311-BC9A-BAB83E9729AD}" type="slidenum">
               <a:rPr lang="en-US" smtClean="0"/>
               <a:pPr/>
-              <a:t>5</a:t>
+              <a:t>4</a:t>
             </a:fld>
             <a:endParaRPr lang="en-US"/>
           </a:p>
@@ -5853,7 +6366,7 @@
             <a:fld id="{D9CB193C-FC74-4279-8388-9DD1BFD58DB8}" type="datetime4">
               <a:rPr lang="en-US" smtClean="0"/>
               <a:pPr/>
-              <a:t>March 28, 2014</a:t>
+              <a:t>March 31, 2014</a:t>
             </a:fld>
             <a:endParaRPr lang="en-US"/>
           </a:p>
@@ -5874,167 +6387,7 @@
 </p:sld>
 </file>
 
-<file path=ppt/slides/slide6.xml><?xml version="1.0" encoding="utf-8"?>
-<p:sld xmlns:a="http://schemas.openxmlformats.org/drawingml/2006/main" xmlns:r="http://schemas.openxmlformats.org/officeDocument/2006/relationships" xmlns:p="http://schemas.openxmlformats.org/presentationml/2006/main">
-  <p:cSld>
-    <p:spTree>
-      <p:nvGrpSpPr>
-        <p:cNvPr id="1" name=""/>
-        <p:cNvGrpSpPr/>
-        <p:nvPr/>
-      </p:nvGrpSpPr>
-      <p:grpSpPr>
-        <a:xfrm>
-          <a:off x="0" y="0"/>
-          <a:ext cx="0" cy="0"/>
-          <a:chOff x="0" y="0"/>
-          <a:chExt cx="0" cy="0"/>
-        </a:xfrm>
-      </p:grpSpPr>
-      <p:sp>
-        <p:nvSpPr>
-          <p:cNvPr id="2" name="标题 1"/>
-          <p:cNvSpPr>
-            <a:spLocks noGrp="1"/>
-          </p:cNvSpPr>
-          <p:nvPr>
-            <p:ph type="title"/>
-          </p:nvPr>
-        </p:nvSpPr>
-        <p:spPr/>
-        <p:txBody>
-          <a:bodyPr/>
-          <a:lstStyle/>
-          <a:p>
-            <a:r>
-              <a:rPr lang="en-US" altLang="zh-CN" dirty="0" smtClean="0"/>
-              <a:t>OPC UA Client Server Architecture </a:t>
-            </a:r>
-            <a:endParaRPr lang="zh-CN" altLang="en-US" dirty="0"/>
-          </a:p>
-        </p:txBody>
-      </p:sp>
-      <p:sp>
-        <p:nvSpPr>
-          <p:cNvPr id="4" name="灯片编号占位符 3"/>
-          <p:cNvSpPr>
-            <a:spLocks noGrp="1"/>
-          </p:cNvSpPr>
-          <p:nvPr>
-            <p:ph type="sldNum" sz="quarter" idx="10"/>
-          </p:nvPr>
-        </p:nvSpPr>
-        <p:spPr/>
-        <p:txBody>
-          <a:bodyPr/>
-          <a:lstStyle/>
-          <a:p>
-            <a:fld id="{FAF38CBB-378C-4311-BC9A-BAB83E9729AD}" type="slidenum">
-              <a:rPr lang="en-US" smtClean="0"/>
-              <a:pPr/>
-              <a:t>6</a:t>
-            </a:fld>
-            <a:endParaRPr lang="en-US"/>
-          </a:p>
-        </p:txBody>
-      </p:sp>
-      <p:sp>
-        <p:nvSpPr>
-          <p:cNvPr id="5" name="页脚占位符 4"/>
-          <p:cNvSpPr>
-            <a:spLocks noGrp="1"/>
-          </p:cNvSpPr>
-          <p:nvPr>
-            <p:ph type="ftr" sz="quarter" idx="11"/>
-          </p:nvPr>
-        </p:nvSpPr>
-        <p:spPr/>
-        <p:txBody>
-          <a:bodyPr/>
-          <a:lstStyle/>
-          <a:p>
-            <a:r>
-              <a:rPr lang="en-US" altLang="zh-CN" smtClean="0"/>
-              <a:t>OPC UA on Secure Device Yuankui Wang</a:t>
-            </a:r>
-            <a:endParaRPr lang="en-US" altLang="zh-CN" dirty="0"/>
-          </a:p>
-        </p:txBody>
-      </p:sp>
-      <p:sp>
-        <p:nvSpPr>
-          <p:cNvPr id="6" name="日期占位符 5"/>
-          <p:cNvSpPr>
-            <a:spLocks noGrp="1"/>
-          </p:cNvSpPr>
-          <p:nvPr>
-            <p:ph type="dt" sz="half" idx="12"/>
-          </p:nvPr>
-        </p:nvSpPr>
-        <p:spPr/>
-        <p:txBody>
-          <a:bodyPr/>
-          <a:lstStyle/>
-          <a:p>
-            <a:fld id="{D9CB193C-FC74-4279-8388-9DD1BFD58DB8}" type="datetime4">
-              <a:rPr lang="en-US" smtClean="0"/>
-              <a:pPr/>
-              <a:t>March 28, 2014</a:t>
-            </a:fld>
-            <a:endParaRPr lang="en-US"/>
-          </a:p>
-        </p:txBody>
-      </p:sp>
-      <p:pic>
-        <p:nvPicPr>
-          <p:cNvPr id="1026" name="Picture 2"/>
-          <p:cNvPicPr>
-            <a:picLocks noGrp="1" noChangeAspect="1" noChangeArrowheads="1"/>
-          </p:cNvPicPr>
-          <p:nvPr>
-            <p:ph idx="1"/>
-          </p:nvPr>
-        </p:nvPicPr>
-        <p:blipFill>
-          <a:blip r:embed="rId2" cstate="print"/>
-          <a:srcRect/>
-          <a:stretch>
-            <a:fillRect/>
-          </a:stretch>
-        </p:blipFill>
-        <p:spPr bwMode="auto">
-          <a:xfrm>
-            <a:off x="457200" y="1385094"/>
-            <a:ext cx="8447088" cy="4968875"/>
-          </a:xfrm>
-          <a:prstGeom prst="rect">
-            <a:avLst/>
-          </a:prstGeom>
-          <a:noFill/>
-          <a:ln w="9525">
-            <a:noFill/>
-            <a:miter lim="800000"/>
-            <a:headEnd/>
-            <a:tailEnd/>
-          </a:ln>
-        </p:spPr>
-      </p:pic>
-    </p:spTree>
-  </p:cSld>
-  <p:clrMapOvr>
-    <a:masterClrMapping/>
-  </p:clrMapOvr>
-  <p:timing>
-    <p:tnLst>
-      <p:par>
-        <p:cTn id="1" dur="indefinite" restart="never" nodeType="tmRoot"/>
-      </p:par>
-    </p:tnLst>
-  </p:timing>
-</p:sld>
-</file>
-
-<file path=ppt/slides/slide7.xml><?xml version="1.0" encoding="utf-8"?>
+<file path=ppt/slides/slide5.xml><?xml version="1.0" encoding="utf-8"?>
 <p:sld xmlns:a="http://schemas.openxmlformats.org/drawingml/2006/main" xmlns:r="http://schemas.openxmlformats.org/officeDocument/2006/relationships" xmlns:p="http://schemas.openxmlformats.org/presentationml/2006/main">
   <p:cSld>
     <p:spTree>
@@ -6215,7 +6568,7 @@
             <a:fld id="{FAF38CBB-378C-4311-BC9A-BAB83E9729AD}" type="slidenum">
               <a:rPr lang="en-US" smtClean="0"/>
               <a:pPr/>
-              <a:t>7</a:t>
+              <a:t>5</a:t>
             </a:fld>
             <a:endParaRPr lang="en-US"/>
           </a:p>
@@ -6262,7 +6615,7 @@
             <a:fld id="{D9CB193C-FC74-4279-8388-9DD1BFD58DB8}" type="datetime4">
               <a:rPr lang="en-US" smtClean="0"/>
               <a:pPr/>
-              <a:t>March 28, 2014</a:t>
+              <a:t>March 31, 2014</a:t>
             </a:fld>
             <a:endParaRPr lang="en-US"/>
           </a:p>
@@ -6283,7 +6636,7 @@
 </p:sld>
 </file>
 
-<file path=ppt/slides/slide8.xml><?xml version="1.0" encoding="utf-8"?>
+<file path=ppt/slides/slide6.xml><?xml version="1.0" encoding="utf-8"?>
 <p:sld xmlns:a="http://schemas.openxmlformats.org/drawingml/2006/main" xmlns:r="http://schemas.openxmlformats.org/officeDocument/2006/relationships" xmlns:p="http://schemas.openxmlformats.org/presentationml/2006/main">
   <p:cSld>
     <p:spTree>
@@ -6370,15 +6723,7 @@
           <a:p>
             <a:r>
               <a:rPr lang="en-US" altLang="zh-CN" dirty="0" smtClean="0"/>
-              <a:t>A</a:t>
-            </a:r>
-            <a:r>
-              <a:rPr lang="en-US" altLang="zh-CN" dirty="0" smtClean="0"/>
-              <a:t>pplications</a:t>
-            </a:r>
-            <a:r>
-              <a:rPr lang="en-US" altLang="zh-CN" dirty="0" smtClean="0"/>
-              <a:t>:</a:t>
+              <a:t>Applications:</a:t>
             </a:r>
           </a:p>
           <a:p>
@@ -6430,7 +6775,7 @@
             <a:fld id="{FAF38CBB-378C-4311-BC9A-BAB83E9729AD}" type="slidenum">
               <a:rPr lang="en-US" smtClean="0"/>
               <a:pPr/>
-              <a:t>8</a:t>
+              <a:t>6</a:t>
             </a:fld>
             <a:endParaRPr lang="en-US"/>
           </a:p>
@@ -6477,7 +6822,7 @@
             <a:fld id="{D9CB193C-FC74-4279-8388-9DD1BFD58DB8}" type="datetime4">
               <a:rPr lang="en-US" smtClean="0"/>
               <a:pPr/>
-              <a:t>March 28, 2014</a:t>
+              <a:t>March 31, 2014</a:t>
             </a:fld>
             <a:endParaRPr lang="en-US"/>
           </a:p>
@@ -6530,7 +6875,7 @@
 </p:sld>
 </file>
 
-<file path=ppt/slides/slide9.xml><?xml version="1.0" encoding="utf-8"?>
+<file path=ppt/slides/slide7.xml><?xml version="1.0" encoding="utf-8"?>
 <p:sld xmlns:a="http://schemas.openxmlformats.org/drawingml/2006/main" xmlns:r="http://schemas.openxmlformats.org/officeDocument/2006/relationships" xmlns:p="http://schemas.openxmlformats.org/presentationml/2006/main">
   <p:cSld>
     <p:spTree>
@@ -6620,7 +6965,7 @@
             <a:fld id="{FAF38CBB-378C-4311-BC9A-BAB83E9729AD}" type="slidenum">
               <a:rPr lang="en-US" smtClean="0"/>
               <a:pPr/>
-              <a:t>9</a:t>
+              <a:t>7</a:t>
             </a:fld>
             <a:endParaRPr lang="en-US"/>
           </a:p>
@@ -6667,7 +7012,7 @@
             <a:fld id="{D9CB193C-FC74-4279-8388-9DD1BFD58DB8}" type="datetime4">
               <a:rPr lang="en-US" smtClean="0"/>
               <a:pPr/>
-              <a:t>March 28, 2014</a:t>
+              <a:t>March 31, 2014</a:t>
             </a:fld>
             <a:endParaRPr lang="en-US"/>
           </a:p>
@@ -6707,6 +7052,661 @@
           </a:ln>
         </p:spPr>
       </p:pic>
+    </p:spTree>
+  </p:cSld>
+  <p:clrMapOvr>
+    <a:masterClrMapping/>
+  </p:clrMapOvr>
+  <p:timing>
+    <p:tnLst>
+      <p:par>
+        <p:cTn id="1" dur="indefinite" restart="never" nodeType="tmRoot"/>
+      </p:par>
+    </p:tnLst>
+  </p:timing>
+</p:sld>
+</file>
+
+<file path=ppt/slides/slide8.xml><?xml version="1.0" encoding="utf-8"?>
+<p:sld xmlns:a="http://schemas.openxmlformats.org/drawingml/2006/main" xmlns:r="http://schemas.openxmlformats.org/officeDocument/2006/relationships" xmlns:p="http://schemas.openxmlformats.org/presentationml/2006/main">
+  <p:cSld>
+    <p:spTree>
+      <p:nvGrpSpPr>
+        <p:cNvPr id="1" name=""/>
+        <p:cNvGrpSpPr/>
+        <p:nvPr/>
+      </p:nvGrpSpPr>
+      <p:grpSpPr>
+        <a:xfrm>
+          <a:off x="0" y="0"/>
+          <a:ext cx="0" cy="0"/>
+          <a:chOff x="0" y="0"/>
+          <a:chExt cx="0" cy="0"/>
+        </a:xfrm>
+      </p:grpSpPr>
+      <p:sp>
+        <p:nvSpPr>
+          <p:cNvPr id="2" name="标题 1"/>
+          <p:cNvSpPr>
+            <a:spLocks noGrp="1"/>
+          </p:cNvSpPr>
+          <p:nvPr>
+            <p:ph type="title"/>
+          </p:nvPr>
+        </p:nvSpPr>
+        <p:spPr/>
+        <p:txBody>
+          <a:bodyPr/>
+          <a:lstStyle/>
+          <a:p>
+            <a:r>
+              <a:rPr lang="en-US" altLang="zh-CN" dirty="0" smtClean="0"/>
+              <a:t>OPC UA Client Server Architecture </a:t>
+            </a:r>
+            <a:endParaRPr lang="zh-CN" altLang="en-US" dirty="0"/>
+          </a:p>
+        </p:txBody>
+      </p:sp>
+      <p:sp>
+        <p:nvSpPr>
+          <p:cNvPr id="4" name="灯片编号占位符 3"/>
+          <p:cNvSpPr>
+            <a:spLocks noGrp="1"/>
+          </p:cNvSpPr>
+          <p:nvPr>
+            <p:ph type="sldNum" sz="quarter" idx="10"/>
+          </p:nvPr>
+        </p:nvSpPr>
+        <p:spPr/>
+        <p:txBody>
+          <a:bodyPr/>
+          <a:lstStyle/>
+          <a:p>
+            <a:fld id="{FAF38CBB-378C-4311-BC9A-BAB83E9729AD}" type="slidenum">
+              <a:rPr lang="en-US" smtClean="0"/>
+              <a:pPr/>
+              <a:t>8</a:t>
+            </a:fld>
+            <a:endParaRPr lang="en-US"/>
+          </a:p>
+        </p:txBody>
+      </p:sp>
+      <p:sp>
+        <p:nvSpPr>
+          <p:cNvPr id="5" name="页脚占位符 4"/>
+          <p:cNvSpPr>
+            <a:spLocks noGrp="1"/>
+          </p:cNvSpPr>
+          <p:nvPr>
+            <p:ph type="ftr" sz="quarter" idx="11"/>
+          </p:nvPr>
+        </p:nvSpPr>
+        <p:spPr/>
+        <p:txBody>
+          <a:bodyPr/>
+          <a:lstStyle/>
+          <a:p>
+            <a:r>
+              <a:rPr lang="en-US" altLang="zh-CN" smtClean="0"/>
+              <a:t>OPC UA on Secure Device Yuankui Wang</a:t>
+            </a:r>
+            <a:endParaRPr lang="en-US" altLang="zh-CN" dirty="0"/>
+          </a:p>
+        </p:txBody>
+      </p:sp>
+      <p:sp>
+        <p:nvSpPr>
+          <p:cNvPr id="6" name="日期占位符 5"/>
+          <p:cNvSpPr>
+            <a:spLocks noGrp="1"/>
+          </p:cNvSpPr>
+          <p:nvPr>
+            <p:ph type="dt" sz="half" idx="12"/>
+          </p:nvPr>
+        </p:nvSpPr>
+        <p:spPr/>
+        <p:txBody>
+          <a:bodyPr/>
+          <a:lstStyle/>
+          <a:p>
+            <a:fld id="{D9CB193C-FC74-4279-8388-9DD1BFD58DB8}" type="datetime4">
+              <a:rPr lang="en-US" smtClean="0"/>
+              <a:pPr/>
+              <a:t>March 31, 2014</a:t>
+            </a:fld>
+            <a:endParaRPr lang="en-US"/>
+          </a:p>
+        </p:txBody>
+      </p:sp>
+      <p:pic>
+        <p:nvPicPr>
+          <p:cNvPr id="1026" name="Picture 2"/>
+          <p:cNvPicPr>
+            <a:picLocks noGrp="1" noChangeAspect="1" noChangeArrowheads="1"/>
+          </p:cNvPicPr>
+          <p:nvPr>
+            <p:ph idx="1"/>
+          </p:nvPr>
+        </p:nvPicPr>
+        <p:blipFill>
+          <a:blip r:embed="rId2" cstate="print"/>
+          <a:srcRect/>
+          <a:stretch>
+            <a:fillRect/>
+          </a:stretch>
+        </p:blipFill>
+        <p:spPr bwMode="auto">
+          <a:xfrm>
+            <a:off x="457200" y="1385094"/>
+            <a:ext cx="8447088" cy="4968875"/>
+          </a:xfrm>
+          <a:prstGeom prst="rect">
+            <a:avLst/>
+          </a:prstGeom>
+          <a:noFill/>
+          <a:ln w="9525">
+            <a:noFill/>
+            <a:miter lim="800000"/>
+            <a:headEnd/>
+            <a:tailEnd/>
+          </a:ln>
+        </p:spPr>
+      </p:pic>
+    </p:spTree>
+  </p:cSld>
+  <p:clrMapOvr>
+    <a:masterClrMapping/>
+  </p:clrMapOvr>
+  <p:timing>
+    <p:tnLst>
+      <p:par>
+        <p:cTn id="1" dur="indefinite" restart="never" nodeType="tmRoot"/>
+      </p:par>
+    </p:tnLst>
+  </p:timing>
+</p:sld>
+</file>
+
+<file path=ppt/slides/slide9.xml><?xml version="1.0" encoding="utf-8"?>
+<p:sld xmlns:a="http://schemas.openxmlformats.org/drawingml/2006/main" xmlns:r="http://schemas.openxmlformats.org/officeDocument/2006/relationships" xmlns:p="http://schemas.openxmlformats.org/presentationml/2006/main">
+  <p:cSld>
+    <p:spTree>
+      <p:nvGrpSpPr>
+        <p:cNvPr id="1" name=""/>
+        <p:cNvGrpSpPr/>
+        <p:nvPr/>
+      </p:nvGrpSpPr>
+      <p:grpSpPr>
+        <a:xfrm>
+          <a:off x="0" y="0"/>
+          <a:ext cx="0" cy="0"/>
+          <a:chOff x="0" y="0"/>
+          <a:chExt cx="0" cy="0"/>
+        </a:xfrm>
+      </p:grpSpPr>
+      <p:sp>
+        <p:nvSpPr>
+          <p:cNvPr id="2" name="标题 1"/>
+          <p:cNvSpPr>
+            <a:spLocks noGrp="1"/>
+          </p:cNvSpPr>
+          <p:nvPr>
+            <p:ph type="title"/>
+          </p:nvPr>
+        </p:nvSpPr>
+        <p:spPr/>
+        <p:txBody>
+          <a:bodyPr/>
+          <a:lstStyle/>
+          <a:p>
+            <a:r>
+              <a:rPr lang="en-US" altLang="zh-CN" dirty="0" smtClean="0"/>
+              <a:t>OPC UA Client Server Architecture </a:t>
+            </a:r>
+            <a:endParaRPr lang="zh-CN" altLang="en-US" dirty="0"/>
+          </a:p>
+        </p:txBody>
+      </p:sp>
+      <p:sp>
+        <p:nvSpPr>
+          <p:cNvPr id="4" name="灯片编号占位符 3"/>
+          <p:cNvSpPr>
+            <a:spLocks noGrp="1"/>
+          </p:cNvSpPr>
+          <p:nvPr>
+            <p:ph type="sldNum" sz="quarter" idx="10"/>
+          </p:nvPr>
+        </p:nvSpPr>
+        <p:spPr/>
+        <p:txBody>
+          <a:bodyPr/>
+          <a:lstStyle/>
+          <a:p>
+            <a:fld id="{FAF38CBB-378C-4311-BC9A-BAB83E9729AD}" type="slidenum">
+              <a:rPr lang="en-US" smtClean="0"/>
+              <a:pPr/>
+              <a:t>9</a:t>
+            </a:fld>
+            <a:endParaRPr lang="en-US"/>
+          </a:p>
+        </p:txBody>
+      </p:sp>
+      <p:sp>
+        <p:nvSpPr>
+          <p:cNvPr id="5" name="页脚占位符 4"/>
+          <p:cNvSpPr>
+            <a:spLocks noGrp="1"/>
+          </p:cNvSpPr>
+          <p:nvPr>
+            <p:ph type="ftr" sz="quarter" idx="11"/>
+          </p:nvPr>
+        </p:nvSpPr>
+        <p:spPr/>
+        <p:txBody>
+          <a:bodyPr/>
+          <a:lstStyle/>
+          <a:p>
+            <a:r>
+              <a:rPr lang="en-US" altLang="zh-CN" smtClean="0"/>
+              <a:t>OPC UA on Secure Device Yuankui Wang</a:t>
+            </a:r>
+            <a:endParaRPr lang="en-US" altLang="zh-CN" dirty="0"/>
+          </a:p>
+        </p:txBody>
+      </p:sp>
+      <p:sp>
+        <p:nvSpPr>
+          <p:cNvPr id="6" name="日期占位符 5"/>
+          <p:cNvSpPr>
+            <a:spLocks noGrp="1"/>
+          </p:cNvSpPr>
+          <p:nvPr>
+            <p:ph type="dt" sz="half" idx="12"/>
+          </p:nvPr>
+        </p:nvSpPr>
+        <p:spPr/>
+        <p:txBody>
+          <a:bodyPr/>
+          <a:lstStyle/>
+          <a:p>
+            <a:fld id="{D9CB193C-FC74-4279-8388-9DD1BFD58DB8}" type="datetime4">
+              <a:rPr lang="en-US" smtClean="0"/>
+              <a:pPr/>
+              <a:t>March 31, 2014</a:t>
+            </a:fld>
+            <a:endParaRPr lang="en-US"/>
+          </a:p>
+        </p:txBody>
+      </p:sp>
+      <p:pic>
+        <p:nvPicPr>
+          <p:cNvPr id="1026" name="Picture 2"/>
+          <p:cNvPicPr>
+            <a:picLocks noGrp="1" noChangeAspect="1" noChangeArrowheads="1"/>
+          </p:cNvPicPr>
+          <p:nvPr>
+            <p:ph idx="1"/>
+          </p:nvPr>
+        </p:nvPicPr>
+        <p:blipFill>
+          <a:blip r:embed="rId2" cstate="print"/>
+          <a:srcRect r="63520"/>
+          <a:stretch>
+            <a:fillRect/>
+          </a:stretch>
+        </p:blipFill>
+        <p:spPr bwMode="auto">
+          <a:xfrm>
+            <a:off x="457200" y="1385094"/>
+            <a:ext cx="3081528" cy="4968875"/>
+          </a:xfrm>
+          <a:prstGeom prst="rect">
+            <a:avLst/>
+          </a:prstGeom>
+          <a:noFill/>
+          <a:ln w="9525">
+            <a:noFill/>
+            <a:miter lim="800000"/>
+            <a:headEnd/>
+            <a:tailEnd/>
+          </a:ln>
+        </p:spPr>
+      </p:pic>
+      <p:sp>
+        <p:nvSpPr>
+          <p:cNvPr id="8" name="内容占位符 2"/>
+          <p:cNvSpPr txBox="1">
+            <a:spLocks/>
+          </p:cNvSpPr>
+          <p:nvPr/>
+        </p:nvSpPr>
+        <p:spPr bwMode="auto">
+          <a:xfrm>
+            <a:off x="3849624" y="1341438"/>
+            <a:ext cx="5054890" cy="5056187"/>
+          </a:xfrm>
+          <a:prstGeom prst="rect">
+            <a:avLst/>
+          </a:prstGeom>
+          <a:noFill/>
+          <a:ln w="9525">
+            <a:noFill/>
+            <a:miter lim="800000"/>
+            <a:headEnd/>
+            <a:tailEnd/>
+          </a:ln>
+        </p:spPr>
+        <p:txBody>
+          <a:bodyPr vert="horz" wrap="square" lIns="91440" tIns="45720" rIns="91440" bIns="45720" numCol="1" anchor="t" anchorCtr="0" compatLnSpc="1">
+            <a:prstTxWarp prst="textNoShape">
+              <a:avLst/>
+            </a:prstTxWarp>
+          </a:bodyPr>
+          <a:lstStyle/>
+          <a:p>
+            <a:pPr marL="342900" marR="0" lvl="0" indent="-342900" algn="l" defTabSz="914400" rtl="0" eaLnBrk="1" fontAlgn="base" latinLnBrk="0" hangingPunct="1">
+              <a:lnSpc>
+                <a:spcPct val="100000"/>
+              </a:lnSpc>
+              <a:spcBef>
+                <a:spcPct val="20000"/>
+              </a:spcBef>
+              <a:spcAft>
+                <a:spcPct val="0"/>
+              </a:spcAft>
+              <a:buClr>
+                <a:srgbClr val="073482"/>
+              </a:buClr>
+              <a:buSzTx/>
+              <a:buFont typeface="Wingdings" pitchFamily="2" charset="2"/>
+              <a:buChar char="§"/>
+              <a:tabLst/>
+              <a:defRPr/>
+            </a:pPr>
+            <a:r>
+              <a:rPr kumimoji="0" lang="en-US" altLang="zh-CN" b="0" i="0" u="none" strike="noStrike" kern="0" cap="none" spc="0" normalizeH="0" baseline="0" noProof="0" dirty="0" smtClean="0">
+                <a:ln>
+                  <a:noFill/>
+                </a:ln>
+                <a:solidFill>
+                  <a:schemeClr val="tx1"/>
+                </a:solidFill>
+                <a:effectLst/>
+                <a:uLnTx/>
+                <a:uFillTx/>
+                <a:latin typeface="+mn-lt"/>
+                <a:ea typeface="+mn-ea"/>
+                <a:cs typeface="+mn-cs"/>
+              </a:rPr>
+              <a:t>Client Application</a:t>
+            </a:r>
+            <a:r>
+              <a:rPr lang="en-US" altLang="zh-CN" b="0" i="0" kern="0" dirty="0" smtClean="0">
+                <a:solidFill>
+                  <a:schemeClr val="tx1"/>
+                </a:solidFill>
+                <a:latin typeface="+mn-lt"/>
+              </a:rPr>
+              <a:t>: </a:t>
+            </a:r>
+            <a:r>
+              <a:rPr kumimoji="0" lang="en-US" altLang="zh-CN" b="0" i="0" u="none" strike="noStrike" kern="0" cap="none" spc="0" normalizeH="0" noProof="0" dirty="0" smtClean="0">
+                <a:ln>
+                  <a:noFill/>
+                </a:ln>
+                <a:solidFill>
+                  <a:schemeClr val="tx1"/>
+                </a:solidFill>
+                <a:effectLst/>
+                <a:uLnTx/>
+                <a:uFillTx/>
+                <a:latin typeface="+mn-lt"/>
+                <a:ea typeface="+mn-ea"/>
+                <a:cs typeface="+mn-cs"/>
+              </a:rPr>
+              <a:t>Java Phone APP</a:t>
+            </a:r>
+          </a:p>
+          <a:p>
+            <a:pPr marL="342900" marR="0" lvl="0" indent="-342900" algn="l" defTabSz="914400" rtl="0" eaLnBrk="1" fontAlgn="base" latinLnBrk="0" hangingPunct="1">
+              <a:lnSpc>
+                <a:spcPct val="100000"/>
+              </a:lnSpc>
+              <a:spcBef>
+                <a:spcPct val="20000"/>
+              </a:spcBef>
+              <a:spcAft>
+                <a:spcPct val="0"/>
+              </a:spcAft>
+              <a:buClr>
+                <a:srgbClr val="073482"/>
+              </a:buClr>
+              <a:buSzTx/>
+              <a:buFont typeface="Wingdings" pitchFamily="2" charset="2"/>
+              <a:buChar char="§"/>
+              <a:tabLst/>
+              <a:defRPr/>
+            </a:pPr>
+            <a:r>
+              <a:rPr lang="en-US" altLang="zh-CN" b="0" i="0" kern="0" noProof="0" dirty="0" smtClean="0">
+                <a:solidFill>
+                  <a:schemeClr val="tx1"/>
+                </a:solidFill>
+                <a:latin typeface="+mn-lt"/>
+              </a:rPr>
+              <a:t>Supported client functions:</a:t>
+            </a:r>
+          </a:p>
+          <a:p>
+            <a:pPr marL="800100" lvl="1" indent="-342900">
+              <a:spcBef>
+                <a:spcPct val="20000"/>
+              </a:spcBef>
+              <a:buClr>
+                <a:srgbClr val="073482"/>
+              </a:buClr>
+              <a:buFont typeface="Wingdings" pitchFamily="2" charset="2"/>
+              <a:buChar char="§"/>
+            </a:pPr>
+            <a:r>
+              <a:rPr kumimoji="0" lang="en-US" altLang="zh-CN" b="0" i="0" u="none" strike="noStrike" kern="0" cap="none" spc="0" normalizeH="0" dirty="0" smtClean="0">
+                <a:ln>
+                  <a:noFill/>
+                </a:ln>
+                <a:solidFill>
+                  <a:schemeClr val="tx1"/>
+                </a:solidFill>
+                <a:effectLst/>
+                <a:uLnTx/>
+                <a:uFillTx/>
+                <a:latin typeface="+mn-lt"/>
+                <a:ea typeface="+mn-ea"/>
+                <a:cs typeface="+mn-cs"/>
+              </a:rPr>
+              <a:t>Query</a:t>
+            </a:r>
+          </a:p>
+          <a:p>
+            <a:pPr marL="800100" lvl="1" indent="-342900">
+              <a:spcBef>
+                <a:spcPct val="20000"/>
+              </a:spcBef>
+              <a:buClr>
+                <a:srgbClr val="073482"/>
+              </a:buClr>
+              <a:buFont typeface="Wingdings" pitchFamily="2" charset="2"/>
+              <a:buChar char="§"/>
+            </a:pPr>
+            <a:r>
+              <a:rPr lang="en-US" altLang="zh-CN" b="0" i="0" kern="0" noProof="0" dirty="0" smtClean="0">
+                <a:solidFill>
+                  <a:schemeClr val="tx1"/>
+                </a:solidFill>
+                <a:latin typeface="+mn-lt"/>
+              </a:rPr>
+              <a:t>Authentication</a:t>
+            </a:r>
+          </a:p>
+          <a:p>
+            <a:pPr marL="800100" lvl="1" indent="-342900">
+              <a:spcBef>
+                <a:spcPct val="20000"/>
+              </a:spcBef>
+              <a:buClr>
+                <a:srgbClr val="073482"/>
+              </a:buClr>
+              <a:buFont typeface="Wingdings" pitchFamily="2" charset="2"/>
+              <a:buChar char="§"/>
+            </a:pPr>
+            <a:r>
+              <a:rPr kumimoji="0" lang="en-US" altLang="zh-CN" b="0" i="0" u="none" strike="noStrike" kern="0" cap="none" spc="0" normalizeH="0" dirty="0" smtClean="0">
+                <a:ln>
+                  <a:noFill/>
+                </a:ln>
+                <a:solidFill>
+                  <a:schemeClr val="tx1"/>
+                </a:solidFill>
+                <a:effectLst/>
+                <a:uLnTx/>
+                <a:uFillTx/>
+                <a:latin typeface="+mn-lt"/>
+                <a:ea typeface="+mn-ea"/>
+                <a:cs typeface="+mn-cs"/>
+              </a:rPr>
+              <a:t>Authorization and etc…</a:t>
+            </a:r>
+            <a:r>
+              <a:rPr kumimoji="0" lang="en-US" altLang="zh-CN" b="0" i="0" u="none" strike="noStrike" kern="0" cap="none" spc="0" normalizeH="0" noProof="0" dirty="0" smtClean="0">
+                <a:ln>
+                  <a:noFill/>
+                </a:ln>
+                <a:solidFill>
+                  <a:schemeClr val="tx1"/>
+                </a:solidFill>
+                <a:effectLst/>
+                <a:uLnTx/>
+                <a:uFillTx/>
+                <a:latin typeface="+mn-lt"/>
+                <a:ea typeface="+mn-ea"/>
+                <a:cs typeface="+mn-cs"/>
+              </a:rPr>
+              <a:t> </a:t>
+            </a:r>
+          </a:p>
+          <a:p>
+            <a:pPr marL="342900" marR="0" lvl="0" indent="-342900" algn="l" defTabSz="914400" rtl="0" eaLnBrk="1" fontAlgn="base" latinLnBrk="0" hangingPunct="1">
+              <a:lnSpc>
+                <a:spcPct val="100000"/>
+              </a:lnSpc>
+              <a:spcBef>
+                <a:spcPct val="20000"/>
+              </a:spcBef>
+              <a:spcAft>
+                <a:spcPct val="0"/>
+              </a:spcAft>
+              <a:buClr>
+                <a:srgbClr val="073482"/>
+              </a:buClr>
+              <a:buSzTx/>
+              <a:buFont typeface="Wingdings" pitchFamily="2" charset="2"/>
+              <a:buChar char="§"/>
+              <a:tabLst/>
+              <a:defRPr/>
+            </a:pPr>
+            <a:r>
+              <a:rPr lang="en-US" altLang="zh-CN" b="0" i="0" kern="0" noProof="0" dirty="0" smtClean="0">
+                <a:solidFill>
+                  <a:schemeClr val="tx1"/>
+                </a:solidFill>
+                <a:latin typeface="+mn-lt"/>
+              </a:rPr>
+              <a:t>Communication stack: developed on smart card, used to realize communication with OPC UA server.</a:t>
+            </a:r>
+          </a:p>
+          <a:p>
+            <a:pPr marL="342900" marR="0" lvl="0" indent="-342900" algn="l" defTabSz="914400" rtl="0" eaLnBrk="1" fontAlgn="base" latinLnBrk="0" hangingPunct="1">
+              <a:lnSpc>
+                <a:spcPct val="100000"/>
+              </a:lnSpc>
+              <a:spcBef>
+                <a:spcPct val="20000"/>
+              </a:spcBef>
+              <a:spcAft>
+                <a:spcPct val="0"/>
+              </a:spcAft>
+              <a:buClr>
+                <a:srgbClr val="073482"/>
+              </a:buClr>
+              <a:buSzTx/>
+              <a:buFont typeface="Wingdings" pitchFamily="2" charset="2"/>
+              <a:buChar char="§"/>
+              <a:tabLst/>
+              <a:defRPr/>
+            </a:pPr>
+            <a:r>
+              <a:rPr lang="en-US" altLang="zh-CN" b="0" i="0" kern="0" dirty="0" smtClean="0">
+                <a:solidFill>
+                  <a:schemeClr val="tx1"/>
+                </a:solidFill>
+                <a:latin typeface="+mn-lt"/>
+              </a:rPr>
+              <a:t>Important user credential information like: encryption keys and certificates are saved on card.</a:t>
+            </a:r>
+            <a:endParaRPr lang="en-US" altLang="zh-CN" b="0" i="0" kern="0" noProof="0" dirty="0" smtClean="0">
+              <a:solidFill>
+                <a:schemeClr val="tx1"/>
+              </a:solidFill>
+              <a:latin typeface="+mn-lt"/>
+            </a:endParaRPr>
+          </a:p>
+          <a:p>
+            <a:pPr marL="342900" marR="0" lvl="0" indent="-342900" algn="l" defTabSz="914400" rtl="0" eaLnBrk="1" fontAlgn="base" latinLnBrk="0" hangingPunct="1">
+              <a:lnSpc>
+                <a:spcPct val="100000"/>
+              </a:lnSpc>
+              <a:spcBef>
+                <a:spcPct val="20000"/>
+              </a:spcBef>
+              <a:spcAft>
+                <a:spcPct val="0"/>
+              </a:spcAft>
+              <a:buClr>
+                <a:srgbClr val="073482"/>
+              </a:buClr>
+              <a:buSzTx/>
+              <a:buFont typeface="Wingdings" pitchFamily="2" charset="2"/>
+              <a:buChar char="§"/>
+              <a:tabLst/>
+              <a:defRPr/>
+            </a:pPr>
+            <a:r>
+              <a:rPr lang="en-US" altLang="zh-CN" b="0" i="0" kern="0" dirty="0" smtClean="0">
+                <a:solidFill>
+                  <a:schemeClr val="tx1"/>
+                </a:solidFill>
+                <a:latin typeface="+mn-lt"/>
+              </a:rPr>
+              <a:t>Client API: Translate App instructions into Application Protocol Date Unit (APDU) formats.</a:t>
+            </a:r>
+          </a:p>
+          <a:p>
+            <a:pPr marL="800100" lvl="1" indent="-342900">
+              <a:spcBef>
+                <a:spcPct val="20000"/>
+              </a:spcBef>
+              <a:buClr>
+                <a:srgbClr val="073482"/>
+              </a:buClr>
+            </a:pPr>
+            <a:endParaRPr lang="en-US" altLang="zh-CN" sz="2400" b="0" i="0" kern="0" dirty="0" smtClean="0">
+              <a:solidFill>
+                <a:schemeClr val="tx1"/>
+              </a:solidFill>
+              <a:latin typeface="+mn-lt"/>
+            </a:endParaRPr>
+          </a:p>
+        </p:txBody>
+      </p:sp>
     </p:spTree>
   </p:cSld>
   <p:clrMapOvr>

--- a/ppt/Einleitung.pptx
+++ b/ppt/Einleitung.pptx
@@ -5,31 +5,34 @@
     <p:sldMasterId id="2147483651" r:id="rId1"/>
   </p:sldMasterIdLst>
   <p:notesMasterIdLst>
-    <p:notesMasterId r:id="rId21"/>
+    <p:notesMasterId r:id="rId24"/>
   </p:notesMasterIdLst>
   <p:handoutMasterIdLst>
-    <p:handoutMasterId r:id="rId22"/>
+    <p:handoutMasterId r:id="rId25"/>
   </p:handoutMasterIdLst>
   <p:sldIdLst>
     <p:sldId id="256" r:id="rId2"/>
     <p:sldId id="257" r:id="rId3"/>
-    <p:sldId id="258" r:id="rId4"/>
-    <p:sldId id="260" r:id="rId5"/>
-    <p:sldId id="285" r:id="rId6"/>
-    <p:sldId id="262" r:id="rId7"/>
-    <p:sldId id="283" r:id="rId8"/>
-    <p:sldId id="282" r:id="rId9"/>
-    <p:sldId id="292" r:id="rId10"/>
-    <p:sldId id="293" r:id="rId11"/>
-    <p:sldId id="289" r:id="rId12"/>
-    <p:sldId id="286" r:id="rId13"/>
-    <p:sldId id="290" r:id="rId14"/>
-    <p:sldId id="291" r:id="rId15"/>
-    <p:sldId id="287" r:id="rId16"/>
-    <p:sldId id="294" r:id="rId17"/>
-    <p:sldId id="273" r:id="rId18"/>
-    <p:sldId id="281" r:id="rId19"/>
-    <p:sldId id="274" r:id="rId20"/>
+    <p:sldId id="296" r:id="rId4"/>
+    <p:sldId id="295" r:id="rId5"/>
+    <p:sldId id="298" r:id="rId6"/>
+    <p:sldId id="258" r:id="rId7"/>
+    <p:sldId id="297" r:id="rId8"/>
+    <p:sldId id="283" r:id="rId9"/>
+    <p:sldId id="260" r:id="rId10"/>
+    <p:sldId id="262" r:id="rId11"/>
+    <p:sldId id="282" r:id="rId12"/>
+    <p:sldId id="292" r:id="rId13"/>
+    <p:sldId id="293" r:id="rId14"/>
+    <p:sldId id="289" r:id="rId15"/>
+    <p:sldId id="286" r:id="rId16"/>
+    <p:sldId id="290" r:id="rId17"/>
+    <p:sldId id="291" r:id="rId18"/>
+    <p:sldId id="287" r:id="rId19"/>
+    <p:sldId id="294" r:id="rId20"/>
+    <p:sldId id="273" r:id="rId21"/>
+    <p:sldId id="281" r:id="rId22"/>
+    <p:sldId id="274" r:id="rId23"/>
   </p:sldIdLst>
   <p:sldSz cx="9144000" cy="6858000" type="screen4x3"/>
   <p:notesSz cx="6743700" cy="9906000"/>
@@ -1314,7 +1317,7 @@
             <a:fld id="{71D6DBAF-C9CC-41B3-844C-C1F5D8267235}" type="datetime4">
               <a:rPr lang="en-US"/>
               <a:pPr/>
-              <a:t>March 31, 2014</a:t>
+              <a:t>April 26, 2014</a:t>
             </a:fld>
             <a:endParaRPr lang="en-US"/>
           </a:p>
@@ -1548,7 +1551,7 @@
             <a:fld id="{D9CB193C-FC74-4279-8388-9DD1BFD58DB8}" type="datetime4">
               <a:rPr lang="en-US"/>
               <a:pPr/>
-              <a:t>March 31, 2014</a:t>
+              <a:t>April 26, 2014</a:t>
             </a:fld>
             <a:endParaRPr lang="en-US"/>
           </a:p>
@@ -1996,7 +1999,7 @@
             <a:fld id="{F9C0533E-6560-41EF-998F-4A06FB5FB3B5}" type="datetime4">
               <a:rPr lang="en-US"/>
               <a:pPr/>
-              <a:t>March 31, 2014</a:t>
+              <a:t>April 26, 2014</a:t>
             </a:fld>
             <a:endParaRPr lang="en-US"/>
           </a:p>
@@ -2566,7 +2569,7 @@
             <a:fld id="{BE3ACA9F-847D-4917-9890-CF03388418A4}" type="datetime4">
               <a:rPr lang="en-US"/>
               <a:pPr/>
-              <a:t>March 31, 2014</a:t>
+              <a:t>April 26, 2014</a:t>
             </a:fld>
             <a:endParaRPr lang="en-US"/>
           </a:p>
@@ -3178,9 +3181,90 @@
           <a:p>
             <a:r>
               <a:rPr lang="en-US" altLang="zh-CN" dirty="0" smtClean="0"/>
-              <a:t>OPC UA Client Server Architecture </a:t>
+              <a:t>Smart Card Technology</a:t>
             </a:r>
             <a:endParaRPr lang="zh-CN" altLang="en-US" dirty="0"/>
+          </a:p>
+        </p:txBody>
+      </p:sp>
+      <p:sp>
+        <p:nvSpPr>
+          <p:cNvPr id="3" name="内容占位符 2"/>
+          <p:cNvSpPr>
+            <a:spLocks noGrp="1"/>
+          </p:cNvSpPr>
+          <p:nvPr>
+            <p:ph idx="1"/>
+          </p:nvPr>
+        </p:nvSpPr>
+        <p:spPr/>
+        <p:txBody>
+          <a:bodyPr/>
+          <a:lstStyle/>
+          <a:p>
+            <a:r>
+              <a:rPr lang="en-US" altLang="zh-CN" dirty="0" smtClean="0"/>
+              <a:t>Finance, Communication, personal identification, payment</a:t>
+            </a:r>
+          </a:p>
+          <a:p>
+            <a:r>
+              <a:rPr lang="en-US" altLang="zh-CN" dirty="0" smtClean="0"/>
+              <a:t>APDU based communication between card and CAD  </a:t>
+            </a:r>
+          </a:p>
+          <a:p>
+            <a:r>
+              <a:rPr lang="en-US" altLang="zh-CN" dirty="0" smtClean="0"/>
+              <a:t>Self-containment structure</a:t>
+            </a:r>
+          </a:p>
+          <a:p>
+            <a:r>
+              <a:rPr lang="en-US" altLang="zh-CN" dirty="0" smtClean="0"/>
+              <a:t>Security token</a:t>
+            </a:r>
+          </a:p>
+          <a:p>
+            <a:r>
+              <a:rPr lang="en-US" altLang="zh-CN" dirty="0" smtClean="0"/>
+              <a:t>Process cryptographic algorithms on hardware</a:t>
+            </a:r>
+          </a:p>
+          <a:p>
+            <a:r>
+              <a:rPr lang="en-US" altLang="zh-CN" dirty="0" smtClean="0"/>
+              <a:t>Applications:</a:t>
+            </a:r>
+          </a:p>
+          <a:p>
+            <a:pPr lvl="1"/>
+            <a:r>
+              <a:rPr lang="en-US" altLang="zh-CN" dirty="0" err="1" smtClean="0"/>
+              <a:t>Cybercash</a:t>
+            </a:r>
+            <a:endParaRPr lang="en-US" altLang="zh-CN" dirty="0" smtClean="0"/>
+          </a:p>
+          <a:p>
+            <a:pPr lvl="1"/>
+            <a:r>
+              <a:rPr lang="en-US" altLang="zh-CN" dirty="0" smtClean="0"/>
+              <a:t>Sending personal data</a:t>
+            </a:r>
+          </a:p>
+          <a:p>
+            <a:pPr lvl="1"/>
+            <a:r>
+              <a:rPr lang="en-US" altLang="zh-CN" dirty="0" smtClean="0"/>
+              <a:t>Buy gasoline at gasoline station</a:t>
+            </a:r>
+          </a:p>
+          <a:p>
+            <a:pPr lvl="1"/>
+            <a:r>
+              <a:rPr lang="en-US" altLang="zh-CN" dirty="0" smtClean="0"/>
+              <a:t>….</a:t>
+            </a:r>
           </a:p>
         </p:txBody>
       </p:sp>
@@ -3249,7 +3333,7 @@
             <a:fld id="{D9CB193C-FC74-4279-8388-9DD1BFD58DB8}" type="datetime4">
               <a:rPr lang="en-US" smtClean="0"/>
               <a:pPr/>
-              <a:t>March 31, 2014</a:t>
+              <a:t>April 26, 2014</a:t>
             </a:fld>
             <a:endParaRPr lang="en-US"/>
           </a:p>
@@ -3257,25 +3341,23 @@
       </p:sp>
       <p:pic>
         <p:nvPicPr>
-          <p:cNvPr id="1026" name="Picture 2"/>
+          <p:cNvPr id="7" name="Grafik 3"/>
           <p:cNvPicPr>
-            <a:picLocks noGrp="1" noChangeAspect="1" noChangeArrowheads="1"/>
+            <a:picLocks noChangeAspect="1"/>
           </p:cNvPicPr>
-          <p:nvPr>
-            <p:ph idx="1"/>
-          </p:nvPr>
+          <p:nvPr/>
         </p:nvPicPr>
         <p:blipFill>
           <a:blip r:embed="rId2" cstate="print"/>
-          <a:srcRect l="36641"/>
+          <a:srcRect/>
           <a:stretch>
             <a:fillRect/>
           </a:stretch>
         </p:blipFill>
         <p:spPr bwMode="auto">
           <a:xfrm>
-            <a:off x="4645152" y="1065213"/>
-            <a:ext cx="4259135" cy="3857657"/>
+            <a:off x="6007608" y="3723069"/>
+            <a:ext cx="2920619" cy="2920619"/>
           </a:xfrm>
           <a:prstGeom prst="rect">
             <a:avLst/>
@@ -3289,335 +3371,6 @@
           </a:ln>
         </p:spPr>
       </p:pic>
-      <p:sp>
-        <p:nvSpPr>
-          <p:cNvPr id="7" name="内容占位符 2"/>
-          <p:cNvSpPr txBox="1">
-            <a:spLocks/>
-          </p:cNvSpPr>
-          <p:nvPr/>
-        </p:nvSpPr>
-        <p:spPr bwMode="auto">
-          <a:xfrm>
-            <a:off x="210312" y="1197864"/>
-            <a:ext cx="4434840" cy="5056187"/>
-          </a:xfrm>
-          <a:prstGeom prst="rect">
-            <a:avLst/>
-          </a:prstGeom>
-          <a:noFill/>
-          <a:ln w="9525">
-            <a:noFill/>
-            <a:miter lim="800000"/>
-            <a:headEnd/>
-            <a:tailEnd/>
-          </a:ln>
-        </p:spPr>
-        <p:txBody>
-          <a:bodyPr vert="horz" wrap="square" lIns="91440" tIns="45720" rIns="91440" bIns="45720" numCol="1" anchor="t" anchorCtr="0" compatLnSpc="1">
-            <a:prstTxWarp prst="textNoShape">
-              <a:avLst/>
-            </a:prstTxWarp>
-          </a:bodyPr>
-          <a:lstStyle/>
-          <a:p>
-            <a:pPr marL="342900" marR="0" lvl="0" indent="-342900" algn="l" defTabSz="914400" rtl="0" eaLnBrk="1" fontAlgn="base" latinLnBrk="0" hangingPunct="1">
-              <a:lnSpc>
-                <a:spcPct val="100000"/>
-              </a:lnSpc>
-              <a:spcBef>
-                <a:spcPct val="20000"/>
-              </a:spcBef>
-              <a:spcAft>
-                <a:spcPct val="0"/>
-              </a:spcAft>
-              <a:buClr>
-                <a:srgbClr val="073482"/>
-              </a:buClr>
-              <a:buSzTx/>
-              <a:buFont typeface="Wingdings" pitchFamily="2" charset="2"/>
-              <a:buChar char="§"/>
-              <a:tabLst/>
-              <a:defRPr/>
-            </a:pPr>
-            <a:r>
-              <a:rPr kumimoji="0" lang="en-US" altLang="zh-CN" b="0" i="0" u="none" strike="noStrike" kern="0" cap="none" spc="0" normalizeH="0" baseline="0" noProof="0" dirty="0" smtClean="0">
-                <a:ln>
-                  <a:noFill/>
-                </a:ln>
-                <a:solidFill>
-                  <a:schemeClr val="tx1"/>
-                </a:solidFill>
-                <a:effectLst/>
-                <a:uLnTx/>
-                <a:uFillTx/>
-                <a:latin typeface="+mn-lt"/>
-                <a:ea typeface="+mn-ea"/>
-                <a:cs typeface="+mn-cs"/>
-              </a:rPr>
-              <a:t>Real Object: Field</a:t>
-            </a:r>
-            <a:r>
-              <a:rPr kumimoji="0" lang="en-US" altLang="zh-CN" b="0" i="0" u="none" strike="noStrike" kern="0" cap="none" spc="0" normalizeH="0" noProof="0" dirty="0" smtClean="0">
-                <a:ln>
-                  <a:noFill/>
-                </a:ln>
-                <a:solidFill>
-                  <a:schemeClr val="tx1"/>
-                </a:solidFill>
-                <a:effectLst/>
-                <a:uLnTx/>
-                <a:uFillTx/>
-                <a:latin typeface="+mn-lt"/>
-                <a:ea typeface="+mn-ea"/>
-                <a:cs typeface="+mn-cs"/>
-              </a:rPr>
-              <a:t> devices, abstract date.</a:t>
-            </a:r>
-          </a:p>
-          <a:p>
-            <a:pPr marL="342900" marR="0" lvl="0" indent="-342900" algn="l" defTabSz="914400" rtl="0" eaLnBrk="1" fontAlgn="base" latinLnBrk="0" hangingPunct="1">
-              <a:lnSpc>
-                <a:spcPct val="100000"/>
-              </a:lnSpc>
-              <a:spcBef>
-                <a:spcPct val="20000"/>
-              </a:spcBef>
-              <a:spcAft>
-                <a:spcPct val="0"/>
-              </a:spcAft>
-              <a:buClr>
-                <a:srgbClr val="073482"/>
-              </a:buClr>
-              <a:buSzTx/>
-              <a:buFont typeface="Wingdings" pitchFamily="2" charset="2"/>
-              <a:buChar char="§"/>
-              <a:tabLst/>
-              <a:defRPr/>
-            </a:pPr>
-            <a:r>
-              <a:rPr lang="en-US" altLang="zh-CN" b="0" i="0" kern="0" dirty="0" smtClean="0">
-                <a:solidFill>
-                  <a:schemeClr val="tx1"/>
-                </a:solidFill>
-                <a:latin typeface="+mn-lt"/>
-              </a:rPr>
-              <a:t>Node: Real Objects are represented by Nodes.</a:t>
-            </a:r>
-            <a:endParaRPr kumimoji="0" lang="en-US" altLang="zh-CN" b="0" i="0" u="none" strike="noStrike" kern="0" cap="none" spc="0" normalizeH="0" noProof="0" dirty="0" smtClean="0">
-              <a:ln>
-                <a:noFill/>
-              </a:ln>
-              <a:solidFill>
-                <a:schemeClr val="tx1"/>
-              </a:solidFill>
-              <a:effectLst/>
-              <a:uLnTx/>
-              <a:uFillTx/>
-              <a:latin typeface="+mn-lt"/>
-              <a:ea typeface="+mn-ea"/>
-              <a:cs typeface="+mn-cs"/>
-            </a:endParaRPr>
-          </a:p>
-          <a:p>
-            <a:pPr marL="342900" marR="0" lvl="0" indent="-342900" algn="l" defTabSz="914400" rtl="0" eaLnBrk="1" fontAlgn="base" latinLnBrk="0" hangingPunct="1">
-              <a:lnSpc>
-                <a:spcPct val="100000"/>
-              </a:lnSpc>
-              <a:spcBef>
-                <a:spcPct val="20000"/>
-              </a:spcBef>
-              <a:spcAft>
-                <a:spcPct val="0"/>
-              </a:spcAft>
-              <a:buClr>
-                <a:srgbClr val="073482"/>
-              </a:buClr>
-              <a:buSzTx/>
-              <a:buFont typeface="Wingdings" pitchFamily="2" charset="2"/>
-              <a:buChar char="§"/>
-              <a:tabLst/>
-              <a:defRPr/>
-            </a:pPr>
-            <a:r>
-              <a:rPr lang="en-US" altLang="zh-CN" b="0" i="0" kern="0" dirty="0" smtClean="0">
-                <a:solidFill>
-                  <a:schemeClr val="tx1"/>
-                </a:solidFill>
-                <a:latin typeface="+mn-lt"/>
-              </a:rPr>
-              <a:t>Address Space: Information that can be viewed by OPC UA clients</a:t>
-            </a:r>
-          </a:p>
-          <a:p>
-            <a:pPr marL="342900" marR="0" lvl="0" indent="-342900" algn="l" defTabSz="914400" rtl="0" eaLnBrk="1" fontAlgn="base" latinLnBrk="0" hangingPunct="1">
-              <a:lnSpc>
-                <a:spcPct val="100000"/>
-              </a:lnSpc>
-              <a:spcBef>
-                <a:spcPct val="20000"/>
-              </a:spcBef>
-              <a:spcAft>
-                <a:spcPct val="0"/>
-              </a:spcAft>
-              <a:buClr>
-                <a:srgbClr val="073482"/>
-              </a:buClr>
-              <a:buSzTx/>
-              <a:buFont typeface="Wingdings" pitchFamily="2" charset="2"/>
-              <a:buChar char="§"/>
-              <a:tabLst/>
-              <a:defRPr/>
-            </a:pPr>
-            <a:r>
-              <a:rPr lang="en-US" altLang="zh-CN" b="0" i="0" kern="0" noProof="0" dirty="0" smtClean="0">
-                <a:solidFill>
-                  <a:schemeClr val="tx1"/>
-                </a:solidFill>
-                <a:latin typeface="+mn-lt"/>
-              </a:rPr>
-              <a:t>Subscription: Client can subscript particular information</a:t>
-            </a:r>
-          </a:p>
-          <a:p>
-            <a:pPr marL="342900" marR="0" lvl="0" indent="-342900" algn="l" defTabSz="914400" rtl="0" eaLnBrk="1" fontAlgn="base" latinLnBrk="0" hangingPunct="1">
-              <a:lnSpc>
-                <a:spcPct val="100000"/>
-              </a:lnSpc>
-              <a:spcBef>
-                <a:spcPct val="20000"/>
-              </a:spcBef>
-              <a:spcAft>
-                <a:spcPct val="0"/>
-              </a:spcAft>
-              <a:buClr>
-                <a:srgbClr val="073482"/>
-              </a:buClr>
-              <a:buSzTx/>
-              <a:buFont typeface="Wingdings" pitchFamily="2" charset="2"/>
-              <a:buChar char="§"/>
-              <a:tabLst/>
-              <a:defRPr/>
-            </a:pPr>
-            <a:r>
-              <a:rPr lang="en-US" altLang="zh-CN" b="0" i="0" kern="0" dirty="0" smtClean="0">
-                <a:solidFill>
-                  <a:schemeClr val="tx1"/>
-                </a:solidFill>
-                <a:latin typeface="+mn-lt"/>
-              </a:rPr>
-              <a:t>Monitored Item: manage subscripted Nodes.</a:t>
-            </a:r>
-          </a:p>
-          <a:p>
-            <a:pPr marL="342900" marR="0" lvl="0" indent="-342900" algn="l" defTabSz="914400" rtl="0" eaLnBrk="1" fontAlgn="base" latinLnBrk="0" hangingPunct="1">
-              <a:lnSpc>
-                <a:spcPct val="100000"/>
-              </a:lnSpc>
-              <a:spcBef>
-                <a:spcPct val="20000"/>
-              </a:spcBef>
-              <a:spcAft>
-                <a:spcPct val="0"/>
-              </a:spcAft>
-              <a:buClr>
-                <a:srgbClr val="073482"/>
-              </a:buClr>
-              <a:buSzTx/>
-              <a:buFont typeface="Wingdings" pitchFamily="2" charset="2"/>
-              <a:buChar char="§"/>
-              <a:tabLst/>
-              <a:defRPr/>
-            </a:pPr>
-            <a:r>
-              <a:rPr lang="en-US" altLang="zh-CN" b="0" i="0" kern="0" noProof="0" dirty="0" smtClean="0">
-                <a:solidFill>
-                  <a:schemeClr val="tx1"/>
-                </a:solidFill>
-                <a:latin typeface="+mn-lt"/>
-              </a:rPr>
-              <a:t>Server API: Translate Server application instructions</a:t>
-            </a:r>
-          </a:p>
-          <a:p>
-            <a:pPr marL="342900" marR="0" lvl="0" indent="-342900" algn="l" defTabSz="914400" rtl="0" eaLnBrk="1" fontAlgn="base" latinLnBrk="0" hangingPunct="1">
-              <a:lnSpc>
-                <a:spcPct val="100000"/>
-              </a:lnSpc>
-              <a:spcBef>
-                <a:spcPct val="20000"/>
-              </a:spcBef>
-              <a:spcAft>
-                <a:spcPct val="0"/>
-              </a:spcAft>
-              <a:buClr>
-                <a:srgbClr val="073482"/>
-              </a:buClr>
-              <a:buSzTx/>
-              <a:buFont typeface="Wingdings" pitchFamily="2" charset="2"/>
-              <a:buChar char="§"/>
-              <a:tabLst/>
-              <a:defRPr/>
-            </a:pPr>
-            <a:r>
-              <a:rPr lang="en-US" altLang="zh-CN" b="0" i="0" kern="0" dirty="0" smtClean="0">
-                <a:solidFill>
-                  <a:schemeClr val="tx1"/>
-                </a:solidFill>
-                <a:latin typeface="+mn-lt"/>
-              </a:rPr>
-              <a:t>Communication Stack: realize commutation with OPC UA client</a:t>
-            </a:r>
-            <a:endParaRPr lang="en-US" altLang="zh-CN" b="0" i="0" kern="0" noProof="0" dirty="0" smtClean="0">
-              <a:solidFill>
-                <a:schemeClr val="tx1"/>
-              </a:solidFill>
-              <a:latin typeface="+mn-lt"/>
-            </a:endParaRPr>
-          </a:p>
-          <a:p>
-            <a:pPr marL="342900" marR="0" lvl="0" indent="-342900" algn="l" defTabSz="914400" rtl="0" eaLnBrk="1" fontAlgn="base" latinLnBrk="0" hangingPunct="1">
-              <a:lnSpc>
-                <a:spcPct val="100000"/>
-              </a:lnSpc>
-              <a:spcBef>
-                <a:spcPct val="20000"/>
-              </a:spcBef>
-              <a:spcAft>
-                <a:spcPct val="0"/>
-              </a:spcAft>
-              <a:buClr>
-                <a:srgbClr val="073482"/>
-              </a:buClr>
-              <a:buSzTx/>
-              <a:tabLst/>
-              <a:defRPr/>
-            </a:pPr>
-            <a:endParaRPr lang="en-US" altLang="zh-CN" b="0" i="0" kern="0" dirty="0" smtClean="0">
-              <a:solidFill>
-                <a:schemeClr val="tx1"/>
-              </a:solidFill>
-              <a:latin typeface="+mn-lt"/>
-            </a:endParaRPr>
-          </a:p>
-          <a:p>
-            <a:pPr marL="800100" lvl="1" indent="-342900">
-              <a:spcBef>
-                <a:spcPct val="20000"/>
-              </a:spcBef>
-              <a:buClr>
-                <a:srgbClr val="073482"/>
-              </a:buClr>
-            </a:pPr>
-            <a:endParaRPr lang="en-US" altLang="zh-CN" sz="2400" b="0" i="0" kern="0" dirty="0" smtClean="0">
-              <a:solidFill>
-                <a:schemeClr val="tx1"/>
-              </a:solidFill>
-              <a:latin typeface="+mn-lt"/>
-            </a:endParaRPr>
-          </a:p>
-        </p:txBody>
-      </p:sp>
     </p:spTree>
   </p:cSld>
   <p:clrMapOvr>
@@ -3667,7 +3420,7 @@
           <a:p>
             <a:r>
               <a:rPr lang="en-US" altLang="zh-CN" dirty="0" smtClean="0"/>
-              <a:t>Application Scenario</a:t>
+              <a:t>OPC UA Client Server Architecture </a:t>
             </a:r>
             <a:endParaRPr lang="zh-CN" altLang="en-US" dirty="0"/>
           </a:p>
@@ -3738,103 +3491,21 @@
             <a:fld id="{D9CB193C-FC74-4279-8388-9DD1BFD58DB8}" type="datetime4">
               <a:rPr lang="en-US" smtClean="0"/>
               <a:pPr/>
-              <a:t>March 31, 2014</a:t>
+              <a:t>April 26, 2014</a:t>
             </a:fld>
             <a:endParaRPr lang="en-US"/>
           </a:p>
         </p:txBody>
       </p:sp>
-      <p:sp>
-        <p:nvSpPr>
-          <p:cNvPr id="8" name="TextBox 7"/>
-          <p:cNvSpPr txBox="1"/>
-          <p:nvPr/>
-        </p:nvSpPr>
-        <p:spPr>
-          <a:xfrm>
-            <a:off x="5184395" y="2432304"/>
-            <a:ext cx="4087621" cy="3046988"/>
-          </a:xfrm>
-          <a:prstGeom prst="rect">
-            <a:avLst/>
-          </a:prstGeom>
-          <a:noFill/>
-        </p:spPr>
-        <p:txBody>
-          <a:bodyPr wrap="square" rtlCol="0">
-            <a:spAutoFit/>
-          </a:bodyPr>
-          <a:lstStyle/>
-          <a:p>
-            <a:r>
-              <a:rPr lang="en-US" altLang="zh-CN" sz="1600" i="0" dirty="0" smtClean="0"/>
-              <a:t>OPC UA Server: </a:t>
-            </a:r>
-          </a:p>
-          <a:p>
-            <a:r>
-              <a:rPr lang="en-US" altLang="zh-CN" sz="1600" i="0" dirty="0" smtClean="0"/>
-              <a:t>	Central Controller</a:t>
-            </a:r>
-          </a:p>
-          <a:p>
-            <a:endParaRPr lang="en-US" altLang="zh-CN" sz="1600" i="0" dirty="0" smtClean="0"/>
-          </a:p>
-          <a:p>
-            <a:r>
-              <a:rPr lang="en-US" altLang="zh-CN" sz="1600" i="0" dirty="0" smtClean="0"/>
-              <a:t>OPC UA Clients: </a:t>
-            </a:r>
-          </a:p>
-          <a:p>
-            <a:r>
-              <a:rPr lang="en-US" altLang="zh-CN" sz="1600" i="0" dirty="0" smtClean="0"/>
-              <a:t>	Sensors</a:t>
-            </a:r>
-          </a:p>
-          <a:p>
-            <a:r>
-              <a:rPr lang="en-US" altLang="zh-CN" sz="1600" i="0" dirty="0" smtClean="0"/>
-              <a:t>	control devices</a:t>
-            </a:r>
-          </a:p>
-          <a:p>
-            <a:r>
-              <a:rPr lang="en-US" altLang="zh-CN" sz="1600" i="0" dirty="0" smtClean="0"/>
-              <a:t>	access control locks</a:t>
-            </a:r>
-          </a:p>
-          <a:p>
-            <a:r>
-              <a:rPr lang="en-US" altLang="zh-CN" sz="1600" i="0" dirty="0" smtClean="0"/>
-              <a:t>	phones</a:t>
-            </a:r>
-          </a:p>
-          <a:p>
-            <a:endParaRPr lang="en-US" altLang="zh-CN" sz="1600" i="0" dirty="0" smtClean="0"/>
-          </a:p>
-          <a:p>
-            <a:endParaRPr lang="en-US" altLang="zh-CN" sz="1600" dirty="0" smtClean="0"/>
-          </a:p>
-          <a:p>
-            <a:endParaRPr lang="en-US" altLang="zh-CN" sz="1600" dirty="0" smtClean="0"/>
-          </a:p>
-          <a:p>
-            <a:r>
-              <a:rPr lang="en-US" altLang="zh-CN" sz="1600" dirty="0" smtClean="0"/>
-              <a:t> s</a:t>
-            </a:r>
-            <a:endParaRPr lang="zh-CN" altLang="en-US" sz="1600" dirty="0"/>
-          </a:p>
-        </p:txBody>
-      </p:sp>
       <p:pic>
         <p:nvPicPr>
-          <p:cNvPr id="9" name="Picture 3" descr="D:\opc_ua\ppt\v1.png"/>
+          <p:cNvPr id="1026" name="Picture 2"/>
           <p:cNvPicPr>
-            <a:picLocks noChangeAspect="1" noChangeArrowheads="1"/>
+            <a:picLocks noGrp="1" noChangeAspect="1" noChangeArrowheads="1"/>
           </p:cNvPicPr>
-          <p:nvPr/>
+          <p:nvPr>
+            <p:ph idx="1"/>
+          </p:nvPr>
         </p:nvPicPr>
         <p:blipFill>
           <a:blip r:embed="rId2" cstate="print"/>
@@ -3845,13 +3516,19 @@
         </p:blipFill>
         <p:spPr bwMode="auto">
           <a:xfrm>
-            <a:off x="457200" y="1723580"/>
-            <a:ext cx="4556349" cy="4274884"/>
+            <a:off x="457200" y="1385094"/>
+            <a:ext cx="8447088" cy="4968875"/>
           </a:xfrm>
           <a:prstGeom prst="rect">
             <a:avLst/>
           </a:prstGeom>
           <a:noFill/>
+          <a:ln w="9525">
+            <a:noFill/>
+            <a:miter lim="800000"/>
+            <a:headEnd/>
+            <a:tailEnd/>
+          </a:ln>
         </p:spPr>
       </p:pic>
     </p:spTree>
@@ -3903,7 +3580,7 @@
           <a:p>
             <a:r>
               <a:rPr lang="en-US" altLang="zh-CN" dirty="0" smtClean="0"/>
-              <a:t>Application Scenario</a:t>
+              <a:t>OPC UA Client Server Architecture </a:t>
             </a:r>
             <a:endParaRPr lang="zh-CN" altLang="en-US" dirty="0"/>
           </a:p>
@@ -3974,161 +3651,381 @@
             <a:fld id="{D9CB193C-FC74-4279-8388-9DD1BFD58DB8}" type="datetime4">
               <a:rPr lang="en-US" smtClean="0"/>
               <a:pPr/>
-              <a:t>March 31, 2014</a:t>
+              <a:t>April 26, 2014</a:t>
             </a:fld>
             <a:endParaRPr lang="en-US"/>
           </a:p>
         </p:txBody>
       </p:sp>
-      <p:sp>
-        <p:nvSpPr>
-          <p:cNvPr id="8" name="TextBox 7"/>
-          <p:cNvSpPr txBox="1"/>
-          <p:nvPr/>
-        </p:nvSpPr>
-        <p:spPr>
-          <a:xfrm>
-            <a:off x="5184395" y="1901952"/>
-            <a:ext cx="3743579" cy="4524315"/>
-          </a:xfrm>
-          <a:prstGeom prst="rect">
-            <a:avLst/>
-          </a:prstGeom>
-          <a:noFill/>
-        </p:spPr>
-        <p:txBody>
-          <a:bodyPr wrap="square" rtlCol="0">
-            <a:spAutoFit/>
-          </a:bodyPr>
-          <a:lstStyle/>
-          <a:p>
-            <a:r>
-              <a:rPr lang="en-US" altLang="zh-CN" sz="1600" i="0" dirty="0" smtClean="0"/>
-              <a:t>sensor:</a:t>
-            </a:r>
-          </a:p>
-          <a:p>
-            <a:pPr>
-              <a:buFont typeface="Wingdings" pitchFamily="2" charset="2"/>
-              <a:buChar char="p"/>
-            </a:pPr>
-            <a:r>
-              <a:rPr lang="en-US" altLang="zh-CN" sz="1600" i="0" dirty="0" smtClean="0"/>
-              <a:t> measure environment variables : luminance, temperature…</a:t>
-            </a:r>
-          </a:p>
-          <a:p>
-            <a:pPr>
-              <a:buFont typeface="Wingdings" pitchFamily="2" charset="2"/>
-              <a:buChar char="p"/>
-            </a:pPr>
-            <a:r>
-              <a:rPr lang="en-US" altLang="zh-CN" sz="1600" i="0" dirty="0" smtClean="0"/>
-              <a:t>Inform controller</a:t>
-            </a:r>
-          </a:p>
-          <a:p>
-            <a:pPr>
-              <a:buFont typeface="Wingdings" pitchFamily="2" charset="2"/>
-              <a:buChar char="p"/>
-            </a:pPr>
-            <a:r>
-              <a:rPr lang="en-US" altLang="zh-CN" sz="1600" i="0" dirty="0" smtClean="0"/>
-              <a:t>Connected through inner network</a:t>
-            </a:r>
-          </a:p>
-          <a:p>
-            <a:endParaRPr lang="en-US" altLang="zh-CN" sz="1600" i="0" dirty="0" smtClean="0"/>
-          </a:p>
-          <a:p>
-            <a:r>
-              <a:rPr lang="en-US" altLang="zh-CN" sz="1600" i="0" dirty="0" smtClean="0"/>
-              <a:t>Control device:</a:t>
-            </a:r>
-          </a:p>
-          <a:p>
-            <a:pPr>
-              <a:buFont typeface="Wingdings" pitchFamily="2" charset="2"/>
-              <a:buChar char="p"/>
-            </a:pPr>
-            <a:r>
-              <a:rPr lang="en-US" altLang="zh-CN" sz="1600" i="0" dirty="0" smtClean="0"/>
-              <a:t>In charge of opening windows,  giving pet water and etc</a:t>
-            </a:r>
-          </a:p>
-          <a:p>
-            <a:pPr>
-              <a:buFont typeface="Wingdings" pitchFamily="2" charset="2"/>
-              <a:buChar char="p"/>
-            </a:pPr>
-            <a:r>
-              <a:rPr lang="en-US" altLang="zh-CN" sz="1600" i="0" dirty="0" smtClean="0"/>
-              <a:t>Taken command from UA Server</a:t>
-            </a:r>
-          </a:p>
-          <a:p>
-            <a:pPr>
-              <a:buFont typeface="Wingdings" pitchFamily="2" charset="2"/>
-              <a:buChar char="p"/>
-            </a:pPr>
-            <a:r>
-              <a:rPr lang="en-US" altLang="zh-CN" sz="1600" i="0" dirty="0" smtClean="0"/>
-              <a:t>Connected through inner network</a:t>
-            </a:r>
-          </a:p>
-          <a:p>
-            <a:endParaRPr lang="en-US" altLang="zh-CN" sz="1600" i="0" dirty="0" smtClean="0"/>
-          </a:p>
-          <a:p>
-            <a:endParaRPr lang="en-US" altLang="zh-CN" sz="1600" i="0" dirty="0" smtClean="0"/>
-          </a:p>
-          <a:p>
-            <a:endParaRPr lang="en-US" altLang="zh-CN" sz="1600" i="0" dirty="0" smtClean="0"/>
-          </a:p>
-          <a:p>
-            <a:endParaRPr lang="en-US" altLang="zh-CN" sz="1600" i="0" dirty="0" smtClean="0"/>
-          </a:p>
-          <a:p>
-            <a:endParaRPr lang="en-US" altLang="zh-CN" sz="1600" dirty="0" smtClean="0"/>
-          </a:p>
-          <a:p>
-            <a:endParaRPr lang="en-US" altLang="zh-CN" sz="1600" dirty="0" smtClean="0"/>
-          </a:p>
-          <a:p>
-            <a:r>
-              <a:rPr lang="en-US" altLang="zh-CN" sz="1600" dirty="0" smtClean="0"/>
-              <a:t> </a:t>
-            </a:r>
-            <a:endParaRPr lang="zh-CN" altLang="en-US" sz="1600" dirty="0"/>
-          </a:p>
-        </p:txBody>
-      </p:sp>
       <p:pic>
         <p:nvPicPr>
-          <p:cNvPr id="1027" name="Picture 3" descr="D:\opc_ua\ppt\v1.png"/>
+          <p:cNvPr id="1026" name="Picture 2"/>
           <p:cNvPicPr>
-            <a:picLocks noChangeAspect="1" noChangeArrowheads="1"/>
+            <a:picLocks noGrp="1" noChangeAspect="1" noChangeArrowheads="1"/>
           </p:cNvPicPr>
-          <p:nvPr/>
+          <p:nvPr>
+            <p:ph idx="1"/>
+          </p:nvPr>
         </p:nvPicPr>
         <p:blipFill>
           <a:blip r:embed="rId2" cstate="print"/>
-          <a:srcRect/>
+          <a:srcRect r="63520"/>
           <a:stretch>
             <a:fillRect/>
           </a:stretch>
         </p:blipFill>
         <p:spPr bwMode="auto">
           <a:xfrm>
-            <a:off x="457200" y="1723580"/>
-            <a:ext cx="4556349" cy="4274884"/>
+            <a:off x="457200" y="1385094"/>
+            <a:ext cx="3081528" cy="4968875"/>
           </a:xfrm>
           <a:prstGeom prst="rect">
             <a:avLst/>
           </a:prstGeom>
           <a:noFill/>
+          <a:ln w="9525">
+            <a:noFill/>
+            <a:miter lim="800000"/>
+            <a:headEnd/>
+            <a:tailEnd/>
+          </a:ln>
         </p:spPr>
       </p:pic>
+      <p:sp>
+        <p:nvSpPr>
+          <p:cNvPr id="8" name="内容占位符 2"/>
+          <p:cNvSpPr txBox="1">
+            <a:spLocks/>
+          </p:cNvSpPr>
+          <p:nvPr/>
+        </p:nvSpPr>
+        <p:spPr bwMode="auto">
+          <a:xfrm>
+            <a:off x="3849624" y="1341438"/>
+            <a:ext cx="5054890" cy="5056187"/>
+          </a:xfrm>
+          <a:prstGeom prst="rect">
+            <a:avLst/>
+          </a:prstGeom>
+          <a:noFill/>
+          <a:ln w="9525">
+            <a:noFill/>
+            <a:miter lim="800000"/>
+            <a:headEnd/>
+            <a:tailEnd/>
+          </a:ln>
+        </p:spPr>
+        <p:txBody>
+          <a:bodyPr vert="horz" wrap="square" lIns="91440" tIns="45720" rIns="91440" bIns="45720" numCol="1" anchor="t" anchorCtr="0" compatLnSpc="1">
+            <a:prstTxWarp prst="textNoShape">
+              <a:avLst/>
+            </a:prstTxWarp>
+          </a:bodyPr>
+          <a:lstStyle/>
+          <a:p>
+            <a:pPr marL="342900" marR="0" lvl="0" indent="-342900" algn="l" defTabSz="914400" rtl="0" eaLnBrk="1" fontAlgn="base" latinLnBrk="0" hangingPunct="1">
+              <a:lnSpc>
+                <a:spcPct val="100000"/>
+              </a:lnSpc>
+              <a:spcBef>
+                <a:spcPct val="20000"/>
+              </a:spcBef>
+              <a:spcAft>
+                <a:spcPct val="0"/>
+              </a:spcAft>
+              <a:buClr>
+                <a:srgbClr val="073482"/>
+              </a:buClr>
+              <a:buSzTx/>
+              <a:buFont typeface="Wingdings" pitchFamily="2" charset="2"/>
+              <a:buChar char="§"/>
+              <a:tabLst/>
+              <a:defRPr/>
+            </a:pPr>
+            <a:r>
+              <a:rPr kumimoji="0" lang="en-US" altLang="zh-CN" b="0" i="0" u="none" strike="noStrike" kern="0" cap="none" spc="0" normalizeH="0" baseline="0" noProof="0" dirty="0" smtClean="0">
+                <a:ln>
+                  <a:noFill/>
+                </a:ln>
+                <a:solidFill>
+                  <a:schemeClr val="tx1"/>
+                </a:solidFill>
+                <a:effectLst/>
+                <a:uLnTx/>
+                <a:uFillTx/>
+                <a:latin typeface="+mn-lt"/>
+                <a:ea typeface="+mn-ea"/>
+                <a:cs typeface="+mn-cs"/>
+              </a:rPr>
+              <a:t>Client Application</a:t>
+            </a:r>
+            <a:r>
+              <a:rPr lang="en-US" altLang="zh-CN" b="0" i="0" kern="0" dirty="0" smtClean="0">
+                <a:solidFill>
+                  <a:schemeClr val="tx1"/>
+                </a:solidFill>
+                <a:latin typeface="+mn-lt"/>
+              </a:rPr>
+              <a:t>: </a:t>
+            </a:r>
+            <a:r>
+              <a:rPr kumimoji="0" lang="en-US" altLang="zh-CN" b="0" i="0" u="none" strike="noStrike" kern="0" cap="none" spc="0" normalizeH="0" noProof="0" dirty="0" smtClean="0">
+                <a:ln>
+                  <a:noFill/>
+                </a:ln>
+                <a:solidFill>
+                  <a:schemeClr val="tx1"/>
+                </a:solidFill>
+                <a:effectLst/>
+                <a:uLnTx/>
+                <a:uFillTx/>
+                <a:latin typeface="+mn-lt"/>
+                <a:ea typeface="+mn-ea"/>
+                <a:cs typeface="+mn-cs"/>
+              </a:rPr>
+              <a:t>Java Phone APP</a:t>
+            </a:r>
+          </a:p>
+          <a:p>
+            <a:pPr marL="342900" marR="0" lvl="0" indent="-342900" algn="l" defTabSz="914400" rtl="0" eaLnBrk="1" fontAlgn="base" latinLnBrk="0" hangingPunct="1">
+              <a:lnSpc>
+                <a:spcPct val="100000"/>
+              </a:lnSpc>
+              <a:spcBef>
+                <a:spcPct val="20000"/>
+              </a:spcBef>
+              <a:spcAft>
+                <a:spcPct val="0"/>
+              </a:spcAft>
+              <a:buClr>
+                <a:srgbClr val="073482"/>
+              </a:buClr>
+              <a:buSzTx/>
+              <a:buFont typeface="Wingdings" pitchFamily="2" charset="2"/>
+              <a:buChar char="§"/>
+              <a:tabLst/>
+              <a:defRPr/>
+            </a:pPr>
+            <a:r>
+              <a:rPr lang="en-US" altLang="zh-CN" b="0" i="0" kern="0" noProof="0" dirty="0" smtClean="0">
+                <a:solidFill>
+                  <a:schemeClr val="tx1"/>
+                </a:solidFill>
+                <a:latin typeface="+mn-lt"/>
+              </a:rPr>
+              <a:t>Supported client functions:</a:t>
+            </a:r>
+          </a:p>
+          <a:p>
+            <a:pPr marL="800100" lvl="1" indent="-342900">
+              <a:spcBef>
+                <a:spcPct val="20000"/>
+              </a:spcBef>
+              <a:buClr>
+                <a:srgbClr val="073482"/>
+              </a:buClr>
+              <a:buFont typeface="Wingdings" pitchFamily="2" charset="2"/>
+              <a:buChar char="§"/>
+            </a:pPr>
+            <a:r>
+              <a:rPr kumimoji="0" lang="en-US" altLang="zh-CN" b="0" i="0" u="none" strike="noStrike" kern="0" cap="none" spc="0" normalizeH="0" dirty="0" smtClean="0">
+                <a:ln>
+                  <a:noFill/>
+                </a:ln>
+                <a:solidFill>
+                  <a:schemeClr val="tx1"/>
+                </a:solidFill>
+                <a:effectLst/>
+                <a:uLnTx/>
+                <a:uFillTx/>
+                <a:latin typeface="+mn-lt"/>
+                <a:ea typeface="+mn-ea"/>
+                <a:cs typeface="+mn-cs"/>
+              </a:rPr>
+              <a:t>Query</a:t>
+            </a:r>
+          </a:p>
+          <a:p>
+            <a:pPr marL="800100" lvl="1" indent="-342900">
+              <a:spcBef>
+                <a:spcPct val="20000"/>
+              </a:spcBef>
+              <a:buClr>
+                <a:srgbClr val="073482"/>
+              </a:buClr>
+              <a:buFont typeface="Wingdings" pitchFamily="2" charset="2"/>
+              <a:buChar char="§"/>
+            </a:pPr>
+            <a:r>
+              <a:rPr lang="en-US" altLang="zh-CN" b="0" i="0" kern="0" noProof="0" dirty="0" smtClean="0">
+                <a:solidFill>
+                  <a:schemeClr val="tx1"/>
+                </a:solidFill>
+                <a:latin typeface="+mn-lt"/>
+              </a:rPr>
+              <a:t>Authentication</a:t>
+            </a:r>
+          </a:p>
+          <a:p>
+            <a:pPr marL="800100" lvl="1" indent="-342900">
+              <a:spcBef>
+                <a:spcPct val="20000"/>
+              </a:spcBef>
+              <a:buClr>
+                <a:srgbClr val="073482"/>
+              </a:buClr>
+              <a:buFont typeface="Wingdings" pitchFamily="2" charset="2"/>
+              <a:buChar char="§"/>
+            </a:pPr>
+            <a:r>
+              <a:rPr kumimoji="0" lang="en-US" altLang="zh-CN" b="0" i="0" u="none" strike="noStrike" kern="0" cap="none" spc="0" normalizeH="0" dirty="0" smtClean="0">
+                <a:ln>
+                  <a:noFill/>
+                </a:ln>
+                <a:solidFill>
+                  <a:schemeClr val="tx1"/>
+                </a:solidFill>
+                <a:effectLst/>
+                <a:uLnTx/>
+                <a:uFillTx/>
+                <a:latin typeface="+mn-lt"/>
+                <a:ea typeface="+mn-ea"/>
+                <a:cs typeface="+mn-cs"/>
+              </a:rPr>
+              <a:t>Authorization and etc…</a:t>
+            </a:r>
+            <a:r>
+              <a:rPr kumimoji="0" lang="en-US" altLang="zh-CN" b="0" i="0" u="none" strike="noStrike" kern="0" cap="none" spc="0" normalizeH="0" noProof="0" dirty="0" smtClean="0">
+                <a:ln>
+                  <a:noFill/>
+                </a:ln>
+                <a:solidFill>
+                  <a:schemeClr val="tx1"/>
+                </a:solidFill>
+                <a:effectLst/>
+                <a:uLnTx/>
+                <a:uFillTx/>
+                <a:latin typeface="+mn-lt"/>
+                <a:ea typeface="+mn-ea"/>
+                <a:cs typeface="+mn-cs"/>
+              </a:rPr>
+              <a:t> </a:t>
+            </a:r>
+          </a:p>
+          <a:p>
+            <a:pPr marL="342900" marR="0" lvl="0" indent="-342900" algn="l" defTabSz="914400" rtl="0" eaLnBrk="1" fontAlgn="base" latinLnBrk="0" hangingPunct="1">
+              <a:lnSpc>
+                <a:spcPct val="100000"/>
+              </a:lnSpc>
+              <a:spcBef>
+                <a:spcPct val="20000"/>
+              </a:spcBef>
+              <a:spcAft>
+                <a:spcPct val="0"/>
+              </a:spcAft>
+              <a:buClr>
+                <a:srgbClr val="073482"/>
+              </a:buClr>
+              <a:buSzTx/>
+              <a:buFont typeface="Wingdings" pitchFamily="2" charset="2"/>
+              <a:buChar char="§"/>
+              <a:tabLst/>
+              <a:defRPr/>
+            </a:pPr>
+            <a:r>
+              <a:rPr lang="en-US" altLang="zh-CN" b="0" i="0" kern="0" noProof="0" dirty="0" smtClean="0">
+                <a:solidFill>
+                  <a:schemeClr val="tx1"/>
+                </a:solidFill>
+                <a:latin typeface="+mn-lt"/>
+              </a:rPr>
+              <a:t>Communication stack: developed on smart card, used to realize communication with OPC UA server.</a:t>
+            </a:r>
+          </a:p>
+          <a:p>
+            <a:pPr marL="342900" marR="0" lvl="0" indent="-342900" algn="l" defTabSz="914400" rtl="0" eaLnBrk="1" fontAlgn="base" latinLnBrk="0" hangingPunct="1">
+              <a:lnSpc>
+                <a:spcPct val="100000"/>
+              </a:lnSpc>
+              <a:spcBef>
+                <a:spcPct val="20000"/>
+              </a:spcBef>
+              <a:spcAft>
+                <a:spcPct val="0"/>
+              </a:spcAft>
+              <a:buClr>
+                <a:srgbClr val="073482"/>
+              </a:buClr>
+              <a:buSzTx/>
+              <a:buFont typeface="Wingdings" pitchFamily="2" charset="2"/>
+              <a:buChar char="§"/>
+              <a:tabLst/>
+              <a:defRPr/>
+            </a:pPr>
+            <a:r>
+              <a:rPr lang="en-US" altLang="zh-CN" b="0" i="0" kern="0" dirty="0" smtClean="0">
+                <a:solidFill>
+                  <a:schemeClr val="tx1"/>
+                </a:solidFill>
+                <a:latin typeface="+mn-lt"/>
+              </a:rPr>
+              <a:t>Important user credential information like: encryption keys and certificates are saved on card.</a:t>
+            </a:r>
+            <a:endParaRPr lang="en-US" altLang="zh-CN" b="0" i="0" kern="0" noProof="0" dirty="0" smtClean="0">
+              <a:solidFill>
+                <a:schemeClr val="tx1"/>
+              </a:solidFill>
+              <a:latin typeface="+mn-lt"/>
+            </a:endParaRPr>
+          </a:p>
+          <a:p>
+            <a:pPr marL="342900" marR="0" lvl="0" indent="-342900" algn="l" defTabSz="914400" rtl="0" eaLnBrk="1" fontAlgn="base" latinLnBrk="0" hangingPunct="1">
+              <a:lnSpc>
+                <a:spcPct val="100000"/>
+              </a:lnSpc>
+              <a:spcBef>
+                <a:spcPct val="20000"/>
+              </a:spcBef>
+              <a:spcAft>
+                <a:spcPct val="0"/>
+              </a:spcAft>
+              <a:buClr>
+                <a:srgbClr val="073482"/>
+              </a:buClr>
+              <a:buSzTx/>
+              <a:buFont typeface="Wingdings" pitchFamily="2" charset="2"/>
+              <a:buChar char="§"/>
+              <a:tabLst/>
+              <a:defRPr/>
+            </a:pPr>
+            <a:r>
+              <a:rPr lang="en-US" altLang="zh-CN" b="0" i="0" kern="0" dirty="0" smtClean="0">
+                <a:solidFill>
+                  <a:schemeClr val="tx1"/>
+                </a:solidFill>
+                <a:latin typeface="+mn-lt"/>
+              </a:rPr>
+              <a:t>Client API: Translate App instructions into Application Protocol Date Unit (APDU) formats.</a:t>
+            </a:r>
+          </a:p>
+          <a:p>
+            <a:pPr marL="800100" lvl="1" indent="-342900">
+              <a:spcBef>
+                <a:spcPct val="20000"/>
+              </a:spcBef>
+              <a:buClr>
+                <a:srgbClr val="073482"/>
+              </a:buClr>
+            </a:pPr>
+            <a:endParaRPr lang="en-US" altLang="zh-CN" sz="2400" b="0" i="0" kern="0" dirty="0" smtClean="0">
+              <a:solidFill>
+                <a:schemeClr val="tx1"/>
+              </a:solidFill>
+              <a:latin typeface="+mn-lt"/>
+            </a:endParaRPr>
+          </a:p>
+        </p:txBody>
+      </p:sp>
     </p:spTree>
   </p:cSld>
   <p:clrMapOvr>
@@ -4178,7 +4075,7 @@
           <a:p>
             <a:r>
               <a:rPr lang="en-US" altLang="zh-CN" dirty="0" smtClean="0"/>
-              <a:t>Application Scenario</a:t>
+              <a:t>OPC UA Client Server Architecture </a:t>
             </a:r>
             <a:endParaRPr lang="zh-CN" altLang="en-US" dirty="0"/>
           </a:p>
@@ -4249,225 +4146,375 @@
             <a:fld id="{D9CB193C-FC74-4279-8388-9DD1BFD58DB8}" type="datetime4">
               <a:rPr lang="en-US" smtClean="0"/>
               <a:pPr/>
-              <a:t>March 31, 2014</a:t>
+              <a:t>April 26, 2014</a:t>
             </a:fld>
             <a:endParaRPr lang="en-US"/>
           </a:p>
         </p:txBody>
       </p:sp>
-      <p:sp>
-        <p:nvSpPr>
-          <p:cNvPr id="8" name="TextBox 7"/>
-          <p:cNvSpPr txBox="1"/>
-          <p:nvPr/>
-        </p:nvSpPr>
-        <p:spPr>
-          <a:xfrm>
-            <a:off x="5184395" y="1558988"/>
-            <a:ext cx="3743579" cy="6247864"/>
-          </a:xfrm>
-          <a:prstGeom prst="rect">
-            <a:avLst/>
-          </a:prstGeom>
-          <a:noFill/>
-        </p:spPr>
-        <p:txBody>
-          <a:bodyPr wrap="square" rtlCol="0">
-            <a:spAutoFit/>
-          </a:bodyPr>
-          <a:lstStyle/>
-          <a:p>
-            <a:endParaRPr lang="en-US" altLang="zh-CN" sz="1600" i="0" dirty="0" smtClean="0"/>
-          </a:p>
-          <a:p>
-            <a:r>
-              <a:rPr lang="en-US" altLang="zh-CN" sz="1600" i="0" dirty="0" smtClean="0"/>
-              <a:t>Access control lock</a:t>
-            </a:r>
-          </a:p>
-          <a:p>
-            <a:pPr>
-              <a:buFont typeface="Wingdings" pitchFamily="2" charset="2"/>
-              <a:buChar char="p"/>
-            </a:pPr>
-            <a:r>
-              <a:rPr lang="en-US" altLang="zh-CN" sz="1600" i="0" dirty="0" smtClean="0"/>
-              <a:t>Digital lock</a:t>
-            </a:r>
-          </a:p>
-          <a:p>
-            <a:pPr>
-              <a:buFont typeface="Wingdings" pitchFamily="2" charset="2"/>
-              <a:buChar char="p"/>
-            </a:pPr>
-            <a:r>
-              <a:rPr lang="en-US" altLang="zh-CN" sz="1600" i="0" dirty="0" smtClean="0"/>
-              <a:t>only allows phone user with enough authority</a:t>
-            </a:r>
-          </a:p>
-          <a:p>
-            <a:pPr>
-              <a:buFont typeface="Wingdings" pitchFamily="2" charset="2"/>
-              <a:buChar char="p"/>
-            </a:pPr>
-            <a:r>
-              <a:rPr lang="en-US" altLang="zh-CN" sz="1600" i="0" dirty="0" smtClean="0"/>
-              <a:t>different locks have different policies</a:t>
-            </a:r>
-          </a:p>
-          <a:p>
-            <a:pPr>
-              <a:buFont typeface="Wingdings" pitchFamily="2" charset="2"/>
-              <a:buChar char="p"/>
-            </a:pPr>
-            <a:r>
-              <a:rPr lang="en-US" altLang="zh-CN" sz="1600" i="0" dirty="0" smtClean="0"/>
-              <a:t>Send alarm when illegal access </a:t>
-            </a:r>
-          </a:p>
-          <a:p>
-            <a:pPr>
-              <a:buFont typeface="Wingdings" pitchFamily="2" charset="2"/>
-              <a:buChar char="p"/>
-            </a:pPr>
-            <a:r>
-              <a:rPr lang="en-US" altLang="zh-CN" sz="1600" i="0" dirty="0" smtClean="0"/>
-              <a:t>Connected through inner network</a:t>
-            </a:r>
-          </a:p>
-          <a:p>
-            <a:endParaRPr lang="en-US" altLang="zh-CN" sz="1600" i="0" dirty="0" smtClean="0"/>
-          </a:p>
-          <a:p>
-            <a:r>
-              <a:rPr lang="en-US" altLang="zh-CN" sz="1600" i="0" dirty="0" smtClean="0"/>
-              <a:t>Phone user: </a:t>
-            </a:r>
-          </a:p>
-          <a:p>
-            <a:pPr>
-              <a:buFont typeface="Wingdings" pitchFamily="2" charset="2"/>
-              <a:buChar char="p"/>
-            </a:pPr>
-            <a:r>
-              <a:rPr lang="en-US" altLang="zh-CN" sz="1600" i="0" dirty="0" smtClean="0"/>
-              <a:t>Smart Phone</a:t>
-            </a:r>
-          </a:p>
-          <a:p>
-            <a:pPr>
-              <a:buFont typeface="Wingdings" pitchFamily="2" charset="2"/>
-              <a:buChar char="p"/>
-            </a:pPr>
-            <a:r>
-              <a:rPr lang="en-US" altLang="zh-CN" sz="1600" i="0" dirty="0" smtClean="0"/>
-              <a:t>UICC smart Card</a:t>
-            </a:r>
-          </a:p>
-          <a:p>
-            <a:pPr>
-              <a:buFont typeface="Wingdings" pitchFamily="2" charset="2"/>
-              <a:buChar char="p"/>
-            </a:pPr>
-            <a:r>
-              <a:rPr lang="en-US" altLang="zh-CN" sz="1600" i="0" dirty="0" smtClean="0"/>
-              <a:t>Installation of Client application</a:t>
-            </a:r>
-          </a:p>
-          <a:p>
-            <a:pPr>
-              <a:buFont typeface="Wingdings" pitchFamily="2" charset="2"/>
-              <a:buChar char="p"/>
-            </a:pPr>
-            <a:r>
-              <a:rPr lang="en-US" altLang="zh-CN" sz="1600" i="0" dirty="0" smtClean="0"/>
-              <a:t>Root user = house owner</a:t>
-            </a:r>
-          </a:p>
-          <a:p>
-            <a:pPr>
-              <a:buFont typeface="Wingdings" pitchFamily="2" charset="2"/>
-              <a:buChar char="p"/>
-            </a:pPr>
-            <a:r>
-              <a:rPr lang="en-US" altLang="zh-CN" sz="1600" i="0" dirty="0" smtClean="0"/>
-              <a:t>Guest user = neighbor etc…</a:t>
-            </a:r>
-          </a:p>
-          <a:p>
-            <a:pPr>
-              <a:buFont typeface="Wingdings" pitchFamily="2" charset="2"/>
-              <a:buChar char="p"/>
-            </a:pPr>
-            <a:r>
-              <a:rPr lang="en-US" altLang="zh-CN" sz="1600" i="0" dirty="0" smtClean="0"/>
-              <a:t>Parameterized control devices through server</a:t>
-            </a:r>
-          </a:p>
-          <a:p>
-            <a:pPr>
-              <a:buFont typeface="Wingdings" pitchFamily="2" charset="2"/>
-              <a:buChar char="p"/>
-            </a:pPr>
-            <a:r>
-              <a:rPr lang="en-US" altLang="zh-CN" sz="1600" i="0" dirty="0" smtClean="0"/>
-              <a:t>Connected through open network</a:t>
-            </a:r>
-          </a:p>
-          <a:p>
-            <a:pPr>
-              <a:buFont typeface="Wingdings" pitchFamily="2" charset="2"/>
-              <a:buChar char="p"/>
-            </a:pPr>
-            <a:endParaRPr lang="en-US" altLang="zh-CN" sz="1600" i="0" dirty="0" smtClean="0"/>
-          </a:p>
-          <a:p>
-            <a:endParaRPr lang="en-US" altLang="zh-CN" sz="1600" i="0" dirty="0" smtClean="0"/>
-          </a:p>
-          <a:p>
-            <a:endParaRPr lang="en-US" altLang="zh-CN" sz="1600" i="0" dirty="0" smtClean="0"/>
-          </a:p>
-          <a:p>
-            <a:endParaRPr lang="en-US" altLang="zh-CN" sz="1600" dirty="0" smtClean="0"/>
-          </a:p>
-          <a:p>
-            <a:endParaRPr lang="en-US" altLang="zh-CN" sz="1600" dirty="0" smtClean="0"/>
-          </a:p>
-          <a:p>
-            <a:r>
-              <a:rPr lang="en-US" altLang="zh-CN" sz="1600" dirty="0" smtClean="0"/>
-              <a:t> </a:t>
-            </a:r>
-            <a:endParaRPr lang="zh-CN" altLang="en-US" sz="1600" dirty="0"/>
-          </a:p>
-        </p:txBody>
-      </p:sp>
       <p:pic>
         <p:nvPicPr>
-          <p:cNvPr id="1027" name="Picture 3" descr="D:\opc_ua\ppt\v1.png"/>
+          <p:cNvPr id="1026" name="Picture 2"/>
           <p:cNvPicPr>
-            <a:picLocks noChangeAspect="1" noChangeArrowheads="1"/>
+            <a:picLocks noGrp="1" noChangeAspect="1" noChangeArrowheads="1"/>
           </p:cNvPicPr>
-          <p:nvPr/>
+          <p:nvPr>
+            <p:ph idx="1"/>
+          </p:nvPr>
         </p:nvPicPr>
         <p:blipFill>
           <a:blip r:embed="rId2" cstate="print"/>
-          <a:srcRect/>
+          <a:srcRect l="36641"/>
           <a:stretch>
             <a:fillRect/>
           </a:stretch>
         </p:blipFill>
         <p:spPr bwMode="auto">
           <a:xfrm>
-            <a:off x="457200" y="1723580"/>
-            <a:ext cx="4556349" cy="4274884"/>
+            <a:off x="4645152" y="1065213"/>
+            <a:ext cx="4259135" cy="3857657"/>
           </a:xfrm>
           <a:prstGeom prst="rect">
             <a:avLst/>
           </a:prstGeom>
           <a:noFill/>
+          <a:ln w="9525">
+            <a:noFill/>
+            <a:miter lim="800000"/>
+            <a:headEnd/>
+            <a:tailEnd/>
+          </a:ln>
         </p:spPr>
       </p:pic>
+      <p:sp>
+        <p:nvSpPr>
+          <p:cNvPr id="7" name="内容占位符 2"/>
+          <p:cNvSpPr txBox="1">
+            <a:spLocks/>
+          </p:cNvSpPr>
+          <p:nvPr/>
+        </p:nvSpPr>
+        <p:spPr bwMode="auto">
+          <a:xfrm>
+            <a:off x="210312" y="1197864"/>
+            <a:ext cx="4434840" cy="5056187"/>
+          </a:xfrm>
+          <a:prstGeom prst="rect">
+            <a:avLst/>
+          </a:prstGeom>
+          <a:noFill/>
+          <a:ln w="9525">
+            <a:noFill/>
+            <a:miter lim="800000"/>
+            <a:headEnd/>
+            <a:tailEnd/>
+          </a:ln>
+        </p:spPr>
+        <p:txBody>
+          <a:bodyPr vert="horz" wrap="square" lIns="91440" tIns="45720" rIns="91440" bIns="45720" numCol="1" anchor="t" anchorCtr="0" compatLnSpc="1">
+            <a:prstTxWarp prst="textNoShape">
+              <a:avLst/>
+            </a:prstTxWarp>
+          </a:bodyPr>
+          <a:lstStyle/>
+          <a:p>
+            <a:pPr marL="342900" marR="0" lvl="0" indent="-342900" algn="l" defTabSz="914400" rtl="0" eaLnBrk="1" fontAlgn="base" latinLnBrk="0" hangingPunct="1">
+              <a:lnSpc>
+                <a:spcPct val="100000"/>
+              </a:lnSpc>
+              <a:spcBef>
+                <a:spcPct val="20000"/>
+              </a:spcBef>
+              <a:spcAft>
+                <a:spcPct val="0"/>
+              </a:spcAft>
+              <a:buClr>
+                <a:srgbClr val="073482"/>
+              </a:buClr>
+              <a:buSzTx/>
+              <a:buFont typeface="Wingdings" pitchFamily="2" charset="2"/>
+              <a:buChar char="§"/>
+              <a:tabLst/>
+              <a:defRPr/>
+            </a:pPr>
+            <a:r>
+              <a:rPr kumimoji="0" lang="en-US" altLang="zh-CN" b="0" i="0" u="none" strike="noStrike" kern="0" cap="none" spc="0" normalizeH="0" baseline="0" noProof="0" dirty="0" smtClean="0">
+                <a:ln>
+                  <a:noFill/>
+                </a:ln>
+                <a:solidFill>
+                  <a:schemeClr val="tx1"/>
+                </a:solidFill>
+                <a:effectLst/>
+                <a:uLnTx/>
+                <a:uFillTx/>
+                <a:latin typeface="+mn-lt"/>
+                <a:ea typeface="+mn-ea"/>
+                <a:cs typeface="+mn-cs"/>
+              </a:rPr>
+              <a:t>Real Object: Field</a:t>
+            </a:r>
+            <a:r>
+              <a:rPr kumimoji="0" lang="en-US" altLang="zh-CN" b="0" i="0" u="none" strike="noStrike" kern="0" cap="none" spc="0" normalizeH="0" noProof="0" dirty="0" smtClean="0">
+                <a:ln>
+                  <a:noFill/>
+                </a:ln>
+                <a:solidFill>
+                  <a:schemeClr val="tx1"/>
+                </a:solidFill>
+                <a:effectLst/>
+                <a:uLnTx/>
+                <a:uFillTx/>
+                <a:latin typeface="+mn-lt"/>
+                <a:ea typeface="+mn-ea"/>
+                <a:cs typeface="+mn-cs"/>
+              </a:rPr>
+              <a:t> devices, abstract date.</a:t>
+            </a:r>
+          </a:p>
+          <a:p>
+            <a:pPr marL="342900" marR="0" lvl="0" indent="-342900" algn="l" defTabSz="914400" rtl="0" eaLnBrk="1" fontAlgn="base" latinLnBrk="0" hangingPunct="1">
+              <a:lnSpc>
+                <a:spcPct val="100000"/>
+              </a:lnSpc>
+              <a:spcBef>
+                <a:spcPct val="20000"/>
+              </a:spcBef>
+              <a:spcAft>
+                <a:spcPct val="0"/>
+              </a:spcAft>
+              <a:buClr>
+                <a:srgbClr val="073482"/>
+              </a:buClr>
+              <a:buSzTx/>
+              <a:buFont typeface="Wingdings" pitchFamily="2" charset="2"/>
+              <a:buChar char="§"/>
+              <a:tabLst/>
+              <a:defRPr/>
+            </a:pPr>
+            <a:r>
+              <a:rPr lang="en-US" altLang="zh-CN" b="0" i="0" kern="0" dirty="0" smtClean="0">
+                <a:solidFill>
+                  <a:schemeClr val="tx1"/>
+                </a:solidFill>
+                <a:latin typeface="+mn-lt"/>
+              </a:rPr>
+              <a:t>Node: Real Objects are represented by Nodes.</a:t>
+            </a:r>
+            <a:endParaRPr kumimoji="0" lang="en-US" altLang="zh-CN" b="0" i="0" u="none" strike="noStrike" kern="0" cap="none" spc="0" normalizeH="0" noProof="0" dirty="0" smtClean="0">
+              <a:ln>
+                <a:noFill/>
+              </a:ln>
+              <a:solidFill>
+                <a:schemeClr val="tx1"/>
+              </a:solidFill>
+              <a:effectLst/>
+              <a:uLnTx/>
+              <a:uFillTx/>
+              <a:latin typeface="+mn-lt"/>
+              <a:ea typeface="+mn-ea"/>
+              <a:cs typeface="+mn-cs"/>
+            </a:endParaRPr>
+          </a:p>
+          <a:p>
+            <a:pPr marL="342900" marR="0" lvl="0" indent="-342900" algn="l" defTabSz="914400" rtl="0" eaLnBrk="1" fontAlgn="base" latinLnBrk="0" hangingPunct="1">
+              <a:lnSpc>
+                <a:spcPct val="100000"/>
+              </a:lnSpc>
+              <a:spcBef>
+                <a:spcPct val="20000"/>
+              </a:spcBef>
+              <a:spcAft>
+                <a:spcPct val="0"/>
+              </a:spcAft>
+              <a:buClr>
+                <a:srgbClr val="073482"/>
+              </a:buClr>
+              <a:buSzTx/>
+              <a:buFont typeface="Wingdings" pitchFamily="2" charset="2"/>
+              <a:buChar char="§"/>
+              <a:tabLst/>
+              <a:defRPr/>
+            </a:pPr>
+            <a:r>
+              <a:rPr lang="en-US" altLang="zh-CN" b="0" i="0" kern="0" dirty="0" smtClean="0">
+                <a:solidFill>
+                  <a:schemeClr val="tx1"/>
+                </a:solidFill>
+                <a:latin typeface="+mn-lt"/>
+              </a:rPr>
+              <a:t>Address Space: Information that can be viewed by OPC UA clients</a:t>
+            </a:r>
+          </a:p>
+          <a:p>
+            <a:pPr marL="342900" marR="0" lvl="0" indent="-342900" algn="l" defTabSz="914400" rtl="0" eaLnBrk="1" fontAlgn="base" latinLnBrk="0" hangingPunct="1">
+              <a:lnSpc>
+                <a:spcPct val="100000"/>
+              </a:lnSpc>
+              <a:spcBef>
+                <a:spcPct val="20000"/>
+              </a:spcBef>
+              <a:spcAft>
+                <a:spcPct val="0"/>
+              </a:spcAft>
+              <a:buClr>
+                <a:srgbClr val="073482"/>
+              </a:buClr>
+              <a:buSzTx/>
+              <a:buFont typeface="Wingdings" pitchFamily="2" charset="2"/>
+              <a:buChar char="§"/>
+              <a:tabLst/>
+              <a:defRPr/>
+            </a:pPr>
+            <a:r>
+              <a:rPr lang="en-US" altLang="zh-CN" b="0" i="0" kern="0" noProof="0" dirty="0" smtClean="0">
+                <a:solidFill>
+                  <a:schemeClr val="tx1"/>
+                </a:solidFill>
+                <a:latin typeface="+mn-lt"/>
+              </a:rPr>
+              <a:t>Subscription: Client can subscript particular information</a:t>
+            </a:r>
+          </a:p>
+          <a:p>
+            <a:pPr marL="342900" marR="0" lvl="0" indent="-342900" algn="l" defTabSz="914400" rtl="0" eaLnBrk="1" fontAlgn="base" latinLnBrk="0" hangingPunct="1">
+              <a:lnSpc>
+                <a:spcPct val="100000"/>
+              </a:lnSpc>
+              <a:spcBef>
+                <a:spcPct val="20000"/>
+              </a:spcBef>
+              <a:spcAft>
+                <a:spcPct val="0"/>
+              </a:spcAft>
+              <a:buClr>
+                <a:srgbClr val="073482"/>
+              </a:buClr>
+              <a:buSzTx/>
+              <a:buFont typeface="Wingdings" pitchFamily="2" charset="2"/>
+              <a:buChar char="§"/>
+              <a:tabLst/>
+              <a:defRPr/>
+            </a:pPr>
+            <a:r>
+              <a:rPr lang="en-US" altLang="zh-CN" b="0" i="0" kern="0" dirty="0" smtClean="0">
+                <a:solidFill>
+                  <a:schemeClr val="tx1"/>
+                </a:solidFill>
+                <a:latin typeface="+mn-lt"/>
+              </a:rPr>
+              <a:t>Monitored Item: manage subscripted Nodes.</a:t>
+            </a:r>
+          </a:p>
+          <a:p>
+            <a:pPr marL="342900" marR="0" lvl="0" indent="-342900" algn="l" defTabSz="914400" rtl="0" eaLnBrk="1" fontAlgn="base" latinLnBrk="0" hangingPunct="1">
+              <a:lnSpc>
+                <a:spcPct val="100000"/>
+              </a:lnSpc>
+              <a:spcBef>
+                <a:spcPct val="20000"/>
+              </a:spcBef>
+              <a:spcAft>
+                <a:spcPct val="0"/>
+              </a:spcAft>
+              <a:buClr>
+                <a:srgbClr val="073482"/>
+              </a:buClr>
+              <a:buSzTx/>
+              <a:buFont typeface="Wingdings" pitchFamily="2" charset="2"/>
+              <a:buChar char="§"/>
+              <a:tabLst/>
+              <a:defRPr/>
+            </a:pPr>
+            <a:r>
+              <a:rPr lang="en-US" altLang="zh-CN" b="0" i="0" kern="0" noProof="0" dirty="0" smtClean="0">
+                <a:solidFill>
+                  <a:schemeClr val="tx1"/>
+                </a:solidFill>
+                <a:latin typeface="+mn-lt"/>
+              </a:rPr>
+              <a:t>Server API: Translate Server application instructions</a:t>
+            </a:r>
+          </a:p>
+          <a:p>
+            <a:pPr marL="342900" marR="0" lvl="0" indent="-342900" algn="l" defTabSz="914400" rtl="0" eaLnBrk="1" fontAlgn="base" latinLnBrk="0" hangingPunct="1">
+              <a:lnSpc>
+                <a:spcPct val="100000"/>
+              </a:lnSpc>
+              <a:spcBef>
+                <a:spcPct val="20000"/>
+              </a:spcBef>
+              <a:spcAft>
+                <a:spcPct val="0"/>
+              </a:spcAft>
+              <a:buClr>
+                <a:srgbClr val="073482"/>
+              </a:buClr>
+              <a:buSzTx/>
+              <a:buFont typeface="Wingdings" pitchFamily="2" charset="2"/>
+              <a:buChar char="§"/>
+              <a:tabLst/>
+              <a:defRPr/>
+            </a:pPr>
+            <a:r>
+              <a:rPr lang="en-US" altLang="zh-CN" b="0" i="0" kern="0" dirty="0" smtClean="0">
+                <a:solidFill>
+                  <a:schemeClr val="tx1"/>
+                </a:solidFill>
+                <a:latin typeface="+mn-lt"/>
+              </a:rPr>
+              <a:t>Communication Stack: realize commutation with OPC UA client</a:t>
+            </a:r>
+            <a:endParaRPr lang="en-US" altLang="zh-CN" b="0" i="0" kern="0" noProof="0" dirty="0" smtClean="0">
+              <a:solidFill>
+                <a:schemeClr val="tx1"/>
+              </a:solidFill>
+              <a:latin typeface="+mn-lt"/>
+            </a:endParaRPr>
+          </a:p>
+          <a:p>
+            <a:pPr marL="342900" marR="0" lvl="0" indent="-342900" algn="l" defTabSz="914400" rtl="0" eaLnBrk="1" fontAlgn="base" latinLnBrk="0" hangingPunct="1">
+              <a:lnSpc>
+                <a:spcPct val="100000"/>
+              </a:lnSpc>
+              <a:spcBef>
+                <a:spcPct val="20000"/>
+              </a:spcBef>
+              <a:spcAft>
+                <a:spcPct val="0"/>
+              </a:spcAft>
+              <a:buClr>
+                <a:srgbClr val="073482"/>
+              </a:buClr>
+              <a:buSzTx/>
+              <a:tabLst/>
+              <a:defRPr/>
+            </a:pPr>
+            <a:endParaRPr lang="en-US" altLang="zh-CN" b="0" i="0" kern="0" dirty="0" smtClean="0">
+              <a:solidFill>
+                <a:schemeClr val="tx1"/>
+              </a:solidFill>
+              <a:latin typeface="+mn-lt"/>
+            </a:endParaRPr>
+          </a:p>
+          <a:p>
+            <a:pPr marL="800100" lvl="1" indent="-342900">
+              <a:spcBef>
+                <a:spcPct val="20000"/>
+              </a:spcBef>
+              <a:buClr>
+                <a:srgbClr val="073482"/>
+              </a:buClr>
+            </a:pPr>
+            <a:endParaRPr lang="en-US" altLang="zh-CN" sz="2400" b="0" i="0" kern="0" dirty="0" smtClean="0">
+              <a:solidFill>
+                <a:schemeClr val="tx1"/>
+              </a:solidFill>
+              <a:latin typeface="+mn-lt"/>
+            </a:endParaRPr>
+          </a:p>
+        </p:txBody>
+      </p:sp>
     </p:spTree>
   </p:cSld>
   <p:clrMapOvr>
@@ -4588,7 +4635,7 @@
             <a:fld id="{D9CB193C-FC74-4279-8388-9DD1BFD58DB8}" type="datetime4">
               <a:rPr lang="en-US" smtClean="0"/>
               <a:pPr/>
-              <a:t>March 31, 2014</a:t>
+              <a:t>April 26, 2014</a:t>
             </a:fld>
             <a:endParaRPr lang="en-US"/>
           </a:p>
@@ -4602,8 +4649,8 @@
         </p:nvSpPr>
         <p:spPr>
           <a:xfrm>
-            <a:off x="5184395" y="1558988"/>
-            <a:ext cx="3743579" cy="5262979"/>
+            <a:off x="5184395" y="2432304"/>
+            <a:ext cx="4087621" cy="3539430"/>
           </a:xfrm>
           <a:prstGeom prst="rect">
             <a:avLst/>
@@ -4616,111 +4663,77 @@
           </a:bodyPr>
           <a:lstStyle/>
           <a:p>
+            <a:r>
+              <a:rPr lang="en-US" altLang="zh-CN" sz="1600" i="0" dirty="0" smtClean="0"/>
+              <a:t>OPC UA Server: </a:t>
+            </a:r>
+          </a:p>
+          <a:p>
+            <a:r>
+              <a:rPr lang="en-US" altLang="zh-CN" sz="1600" i="0" dirty="0" smtClean="0"/>
+              <a:t>	</a:t>
+            </a:r>
+            <a:r>
+              <a:rPr lang="en-US" altLang="zh-CN" sz="1600" i="0" dirty="0" smtClean="0"/>
+              <a:t>Sensor</a:t>
+            </a:r>
             <a:endParaRPr lang="en-US" altLang="zh-CN" sz="1600" i="0" dirty="0" smtClean="0"/>
           </a:p>
           <a:p>
+            <a:endParaRPr lang="en-US" altLang="zh-CN" sz="1600" i="0" dirty="0" smtClean="0"/>
+          </a:p>
+          <a:p>
             <a:r>
               <a:rPr lang="en-US" altLang="zh-CN" sz="1600" i="0" dirty="0" smtClean="0"/>
-              <a:t>Central Controller</a:t>
-            </a:r>
-          </a:p>
-          <a:p>
-            <a:pPr>
-              <a:buFont typeface="Wingdings" pitchFamily="2" charset="2"/>
-              <a:buChar char="p"/>
-            </a:pPr>
+              <a:t>OPC UA Clients: </a:t>
+            </a:r>
+          </a:p>
+          <a:p>
             <a:r>
               <a:rPr lang="en-US" altLang="zh-CN" sz="1600" i="0" dirty="0" smtClean="0"/>
-              <a:t>Embedded device with chip card</a:t>
-            </a:r>
-          </a:p>
-          <a:p>
-            <a:pPr>
-              <a:buFont typeface="Wingdings" pitchFamily="2" charset="2"/>
-              <a:buChar char="p"/>
-            </a:pPr>
+              <a:t>	control devices</a:t>
+            </a:r>
+          </a:p>
+          <a:p>
             <a:r>
               <a:rPr lang="en-US" altLang="zh-CN" sz="1600" i="0" dirty="0" smtClean="0"/>
-              <a:t>Chip card = security token</a:t>
-            </a:r>
-          </a:p>
-          <a:p>
-            <a:pPr>
-              <a:buFont typeface="Wingdings" pitchFamily="2" charset="2"/>
-              <a:buChar char="p"/>
-            </a:pPr>
+              <a:t>	access control locks</a:t>
+            </a:r>
+          </a:p>
+          <a:p>
             <a:r>
               <a:rPr lang="en-US" altLang="zh-CN" sz="1600" i="0" dirty="0" smtClean="0"/>
-              <a:t>Take date from sensor</a:t>
-            </a:r>
-          </a:p>
-          <a:p>
-            <a:pPr>
-              <a:buFont typeface="Wingdings" pitchFamily="2" charset="2"/>
-              <a:buChar char="p"/>
-            </a:pPr>
+              <a:t>	</a:t>
+            </a:r>
             <a:r>
               <a:rPr lang="en-US" altLang="zh-CN" sz="1600" i="0" dirty="0" smtClean="0"/>
-              <a:t>Take subscriptions from phone user</a:t>
-            </a:r>
-          </a:p>
-          <a:p>
-            <a:pPr>
-              <a:buFont typeface="Wingdings" pitchFamily="2" charset="2"/>
-              <a:buChar char="p"/>
-            </a:pPr>
+              <a:t>phones</a:t>
+            </a:r>
+          </a:p>
+          <a:p>
+            <a:endParaRPr lang="en-US" altLang="zh-CN" sz="1600" i="0" dirty="0" smtClean="0"/>
+          </a:p>
+          <a:p>
             <a:r>
               <a:rPr lang="en-US" altLang="zh-CN" sz="1600" i="0" dirty="0" smtClean="0"/>
-              <a:t>Inform phone user based on subscription</a:t>
-            </a:r>
-          </a:p>
-          <a:p>
-            <a:pPr>
-              <a:buFont typeface="Wingdings" pitchFamily="2" charset="2"/>
-              <a:buChar char="p"/>
-            </a:pPr>
+              <a:t>OPC UA Server/Clients:</a:t>
+            </a:r>
+          </a:p>
+          <a:p>
             <a:r>
               <a:rPr lang="en-US" altLang="zh-CN" sz="1600" i="0" dirty="0" smtClean="0"/>
-              <a:t>Parameterize control device based on phone user command</a:t>
-            </a:r>
-          </a:p>
-          <a:p>
-            <a:pPr>
-              <a:buFont typeface="Wingdings" pitchFamily="2" charset="2"/>
-              <a:buChar char="p"/>
-            </a:pPr>
+              <a:t>	</a:t>
+            </a:r>
             <a:r>
               <a:rPr lang="en-US" altLang="zh-CN" sz="1600" i="0" dirty="0" smtClean="0"/>
-              <a:t>Auditing</a:t>
-            </a:r>
-          </a:p>
-          <a:p>
-            <a:pPr>
-              <a:buFont typeface="Wingdings" pitchFamily="2" charset="2"/>
-              <a:buChar char="p"/>
-            </a:pPr>
+              <a:t>central controller</a:t>
+            </a:r>
             <a:endParaRPr lang="en-US" altLang="zh-CN" sz="1600" i="0" dirty="0" smtClean="0"/>
           </a:p>
           <a:p>
             <a:endParaRPr lang="en-US" altLang="zh-CN" sz="1600" i="0" dirty="0" smtClean="0"/>
           </a:p>
           <a:p>
-            <a:endParaRPr lang="en-US" altLang="zh-CN" sz="1600" i="0" dirty="0" smtClean="0"/>
-          </a:p>
-          <a:p>
-            <a:pPr>
-              <a:buFont typeface="Wingdings" pitchFamily="2" charset="2"/>
-              <a:buChar char="p"/>
-            </a:pPr>
-            <a:endParaRPr lang="en-US" altLang="zh-CN" sz="1600" i="0" dirty="0" smtClean="0"/>
-          </a:p>
-          <a:p>
-            <a:endParaRPr lang="en-US" altLang="zh-CN" sz="1600" i="0" dirty="0" smtClean="0"/>
-          </a:p>
-          <a:p>
-            <a:endParaRPr lang="en-US" altLang="zh-CN" sz="1600" i="0" dirty="0" smtClean="0"/>
-          </a:p>
-          <a:p>
             <a:endParaRPr lang="en-US" altLang="zh-CN" sz="1600" dirty="0" smtClean="0"/>
           </a:p>
           <a:p>
@@ -4729,7 +4742,7 @@
           <a:p>
             <a:r>
               <a:rPr lang="en-US" altLang="zh-CN" sz="1600" dirty="0" smtClean="0"/>
-              <a:t> </a:t>
+              <a:t> s</a:t>
             </a:r>
             <a:endParaRPr lang="zh-CN" altLang="en-US" sz="1600" dirty="0"/>
           </a:p>
@@ -4737,7 +4750,7 @@
       </p:sp>
       <p:pic>
         <p:nvPicPr>
-          <p:cNvPr id="1027" name="Picture 3" descr="D:\opc_ua\ppt\v1.png"/>
+          <p:cNvPr id="9" name="Picture 3" descr="D:\opc_ua\ppt\v1.png"/>
           <p:cNvPicPr>
             <a:picLocks noChangeAspect="1" noChangeArrowheads="1"/>
           </p:cNvPicPr>
@@ -4810,85 +4823,9 @@
           <a:p>
             <a:r>
               <a:rPr lang="en-US" altLang="zh-CN" dirty="0" smtClean="0"/>
-              <a:t>Focus on Security direction</a:t>
+              <a:t>Application Scenario</a:t>
             </a:r>
             <a:endParaRPr lang="zh-CN" altLang="en-US" dirty="0"/>
-          </a:p>
-        </p:txBody>
-      </p:sp>
-      <p:sp>
-        <p:nvSpPr>
-          <p:cNvPr id="3" name="内容占位符 2"/>
-          <p:cNvSpPr>
-            <a:spLocks noGrp="1"/>
-          </p:cNvSpPr>
-          <p:nvPr>
-            <p:ph idx="1"/>
-          </p:nvPr>
-        </p:nvSpPr>
-        <p:spPr/>
-        <p:txBody>
-          <a:bodyPr/>
-          <a:lstStyle/>
-          <a:p>
-            <a:r>
-              <a:rPr lang="en-US" altLang="zh-CN" dirty="0" smtClean="0"/>
-              <a:t>Confidentiality</a:t>
-            </a:r>
-          </a:p>
-          <a:p>
-            <a:r>
-              <a:rPr lang="en-US" altLang="zh-CN" dirty="0" smtClean="0"/>
-              <a:t>Integrity</a:t>
-            </a:r>
-          </a:p>
-          <a:p>
-            <a:r>
-              <a:rPr lang="en-US" altLang="zh-CN" dirty="0" smtClean="0"/>
-              <a:t>Application authentication</a:t>
-            </a:r>
-          </a:p>
-          <a:p>
-            <a:r>
-              <a:rPr lang="en-US" altLang="zh-CN" dirty="0" smtClean="0"/>
-              <a:t>User authentication</a:t>
-            </a:r>
-          </a:p>
-          <a:p>
-            <a:r>
-              <a:rPr lang="en-US" altLang="zh-CN" dirty="0" smtClean="0"/>
-              <a:t>User authorization</a:t>
-            </a:r>
-          </a:p>
-          <a:p>
-            <a:r>
-              <a:rPr lang="en-US" altLang="zh-CN" dirty="0" smtClean="0"/>
-              <a:t>Traceability</a:t>
-            </a:r>
-          </a:p>
-          <a:p>
-            <a:r>
-              <a:rPr lang="en-US" altLang="zh-CN" dirty="0" smtClean="0"/>
-              <a:t>Availability</a:t>
-            </a:r>
-          </a:p>
-          <a:p>
-            <a:r>
-              <a:rPr lang="en-US" altLang="zh-CN" dirty="0" smtClean="0"/>
-              <a:t>Secure messaging with smart card</a:t>
-            </a:r>
-          </a:p>
-          <a:p>
-            <a:r>
-              <a:rPr lang="en-US" altLang="zh-CN" dirty="0" smtClean="0"/>
-              <a:t>APDU secure communication</a:t>
-            </a:r>
-          </a:p>
-          <a:p>
-            <a:endParaRPr lang="en-US" altLang="zh-CN" dirty="0" smtClean="0"/>
-          </a:p>
-          <a:p>
-            <a:endParaRPr lang="en-US" altLang="zh-CN" dirty="0" smtClean="0"/>
           </a:p>
         </p:txBody>
       </p:sp>
@@ -4957,12 +4894,161 @@
             <a:fld id="{D9CB193C-FC74-4279-8388-9DD1BFD58DB8}" type="datetime4">
               <a:rPr lang="en-US" smtClean="0"/>
               <a:pPr/>
-              <a:t>March 31, 2014</a:t>
+              <a:t>April 26, 2014</a:t>
             </a:fld>
             <a:endParaRPr lang="en-US"/>
           </a:p>
         </p:txBody>
       </p:sp>
+      <p:sp>
+        <p:nvSpPr>
+          <p:cNvPr id="8" name="TextBox 7"/>
+          <p:cNvSpPr txBox="1"/>
+          <p:nvPr/>
+        </p:nvSpPr>
+        <p:spPr>
+          <a:xfrm>
+            <a:off x="5184395" y="1901952"/>
+            <a:ext cx="3743579" cy="4524315"/>
+          </a:xfrm>
+          <a:prstGeom prst="rect">
+            <a:avLst/>
+          </a:prstGeom>
+          <a:noFill/>
+        </p:spPr>
+        <p:txBody>
+          <a:bodyPr wrap="square" rtlCol="0">
+            <a:spAutoFit/>
+          </a:bodyPr>
+          <a:lstStyle/>
+          <a:p>
+            <a:r>
+              <a:rPr lang="en-US" altLang="zh-CN" sz="1600" i="0" dirty="0" smtClean="0"/>
+              <a:t>sensor:</a:t>
+            </a:r>
+          </a:p>
+          <a:p>
+            <a:pPr>
+              <a:buFont typeface="Wingdings" pitchFamily="2" charset="2"/>
+              <a:buChar char="p"/>
+            </a:pPr>
+            <a:r>
+              <a:rPr lang="en-US" altLang="zh-CN" sz="1600" i="0" dirty="0" smtClean="0"/>
+              <a:t> measure environment variables : luminance, temperature…</a:t>
+            </a:r>
+          </a:p>
+          <a:p>
+            <a:pPr>
+              <a:buFont typeface="Wingdings" pitchFamily="2" charset="2"/>
+              <a:buChar char="p"/>
+            </a:pPr>
+            <a:r>
+              <a:rPr lang="en-US" altLang="zh-CN" sz="1600" i="0" dirty="0" smtClean="0"/>
+              <a:t>Inform controller</a:t>
+            </a:r>
+          </a:p>
+          <a:p>
+            <a:pPr>
+              <a:buFont typeface="Wingdings" pitchFamily="2" charset="2"/>
+              <a:buChar char="p"/>
+            </a:pPr>
+            <a:r>
+              <a:rPr lang="en-US" altLang="zh-CN" sz="1600" i="0" dirty="0" smtClean="0"/>
+              <a:t>Connected through inner network</a:t>
+            </a:r>
+          </a:p>
+          <a:p>
+            <a:endParaRPr lang="en-US" altLang="zh-CN" sz="1600" i="0" dirty="0" smtClean="0"/>
+          </a:p>
+          <a:p>
+            <a:r>
+              <a:rPr lang="en-US" altLang="zh-CN" sz="1600" i="0" dirty="0" smtClean="0"/>
+              <a:t>Control device:</a:t>
+            </a:r>
+          </a:p>
+          <a:p>
+            <a:pPr>
+              <a:buFont typeface="Wingdings" pitchFamily="2" charset="2"/>
+              <a:buChar char="p"/>
+            </a:pPr>
+            <a:r>
+              <a:rPr lang="en-US" altLang="zh-CN" sz="1600" i="0" dirty="0" smtClean="0"/>
+              <a:t>In charge of opening windows,  giving pet water and etc</a:t>
+            </a:r>
+          </a:p>
+          <a:p>
+            <a:pPr>
+              <a:buFont typeface="Wingdings" pitchFamily="2" charset="2"/>
+              <a:buChar char="p"/>
+            </a:pPr>
+            <a:r>
+              <a:rPr lang="en-US" altLang="zh-CN" sz="1600" i="0" dirty="0" smtClean="0"/>
+              <a:t>Taken command from UA Server</a:t>
+            </a:r>
+          </a:p>
+          <a:p>
+            <a:pPr>
+              <a:buFont typeface="Wingdings" pitchFamily="2" charset="2"/>
+              <a:buChar char="p"/>
+            </a:pPr>
+            <a:r>
+              <a:rPr lang="en-US" altLang="zh-CN" sz="1600" i="0" dirty="0" smtClean="0"/>
+              <a:t>Connected through inner network</a:t>
+            </a:r>
+          </a:p>
+          <a:p>
+            <a:endParaRPr lang="en-US" altLang="zh-CN" sz="1600" i="0" dirty="0" smtClean="0"/>
+          </a:p>
+          <a:p>
+            <a:endParaRPr lang="en-US" altLang="zh-CN" sz="1600" i="0" dirty="0" smtClean="0"/>
+          </a:p>
+          <a:p>
+            <a:endParaRPr lang="en-US" altLang="zh-CN" sz="1600" i="0" dirty="0" smtClean="0"/>
+          </a:p>
+          <a:p>
+            <a:endParaRPr lang="en-US" altLang="zh-CN" sz="1600" i="0" dirty="0" smtClean="0"/>
+          </a:p>
+          <a:p>
+            <a:endParaRPr lang="en-US" altLang="zh-CN" sz="1600" dirty="0" smtClean="0"/>
+          </a:p>
+          <a:p>
+            <a:endParaRPr lang="en-US" altLang="zh-CN" sz="1600" dirty="0" smtClean="0"/>
+          </a:p>
+          <a:p>
+            <a:r>
+              <a:rPr lang="en-US" altLang="zh-CN" sz="1600" dirty="0" smtClean="0"/>
+              <a:t> </a:t>
+            </a:r>
+            <a:endParaRPr lang="zh-CN" altLang="en-US" sz="1600" dirty="0"/>
+          </a:p>
+        </p:txBody>
+      </p:sp>
+      <p:pic>
+        <p:nvPicPr>
+          <p:cNvPr id="1027" name="Picture 3" descr="D:\opc_ua\ppt\v1.png"/>
+          <p:cNvPicPr>
+            <a:picLocks noChangeAspect="1" noChangeArrowheads="1"/>
+          </p:cNvPicPr>
+          <p:nvPr/>
+        </p:nvPicPr>
+        <p:blipFill>
+          <a:blip r:embed="rId2" cstate="print"/>
+          <a:srcRect/>
+          <a:stretch>
+            <a:fillRect/>
+          </a:stretch>
+        </p:blipFill>
+        <p:spPr bwMode="auto">
+          <a:xfrm>
+            <a:off x="457200" y="1723580"/>
+            <a:ext cx="4556349" cy="4274884"/>
+          </a:xfrm>
+          <a:prstGeom prst="rect">
+            <a:avLst/>
+          </a:prstGeom>
+          <a:noFill/>
+        </p:spPr>
+      </p:pic>
     </p:spTree>
   </p:cSld>
   <p:clrMapOvr>
@@ -5012,58 +5098,9 @@
           <a:p>
             <a:r>
               <a:rPr lang="en-US" altLang="zh-CN" dirty="0" smtClean="0"/>
-              <a:t>Goals</a:t>
+              <a:t>Application Scenario</a:t>
             </a:r>
             <a:endParaRPr lang="zh-CN" altLang="en-US" dirty="0"/>
-          </a:p>
-        </p:txBody>
-      </p:sp>
-      <p:sp>
-        <p:nvSpPr>
-          <p:cNvPr id="3" name="内容占位符 2"/>
-          <p:cNvSpPr>
-            <a:spLocks noGrp="1"/>
-          </p:cNvSpPr>
-          <p:nvPr>
-            <p:ph idx="1"/>
-          </p:nvPr>
-        </p:nvSpPr>
-        <p:spPr/>
-        <p:txBody>
-          <a:bodyPr/>
-          <a:lstStyle/>
-          <a:p>
-            <a:r>
-              <a:rPr lang="en-US" altLang="zh-CN" dirty="0" smtClean="0"/>
-              <a:t>Learning highlight features from OPC UA protocols </a:t>
-            </a:r>
-          </a:p>
-          <a:p>
-            <a:r>
-              <a:rPr lang="en-US" altLang="zh-CN" dirty="0" smtClean="0"/>
-              <a:t>Studying OPC UA security mechanisms </a:t>
-            </a:r>
-          </a:p>
-          <a:p>
-            <a:r>
-              <a:rPr lang="en-US" altLang="zh-CN" dirty="0" smtClean="0"/>
-              <a:t>Learning Smart card technology and security</a:t>
-            </a:r>
-          </a:p>
-          <a:p>
-            <a:r>
-              <a:rPr lang="en-US" altLang="zh-CN" dirty="0" smtClean="0"/>
-              <a:t>Building communication stack on UICC smart card using Java</a:t>
-            </a:r>
-          </a:p>
-          <a:p>
-            <a:r>
-              <a:rPr lang="en-US" altLang="zh-CN" dirty="0" smtClean="0"/>
-              <a:t>Combination OPC UA with smart card and analyzing the performance of secure policies under different conditions. I.e. different network quality,  different date complexity and etc…</a:t>
-            </a:r>
-          </a:p>
-          <a:p>
-            <a:endParaRPr lang="en-US" altLang="zh-CN" dirty="0" smtClean="0"/>
           </a:p>
         </p:txBody>
       </p:sp>
@@ -5132,17 +5169,237 @@
             <a:fld id="{D9CB193C-FC74-4279-8388-9DD1BFD58DB8}" type="datetime4">
               <a:rPr lang="en-US" smtClean="0"/>
               <a:pPr/>
-              <a:t>March 31, 2014</a:t>
+              <a:t>April 26, 2014</a:t>
             </a:fld>
             <a:endParaRPr lang="en-US"/>
           </a:p>
         </p:txBody>
       </p:sp>
+      <p:sp>
+        <p:nvSpPr>
+          <p:cNvPr id="8" name="TextBox 7"/>
+          <p:cNvSpPr txBox="1"/>
+          <p:nvPr/>
+        </p:nvSpPr>
+        <p:spPr>
+          <a:xfrm>
+            <a:off x="5184395" y="1558988"/>
+            <a:ext cx="3743579" cy="6247864"/>
+          </a:xfrm>
+          <a:prstGeom prst="rect">
+            <a:avLst/>
+          </a:prstGeom>
+          <a:noFill/>
+        </p:spPr>
+        <p:txBody>
+          <a:bodyPr wrap="square" rtlCol="0">
+            <a:spAutoFit/>
+          </a:bodyPr>
+          <a:lstStyle/>
+          <a:p>
+            <a:endParaRPr lang="en-US" altLang="zh-CN" sz="1600" i="0" dirty="0" smtClean="0"/>
+          </a:p>
+          <a:p>
+            <a:r>
+              <a:rPr lang="en-US" altLang="zh-CN" sz="1600" i="0" dirty="0" smtClean="0"/>
+              <a:t>Access control lock</a:t>
+            </a:r>
+          </a:p>
+          <a:p>
+            <a:pPr>
+              <a:buFont typeface="Wingdings" pitchFamily="2" charset="2"/>
+              <a:buChar char="p"/>
+            </a:pPr>
+            <a:r>
+              <a:rPr lang="en-US" altLang="zh-CN" sz="1600" i="0" dirty="0" smtClean="0"/>
+              <a:t>Digital lock</a:t>
+            </a:r>
+          </a:p>
+          <a:p>
+            <a:pPr>
+              <a:buFont typeface="Wingdings" pitchFamily="2" charset="2"/>
+              <a:buChar char="p"/>
+            </a:pPr>
+            <a:r>
+              <a:rPr lang="en-US" altLang="zh-CN" sz="1600" i="0" dirty="0" smtClean="0"/>
+              <a:t>only allows phone user with enough authority</a:t>
+            </a:r>
+          </a:p>
+          <a:p>
+            <a:pPr>
+              <a:buFont typeface="Wingdings" pitchFamily="2" charset="2"/>
+              <a:buChar char="p"/>
+            </a:pPr>
+            <a:r>
+              <a:rPr lang="en-US" altLang="zh-CN" sz="1600" i="0" dirty="0" smtClean="0"/>
+              <a:t>different locks have different policies</a:t>
+            </a:r>
+          </a:p>
+          <a:p>
+            <a:pPr>
+              <a:buFont typeface="Wingdings" pitchFamily="2" charset="2"/>
+              <a:buChar char="p"/>
+            </a:pPr>
+            <a:r>
+              <a:rPr lang="en-US" altLang="zh-CN" sz="1600" i="0" dirty="0" smtClean="0"/>
+              <a:t>Send alarm when illegal access </a:t>
+            </a:r>
+          </a:p>
+          <a:p>
+            <a:pPr>
+              <a:buFont typeface="Wingdings" pitchFamily="2" charset="2"/>
+              <a:buChar char="p"/>
+            </a:pPr>
+            <a:r>
+              <a:rPr lang="en-US" altLang="zh-CN" sz="1600" i="0" dirty="0" smtClean="0"/>
+              <a:t>Connected through inner network</a:t>
+            </a:r>
+          </a:p>
+          <a:p>
+            <a:endParaRPr lang="en-US" altLang="zh-CN" sz="1600" i="0" dirty="0" smtClean="0"/>
+          </a:p>
+          <a:p>
+            <a:r>
+              <a:rPr lang="en-US" altLang="zh-CN" sz="1600" i="0" dirty="0" smtClean="0"/>
+              <a:t>Phone user: </a:t>
+            </a:r>
+          </a:p>
+          <a:p>
+            <a:pPr>
+              <a:buFont typeface="Wingdings" pitchFamily="2" charset="2"/>
+              <a:buChar char="p"/>
+            </a:pPr>
+            <a:r>
+              <a:rPr lang="en-US" altLang="zh-CN" sz="1600" i="0" dirty="0" smtClean="0"/>
+              <a:t>Smart Phone</a:t>
+            </a:r>
+          </a:p>
+          <a:p>
+            <a:pPr>
+              <a:buFont typeface="Wingdings" pitchFamily="2" charset="2"/>
+              <a:buChar char="p"/>
+            </a:pPr>
+            <a:r>
+              <a:rPr lang="en-US" altLang="zh-CN" sz="1600" i="0" dirty="0" smtClean="0"/>
+              <a:t>UICC smart Card</a:t>
+            </a:r>
+          </a:p>
+          <a:p>
+            <a:pPr>
+              <a:buFont typeface="Wingdings" pitchFamily="2" charset="2"/>
+              <a:buChar char="p"/>
+            </a:pPr>
+            <a:r>
+              <a:rPr lang="en-US" altLang="zh-CN" sz="1600" i="0" dirty="0" smtClean="0"/>
+              <a:t>Installation of Client application</a:t>
+            </a:r>
+          </a:p>
+          <a:p>
+            <a:pPr>
+              <a:buFont typeface="Wingdings" pitchFamily="2" charset="2"/>
+              <a:buChar char="p"/>
+            </a:pPr>
+            <a:r>
+              <a:rPr lang="en-US" altLang="zh-CN" sz="1600" i="0" dirty="0" smtClean="0"/>
+              <a:t>Root user = house owner</a:t>
+            </a:r>
+          </a:p>
+          <a:p>
+            <a:pPr>
+              <a:buFont typeface="Wingdings" pitchFamily="2" charset="2"/>
+              <a:buChar char="p"/>
+            </a:pPr>
+            <a:r>
+              <a:rPr lang="en-US" altLang="zh-CN" sz="1600" i="0" dirty="0" smtClean="0"/>
+              <a:t>Guest user = neighbor etc…</a:t>
+            </a:r>
+          </a:p>
+          <a:p>
+            <a:pPr>
+              <a:buFont typeface="Wingdings" pitchFamily="2" charset="2"/>
+              <a:buChar char="p"/>
+            </a:pPr>
+            <a:r>
+              <a:rPr lang="en-US" altLang="zh-CN" sz="1600" i="0" dirty="0" smtClean="0"/>
+              <a:t>Parameterized control devices through server</a:t>
+            </a:r>
+          </a:p>
+          <a:p>
+            <a:pPr>
+              <a:buFont typeface="Wingdings" pitchFamily="2" charset="2"/>
+              <a:buChar char="p"/>
+            </a:pPr>
+            <a:r>
+              <a:rPr lang="en-US" altLang="zh-CN" sz="1600" i="0" dirty="0" smtClean="0"/>
+              <a:t>Connected through open network</a:t>
+            </a:r>
+          </a:p>
+          <a:p>
+            <a:pPr>
+              <a:buFont typeface="Wingdings" pitchFamily="2" charset="2"/>
+              <a:buChar char="p"/>
+            </a:pPr>
+            <a:endParaRPr lang="en-US" altLang="zh-CN" sz="1600" i="0" dirty="0" smtClean="0"/>
+          </a:p>
+          <a:p>
+            <a:endParaRPr lang="en-US" altLang="zh-CN" sz="1600" i="0" dirty="0" smtClean="0"/>
+          </a:p>
+          <a:p>
+            <a:endParaRPr lang="en-US" altLang="zh-CN" sz="1600" i="0" dirty="0" smtClean="0"/>
+          </a:p>
+          <a:p>
+            <a:endParaRPr lang="en-US" altLang="zh-CN" sz="1600" dirty="0" smtClean="0"/>
+          </a:p>
+          <a:p>
+            <a:endParaRPr lang="en-US" altLang="zh-CN" sz="1600" dirty="0" smtClean="0"/>
+          </a:p>
+          <a:p>
+            <a:r>
+              <a:rPr lang="en-US" altLang="zh-CN" sz="1600" dirty="0" smtClean="0"/>
+              <a:t> </a:t>
+            </a:r>
+            <a:endParaRPr lang="zh-CN" altLang="en-US" sz="1600" dirty="0"/>
+          </a:p>
+        </p:txBody>
+      </p:sp>
+      <p:pic>
+        <p:nvPicPr>
+          <p:cNvPr id="1027" name="Picture 3" descr="D:\opc_ua\ppt\v1.png"/>
+          <p:cNvPicPr>
+            <a:picLocks noChangeAspect="1" noChangeArrowheads="1"/>
+          </p:cNvPicPr>
+          <p:nvPr/>
+        </p:nvPicPr>
+        <p:blipFill>
+          <a:blip r:embed="rId2" cstate="print"/>
+          <a:srcRect/>
+          <a:stretch>
+            <a:fillRect/>
+          </a:stretch>
+        </p:blipFill>
+        <p:spPr bwMode="auto">
+          <a:xfrm>
+            <a:off x="457200" y="1723580"/>
+            <a:ext cx="4556349" cy="4274884"/>
+          </a:xfrm>
+          <a:prstGeom prst="rect">
+            <a:avLst/>
+          </a:prstGeom>
+          <a:noFill/>
+        </p:spPr>
+      </p:pic>
     </p:spTree>
   </p:cSld>
   <p:clrMapOvr>
     <a:masterClrMapping/>
   </p:clrMapOvr>
+  <p:timing>
+    <p:tnLst>
+      <p:par>
+        <p:cTn id="1" dur="indefinite" restart="never" nodeType="tmRoot"/>
+      </p:par>
+    </p:tnLst>
+  </p:timing>
 </p:sld>
 </file>
 
@@ -5180,69 +5437,8 @@
           <a:p>
             <a:r>
               <a:rPr lang="en-US" altLang="zh-CN" dirty="0" smtClean="0"/>
-              <a:t>Time Lines</a:t>
-            </a:r>
-            <a:endParaRPr lang="zh-CN" altLang="en-US" dirty="0"/>
-          </a:p>
-        </p:txBody>
-      </p:sp>
-      <p:sp>
-        <p:nvSpPr>
-          <p:cNvPr id="3" name="内容占位符 2"/>
-          <p:cNvSpPr>
-            <a:spLocks noGrp="1"/>
-          </p:cNvSpPr>
-          <p:nvPr>
-            <p:ph idx="1"/>
-          </p:nvPr>
-        </p:nvSpPr>
-        <p:spPr/>
-        <p:txBody>
-          <a:bodyPr/>
-          <a:lstStyle/>
-          <a:p>
-            <a:r>
-              <a:rPr lang="en-US" altLang="zh-CN" dirty="0" smtClean="0"/>
-              <a:t>Finding Reference</a:t>
-            </a:r>
-          </a:p>
-          <a:p>
-            <a:r>
-              <a:rPr lang="en-US" altLang="zh-CN" dirty="0" smtClean="0"/>
-              <a:t>OPC UA client/server construction</a:t>
-            </a:r>
-          </a:p>
-          <a:p>
-            <a:r>
-              <a:rPr lang="en-US" altLang="zh-CN" dirty="0" smtClean="0"/>
-              <a:t>Designing communication stack on UICC smart card</a:t>
-            </a:r>
-          </a:p>
-          <a:p>
-            <a:r>
-              <a:rPr lang="en-US" altLang="zh-CN" dirty="0" smtClean="0"/>
-              <a:t>Deployment </a:t>
-            </a:r>
-          </a:p>
-          <a:p>
-            <a:r>
-              <a:rPr lang="en-US" altLang="zh-CN" dirty="0" smtClean="0"/>
-              <a:t>Combination test and debugging</a:t>
-            </a:r>
-          </a:p>
-          <a:p>
-            <a:r>
-              <a:rPr lang="en-US" altLang="zh-CN" dirty="0" smtClean="0"/>
-              <a:t>Analyze different possible secure policies</a:t>
-            </a:r>
-          </a:p>
-          <a:p>
-            <a:r>
-              <a:rPr lang="en-US" altLang="zh-CN" dirty="0" smtClean="0"/>
-              <a:t>Analyze the performance of secure protocols</a:t>
-            </a:r>
-          </a:p>
-          <a:p>
+              <a:t>Application Scenario</a:t>
+            </a:r>
             <a:endParaRPr lang="zh-CN" altLang="en-US" dirty="0"/>
           </a:p>
         </p:txBody>
@@ -5312,12 +5508,179 @@
             <a:fld id="{D9CB193C-FC74-4279-8388-9DD1BFD58DB8}" type="datetime4">
               <a:rPr lang="en-US" smtClean="0"/>
               <a:pPr/>
-              <a:t>March 31, 2014</a:t>
+              <a:t>April 26, 2014</a:t>
             </a:fld>
             <a:endParaRPr lang="en-US"/>
           </a:p>
         </p:txBody>
       </p:sp>
+      <p:sp>
+        <p:nvSpPr>
+          <p:cNvPr id="8" name="TextBox 7"/>
+          <p:cNvSpPr txBox="1"/>
+          <p:nvPr/>
+        </p:nvSpPr>
+        <p:spPr>
+          <a:xfrm>
+            <a:off x="5184395" y="1558988"/>
+            <a:ext cx="3743579" cy="5262979"/>
+          </a:xfrm>
+          <a:prstGeom prst="rect">
+            <a:avLst/>
+          </a:prstGeom>
+          <a:noFill/>
+        </p:spPr>
+        <p:txBody>
+          <a:bodyPr wrap="square" rtlCol="0">
+            <a:spAutoFit/>
+          </a:bodyPr>
+          <a:lstStyle/>
+          <a:p>
+            <a:endParaRPr lang="en-US" altLang="zh-CN" sz="1600" i="0" dirty="0" smtClean="0"/>
+          </a:p>
+          <a:p>
+            <a:r>
+              <a:rPr lang="en-US" altLang="zh-CN" sz="1600" i="0" dirty="0" smtClean="0"/>
+              <a:t>Central Controller</a:t>
+            </a:r>
+          </a:p>
+          <a:p>
+            <a:pPr>
+              <a:buFont typeface="Wingdings" pitchFamily="2" charset="2"/>
+              <a:buChar char="p"/>
+            </a:pPr>
+            <a:r>
+              <a:rPr lang="en-US" altLang="zh-CN" sz="1600" i="0" dirty="0" smtClean="0"/>
+              <a:t>Embedded device with chip card</a:t>
+            </a:r>
+          </a:p>
+          <a:p>
+            <a:pPr>
+              <a:buFont typeface="Wingdings" pitchFamily="2" charset="2"/>
+              <a:buChar char="p"/>
+            </a:pPr>
+            <a:r>
+              <a:rPr lang="en-US" altLang="zh-CN" sz="1600" i="0" dirty="0" smtClean="0"/>
+              <a:t>Chip card = security token</a:t>
+            </a:r>
+          </a:p>
+          <a:p>
+            <a:pPr>
+              <a:buFont typeface="Wingdings" pitchFamily="2" charset="2"/>
+              <a:buChar char="p"/>
+            </a:pPr>
+            <a:r>
+              <a:rPr lang="en-US" altLang="zh-CN" sz="1600" i="0" dirty="0" smtClean="0"/>
+              <a:t>Take date from sensor</a:t>
+            </a:r>
+          </a:p>
+          <a:p>
+            <a:pPr>
+              <a:buFont typeface="Wingdings" pitchFamily="2" charset="2"/>
+              <a:buChar char="p"/>
+            </a:pPr>
+            <a:r>
+              <a:rPr lang="en-US" altLang="zh-CN" sz="1600" i="0" dirty="0" smtClean="0"/>
+              <a:t>Take subscriptions from phone user</a:t>
+            </a:r>
+          </a:p>
+          <a:p>
+            <a:pPr>
+              <a:buFont typeface="Wingdings" pitchFamily="2" charset="2"/>
+              <a:buChar char="p"/>
+            </a:pPr>
+            <a:r>
+              <a:rPr lang="en-US" altLang="zh-CN" sz="1600" i="0" dirty="0" smtClean="0"/>
+              <a:t>Inform phone user based on subscription</a:t>
+            </a:r>
+          </a:p>
+          <a:p>
+            <a:pPr>
+              <a:buFont typeface="Wingdings" pitchFamily="2" charset="2"/>
+              <a:buChar char="p"/>
+            </a:pPr>
+            <a:r>
+              <a:rPr lang="en-US" altLang="zh-CN" sz="1600" i="0" dirty="0" smtClean="0"/>
+              <a:t>Parameterize control device based on phone user command</a:t>
+            </a:r>
+          </a:p>
+          <a:p>
+            <a:pPr>
+              <a:buFont typeface="Wingdings" pitchFamily="2" charset="2"/>
+              <a:buChar char="p"/>
+            </a:pPr>
+            <a:r>
+              <a:rPr lang="en-US" altLang="zh-CN" sz="1600" i="0" dirty="0" smtClean="0"/>
+              <a:t>Auditing</a:t>
+            </a:r>
+          </a:p>
+          <a:p>
+            <a:pPr>
+              <a:buFont typeface="Wingdings" pitchFamily="2" charset="2"/>
+              <a:buChar char="p"/>
+            </a:pPr>
+            <a:endParaRPr lang="en-US" altLang="zh-CN" sz="1600" i="0" dirty="0" smtClean="0"/>
+          </a:p>
+          <a:p>
+            <a:endParaRPr lang="en-US" altLang="zh-CN" sz="1600" i="0" dirty="0" smtClean="0"/>
+          </a:p>
+          <a:p>
+            <a:endParaRPr lang="en-US" altLang="zh-CN" sz="1600" i="0" dirty="0" smtClean="0"/>
+          </a:p>
+          <a:p>
+            <a:pPr>
+              <a:buFont typeface="Wingdings" pitchFamily="2" charset="2"/>
+              <a:buChar char="p"/>
+            </a:pPr>
+            <a:endParaRPr lang="en-US" altLang="zh-CN" sz="1600" i="0" dirty="0" smtClean="0"/>
+          </a:p>
+          <a:p>
+            <a:endParaRPr lang="en-US" altLang="zh-CN" sz="1600" i="0" dirty="0" smtClean="0"/>
+          </a:p>
+          <a:p>
+            <a:endParaRPr lang="en-US" altLang="zh-CN" sz="1600" i="0" dirty="0" smtClean="0"/>
+          </a:p>
+          <a:p>
+            <a:endParaRPr lang="en-US" altLang="zh-CN" sz="1600" dirty="0" smtClean="0"/>
+          </a:p>
+          <a:p>
+            <a:endParaRPr lang="en-US" altLang="zh-CN" sz="1600" dirty="0" smtClean="0"/>
+          </a:p>
+          <a:p>
+            <a:r>
+              <a:rPr lang="en-US" altLang="zh-CN" sz="1600" dirty="0" smtClean="0"/>
+              <a:t> </a:t>
+            </a:r>
+            <a:endParaRPr lang="zh-CN" altLang="en-US" sz="1600" dirty="0"/>
+          </a:p>
+        </p:txBody>
+      </p:sp>
+      <p:pic>
+        <p:nvPicPr>
+          <p:cNvPr id="1027" name="Picture 3" descr="D:\opc_ua\ppt\v1.png"/>
+          <p:cNvPicPr>
+            <a:picLocks noChangeAspect="1" noChangeArrowheads="1"/>
+          </p:cNvPicPr>
+          <p:nvPr/>
+        </p:nvPicPr>
+        <p:blipFill>
+          <a:blip r:embed="rId2" cstate="print"/>
+          <a:srcRect/>
+          <a:stretch>
+            <a:fillRect/>
+          </a:stretch>
+        </p:blipFill>
+        <p:spPr bwMode="auto">
+          <a:xfrm>
+            <a:off x="457200" y="1723580"/>
+            <a:ext cx="4556349" cy="4274884"/>
+          </a:xfrm>
+          <a:prstGeom prst="rect">
+            <a:avLst/>
+          </a:prstGeom>
+          <a:noFill/>
+        </p:spPr>
+      </p:pic>
     </p:spTree>
   </p:cSld>
   <p:clrMapOvr>
@@ -5366,8 +5729,8 @@
           <a:lstStyle/>
           <a:p>
             <a:r>
-              <a:rPr lang="en-US" altLang="zh-CN" dirty="0" err="1" smtClean="0"/>
-              <a:t>Rerferences</a:t>
+              <a:rPr lang="en-US" altLang="zh-CN" dirty="0" smtClean="0"/>
+              <a:t>Focus on Security direction</a:t>
             </a:r>
             <a:endParaRPr lang="zh-CN" altLang="en-US" dirty="0"/>
           </a:p>
@@ -5390,126 +5753,62 @@
           <a:p>
             <a:r>
               <a:rPr lang="en-US" altLang="zh-CN" dirty="0" smtClean="0"/>
-              <a:t>OPC UA specification 1-11</a:t>
-            </a:r>
-          </a:p>
-          <a:p>
-            <a:r>
-              <a:rPr lang="en-US" altLang="zh-CN" dirty="0" err="1" smtClean="0"/>
-              <a:t>Jahanzaib</a:t>
-            </a:r>
-            <a:r>
-              <a:rPr lang="en-US" altLang="zh-CN" dirty="0" smtClean="0"/>
-              <a:t> </a:t>
-            </a:r>
-            <a:r>
-              <a:rPr lang="en-US" altLang="zh-CN" dirty="0" err="1" smtClean="0"/>
-              <a:t>Imtiaz</a:t>
-            </a:r>
-            <a:r>
-              <a:rPr lang="en-US" altLang="zh-CN" dirty="0" smtClean="0"/>
-              <a:t> and </a:t>
-            </a:r>
-            <a:r>
-              <a:rPr lang="en-US" altLang="zh-CN" dirty="0" err="1" smtClean="0"/>
-              <a:t>Juegen</a:t>
-            </a:r>
-            <a:r>
-              <a:rPr lang="en-US" altLang="zh-CN" dirty="0" smtClean="0"/>
-              <a:t> </a:t>
-            </a:r>
-            <a:r>
-              <a:rPr lang="en-US" altLang="zh-CN" dirty="0" err="1" smtClean="0"/>
-              <a:t>Jasperneite</a:t>
-            </a:r>
-            <a:r>
-              <a:rPr lang="en-US" altLang="zh-CN" smtClean="0"/>
-              <a:t>, Scalability </a:t>
-            </a:r>
-            <a:r>
-              <a:rPr lang="en-US" altLang="zh-CN" dirty="0" smtClean="0"/>
-              <a:t>of OPC-UA Down to the Chip Level Enables "Internet of Things“</a:t>
-            </a:r>
-          </a:p>
-          <a:p>
-            <a:r>
-              <a:rPr lang="en-US" altLang="zh-CN" dirty="0" smtClean="0"/>
-              <a:t>Stefan-Helmut </a:t>
-            </a:r>
-            <a:r>
-              <a:rPr lang="en-US" altLang="zh-CN" dirty="0" err="1" smtClean="0"/>
-              <a:t>Leitner</a:t>
-            </a:r>
-            <a:r>
-              <a:rPr lang="en-US" altLang="zh-CN" dirty="0" smtClean="0"/>
-              <a:t> and Wolfgang </a:t>
-            </a:r>
-            <a:r>
-              <a:rPr lang="en-US" altLang="zh-CN" dirty="0" err="1" smtClean="0"/>
-              <a:t>Mahnk</a:t>
-            </a:r>
-            <a:r>
-              <a:rPr lang="en-US" altLang="zh-CN" dirty="0" smtClean="0"/>
-              <a:t>: </a:t>
-            </a:r>
-            <a:r>
-              <a:rPr lang="en-US" altLang="zh-CN" dirty="0" err="1" smtClean="0"/>
-              <a:t>Opc</a:t>
-            </a:r>
-            <a:r>
-              <a:rPr lang="en-US" altLang="zh-CN" dirty="0" smtClean="0"/>
-              <a:t> </a:t>
-            </a:r>
-            <a:r>
-              <a:rPr lang="en-US" altLang="zh-CN" dirty="0" err="1" smtClean="0"/>
-              <a:t>ua</a:t>
-            </a:r>
-            <a:r>
-              <a:rPr lang="en-US" altLang="zh-CN" dirty="0" smtClean="0"/>
-              <a:t>-service-oriented architecture for industrial applications</a:t>
-            </a:r>
-          </a:p>
-          <a:p>
-            <a:r>
-              <a:rPr lang="en-US" altLang="zh-CN" dirty="0" smtClean="0"/>
-              <a:t>Wolfgang </a:t>
-            </a:r>
-            <a:r>
-              <a:rPr lang="en-US" altLang="zh-CN" dirty="0" err="1" smtClean="0"/>
-              <a:t>Mahnke</a:t>
-            </a:r>
-            <a:r>
-              <a:rPr lang="en-US" altLang="zh-CN" dirty="0" smtClean="0"/>
-              <a:t>, Stefan-Helmut </a:t>
-            </a:r>
-            <a:r>
-              <a:rPr lang="en-US" altLang="zh-CN" dirty="0" err="1" smtClean="0"/>
-              <a:t>Leitner:OPC</a:t>
-            </a:r>
-            <a:r>
-              <a:rPr lang="en-US" altLang="zh-CN" dirty="0" smtClean="0"/>
-              <a:t> Unified Architecture</a:t>
-            </a:r>
-          </a:p>
-          <a:p>
-            <a:r>
-              <a:rPr lang="de-DE" altLang="zh-CN" dirty="0" smtClean="0"/>
-              <a:t>Wolfgang Rankl und Wolfgang Eng: Handbuch der chipkarten - 5. deutsche </a:t>
-            </a:r>
-            <a:r>
-              <a:rPr lang="en-US" altLang="zh-CN" dirty="0" err="1" smtClean="0"/>
-              <a:t>auflage</a:t>
-            </a:r>
-            <a:r>
-              <a:rPr lang="en-US" altLang="zh-CN" dirty="0" smtClean="0"/>
-              <a:t>. (2008)</a:t>
+              <a:t>Confidentiality</a:t>
+            </a:r>
+          </a:p>
+          <a:p>
+            <a:r>
+              <a:rPr lang="en-US" altLang="zh-CN" dirty="0" smtClean="0"/>
+              <a:t>Integrity</a:t>
+            </a:r>
+          </a:p>
+          <a:p>
+            <a:r>
+              <a:rPr lang="en-US" altLang="zh-CN" dirty="0" smtClean="0"/>
+              <a:t>Application authentication</a:t>
+            </a:r>
+          </a:p>
+          <a:p>
+            <a:r>
+              <a:rPr lang="en-US" altLang="zh-CN" dirty="0" smtClean="0"/>
+              <a:t>User authentication</a:t>
+            </a:r>
+          </a:p>
+          <a:p>
+            <a:r>
+              <a:rPr lang="en-US" altLang="zh-CN" dirty="0" smtClean="0"/>
+              <a:t>User authorization</a:t>
+            </a:r>
+          </a:p>
+          <a:p>
+            <a:r>
+              <a:rPr lang="en-US" altLang="zh-CN" dirty="0" smtClean="0"/>
+              <a:t>Traceability</a:t>
+            </a:r>
+          </a:p>
+          <a:p>
+            <a:r>
+              <a:rPr lang="en-US" altLang="zh-CN" dirty="0" smtClean="0"/>
+              <a:t>Availability</a:t>
+            </a:r>
+          </a:p>
+          <a:p>
+            <a:r>
+              <a:rPr lang="en-US" altLang="zh-CN" dirty="0" smtClean="0"/>
+              <a:t>Secure messaging with smart card</a:t>
+            </a:r>
+          </a:p>
+          <a:p>
+            <a:r>
+              <a:rPr lang="en-US" altLang="zh-CN" dirty="0" smtClean="0"/>
+              <a:t>APDU secure communication</a:t>
             </a:r>
           </a:p>
           <a:p>
             <a:endParaRPr lang="en-US" altLang="zh-CN" dirty="0" smtClean="0"/>
           </a:p>
           <a:p>
-            <a:endParaRPr lang="zh-CN" altLang="en-US" dirty="0"/>
+            <a:endParaRPr lang="en-US" altLang="zh-CN" dirty="0" smtClean="0"/>
           </a:p>
         </p:txBody>
       </p:sp>
@@ -5578,7 +5877,7 @@
             <a:fld id="{D9CB193C-FC74-4279-8388-9DD1BFD58DB8}" type="datetime4">
               <a:rPr lang="en-US" smtClean="0"/>
               <a:pPr/>
-              <a:t>March 31, 2014</a:t>
+              <a:t>April 26, 2014</a:t>
             </a:fld>
             <a:endParaRPr lang="en-US"/>
           </a:p>
@@ -5618,12 +5917,12 @@
       </p:grpSpPr>
       <p:sp>
         <p:nvSpPr>
-          <p:cNvPr id="8" name="副标题 7"/>
-          <p:cNvSpPr>
-            <a:spLocks noGrp="1"/>
-          </p:cNvSpPr>
-          <p:nvPr>
-            <p:ph type="subTitle" idx="1"/>
+          <p:cNvPr id="2" name="标题 1"/>
+          <p:cNvSpPr>
+            <a:spLocks noGrp="1"/>
+          </p:cNvSpPr>
+          <p:nvPr>
+            <p:ph type="title"/>
           </p:nvPr>
         </p:nvSpPr>
         <p:spPr/>
@@ -5631,7 +5930,105 @@
           <a:bodyPr/>
           <a:lstStyle/>
           <a:p>
-            <a:endParaRPr lang="zh-CN" altLang="en-US"/>
+            <a:r>
+              <a:rPr lang="en-US" altLang="zh-CN" dirty="0" smtClean="0"/>
+              <a:t>Goals</a:t>
+            </a:r>
+            <a:endParaRPr lang="zh-CN" altLang="en-US" dirty="0"/>
+          </a:p>
+        </p:txBody>
+      </p:sp>
+      <p:sp>
+        <p:nvSpPr>
+          <p:cNvPr id="3" name="内容占位符 2"/>
+          <p:cNvSpPr>
+            <a:spLocks noGrp="1"/>
+          </p:cNvSpPr>
+          <p:nvPr>
+            <p:ph idx="1"/>
+          </p:nvPr>
+        </p:nvSpPr>
+        <p:spPr/>
+        <p:txBody>
+          <a:bodyPr/>
+          <a:lstStyle/>
+          <a:p>
+            <a:r>
+              <a:rPr lang="en-US" altLang="zh-CN" dirty="0" smtClean="0"/>
+              <a:t>develop </a:t>
+            </a:r>
+            <a:r>
+              <a:rPr lang="en-US" altLang="zh-CN" dirty="0" err="1" smtClean="0"/>
+              <a:t>opc-ua</a:t>
+            </a:r>
+            <a:r>
+              <a:rPr lang="en-US" altLang="zh-CN" dirty="0" smtClean="0"/>
+              <a:t> communication stack on UICC smart card using Java</a:t>
+            </a:r>
+          </a:p>
+          <a:p>
+            <a:r>
+              <a:rPr lang="en-US" altLang="zh-CN" dirty="0" smtClean="0"/>
+              <a:t>Design basic </a:t>
+            </a:r>
+            <a:r>
+              <a:rPr lang="en-US" altLang="zh-CN" dirty="0" err="1" smtClean="0"/>
+              <a:t>opc-ua</a:t>
+            </a:r>
+            <a:r>
+              <a:rPr lang="en-US" altLang="zh-CN" dirty="0" smtClean="0"/>
+              <a:t> server application</a:t>
+            </a:r>
+          </a:p>
+          <a:p>
+            <a:r>
+              <a:rPr lang="en-US" altLang="zh-CN" dirty="0" smtClean="0"/>
+              <a:t>Design android app as </a:t>
+            </a:r>
+            <a:r>
+              <a:rPr lang="en-US" altLang="zh-CN" dirty="0" err="1" smtClean="0"/>
+              <a:t>opc-ua</a:t>
+            </a:r>
+            <a:r>
+              <a:rPr lang="en-US" altLang="zh-CN" dirty="0" smtClean="0"/>
+              <a:t> client at the cell phone user </a:t>
+            </a:r>
+            <a:r>
+              <a:rPr lang="en-US" altLang="zh-CN" dirty="0" smtClean="0"/>
+              <a:t>side</a:t>
+            </a:r>
+            <a:endParaRPr lang="en-US" altLang="zh-CN" dirty="0" smtClean="0"/>
+          </a:p>
+          <a:p>
+            <a:r>
+              <a:rPr lang="en-US" altLang="zh-CN" dirty="0" smtClean="0"/>
+              <a:t>Simulate OTA server that manage communication between smart card and </a:t>
+            </a:r>
+            <a:r>
+              <a:rPr lang="en-US" altLang="zh-CN" dirty="0" err="1" smtClean="0"/>
+              <a:t>opc-ua</a:t>
+            </a:r>
+            <a:r>
+              <a:rPr lang="en-US" altLang="zh-CN" dirty="0" smtClean="0"/>
+              <a:t> server application</a:t>
+            </a:r>
+          </a:p>
+          <a:p>
+            <a:r>
+              <a:rPr lang="en-US" altLang="zh-CN" dirty="0" smtClean="0"/>
+              <a:t>Combine </a:t>
+            </a:r>
+            <a:r>
+              <a:rPr lang="en-US" altLang="zh-CN" dirty="0" err="1" smtClean="0"/>
+              <a:t>opc-ua</a:t>
+            </a:r>
+            <a:r>
+              <a:rPr lang="en-US" altLang="zh-CN" dirty="0" smtClean="0"/>
+              <a:t> with smart card and analyzing the performance of secure policies under different conditions. I.e. different network quality,  different date complexity and etc…</a:t>
+            </a:r>
+          </a:p>
+          <a:p>
+            <a:endParaRPr lang="en-US" altLang="zh-CN" dirty="0" smtClean="0"/>
           </a:p>
         </p:txBody>
       </p:sp>
@@ -5642,7 +6039,7 @@
             <a:spLocks noGrp="1"/>
           </p:cNvSpPr>
           <p:nvPr>
-            <p:ph type="sldNum" sz="quarter" idx="4"/>
+            <p:ph type="sldNum" sz="quarter" idx="10"/>
           </p:nvPr>
         </p:nvSpPr>
         <p:spPr/>
@@ -5661,35 +6058,12 @@
       </p:sp>
       <p:sp>
         <p:nvSpPr>
-          <p:cNvPr id="7" name="标题 6"/>
-          <p:cNvSpPr>
-            <a:spLocks noGrp="1"/>
-          </p:cNvSpPr>
-          <p:nvPr>
-            <p:ph type="ctrTitle"/>
-          </p:nvPr>
-        </p:nvSpPr>
-        <p:spPr/>
-        <p:txBody>
-          <a:bodyPr/>
-          <a:lstStyle/>
-          <a:p>
-            <a:r>
-              <a:rPr lang="en-US" altLang="zh-CN" dirty="0" smtClean="0"/>
-              <a:t>Thank you! Question?</a:t>
-            </a:r>
-            <a:endParaRPr lang="zh-CN" altLang="en-US" dirty="0"/>
-          </a:p>
-        </p:txBody>
-      </p:sp>
-      <p:sp>
-        <p:nvSpPr>
           <p:cNvPr id="5" name="页脚占位符 4"/>
           <p:cNvSpPr>
             <a:spLocks noGrp="1"/>
           </p:cNvSpPr>
           <p:nvPr>
-            <p:ph type="ftr" sz="quarter" idx="3"/>
+            <p:ph type="ftr" sz="quarter" idx="11"/>
           </p:nvPr>
         </p:nvSpPr>
         <p:spPr/>
@@ -5712,7 +6086,7 @@
             <a:spLocks noGrp="1"/>
           </p:cNvSpPr>
           <p:nvPr>
-            <p:ph type="dt" sz="half" idx="2"/>
+            <p:ph type="dt" sz="half" idx="12"/>
           </p:nvPr>
         </p:nvSpPr>
         <p:spPr/>
@@ -5723,7 +6097,7 @@
             <a:fld id="{D9CB193C-FC74-4279-8388-9DD1BFD58DB8}" type="datetime4">
               <a:rPr lang="en-US" smtClean="0"/>
               <a:pPr/>
-              <a:t>March 31, 2014</a:t>
+              <a:t>April 26, 2014</a:t>
             </a:fld>
             <a:endParaRPr lang="en-US"/>
           </a:p>
@@ -5734,13 +6108,6 @@
   <p:clrMapOvr>
     <a:masterClrMapping/>
   </p:clrMapOvr>
-  <p:timing>
-    <p:tnLst>
-      <p:par>
-        <p:cTn id="1" dur="indefinite" restart="never" nodeType="tmRoot"/>
-      </p:par>
-    </p:tnLst>
-  </p:timing>
 </p:sld>
 </file>
 
@@ -5924,7 +6291,641 @@
             <a:fld id="{D9CB193C-FC74-4279-8388-9DD1BFD58DB8}" type="datetime4">
               <a:rPr lang="en-US" smtClean="0"/>
               <a:pPr/>
-              <a:t>March 31, 2014</a:t>
+              <a:t>April 26, 2014</a:t>
+            </a:fld>
+            <a:endParaRPr lang="en-US"/>
+          </a:p>
+        </p:txBody>
+      </p:sp>
+    </p:spTree>
+  </p:cSld>
+  <p:clrMapOvr>
+    <a:masterClrMapping/>
+  </p:clrMapOvr>
+  <p:timing>
+    <p:tnLst>
+      <p:par>
+        <p:cTn id="1" dur="indefinite" restart="never" nodeType="tmRoot"/>
+      </p:par>
+    </p:tnLst>
+  </p:timing>
+</p:sld>
+</file>
+
+<file path=ppt/slides/slide20.xml><?xml version="1.0" encoding="utf-8"?>
+<p:sld xmlns:a="http://schemas.openxmlformats.org/drawingml/2006/main" xmlns:r="http://schemas.openxmlformats.org/officeDocument/2006/relationships" xmlns:p="http://schemas.openxmlformats.org/presentationml/2006/main">
+  <p:cSld>
+    <p:spTree>
+      <p:nvGrpSpPr>
+        <p:cNvPr id="1" name=""/>
+        <p:cNvGrpSpPr/>
+        <p:nvPr/>
+      </p:nvGrpSpPr>
+      <p:grpSpPr>
+        <a:xfrm>
+          <a:off x="0" y="0"/>
+          <a:ext cx="0" cy="0"/>
+          <a:chOff x="0" y="0"/>
+          <a:chExt cx="0" cy="0"/>
+        </a:xfrm>
+      </p:grpSpPr>
+      <p:sp>
+        <p:nvSpPr>
+          <p:cNvPr id="2" name="标题 1"/>
+          <p:cNvSpPr>
+            <a:spLocks noGrp="1"/>
+          </p:cNvSpPr>
+          <p:nvPr>
+            <p:ph type="title"/>
+          </p:nvPr>
+        </p:nvSpPr>
+        <p:spPr/>
+        <p:txBody>
+          <a:bodyPr/>
+          <a:lstStyle/>
+          <a:p>
+            <a:r>
+              <a:rPr lang="en-US" altLang="zh-CN" dirty="0" smtClean="0"/>
+              <a:t>Time Lines</a:t>
+            </a:r>
+            <a:endParaRPr lang="zh-CN" altLang="en-US" dirty="0"/>
+          </a:p>
+        </p:txBody>
+      </p:sp>
+      <p:sp>
+        <p:nvSpPr>
+          <p:cNvPr id="3" name="内容占位符 2"/>
+          <p:cNvSpPr>
+            <a:spLocks noGrp="1"/>
+          </p:cNvSpPr>
+          <p:nvPr>
+            <p:ph idx="1"/>
+          </p:nvPr>
+        </p:nvSpPr>
+        <p:spPr/>
+        <p:txBody>
+          <a:bodyPr/>
+          <a:lstStyle/>
+          <a:p>
+            <a:r>
+              <a:rPr lang="en-US" altLang="zh-CN" dirty="0" smtClean="0"/>
+              <a:t>Gathering Reference</a:t>
+            </a:r>
+          </a:p>
+          <a:p>
+            <a:r>
+              <a:rPr lang="en-US" altLang="zh-CN" dirty="0" smtClean="0"/>
+              <a:t>Designing communication stack on UICC smart card</a:t>
+            </a:r>
+          </a:p>
+          <a:p>
+            <a:r>
+              <a:rPr lang="en-US" altLang="zh-CN" dirty="0" smtClean="0"/>
+              <a:t>OPC UA client/server construction</a:t>
+            </a:r>
+          </a:p>
+          <a:p>
+            <a:r>
+              <a:rPr lang="en-US" altLang="zh-CN" dirty="0" smtClean="0"/>
+              <a:t>Deployment </a:t>
+            </a:r>
+          </a:p>
+          <a:p>
+            <a:r>
+              <a:rPr lang="en-US" altLang="zh-CN" dirty="0" smtClean="0"/>
+              <a:t>Combination test and debugging</a:t>
+            </a:r>
+          </a:p>
+          <a:p>
+            <a:r>
+              <a:rPr lang="en-US" altLang="zh-CN" dirty="0" smtClean="0"/>
+              <a:t>Analyze different possible secure policies</a:t>
+            </a:r>
+          </a:p>
+          <a:p>
+            <a:r>
+              <a:rPr lang="en-US" altLang="zh-CN" dirty="0" smtClean="0"/>
+              <a:t>Analyze the performance of secure protocols</a:t>
+            </a:r>
+          </a:p>
+          <a:p>
+            <a:endParaRPr lang="zh-CN" altLang="en-US" dirty="0"/>
+          </a:p>
+        </p:txBody>
+      </p:sp>
+      <p:sp>
+        <p:nvSpPr>
+          <p:cNvPr id="4" name="灯片编号占位符 3"/>
+          <p:cNvSpPr>
+            <a:spLocks noGrp="1"/>
+          </p:cNvSpPr>
+          <p:nvPr>
+            <p:ph type="sldNum" sz="quarter" idx="10"/>
+          </p:nvPr>
+        </p:nvSpPr>
+        <p:spPr/>
+        <p:txBody>
+          <a:bodyPr/>
+          <a:lstStyle/>
+          <a:p>
+            <a:fld id="{FAF38CBB-378C-4311-BC9A-BAB83E9729AD}" type="slidenum">
+              <a:rPr lang="en-US" smtClean="0"/>
+              <a:pPr/>
+              <a:t>20</a:t>
+            </a:fld>
+            <a:endParaRPr lang="en-US"/>
+          </a:p>
+        </p:txBody>
+      </p:sp>
+      <p:sp>
+        <p:nvSpPr>
+          <p:cNvPr id="5" name="页脚占位符 4"/>
+          <p:cNvSpPr>
+            <a:spLocks noGrp="1"/>
+          </p:cNvSpPr>
+          <p:nvPr>
+            <p:ph type="ftr" sz="quarter" idx="11"/>
+          </p:nvPr>
+        </p:nvSpPr>
+        <p:spPr/>
+        <p:txBody>
+          <a:bodyPr/>
+          <a:lstStyle/>
+          <a:p>
+            <a:r>
+              <a:rPr lang="en-US" altLang="zh-CN" smtClean="0"/>
+              <a:t>OPC UA on Secure Device Yuankui Wang</a:t>
+            </a:r>
+            <a:endParaRPr lang="en-US" altLang="zh-CN" dirty="0"/>
+          </a:p>
+        </p:txBody>
+      </p:sp>
+      <p:sp>
+        <p:nvSpPr>
+          <p:cNvPr id="6" name="日期占位符 5"/>
+          <p:cNvSpPr>
+            <a:spLocks noGrp="1"/>
+          </p:cNvSpPr>
+          <p:nvPr>
+            <p:ph type="dt" sz="half" idx="12"/>
+          </p:nvPr>
+        </p:nvSpPr>
+        <p:spPr/>
+        <p:txBody>
+          <a:bodyPr/>
+          <a:lstStyle/>
+          <a:p>
+            <a:fld id="{D9CB193C-FC74-4279-8388-9DD1BFD58DB8}" type="datetime4">
+              <a:rPr lang="en-US" smtClean="0"/>
+              <a:pPr/>
+              <a:t>April 26, 2014</a:t>
+            </a:fld>
+            <a:endParaRPr lang="en-US"/>
+          </a:p>
+        </p:txBody>
+      </p:sp>
+    </p:spTree>
+  </p:cSld>
+  <p:clrMapOvr>
+    <a:masterClrMapping/>
+  </p:clrMapOvr>
+  <p:timing>
+    <p:tnLst>
+      <p:par>
+        <p:cTn id="1" dur="indefinite" restart="never" nodeType="tmRoot"/>
+      </p:par>
+    </p:tnLst>
+  </p:timing>
+</p:sld>
+</file>
+
+<file path=ppt/slides/slide21.xml><?xml version="1.0" encoding="utf-8"?>
+<p:sld xmlns:a="http://schemas.openxmlformats.org/drawingml/2006/main" xmlns:r="http://schemas.openxmlformats.org/officeDocument/2006/relationships" xmlns:p="http://schemas.openxmlformats.org/presentationml/2006/main">
+  <p:cSld>
+    <p:spTree>
+      <p:nvGrpSpPr>
+        <p:cNvPr id="1" name=""/>
+        <p:cNvGrpSpPr/>
+        <p:nvPr/>
+      </p:nvGrpSpPr>
+      <p:grpSpPr>
+        <a:xfrm>
+          <a:off x="0" y="0"/>
+          <a:ext cx="0" cy="0"/>
+          <a:chOff x="0" y="0"/>
+          <a:chExt cx="0" cy="0"/>
+        </a:xfrm>
+      </p:grpSpPr>
+      <p:sp>
+        <p:nvSpPr>
+          <p:cNvPr id="2" name="标题 1"/>
+          <p:cNvSpPr>
+            <a:spLocks noGrp="1"/>
+          </p:cNvSpPr>
+          <p:nvPr>
+            <p:ph type="title"/>
+          </p:nvPr>
+        </p:nvSpPr>
+        <p:spPr/>
+        <p:txBody>
+          <a:bodyPr/>
+          <a:lstStyle/>
+          <a:p>
+            <a:r>
+              <a:rPr lang="en-US" altLang="zh-CN" dirty="0" err="1" smtClean="0"/>
+              <a:t>Rerferences</a:t>
+            </a:r>
+            <a:endParaRPr lang="zh-CN" altLang="en-US" dirty="0"/>
+          </a:p>
+        </p:txBody>
+      </p:sp>
+      <p:sp>
+        <p:nvSpPr>
+          <p:cNvPr id="3" name="内容占位符 2"/>
+          <p:cNvSpPr>
+            <a:spLocks noGrp="1"/>
+          </p:cNvSpPr>
+          <p:nvPr>
+            <p:ph idx="1"/>
+          </p:nvPr>
+        </p:nvSpPr>
+        <p:spPr/>
+        <p:txBody>
+          <a:bodyPr/>
+          <a:lstStyle/>
+          <a:p>
+            <a:r>
+              <a:rPr lang="en-US" altLang="zh-CN" dirty="0" smtClean="0"/>
+              <a:t>[1] GSMA: The Mobile Economy 2013</a:t>
+            </a:r>
+          </a:p>
+          <a:p>
+            <a:r>
+              <a:rPr lang="en-US" altLang="zh-CN" dirty="0" smtClean="0"/>
+              <a:t>[2]Sanjay </a:t>
+            </a:r>
+            <a:r>
+              <a:rPr lang="en-US" altLang="zh-CN" dirty="0" err="1" smtClean="0"/>
+              <a:t>J.Pooen</a:t>
+            </a:r>
+            <a:r>
+              <a:rPr lang="en-US" altLang="zh-CN" dirty="0" smtClean="0"/>
+              <a:t>: How Mobility is Changing the World</a:t>
+            </a:r>
+          </a:p>
+          <a:p>
+            <a:r>
+              <a:rPr lang="en-US" altLang="zh-CN" dirty="0" smtClean="0"/>
+              <a:t>[</a:t>
+            </a:r>
+            <a:r>
+              <a:rPr lang="en-US" altLang="zh-CN" dirty="0" smtClean="0"/>
+              <a:t>3</a:t>
+            </a:r>
+            <a:r>
+              <a:rPr lang="en-US" altLang="zh-CN" dirty="0" smtClean="0"/>
+              <a:t>]OPC </a:t>
+            </a:r>
+            <a:r>
+              <a:rPr lang="en-US" altLang="zh-CN" dirty="0" smtClean="0"/>
+              <a:t>UA specification 1-11</a:t>
+            </a:r>
+          </a:p>
+          <a:p>
+            <a:r>
+              <a:rPr lang="en-US" altLang="zh-CN" dirty="0" smtClean="0"/>
+              <a:t>[4]</a:t>
+            </a:r>
+            <a:r>
+              <a:rPr lang="en-US" altLang="zh-CN" dirty="0" err="1" smtClean="0"/>
+              <a:t>Jahanzaib</a:t>
+            </a:r>
+            <a:r>
+              <a:rPr lang="en-US" altLang="zh-CN" dirty="0" smtClean="0"/>
+              <a:t> </a:t>
+            </a:r>
+            <a:r>
+              <a:rPr lang="en-US" altLang="zh-CN" dirty="0" err="1" smtClean="0"/>
+              <a:t>Imtiaz</a:t>
+            </a:r>
+            <a:r>
+              <a:rPr lang="en-US" altLang="zh-CN" dirty="0" smtClean="0"/>
+              <a:t> and </a:t>
+            </a:r>
+            <a:r>
+              <a:rPr lang="en-US" altLang="zh-CN" dirty="0" err="1" smtClean="0"/>
+              <a:t>Juegen</a:t>
+            </a:r>
+            <a:r>
+              <a:rPr lang="en-US" altLang="zh-CN" dirty="0" smtClean="0"/>
+              <a:t> </a:t>
+            </a:r>
+            <a:r>
+              <a:rPr lang="en-US" altLang="zh-CN" dirty="0" err="1" smtClean="0"/>
+              <a:t>Jasperneite</a:t>
+            </a:r>
+            <a:r>
+              <a:rPr lang="en-US" altLang="zh-CN" dirty="0" smtClean="0"/>
+              <a:t>, Scalability of OPC-UA Down to the Chip Level Enables "Internet of Things“</a:t>
+            </a:r>
+          </a:p>
+          <a:p>
+            <a:r>
+              <a:rPr lang="en-US" altLang="zh-CN" dirty="0" smtClean="0"/>
+              <a:t>[5]Stefan-Helmut </a:t>
+            </a:r>
+            <a:r>
+              <a:rPr lang="en-US" altLang="zh-CN" dirty="0" err="1" smtClean="0"/>
+              <a:t>Leitner</a:t>
+            </a:r>
+            <a:r>
+              <a:rPr lang="en-US" altLang="zh-CN" dirty="0" smtClean="0"/>
+              <a:t> and Wolfgang </a:t>
+            </a:r>
+            <a:r>
+              <a:rPr lang="en-US" altLang="zh-CN" dirty="0" err="1" smtClean="0"/>
+              <a:t>Mahnk</a:t>
+            </a:r>
+            <a:r>
+              <a:rPr lang="en-US" altLang="zh-CN" dirty="0" smtClean="0"/>
+              <a:t>: </a:t>
+            </a:r>
+            <a:r>
+              <a:rPr lang="en-US" altLang="zh-CN" dirty="0" err="1" smtClean="0"/>
+              <a:t>Opc</a:t>
+            </a:r>
+            <a:r>
+              <a:rPr lang="en-US" altLang="zh-CN" dirty="0" smtClean="0"/>
+              <a:t> </a:t>
+            </a:r>
+            <a:r>
+              <a:rPr lang="en-US" altLang="zh-CN" dirty="0" err="1" smtClean="0"/>
+              <a:t>ua</a:t>
+            </a:r>
+            <a:r>
+              <a:rPr lang="en-US" altLang="zh-CN" dirty="0" smtClean="0"/>
+              <a:t>-service-oriented architecture for industrial applications</a:t>
+            </a:r>
+          </a:p>
+          <a:p>
+            <a:r>
+              <a:rPr lang="en-US" altLang="zh-CN" dirty="0" smtClean="0"/>
+              <a:t>[6]Wolfgang </a:t>
+            </a:r>
+            <a:r>
+              <a:rPr lang="en-US" altLang="zh-CN" dirty="0" err="1" smtClean="0"/>
+              <a:t>Mahnke</a:t>
+            </a:r>
+            <a:r>
+              <a:rPr lang="en-US" altLang="zh-CN" dirty="0" smtClean="0"/>
+              <a:t>, Stefan-Helmut </a:t>
+            </a:r>
+            <a:r>
+              <a:rPr lang="en-US" altLang="zh-CN" dirty="0" err="1" smtClean="0"/>
+              <a:t>Leitner:OPC</a:t>
+            </a:r>
+            <a:r>
+              <a:rPr lang="en-US" altLang="zh-CN" dirty="0" smtClean="0"/>
+              <a:t> Unified Architecture</a:t>
+            </a:r>
+          </a:p>
+          <a:p>
+            <a:r>
+              <a:rPr lang="de-DE" altLang="zh-CN" dirty="0" smtClean="0"/>
+              <a:t>[7]Wolfgang </a:t>
+            </a:r>
+            <a:r>
+              <a:rPr lang="de-DE" altLang="zh-CN" dirty="0" smtClean="0"/>
+              <a:t>Rankl und Wolfgang Eng: Handbuch der chipkarten - 5. deutsche </a:t>
+            </a:r>
+            <a:r>
+              <a:rPr lang="en-US" altLang="zh-CN" dirty="0" err="1" smtClean="0"/>
+              <a:t>auflage</a:t>
+            </a:r>
+            <a:r>
+              <a:rPr lang="en-US" altLang="zh-CN" dirty="0" smtClean="0"/>
+              <a:t>. (2008)</a:t>
+            </a:r>
+          </a:p>
+          <a:p>
+            <a:endParaRPr lang="en-US" altLang="zh-CN" dirty="0" smtClean="0"/>
+          </a:p>
+          <a:p>
+            <a:endParaRPr lang="zh-CN" altLang="en-US" dirty="0"/>
+          </a:p>
+        </p:txBody>
+      </p:sp>
+      <p:sp>
+        <p:nvSpPr>
+          <p:cNvPr id="4" name="灯片编号占位符 3"/>
+          <p:cNvSpPr>
+            <a:spLocks noGrp="1"/>
+          </p:cNvSpPr>
+          <p:nvPr>
+            <p:ph type="sldNum" sz="quarter" idx="10"/>
+          </p:nvPr>
+        </p:nvSpPr>
+        <p:spPr/>
+        <p:txBody>
+          <a:bodyPr/>
+          <a:lstStyle/>
+          <a:p>
+            <a:fld id="{FAF38CBB-378C-4311-BC9A-BAB83E9729AD}" type="slidenum">
+              <a:rPr lang="en-US" smtClean="0"/>
+              <a:pPr/>
+              <a:t>21</a:t>
+            </a:fld>
+            <a:endParaRPr lang="en-US"/>
+          </a:p>
+        </p:txBody>
+      </p:sp>
+      <p:sp>
+        <p:nvSpPr>
+          <p:cNvPr id="5" name="页脚占位符 4"/>
+          <p:cNvSpPr>
+            <a:spLocks noGrp="1"/>
+          </p:cNvSpPr>
+          <p:nvPr>
+            <p:ph type="ftr" sz="quarter" idx="11"/>
+          </p:nvPr>
+        </p:nvSpPr>
+        <p:spPr/>
+        <p:txBody>
+          <a:bodyPr/>
+          <a:lstStyle/>
+          <a:p>
+            <a:r>
+              <a:rPr lang="en-US" altLang="zh-CN" smtClean="0"/>
+              <a:t>OPC UA on Secure Device Yuankui Wang</a:t>
+            </a:r>
+            <a:endParaRPr lang="en-US" altLang="zh-CN" dirty="0"/>
+          </a:p>
+        </p:txBody>
+      </p:sp>
+      <p:sp>
+        <p:nvSpPr>
+          <p:cNvPr id="6" name="日期占位符 5"/>
+          <p:cNvSpPr>
+            <a:spLocks noGrp="1"/>
+          </p:cNvSpPr>
+          <p:nvPr>
+            <p:ph type="dt" sz="half" idx="12"/>
+          </p:nvPr>
+        </p:nvSpPr>
+        <p:spPr/>
+        <p:txBody>
+          <a:bodyPr/>
+          <a:lstStyle/>
+          <a:p>
+            <a:fld id="{D9CB193C-FC74-4279-8388-9DD1BFD58DB8}" type="datetime4">
+              <a:rPr lang="en-US" smtClean="0"/>
+              <a:pPr/>
+              <a:t>April 26, 2014</a:t>
+            </a:fld>
+            <a:endParaRPr lang="en-US"/>
+          </a:p>
+        </p:txBody>
+      </p:sp>
+    </p:spTree>
+  </p:cSld>
+  <p:clrMapOvr>
+    <a:masterClrMapping/>
+  </p:clrMapOvr>
+  <p:timing>
+    <p:tnLst>
+      <p:par>
+        <p:cTn id="1" dur="indefinite" restart="never" nodeType="tmRoot"/>
+      </p:par>
+    </p:tnLst>
+  </p:timing>
+</p:sld>
+</file>
+
+<file path=ppt/slides/slide22.xml><?xml version="1.0" encoding="utf-8"?>
+<p:sld xmlns:a="http://schemas.openxmlformats.org/drawingml/2006/main" xmlns:r="http://schemas.openxmlformats.org/officeDocument/2006/relationships" xmlns:p="http://schemas.openxmlformats.org/presentationml/2006/main">
+  <p:cSld>
+    <p:spTree>
+      <p:nvGrpSpPr>
+        <p:cNvPr id="1" name=""/>
+        <p:cNvGrpSpPr/>
+        <p:nvPr/>
+      </p:nvGrpSpPr>
+      <p:grpSpPr>
+        <a:xfrm>
+          <a:off x="0" y="0"/>
+          <a:ext cx="0" cy="0"/>
+          <a:chOff x="0" y="0"/>
+          <a:chExt cx="0" cy="0"/>
+        </a:xfrm>
+      </p:grpSpPr>
+      <p:sp>
+        <p:nvSpPr>
+          <p:cNvPr id="8" name="副标题 7"/>
+          <p:cNvSpPr>
+            <a:spLocks noGrp="1"/>
+          </p:cNvSpPr>
+          <p:nvPr>
+            <p:ph type="subTitle" idx="1"/>
+          </p:nvPr>
+        </p:nvSpPr>
+        <p:spPr/>
+        <p:txBody>
+          <a:bodyPr/>
+          <a:lstStyle/>
+          <a:p>
+            <a:endParaRPr lang="zh-CN" altLang="en-US"/>
+          </a:p>
+        </p:txBody>
+      </p:sp>
+      <p:sp>
+        <p:nvSpPr>
+          <p:cNvPr id="4" name="灯片编号占位符 3"/>
+          <p:cNvSpPr>
+            <a:spLocks noGrp="1"/>
+          </p:cNvSpPr>
+          <p:nvPr>
+            <p:ph type="sldNum" sz="quarter" idx="4"/>
+          </p:nvPr>
+        </p:nvSpPr>
+        <p:spPr/>
+        <p:txBody>
+          <a:bodyPr/>
+          <a:lstStyle/>
+          <a:p>
+            <a:fld id="{FAF38CBB-378C-4311-BC9A-BAB83E9729AD}" type="slidenum">
+              <a:rPr lang="en-US" smtClean="0"/>
+              <a:pPr/>
+              <a:t>22</a:t>
+            </a:fld>
+            <a:endParaRPr lang="en-US"/>
+          </a:p>
+        </p:txBody>
+      </p:sp>
+      <p:sp>
+        <p:nvSpPr>
+          <p:cNvPr id="7" name="标题 6"/>
+          <p:cNvSpPr>
+            <a:spLocks noGrp="1"/>
+          </p:cNvSpPr>
+          <p:nvPr>
+            <p:ph type="ctrTitle"/>
+          </p:nvPr>
+        </p:nvSpPr>
+        <p:spPr/>
+        <p:txBody>
+          <a:bodyPr/>
+          <a:lstStyle/>
+          <a:p>
+            <a:r>
+              <a:rPr lang="en-US" altLang="zh-CN" dirty="0" smtClean="0"/>
+              <a:t>Thank you! Question?</a:t>
+            </a:r>
+            <a:endParaRPr lang="zh-CN" altLang="en-US" dirty="0"/>
+          </a:p>
+        </p:txBody>
+      </p:sp>
+      <p:sp>
+        <p:nvSpPr>
+          <p:cNvPr id="5" name="页脚占位符 4"/>
+          <p:cNvSpPr>
+            <a:spLocks noGrp="1"/>
+          </p:cNvSpPr>
+          <p:nvPr>
+            <p:ph type="ftr" sz="quarter" idx="3"/>
+          </p:nvPr>
+        </p:nvSpPr>
+        <p:spPr/>
+        <p:txBody>
+          <a:bodyPr/>
+          <a:lstStyle/>
+          <a:p>
+            <a:r>
+              <a:rPr lang="en-US" altLang="zh-CN" smtClean="0"/>
+              <a:t>OPC UA on Secure Device Yuankui Wang</a:t>
+            </a:r>
+            <a:endParaRPr lang="en-US" altLang="zh-CN" dirty="0"/>
+          </a:p>
+        </p:txBody>
+      </p:sp>
+      <p:sp>
+        <p:nvSpPr>
+          <p:cNvPr id="6" name="日期占位符 5"/>
+          <p:cNvSpPr>
+            <a:spLocks noGrp="1"/>
+          </p:cNvSpPr>
+          <p:nvPr>
+            <p:ph type="dt" sz="half" idx="2"/>
+          </p:nvPr>
+        </p:nvSpPr>
+        <p:spPr/>
+        <p:txBody>
+          <a:bodyPr/>
+          <a:lstStyle/>
+          <a:p>
+            <a:fld id="{D9CB193C-FC74-4279-8388-9DD1BFD58DB8}" type="datetime4">
+              <a:rPr lang="en-US" smtClean="0"/>
+              <a:pPr/>
+              <a:t>April 26, 2014</a:t>
             </a:fld>
             <a:endParaRPr lang="en-US"/>
           </a:p>
@@ -5987,70 +6988,6 @@
       </p:sp>
       <p:sp>
         <p:nvSpPr>
-          <p:cNvPr id="14" name="内容占位符 13"/>
-          <p:cNvSpPr>
-            <a:spLocks noGrp="1"/>
-          </p:cNvSpPr>
-          <p:nvPr>
-            <p:ph idx="1"/>
-          </p:nvPr>
-        </p:nvSpPr>
-        <p:spPr/>
-        <p:txBody>
-          <a:bodyPr/>
-          <a:lstStyle/>
-          <a:p>
-            <a:r>
-              <a:rPr lang="en-US" altLang="zh-CN" dirty="0" smtClean="0"/>
-              <a:t>In industry automation world, Machine-to-Machine technology is widely applied.</a:t>
-            </a:r>
-          </a:p>
-          <a:p>
-            <a:r>
-              <a:rPr lang="en-US" altLang="zh-CN" dirty="0" smtClean="0"/>
-              <a:t>Exchange gather information during collaborative machining process </a:t>
-            </a:r>
-          </a:p>
-          <a:p>
-            <a:r>
-              <a:rPr lang="en-US" altLang="zh-CN" dirty="0" smtClean="0"/>
-              <a:t>motion control in legacy networks</a:t>
-            </a:r>
-          </a:p>
-          <a:p>
-            <a:r>
-              <a:rPr lang="en-US" altLang="zh-CN" dirty="0" smtClean="0"/>
-              <a:t>Over 22,000 products supplied by over 3,200 vendors</a:t>
-            </a:r>
-          </a:p>
-          <a:p>
-            <a:r>
-              <a:rPr lang="en-US" altLang="zh-CN" dirty="0" smtClean="0"/>
-              <a:t>Normal automation systems designed not only for fixed requirements</a:t>
-            </a:r>
-          </a:p>
-          <a:p>
-            <a:r>
-              <a:rPr lang="en-US" altLang="zh-CN" dirty="0" smtClean="0"/>
-              <a:t>Shorter product life-cycles and changing market conditions</a:t>
-            </a:r>
-          </a:p>
-          <a:p>
-            <a:r>
-              <a:rPr lang="en-US" altLang="zh-CN" dirty="0" smtClean="0"/>
-              <a:t>Crucial: system interconnectivity, common interface for communication, security</a:t>
-            </a:r>
-          </a:p>
-          <a:p>
-            <a:pPr>
-              <a:buNone/>
-            </a:pPr>
-            <a:endParaRPr lang="en-US" altLang="zh-CN" dirty="0" smtClean="0"/>
-          </a:p>
-        </p:txBody>
-      </p:sp>
-      <p:sp>
-        <p:nvSpPr>
           <p:cNvPr id="4" name="灯片编号占位符 3"/>
           <p:cNvSpPr>
             <a:spLocks noGrp="1"/>
@@ -6069,7 +7006,7 @@
               <a:pPr/>
               <a:t>3</a:t>
             </a:fld>
-            <a:endParaRPr lang="en-US"/>
+            <a:endParaRPr lang="en-US" dirty="0"/>
           </a:p>
         </p:txBody>
       </p:sp>
@@ -6089,8 +7026,16 @@
           <a:lstStyle/>
           <a:p>
             <a:r>
-              <a:rPr lang="en-US" altLang="zh-CN" smtClean="0"/>
-              <a:t>OPC UA on Secure Device Yuankui Wang</a:t>
+              <a:rPr lang="en-US" altLang="zh-CN" dirty="0" smtClean="0"/>
+              <a:t>OPC UA on Secure Device </a:t>
+            </a:r>
+            <a:r>
+              <a:rPr lang="en-US" altLang="zh-CN" dirty="0" err="1" smtClean="0"/>
+              <a:t>Yuankui</a:t>
+            </a:r>
+            <a:r>
+              <a:rPr lang="en-US" altLang="zh-CN" dirty="0" smtClean="0"/>
+              <a:t> Wang</a:t>
             </a:r>
             <a:endParaRPr lang="en-US" altLang="zh-CN" dirty="0"/>
           </a:p>
@@ -6114,12 +7059,311 @@
             <a:fld id="{D9CB193C-FC74-4279-8388-9DD1BFD58DB8}" type="datetime4">
               <a:rPr lang="en-US" smtClean="0"/>
               <a:pPr/>
-              <a:t>March 31, 2014</a:t>
+              <a:t>April 26, 2014</a:t>
             </a:fld>
             <a:endParaRPr lang="en-US"/>
           </a:p>
         </p:txBody>
       </p:sp>
+      <p:sp>
+        <p:nvSpPr>
+          <p:cNvPr id="8" name="内容占位符 13"/>
+          <p:cNvSpPr txBox="1">
+            <a:spLocks/>
+          </p:cNvSpPr>
+          <p:nvPr/>
+        </p:nvSpPr>
+        <p:spPr bwMode="auto">
+          <a:xfrm>
+            <a:off x="457200" y="4560382"/>
+            <a:ext cx="8447314" cy="1837243"/>
+          </a:xfrm>
+          <a:prstGeom prst="rect">
+            <a:avLst/>
+          </a:prstGeom>
+          <a:noFill/>
+          <a:ln w="9525">
+            <a:noFill/>
+            <a:miter lim="800000"/>
+            <a:headEnd/>
+            <a:tailEnd/>
+          </a:ln>
+        </p:spPr>
+        <p:txBody>
+          <a:bodyPr vert="horz" wrap="square" lIns="91440" tIns="45720" rIns="91440" bIns="45720" numCol="1" anchor="t" anchorCtr="0" compatLnSpc="1">
+            <a:prstTxWarp prst="textNoShape">
+              <a:avLst/>
+            </a:prstTxWarp>
+          </a:bodyPr>
+          <a:lstStyle/>
+          <a:p>
+            <a:pPr marL="342900" marR="0" lvl="0" indent="-342900" algn="l" defTabSz="914400" rtl="0" eaLnBrk="1" fontAlgn="base" latinLnBrk="0" hangingPunct="1">
+              <a:lnSpc>
+                <a:spcPct val="100000"/>
+              </a:lnSpc>
+              <a:spcBef>
+                <a:spcPct val="20000"/>
+              </a:spcBef>
+              <a:spcAft>
+                <a:spcPct val="0"/>
+              </a:spcAft>
+              <a:buClr>
+                <a:srgbClr val="073482"/>
+              </a:buClr>
+              <a:buSzTx/>
+              <a:buFont typeface="Wingdings" pitchFamily="2" charset="2"/>
+              <a:buChar char="§"/>
+              <a:tabLst/>
+              <a:defRPr/>
+            </a:pPr>
+            <a:r>
+              <a:rPr kumimoji="0" lang="en-US" altLang="zh-CN" sz="1800" b="0" i="0" u="none" strike="noStrike" kern="0" cap="none" spc="0" normalizeH="0" baseline="0" noProof="0" dirty="0" smtClean="0">
+                <a:ln>
+                  <a:noFill/>
+                </a:ln>
+                <a:solidFill>
+                  <a:schemeClr val="tx1"/>
+                </a:solidFill>
+                <a:effectLst/>
+                <a:uLnTx/>
+                <a:uFillTx/>
+                <a:latin typeface="+mn-lt"/>
+                <a:ea typeface="+mn-ea"/>
+                <a:cs typeface="+mn-cs"/>
+              </a:rPr>
+              <a:t>3.402 billion mobile</a:t>
+            </a:r>
+            <a:r>
+              <a:rPr kumimoji="0" lang="en-US" altLang="zh-CN" sz="1800" b="0" i="0" u="none" strike="noStrike" kern="0" cap="none" spc="0" normalizeH="0" noProof="0" dirty="0" smtClean="0">
+                <a:ln>
+                  <a:noFill/>
+                </a:ln>
+                <a:solidFill>
+                  <a:schemeClr val="tx1"/>
+                </a:solidFill>
+                <a:effectLst/>
+                <a:uLnTx/>
+                <a:uFillTx/>
+                <a:latin typeface="+mn-lt"/>
+                <a:ea typeface="+mn-ea"/>
+                <a:cs typeface="+mn-cs"/>
+              </a:rPr>
+              <a:t> subscribers in 2013 = half population on the earth</a:t>
+            </a:r>
+          </a:p>
+          <a:p>
+            <a:pPr marL="342900" marR="0" lvl="0" indent="-342900" algn="l" defTabSz="914400" rtl="0" eaLnBrk="1" fontAlgn="base" latinLnBrk="0" hangingPunct="1">
+              <a:lnSpc>
+                <a:spcPct val="100000"/>
+              </a:lnSpc>
+              <a:spcBef>
+                <a:spcPct val="20000"/>
+              </a:spcBef>
+              <a:spcAft>
+                <a:spcPct val="0"/>
+              </a:spcAft>
+              <a:buClr>
+                <a:srgbClr val="073482"/>
+              </a:buClr>
+              <a:buSzTx/>
+              <a:buFont typeface="Wingdings" pitchFamily="2" charset="2"/>
+              <a:buChar char="§"/>
+              <a:tabLst/>
+              <a:defRPr/>
+            </a:pPr>
+            <a:r>
+              <a:rPr lang="en-US" altLang="zh-CN" sz="1800" b="0" i="0" kern="0" baseline="0" dirty="0" smtClean="0">
+                <a:solidFill>
+                  <a:schemeClr val="tx1"/>
+                </a:solidFill>
+                <a:latin typeface="+mn-lt"/>
+              </a:rPr>
+              <a:t>There are</a:t>
+            </a:r>
+            <a:r>
+              <a:rPr lang="en-US" altLang="zh-CN" sz="1800" b="0" i="0" kern="0" dirty="0" smtClean="0">
+                <a:solidFill>
+                  <a:schemeClr val="tx1"/>
+                </a:solidFill>
+                <a:latin typeface="+mn-lt"/>
+              </a:rPr>
+              <a:t> still many people who would appreciate the social economic benefits of mobile technology</a:t>
+            </a:r>
+          </a:p>
+          <a:p>
+            <a:pPr marL="342900" marR="0" lvl="0" indent="-342900" algn="l" defTabSz="914400" rtl="0" eaLnBrk="1" fontAlgn="base" latinLnBrk="0" hangingPunct="1">
+              <a:lnSpc>
+                <a:spcPct val="100000"/>
+              </a:lnSpc>
+              <a:spcBef>
+                <a:spcPct val="20000"/>
+              </a:spcBef>
+              <a:spcAft>
+                <a:spcPct val="0"/>
+              </a:spcAft>
+              <a:buClr>
+                <a:srgbClr val="073482"/>
+              </a:buClr>
+              <a:buSzTx/>
+              <a:buFont typeface="Wingdings" pitchFamily="2" charset="2"/>
+              <a:buChar char="§"/>
+              <a:tabLst/>
+              <a:defRPr/>
+            </a:pPr>
+            <a:r>
+              <a:rPr kumimoji="0" lang="en-US" altLang="zh-CN" sz="1800" b="0" i="0" u="none" strike="noStrike" kern="0" cap="none" spc="0" normalizeH="0" baseline="0" noProof="0" dirty="0" smtClean="0">
+                <a:ln>
+                  <a:noFill/>
+                </a:ln>
+                <a:solidFill>
+                  <a:schemeClr val="tx1"/>
+                </a:solidFill>
+                <a:effectLst/>
+                <a:uLnTx/>
+                <a:uFillTx/>
+                <a:latin typeface="+mn-lt"/>
+                <a:ea typeface="+mn-ea"/>
+                <a:cs typeface="+mn-cs"/>
+              </a:rPr>
+              <a:t>There exits a huge</a:t>
+            </a:r>
+            <a:r>
+              <a:rPr kumimoji="0" lang="en-US" altLang="zh-CN" sz="1800" b="0" i="0" u="none" strike="noStrike" kern="0" cap="none" spc="0" normalizeH="0" noProof="0" dirty="0" smtClean="0">
+                <a:ln>
+                  <a:noFill/>
+                </a:ln>
+                <a:solidFill>
+                  <a:schemeClr val="tx1"/>
+                </a:solidFill>
+                <a:effectLst/>
+                <a:uLnTx/>
+                <a:uFillTx/>
+                <a:latin typeface="+mn-lt"/>
+                <a:ea typeface="+mn-ea"/>
+                <a:cs typeface="+mn-cs"/>
+              </a:rPr>
+              <a:t> opportunity for future growth </a:t>
+            </a:r>
+          </a:p>
+          <a:p>
+            <a:pPr marL="342900" marR="0" lvl="0" indent="-342900" algn="l" defTabSz="914400" rtl="0" eaLnBrk="1" fontAlgn="base" latinLnBrk="0" hangingPunct="1">
+              <a:lnSpc>
+                <a:spcPct val="100000"/>
+              </a:lnSpc>
+              <a:spcBef>
+                <a:spcPct val="20000"/>
+              </a:spcBef>
+              <a:spcAft>
+                <a:spcPct val="0"/>
+              </a:spcAft>
+              <a:buClr>
+                <a:srgbClr val="073482"/>
+              </a:buClr>
+              <a:buSzTx/>
+              <a:buFont typeface="Wingdings" pitchFamily="2" charset="2"/>
+              <a:buChar char="§"/>
+              <a:tabLst/>
+              <a:defRPr/>
+            </a:pPr>
+            <a:r>
+              <a:rPr lang="en-US" altLang="zh-CN" sz="1800" b="0" i="0" kern="0" baseline="0" dirty="0" smtClean="0">
+                <a:solidFill>
+                  <a:schemeClr val="tx1"/>
+                </a:solidFill>
+                <a:latin typeface="+mn-lt"/>
+              </a:rPr>
+              <a:t>700</a:t>
+            </a:r>
+            <a:r>
+              <a:rPr lang="en-US" altLang="zh-CN" sz="1800" b="0" i="0" kern="0" dirty="0" smtClean="0">
+                <a:solidFill>
+                  <a:schemeClr val="tx1"/>
+                </a:solidFill>
+                <a:latin typeface="+mn-lt"/>
+              </a:rPr>
+              <a:t> million expected to be added by 2017</a:t>
+            </a:r>
+            <a:endParaRPr kumimoji="0" lang="en-US" altLang="zh-CN" sz="1800" b="0" i="0" u="none" strike="noStrike" kern="0" cap="none" spc="0" normalizeH="0" baseline="0" noProof="0" dirty="0" smtClean="0">
+              <a:ln>
+                <a:noFill/>
+              </a:ln>
+              <a:solidFill>
+                <a:schemeClr val="tx1"/>
+              </a:solidFill>
+              <a:effectLst/>
+              <a:uLnTx/>
+              <a:uFillTx/>
+              <a:latin typeface="+mn-lt"/>
+              <a:ea typeface="+mn-ea"/>
+              <a:cs typeface="+mn-cs"/>
+            </a:endParaRPr>
+          </a:p>
+        </p:txBody>
+      </p:sp>
+      <p:pic>
+        <p:nvPicPr>
+          <p:cNvPr id="1027" name="Picture 3"/>
+          <p:cNvPicPr>
+            <a:picLocks noChangeAspect="1" noChangeArrowheads="1"/>
+          </p:cNvPicPr>
+          <p:nvPr/>
+        </p:nvPicPr>
+        <p:blipFill>
+          <a:blip r:embed="rId2" cstate="print"/>
+          <a:srcRect/>
+          <a:stretch>
+            <a:fillRect/>
+          </a:stretch>
+        </p:blipFill>
+        <p:spPr bwMode="auto">
+          <a:xfrm>
+            <a:off x="438912" y="1264106"/>
+            <a:ext cx="4032695" cy="3253221"/>
+          </a:xfrm>
+          <a:prstGeom prst="rect">
+            <a:avLst/>
+          </a:prstGeom>
+          <a:noFill/>
+          <a:ln w="9525">
+            <a:noFill/>
+            <a:miter lim="800000"/>
+            <a:headEnd/>
+            <a:tailEnd/>
+          </a:ln>
+        </p:spPr>
+      </p:pic>
+      <p:pic>
+        <p:nvPicPr>
+          <p:cNvPr id="1028" name="Picture 4"/>
+          <p:cNvPicPr>
+            <a:picLocks noChangeAspect="1" noChangeArrowheads="1"/>
+          </p:cNvPicPr>
+          <p:nvPr/>
+        </p:nvPicPr>
+        <p:blipFill>
+          <a:blip r:embed="rId3" cstate="print"/>
+          <a:srcRect/>
+          <a:stretch>
+            <a:fillRect/>
+          </a:stretch>
+        </p:blipFill>
+        <p:spPr bwMode="auto">
+          <a:xfrm>
+            <a:off x="4513489" y="1264106"/>
+            <a:ext cx="4391025" cy="3296276"/>
+          </a:xfrm>
+          <a:prstGeom prst="rect">
+            <a:avLst/>
+          </a:prstGeom>
+          <a:noFill/>
+          <a:ln w="9525">
+            <a:noFill/>
+            <a:miter lim="800000"/>
+            <a:headEnd/>
+            <a:tailEnd/>
+          </a:ln>
+        </p:spPr>
+      </p:pic>
     </p:spTree>
   </p:cSld>
   <p:clrMapOvr>
@@ -6152,9 +7396,415 @@
           <a:chExt cx="0" cy="0"/>
         </a:xfrm>
       </p:grpSpPr>
+      <p:sp>
+        <p:nvSpPr>
+          <p:cNvPr id="2" name="标题 1"/>
+          <p:cNvSpPr>
+            <a:spLocks noGrp="1"/>
+          </p:cNvSpPr>
+          <p:nvPr>
+            <p:ph type="title"/>
+          </p:nvPr>
+        </p:nvSpPr>
+        <p:spPr/>
+        <p:txBody>
+          <a:bodyPr/>
+          <a:lstStyle/>
+          <a:p>
+            <a:r>
+              <a:rPr lang="en-US" altLang="zh-CN" dirty="0" smtClean="0"/>
+              <a:t>Introduction and Motivation</a:t>
+            </a:r>
+            <a:endParaRPr lang="zh-CN" altLang="en-US" dirty="0"/>
+          </a:p>
+        </p:txBody>
+      </p:sp>
+      <p:sp>
+        <p:nvSpPr>
+          <p:cNvPr id="4" name="灯片编号占位符 3"/>
+          <p:cNvSpPr>
+            <a:spLocks noGrp="1"/>
+          </p:cNvSpPr>
+          <p:nvPr>
+            <p:ph type="sldNum" sz="quarter" idx="10"/>
+          </p:nvPr>
+        </p:nvSpPr>
+        <p:spPr/>
+        <p:txBody>
+          <a:bodyPr/>
+          <a:lstStyle/>
+          <a:p>
+            <a:fld id="{FAF38CBB-378C-4311-BC9A-BAB83E9729AD}" type="slidenum">
+              <a:rPr lang="en-US" smtClean="0"/>
+              <a:pPr/>
+              <a:t>4</a:t>
+            </a:fld>
+            <a:endParaRPr lang="en-US" dirty="0"/>
+          </a:p>
+        </p:txBody>
+      </p:sp>
+      <p:sp>
+        <p:nvSpPr>
+          <p:cNvPr id="5" name="页脚占位符 4"/>
+          <p:cNvSpPr>
+            <a:spLocks noGrp="1"/>
+          </p:cNvSpPr>
+          <p:nvPr>
+            <p:ph type="ftr" sz="quarter" idx="11"/>
+          </p:nvPr>
+        </p:nvSpPr>
+        <p:spPr/>
+        <p:txBody>
+          <a:bodyPr/>
+          <a:lstStyle/>
+          <a:p>
+            <a:r>
+              <a:rPr lang="en-US" altLang="zh-CN" dirty="0" smtClean="0"/>
+              <a:t>OPC UA on Secure Device </a:t>
+            </a:r>
+            <a:r>
+              <a:rPr lang="en-US" altLang="zh-CN" dirty="0" err="1" smtClean="0"/>
+              <a:t>Yuankui</a:t>
+            </a:r>
+            <a:r>
+              <a:rPr lang="en-US" altLang="zh-CN" dirty="0" smtClean="0"/>
+              <a:t> Wang</a:t>
+            </a:r>
+            <a:endParaRPr lang="en-US" altLang="zh-CN" dirty="0"/>
+          </a:p>
+        </p:txBody>
+      </p:sp>
+      <p:sp>
+        <p:nvSpPr>
+          <p:cNvPr id="6" name="日期占位符 5"/>
+          <p:cNvSpPr>
+            <a:spLocks noGrp="1"/>
+          </p:cNvSpPr>
+          <p:nvPr>
+            <p:ph type="dt" sz="half" idx="12"/>
+          </p:nvPr>
+        </p:nvSpPr>
+        <p:spPr/>
+        <p:txBody>
+          <a:bodyPr/>
+          <a:lstStyle/>
+          <a:p>
+            <a:fld id="{D9CB193C-FC74-4279-8388-9DD1BFD58DB8}" type="datetime4">
+              <a:rPr lang="en-US" smtClean="0"/>
+              <a:pPr/>
+              <a:t>April 26, 2014</a:t>
+            </a:fld>
+            <a:endParaRPr lang="en-US"/>
+          </a:p>
+        </p:txBody>
+      </p:sp>
+      <p:sp>
+        <p:nvSpPr>
+          <p:cNvPr id="8" name="内容占位符 13"/>
+          <p:cNvSpPr txBox="1">
+            <a:spLocks/>
+          </p:cNvSpPr>
+          <p:nvPr/>
+        </p:nvSpPr>
+        <p:spPr bwMode="auto">
+          <a:xfrm>
+            <a:off x="438912" y="4566666"/>
+            <a:ext cx="8465602" cy="1830959"/>
+          </a:xfrm>
+          <a:prstGeom prst="rect">
+            <a:avLst/>
+          </a:prstGeom>
+          <a:noFill/>
+          <a:ln w="9525">
+            <a:noFill/>
+            <a:miter lim="800000"/>
+            <a:headEnd/>
+            <a:tailEnd/>
+          </a:ln>
+        </p:spPr>
+        <p:txBody>
+          <a:bodyPr vert="horz" wrap="square" lIns="91440" tIns="45720" rIns="91440" bIns="45720" numCol="1" anchor="t" anchorCtr="0" compatLnSpc="1">
+            <a:prstTxWarp prst="textNoShape">
+              <a:avLst/>
+            </a:prstTxWarp>
+          </a:bodyPr>
+          <a:lstStyle/>
+          <a:p>
+            <a:pPr marL="342900" marR="0" lvl="0" indent="-342900" algn="l" defTabSz="914400" rtl="0" eaLnBrk="1" fontAlgn="base" latinLnBrk="0" hangingPunct="1">
+              <a:lnSpc>
+                <a:spcPct val="100000"/>
+              </a:lnSpc>
+              <a:spcBef>
+                <a:spcPct val="20000"/>
+              </a:spcBef>
+              <a:spcAft>
+                <a:spcPct val="0"/>
+              </a:spcAft>
+              <a:buClr>
+                <a:srgbClr val="073482"/>
+              </a:buClr>
+              <a:buSzTx/>
+              <a:buFont typeface="Wingdings" pitchFamily="2" charset="2"/>
+              <a:buChar char="§"/>
+              <a:tabLst/>
+              <a:defRPr/>
+            </a:pPr>
+            <a:r>
+              <a:rPr kumimoji="0" lang="en-US" altLang="zh-CN" sz="1800" b="0" i="0" u="none" strike="noStrike" kern="0" cap="none" spc="0" normalizeH="0" baseline="0" noProof="0" dirty="0" smtClean="0">
+                <a:ln>
+                  <a:noFill/>
+                </a:ln>
+                <a:solidFill>
+                  <a:schemeClr val="tx1"/>
+                </a:solidFill>
+                <a:effectLst/>
+                <a:uLnTx/>
+                <a:uFillTx/>
+                <a:latin typeface="+mn-lt"/>
+                <a:ea typeface="+mn-ea"/>
+                <a:cs typeface="+mn-cs"/>
+              </a:rPr>
+              <a:t>The global market has grown by 13.7% since 2008</a:t>
+            </a:r>
+          </a:p>
+          <a:p>
+            <a:pPr marL="342900" marR="0" lvl="0" indent="-342900" algn="l" defTabSz="914400" rtl="0" eaLnBrk="1" fontAlgn="base" latinLnBrk="0" hangingPunct="1">
+              <a:lnSpc>
+                <a:spcPct val="100000"/>
+              </a:lnSpc>
+              <a:spcBef>
+                <a:spcPct val="20000"/>
+              </a:spcBef>
+              <a:spcAft>
+                <a:spcPct val="0"/>
+              </a:spcAft>
+              <a:buClr>
+                <a:srgbClr val="073482"/>
+              </a:buClr>
+              <a:buSzTx/>
+              <a:buFont typeface="Wingdings" pitchFamily="2" charset="2"/>
+              <a:buChar char="§"/>
+              <a:tabLst/>
+              <a:defRPr/>
+            </a:pPr>
+            <a:r>
+              <a:rPr kumimoji="0" lang="en-US" altLang="zh-CN" sz="1800" b="0" i="0" u="none" strike="noStrike" kern="0" cap="none" spc="0" normalizeH="0" baseline="0" noProof="0" dirty="0" smtClean="0">
+                <a:ln>
+                  <a:noFill/>
+                </a:ln>
+                <a:solidFill>
+                  <a:schemeClr val="tx1"/>
+                </a:solidFill>
+                <a:effectLst/>
+                <a:uLnTx/>
+                <a:uFillTx/>
+                <a:latin typeface="+mn-lt"/>
+                <a:ea typeface="+mn-ea"/>
+                <a:cs typeface="+mn-cs"/>
+              </a:rPr>
+              <a:t>The total </a:t>
+            </a:r>
+            <a:r>
+              <a:rPr kumimoji="0" lang="en-US" altLang="zh-CN" sz="1800" b="0" i="0" u="none" strike="noStrike" kern="0" cap="none" spc="0" normalizeH="0" baseline="0" noProof="0" dirty="0" err="1" smtClean="0">
+                <a:ln>
+                  <a:noFill/>
+                </a:ln>
+                <a:solidFill>
+                  <a:schemeClr val="tx1"/>
+                </a:solidFill>
+                <a:effectLst/>
+                <a:uLnTx/>
+                <a:uFillTx/>
+                <a:latin typeface="+mn-lt"/>
+                <a:ea typeface="+mn-ea"/>
+                <a:cs typeface="+mn-cs"/>
+              </a:rPr>
+              <a:t>sim</a:t>
+            </a:r>
+            <a:r>
+              <a:rPr kumimoji="0" lang="en-US" altLang="zh-CN" sz="1800" b="0" i="0" u="none" strike="noStrike" kern="0" cap="none" spc="0" normalizeH="0" baseline="0" noProof="0" dirty="0" smtClean="0">
+                <a:ln>
+                  <a:noFill/>
+                </a:ln>
+                <a:solidFill>
+                  <a:schemeClr val="tx1"/>
+                </a:solidFill>
+                <a:effectLst/>
+                <a:uLnTx/>
+                <a:uFillTx/>
+                <a:latin typeface="+mn-lt"/>
+                <a:ea typeface="+mn-ea"/>
+                <a:cs typeface="+mn-cs"/>
+              </a:rPr>
+              <a:t>-enable connections in 2012</a:t>
+            </a:r>
+            <a:r>
+              <a:rPr kumimoji="0" lang="en-US" altLang="zh-CN" sz="1800" b="0" i="0" u="none" strike="noStrike" kern="0" cap="none" spc="0" normalizeH="0" noProof="0" dirty="0" smtClean="0">
+                <a:ln>
+                  <a:noFill/>
+                </a:ln>
+                <a:solidFill>
+                  <a:schemeClr val="tx1"/>
+                </a:solidFill>
+                <a:effectLst/>
+                <a:uLnTx/>
+                <a:uFillTx/>
+                <a:latin typeface="+mn-lt"/>
+                <a:ea typeface="+mn-ea"/>
+                <a:cs typeface="+mn-cs"/>
+              </a:rPr>
+              <a:t> reaches 7 billion</a:t>
+            </a:r>
+          </a:p>
+          <a:p>
+            <a:pPr marL="342900" marR="0" lvl="0" indent="-342900" algn="l" defTabSz="914400" rtl="0" eaLnBrk="1" fontAlgn="base" latinLnBrk="0" hangingPunct="1">
+              <a:lnSpc>
+                <a:spcPct val="100000"/>
+              </a:lnSpc>
+              <a:spcBef>
+                <a:spcPct val="20000"/>
+              </a:spcBef>
+              <a:spcAft>
+                <a:spcPct val="0"/>
+              </a:spcAft>
+              <a:buClr>
+                <a:srgbClr val="073482"/>
+              </a:buClr>
+              <a:buSzTx/>
+              <a:buFont typeface="Wingdings" pitchFamily="2" charset="2"/>
+              <a:buChar char="§"/>
+              <a:tabLst/>
+              <a:defRPr/>
+            </a:pPr>
+            <a:r>
+              <a:rPr lang="en-US" altLang="zh-CN" sz="1800" b="0" i="0" kern="0" dirty="0" smtClean="0">
+                <a:solidFill>
+                  <a:schemeClr val="tx1"/>
+                </a:solidFill>
+                <a:latin typeface="+mn-lt"/>
+              </a:rPr>
+              <a:t>Additional 2 billion connection projected to be added by 2017</a:t>
+            </a:r>
+            <a:endParaRPr kumimoji="0" lang="en-US" altLang="zh-CN" sz="1800" b="0" i="0" u="none" strike="noStrike" kern="0" cap="none" spc="0" normalizeH="0" noProof="0" dirty="0" smtClean="0">
+              <a:ln>
+                <a:noFill/>
+              </a:ln>
+              <a:solidFill>
+                <a:schemeClr val="tx1"/>
+              </a:solidFill>
+              <a:effectLst/>
+              <a:uLnTx/>
+              <a:uFillTx/>
+              <a:latin typeface="+mn-lt"/>
+              <a:ea typeface="+mn-ea"/>
+              <a:cs typeface="+mn-cs"/>
+            </a:endParaRPr>
+          </a:p>
+          <a:p>
+            <a:pPr marL="342900" marR="0" lvl="0" indent="-342900" algn="l" defTabSz="914400" rtl="0" eaLnBrk="1" fontAlgn="base" latinLnBrk="0" hangingPunct="1">
+              <a:lnSpc>
+                <a:spcPct val="100000"/>
+              </a:lnSpc>
+              <a:spcBef>
+                <a:spcPct val="20000"/>
+              </a:spcBef>
+              <a:spcAft>
+                <a:spcPct val="0"/>
+              </a:spcAft>
+              <a:buClr>
+                <a:srgbClr val="073482"/>
+              </a:buClr>
+              <a:buSzTx/>
+              <a:buFont typeface="Wingdings" pitchFamily="2" charset="2"/>
+              <a:buChar char="§"/>
+              <a:tabLst/>
+              <a:defRPr/>
+            </a:pPr>
+            <a:r>
+              <a:rPr lang="en-US" altLang="zh-CN" sz="1800" b="0" i="0" kern="0" noProof="0" dirty="0" smtClean="0">
+                <a:solidFill>
+                  <a:schemeClr val="tx1"/>
+                </a:solidFill>
+                <a:latin typeface="+mn-lt"/>
+              </a:rPr>
+              <a:t>Firms in many industry sectors now employing M2M applications to boost productivity and open new markets</a:t>
+            </a:r>
+          </a:p>
+          <a:p>
+            <a:pPr marL="342900" marR="0" lvl="0" indent="-342900" algn="l" defTabSz="914400" rtl="0" eaLnBrk="1" fontAlgn="base" latinLnBrk="0" hangingPunct="1">
+              <a:lnSpc>
+                <a:spcPct val="100000"/>
+              </a:lnSpc>
+              <a:spcBef>
+                <a:spcPct val="20000"/>
+              </a:spcBef>
+              <a:spcAft>
+                <a:spcPct val="0"/>
+              </a:spcAft>
+              <a:buClr>
+                <a:srgbClr val="073482"/>
+              </a:buClr>
+              <a:buSzTx/>
+              <a:buFont typeface="Wingdings" pitchFamily="2" charset="2"/>
+              <a:buChar char="§"/>
+              <a:tabLst/>
+              <a:defRPr/>
+            </a:pPr>
+            <a:endParaRPr kumimoji="0" lang="en-US" altLang="zh-CN" sz="2400" b="0" i="0" u="none" strike="noStrike" kern="0" cap="none" spc="0" normalizeH="0" baseline="0" noProof="0" dirty="0" smtClean="0">
+              <a:ln>
+                <a:noFill/>
+              </a:ln>
+              <a:solidFill>
+                <a:schemeClr val="tx1"/>
+              </a:solidFill>
+              <a:effectLst/>
+              <a:uLnTx/>
+              <a:uFillTx/>
+              <a:latin typeface="+mn-lt"/>
+              <a:ea typeface="+mn-ea"/>
+              <a:cs typeface="+mn-cs"/>
+            </a:endParaRPr>
+          </a:p>
+          <a:p>
+            <a:pPr marL="342900" marR="0" lvl="0" indent="-342900" algn="l" defTabSz="914400" rtl="0" eaLnBrk="1" fontAlgn="base" latinLnBrk="0" hangingPunct="1">
+              <a:lnSpc>
+                <a:spcPct val="100000"/>
+              </a:lnSpc>
+              <a:spcBef>
+                <a:spcPct val="20000"/>
+              </a:spcBef>
+              <a:spcAft>
+                <a:spcPct val="0"/>
+              </a:spcAft>
+              <a:buClr>
+                <a:srgbClr val="073482"/>
+              </a:buClr>
+              <a:buSzTx/>
+              <a:buFont typeface="Wingdings" pitchFamily="2" charset="2"/>
+              <a:buNone/>
+              <a:tabLst/>
+              <a:defRPr/>
+            </a:pPr>
+            <a:endParaRPr kumimoji="0" lang="en-US" altLang="zh-CN" sz="2400" b="0" i="0" u="none" strike="noStrike" kern="0" cap="none" spc="0" normalizeH="0" baseline="0" noProof="0" dirty="0" smtClean="0">
+              <a:ln>
+                <a:noFill/>
+              </a:ln>
+              <a:solidFill>
+                <a:schemeClr val="tx1"/>
+              </a:solidFill>
+              <a:effectLst/>
+              <a:uLnTx/>
+              <a:uFillTx/>
+              <a:latin typeface="+mn-lt"/>
+              <a:ea typeface="+mn-ea"/>
+              <a:cs typeface="+mn-cs"/>
+            </a:endParaRPr>
+          </a:p>
+        </p:txBody>
+      </p:sp>
       <p:pic>
         <p:nvPicPr>
-          <p:cNvPr id="3074" name="Picture 2" descr="C:\Users\kui\Desktop\QQ截图20140317112610.jpg"/>
+          <p:cNvPr id="1027" name="Picture 3"/>
           <p:cNvPicPr>
             <a:picLocks noChangeAspect="1" noChangeArrowheads="1"/>
           </p:cNvPicPr>
@@ -6169,209 +7819,53 @@
         </p:blipFill>
         <p:spPr bwMode="auto">
           <a:xfrm>
-            <a:off x="4388521" y="2975102"/>
-            <a:ext cx="4543425" cy="3038475"/>
+            <a:off x="438912" y="1264106"/>
+            <a:ext cx="4032695" cy="3253221"/>
           </a:xfrm>
           <a:prstGeom prst="rect">
             <a:avLst/>
           </a:prstGeom>
           <a:noFill/>
+          <a:ln w="9525">
+            <a:noFill/>
+            <a:miter lim="800000"/>
+            <a:headEnd/>
+            <a:tailEnd/>
+          </a:ln>
         </p:spPr>
       </p:pic>
-      <p:sp>
-        <p:nvSpPr>
-          <p:cNvPr id="2" name="标题 1"/>
-          <p:cNvSpPr>
-            <a:spLocks noGrp="1"/>
-          </p:cNvSpPr>
-          <p:nvPr>
-            <p:ph type="title"/>
-          </p:nvPr>
-        </p:nvSpPr>
-        <p:spPr/>
-        <p:txBody>
-          <a:bodyPr/>
-          <a:lstStyle/>
-          <a:p>
-            <a:r>
-              <a:rPr lang="en-US" altLang="zh-CN" dirty="0" smtClean="0"/>
-              <a:t/>
-            </a:r>
-            <a:br>
-              <a:rPr lang="en-US" altLang="zh-CN" dirty="0" smtClean="0"/>
-            </a:br>
-            <a:r>
-              <a:rPr lang="en-US" altLang="zh-CN" dirty="0" smtClean="0"/>
-              <a:t>OPC Unified Architecture Specification</a:t>
-            </a:r>
-            <a:br>
-              <a:rPr lang="en-US" altLang="zh-CN" dirty="0" smtClean="0"/>
-            </a:br>
-            <a:endParaRPr lang="zh-CN" altLang="en-US" dirty="0"/>
-          </a:p>
-        </p:txBody>
-      </p:sp>
-      <p:sp>
-        <p:nvSpPr>
-          <p:cNvPr id="3" name="内容占位符 2"/>
-          <p:cNvSpPr>
-            <a:spLocks noGrp="1"/>
-          </p:cNvSpPr>
-          <p:nvPr>
-            <p:ph idx="1"/>
-          </p:nvPr>
-        </p:nvSpPr>
-        <p:spPr/>
-        <p:txBody>
-          <a:bodyPr/>
-          <a:lstStyle/>
-          <a:p>
-            <a:r>
-              <a:rPr lang="en-US" altLang="zh-CN" dirty="0" smtClean="0"/>
-              <a:t>OPC UA is the M2M </a:t>
-            </a:r>
-            <a:r>
-              <a:rPr lang="en-US" altLang="zh-CN" smtClean="0"/>
-              <a:t>communication </a:t>
-            </a:r>
-            <a:r>
-              <a:rPr lang="en-US" altLang="zh-CN" smtClean="0"/>
-              <a:t>protocol</a:t>
-            </a:r>
-            <a:endParaRPr lang="en-US" altLang="zh-CN" dirty="0" smtClean="0"/>
-          </a:p>
-          <a:p>
-            <a:r>
-              <a:rPr lang="en-US" altLang="zh-CN" dirty="0" smtClean="0"/>
-              <a:t>Platform independent data communication</a:t>
-            </a:r>
-          </a:p>
-          <a:p>
-            <a:r>
-              <a:rPr lang="en-US" altLang="zh-CN" dirty="0" smtClean="0"/>
-              <a:t>Standardized communication via internet and firewalls</a:t>
-            </a:r>
-          </a:p>
-          <a:p>
-            <a:r>
-              <a:rPr lang="en-US" altLang="zh-CN" dirty="0" smtClean="0"/>
-              <a:t>Protection against unauthorized access</a:t>
-            </a:r>
-          </a:p>
-          <a:p>
-            <a:r>
-              <a:rPr lang="en-US" altLang="zh-CN" dirty="0" smtClean="0"/>
-              <a:t>Availability and reliability</a:t>
-            </a:r>
-          </a:p>
-          <a:p>
-            <a:r>
-              <a:rPr lang="en-US" altLang="zh-CN" dirty="0" smtClean="0"/>
-              <a:t>SOA architecture</a:t>
-            </a:r>
-          </a:p>
-          <a:p>
-            <a:r>
-              <a:rPr lang="en-US" altLang="zh-CN" dirty="0" smtClean="0"/>
-              <a:t>Object oriented meta model</a:t>
-            </a:r>
-          </a:p>
-          <a:p>
-            <a:r>
-              <a:rPr lang="en-US" altLang="zh-CN" dirty="0" smtClean="0"/>
-              <a:t>Simplification by unification</a:t>
-            </a:r>
-          </a:p>
-          <a:p>
-            <a:endParaRPr lang="en-US" altLang="zh-CN" dirty="0" smtClean="0"/>
-          </a:p>
-          <a:p>
-            <a:endParaRPr lang="en-US" altLang="zh-CN" dirty="0" smtClean="0"/>
-          </a:p>
-          <a:p>
-            <a:endParaRPr lang="zh-CN" altLang="en-US" dirty="0"/>
-          </a:p>
-        </p:txBody>
-      </p:sp>
-      <p:sp>
-        <p:nvSpPr>
-          <p:cNvPr id="4" name="灯片编号占位符 3"/>
-          <p:cNvSpPr>
-            <a:spLocks noGrp="1"/>
-          </p:cNvSpPr>
-          <p:nvPr>
-            <p:ph type="sldNum" sz="quarter" idx="10"/>
-          </p:nvPr>
-        </p:nvSpPr>
-        <p:spPr/>
-        <p:txBody>
-          <a:bodyPr/>
-          <a:lstStyle/>
-          <a:p>
-            <a:fld id="{FAF38CBB-378C-4311-BC9A-BAB83E9729AD}" type="slidenum">
-              <a:rPr lang="en-US" smtClean="0"/>
-              <a:pPr/>
-              <a:t>4</a:t>
-            </a:fld>
-            <a:endParaRPr lang="en-US"/>
-          </a:p>
-        </p:txBody>
-      </p:sp>
-      <p:sp>
-        <p:nvSpPr>
-          <p:cNvPr id="5" name="页脚占位符 4"/>
-          <p:cNvSpPr>
-            <a:spLocks noGrp="1"/>
-          </p:cNvSpPr>
-          <p:nvPr>
-            <p:ph type="ftr" sz="quarter" idx="11"/>
-          </p:nvPr>
-        </p:nvSpPr>
-        <p:spPr/>
-        <p:txBody>
-          <a:bodyPr/>
-          <a:lstStyle/>
-          <a:p>
-            <a:r>
-              <a:rPr lang="en-US" altLang="zh-CN" dirty="0" smtClean="0"/>
-              <a:t>OPC UA on Secure Device </a:t>
-            </a:r>
-            <a:r>
-              <a:rPr lang="en-US" altLang="zh-CN" dirty="0" err="1" smtClean="0"/>
-              <a:t>Yuankui</a:t>
-            </a:r>
-            <a:r>
-              <a:rPr lang="en-US" altLang="zh-CN" dirty="0" smtClean="0"/>
-              <a:t> Wang</a:t>
-            </a:r>
-            <a:endParaRPr lang="en-US" altLang="zh-CN" dirty="0"/>
-          </a:p>
-        </p:txBody>
-      </p:sp>
-      <p:sp>
-        <p:nvSpPr>
-          <p:cNvPr id="6" name="日期占位符 5"/>
-          <p:cNvSpPr>
-            <a:spLocks noGrp="1"/>
-          </p:cNvSpPr>
-          <p:nvPr>
-            <p:ph type="dt" sz="half" idx="12"/>
-          </p:nvPr>
-        </p:nvSpPr>
-        <p:spPr/>
-        <p:txBody>
-          <a:bodyPr/>
-          <a:lstStyle/>
-          <a:p>
-            <a:fld id="{D9CB193C-FC74-4279-8388-9DD1BFD58DB8}" type="datetime4">
-              <a:rPr lang="en-US" smtClean="0"/>
-              <a:pPr/>
-              <a:t>March 31, 2014</a:t>
-            </a:fld>
-            <a:endParaRPr lang="en-US"/>
-          </a:p>
-        </p:txBody>
-      </p:sp>
+      <p:pic>
+        <p:nvPicPr>
+          <p:cNvPr id="1028" name="Picture 4"/>
+          <p:cNvPicPr>
+            <a:picLocks noChangeAspect="1" noChangeArrowheads="1"/>
+          </p:cNvPicPr>
+          <p:nvPr/>
+        </p:nvPicPr>
+        <p:blipFill>
+          <a:blip r:embed="rId3" cstate="print"/>
+          <a:srcRect/>
+          <a:stretch>
+            <a:fillRect/>
+          </a:stretch>
+        </p:blipFill>
+        <p:spPr bwMode="auto">
+          <a:xfrm>
+            <a:off x="4513489" y="1270390"/>
+            <a:ext cx="4391025" cy="3296276"/>
+          </a:xfrm>
+          <a:prstGeom prst="rect">
+            <a:avLst/>
+          </a:prstGeom>
+          <a:noFill/>
+          <a:ln w="9525">
+            <a:noFill/>
+            <a:miter lim="800000"/>
+            <a:headEnd/>
+            <a:tailEnd/>
+          </a:ln>
+        </p:spPr>
+      </p:pic>
     </p:spTree>
   </p:cSld>
   <p:clrMapOvr>
@@ -6404,38 +7898,6 @@
           <a:chExt cx="0" cy="0"/>
         </a:xfrm>
       </p:grpSpPr>
-      <p:pic>
-        <p:nvPicPr>
-          <p:cNvPr id="2050" name="Picture 2"/>
-          <p:cNvPicPr>
-            <a:picLocks noChangeAspect="1" noChangeArrowheads="1"/>
-          </p:cNvPicPr>
-          <p:nvPr/>
-        </p:nvPicPr>
-        <p:blipFill>
-          <a:blip r:embed="rId2" cstate="print"/>
-          <a:srcRect/>
-          <a:stretch>
-            <a:fillRect/>
-          </a:stretch>
-        </p:blipFill>
-        <p:spPr bwMode="auto">
-          <a:xfrm>
-            <a:off x="5324356" y="1341438"/>
-            <a:ext cx="3580158" cy="5056187"/>
-          </a:xfrm>
-          <a:prstGeom prst="rect">
-            <a:avLst/>
-          </a:prstGeom>
-          <a:noFill/>
-          <a:ln w="9525">
-            <a:noFill/>
-            <a:miter lim="800000"/>
-            <a:headEnd/>
-            <a:tailEnd/>
-          </a:ln>
-        </p:spPr>
-      </p:pic>
       <p:sp>
         <p:nvSpPr>
           <p:cNvPr id="2" name="标题 1"/>
@@ -6453,15 +7915,7 @@
           <a:p>
             <a:r>
               <a:rPr lang="en-US" altLang="zh-CN" dirty="0" smtClean="0"/>
-              <a:t>Using Case from </a:t>
-            </a:r>
-            <a:r>
-              <a:rPr lang="en-US" altLang="zh-CN" dirty="0" err="1" smtClean="0"/>
-              <a:t>Lemgo</a:t>
-            </a:r>
-            <a:r>
-              <a:rPr lang="en-US" altLang="zh-CN" dirty="0" smtClean="0"/>
-              <a:t> Smart Factory</a:t>
+              <a:t>Introduction and Motivation</a:t>
             </a:r>
             <a:endParaRPr lang="zh-CN" altLang="en-US" dirty="0"/>
           </a:p>
@@ -6469,7 +7923,7 @@
       </p:sp>
       <p:sp>
         <p:nvSpPr>
-          <p:cNvPr id="3" name="内容占位符 2"/>
+          <p:cNvPr id="14" name="内容占位符 13"/>
           <p:cNvSpPr>
             <a:spLocks noGrp="1"/>
           </p:cNvSpPr>
@@ -6477,76 +7931,53 @@
             <p:ph idx="1"/>
           </p:nvPr>
         </p:nvSpPr>
-        <p:spPr>
-          <a:xfrm>
-            <a:off x="457199" y="1341438"/>
-            <a:ext cx="6035676" cy="5056187"/>
-          </a:xfrm>
-        </p:spPr>
-        <p:txBody>
-          <a:bodyPr/>
-          <a:lstStyle/>
-          <a:p>
-            <a:r>
-              <a:rPr lang="en-US" altLang="zh-CN" sz="2000" dirty="0" smtClean="0"/>
-              <a:t>conveyor belt, bottles, pick-place robot, field device with light sensor</a:t>
-            </a:r>
-          </a:p>
-          <a:p>
-            <a:r>
-              <a:rPr lang="en-US" altLang="zh-CN" sz="2000" dirty="0" smtClean="0"/>
-              <a:t>Bottle picked from (</a:t>
-            </a:r>
-            <a:r>
-              <a:rPr lang="en-US" altLang="zh-CN" sz="2000" dirty="0" err="1" smtClean="0"/>
-              <a:t>x,y</a:t>
-            </a:r>
-            <a:r>
-              <a:rPr lang="en-US" altLang="zh-CN" sz="2000" dirty="0" smtClean="0"/>
-              <a:t>), passed for other processing</a:t>
-            </a:r>
-          </a:p>
-          <a:p>
-            <a:r>
-              <a:rPr lang="en-US" altLang="zh-CN" sz="2000" dirty="0" smtClean="0"/>
-              <a:t>OPC UA Server = Controller</a:t>
-            </a:r>
-          </a:p>
-          <a:p>
-            <a:r>
-              <a:rPr lang="en-US" altLang="zh-CN" sz="2000" dirty="0" smtClean="0"/>
-              <a:t>OPC UA Clients = robot, remote device and 				sensor</a:t>
-            </a:r>
-          </a:p>
-          <a:p>
-            <a:r>
-              <a:rPr lang="en-US" altLang="zh-CN" sz="2000" dirty="0" smtClean="0"/>
-              <a:t>Controller communicates with the remote device over TCP/IP </a:t>
-            </a:r>
-          </a:p>
-          <a:p>
-            <a:r>
-              <a:rPr lang="en-US" altLang="zh-CN" sz="2000" dirty="0" smtClean="0"/>
-              <a:t>Controller instructs the movement of robot using real time channel</a:t>
-            </a:r>
-          </a:p>
-          <a:p>
-            <a:r>
-              <a:rPr lang="en-US" altLang="zh-CN" sz="2000" dirty="0" smtClean="0"/>
-              <a:t>OPC UA Server functions + micro TCP/IP stack </a:t>
-            </a:r>
-          </a:p>
-          <a:p>
-            <a:pPr lvl="1">
-              <a:buNone/>
-            </a:pPr>
-            <a:r>
-              <a:rPr lang="en-US" altLang="zh-CN" sz="1800" dirty="0" smtClean="0"/>
-              <a:t>= 15KB</a:t>
-            </a:r>
-          </a:p>
-          <a:p>
-            <a:endParaRPr lang="zh-CN" altLang="en-US" sz="2000" dirty="0"/>
+        <p:spPr/>
+        <p:txBody>
+          <a:bodyPr/>
+          <a:lstStyle/>
+          <a:p>
+            <a:r>
+              <a:rPr lang="en-US" altLang="zh-CN" dirty="0" smtClean="0"/>
+              <a:t>Mobile is a vibrant and evolving industry at the heart of daily life</a:t>
+            </a:r>
+          </a:p>
+          <a:p>
+            <a:r>
+              <a:rPr lang="en-US" altLang="zh-CN" dirty="0" smtClean="0"/>
+              <a:t>Mobile inter-connects the users’ world in spheres such as automotive, utilities, health, education, financial transactions and more</a:t>
+            </a:r>
+          </a:p>
+          <a:p>
+            <a:r>
+              <a:rPr lang="en-US" altLang="zh-CN" dirty="0" smtClean="0"/>
+              <a:t>With th</a:t>
+            </a:r>
+            <a:r>
+              <a:rPr lang="en-US" altLang="zh-CN" dirty="0" smtClean="0"/>
+              <a:t>e help of mobile, users are enjoying more and more mobility</a:t>
+            </a:r>
+          </a:p>
+          <a:p>
+            <a:pPr lvl="1"/>
+            <a:r>
+              <a:rPr lang="en-US" altLang="zh-CN" dirty="0" smtClean="0"/>
+              <a:t>24/7 monitored home security</a:t>
+            </a:r>
+          </a:p>
+          <a:p>
+            <a:pPr lvl="1"/>
+            <a:r>
+              <a:rPr lang="en-US" altLang="zh-CN" dirty="0" smtClean="0"/>
+              <a:t>Remote access control</a:t>
+            </a:r>
+          </a:p>
+          <a:p>
+            <a:pPr lvl="1"/>
+            <a:r>
+              <a:rPr lang="en-US" altLang="zh-CN" dirty="0" smtClean="0"/>
+              <a:t>Manage thermostat, light and etc.</a:t>
+            </a:r>
+            <a:endParaRPr lang="en-US" altLang="zh-CN" dirty="0" smtClean="0"/>
           </a:p>
         </p:txBody>
       </p:sp>
@@ -6615,7 +8046,7 @@
             <a:fld id="{D9CB193C-FC74-4279-8388-9DD1BFD58DB8}" type="datetime4">
               <a:rPr lang="en-US" smtClean="0"/>
               <a:pPr/>
-              <a:t>March 31, 2014</a:t>
+              <a:t>April 26, 2014</a:t>
             </a:fld>
             <a:endParaRPr lang="en-US"/>
           </a:p>
@@ -6670,7 +8101,7 @@
           <a:p>
             <a:r>
               <a:rPr lang="en-US" altLang="zh-CN" dirty="0" smtClean="0"/>
-              <a:t>Smart Card Technology</a:t>
+              <a:t>Introduction and Motivation</a:t>
             </a:r>
             <a:endParaRPr lang="zh-CN" altLang="en-US" dirty="0"/>
           </a:p>
@@ -6678,7 +8109,7 @@
       </p:sp>
       <p:sp>
         <p:nvSpPr>
-          <p:cNvPr id="3" name="内容占位符 2"/>
+          <p:cNvPr id="14" name="内容占位符 13"/>
           <p:cNvSpPr>
             <a:spLocks noGrp="1"/>
           </p:cNvSpPr>
@@ -6693,67 +8124,15 @@
           <a:p>
             <a:r>
               <a:rPr lang="en-US" altLang="zh-CN" dirty="0" smtClean="0"/>
-              <a:t>Finance, Communication, personal identification, payment</a:t>
-            </a:r>
-          </a:p>
-          <a:p>
-            <a:r>
-              <a:rPr lang="en-US" altLang="zh-CN" dirty="0" smtClean="0"/>
-              <a:t>APDU based communication between card and CAD  </a:t>
-            </a:r>
-          </a:p>
-          <a:p>
-            <a:r>
-              <a:rPr lang="en-US" altLang="zh-CN" dirty="0" smtClean="0"/>
-              <a:t>Self-containment structure</a:t>
-            </a:r>
-          </a:p>
-          <a:p>
-            <a:r>
-              <a:rPr lang="en-US" altLang="zh-CN" dirty="0" smtClean="0"/>
-              <a:t>Security token</a:t>
-            </a:r>
-          </a:p>
-          <a:p>
-            <a:r>
-              <a:rPr lang="en-US" altLang="zh-CN" dirty="0" smtClean="0"/>
-              <a:t>Process cryptographic algorithms on hardware</a:t>
-            </a:r>
-          </a:p>
-          <a:p>
-            <a:r>
-              <a:rPr lang="en-US" altLang="zh-CN" dirty="0" smtClean="0"/>
-              <a:t>Applications:</a:t>
-            </a:r>
-          </a:p>
-          <a:p>
-            <a:pPr lvl="1"/>
-            <a:r>
-              <a:rPr lang="en-US" altLang="zh-CN" dirty="0" err="1" smtClean="0"/>
-              <a:t>Cybercash</a:t>
+              <a:t>Mobility in industry and business world is also a critical assert, which can not only increase efficiency and productivity but also drive new revenue generation and competitive advantage.</a:t>
+            </a:r>
+          </a:p>
+          <a:p>
+            <a:r>
+              <a:rPr lang="en-US" altLang="zh-CN" dirty="0" smtClean="0"/>
+              <a:t>With mobility people, processes and assets can be always connected, be optimized on the go</a:t>
             </a:r>
             <a:endParaRPr lang="en-US" altLang="zh-CN" dirty="0" smtClean="0"/>
-          </a:p>
-          <a:p>
-            <a:pPr lvl="1"/>
-            <a:r>
-              <a:rPr lang="en-US" altLang="zh-CN" dirty="0" smtClean="0"/>
-              <a:t>Sending personal data</a:t>
-            </a:r>
-          </a:p>
-          <a:p>
-            <a:pPr lvl="1"/>
-            <a:r>
-              <a:rPr lang="en-US" altLang="zh-CN" dirty="0" smtClean="0"/>
-              <a:t>Buy gasoline at gasoline station</a:t>
-            </a:r>
-          </a:p>
-          <a:p>
-            <a:pPr lvl="1"/>
-            <a:r>
-              <a:rPr lang="en-US" altLang="zh-CN" dirty="0" smtClean="0"/>
-              <a:t>….</a:t>
-            </a:r>
           </a:p>
         </p:txBody>
       </p:sp>
@@ -6822,44 +8201,12 @@
             <a:fld id="{D9CB193C-FC74-4279-8388-9DD1BFD58DB8}" type="datetime4">
               <a:rPr lang="en-US" smtClean="0"/>
               <a:pPr/>
-              <a:t>March 31, 2014</a:t>
+              <a:t>April 26, 2014</a:t>
             </a:fld>
             <a:endParaRPr lang="en-US"/>
           </a:p>
         </p:txBody>
       </p:sp>
-      <p:pic>
-        <p:nvPicPr>
-          <p:cNvPr id="7" name="Grafik 3"/>
-          <p:cNvPicPr>
-            <a:picLocks noChangeAspect="1"/>
-          </p:cNvPicPr>
-          <p:nvPr/>
-        </p:nvPicPr>
-        <p:blipFill>
-          <a:blip r:embed="rId2" cstate="print"/>
-          <a:srcRect/>
-          <a:stretch>
-            <a:fillRect/>
-          </a:stretch>
-        </p:blipFill>
-        <p:spPr bwMode="auto">
-          <a:xfrm>
-            <a:off x="6007608" y="3723069"/>
-            <a:ext cx="2920619" cy="2920619"/>
-          </a:xfrm>
-          <a:prstGeom prst="rect">
-            <a:avLst/>
-          </a:prstGeom>
-          <a:noFill/>
-          <a:ln w="9525">
-            <a:noFill/>
-            <a:miter lim="800000"/>
-            <a:headEnd/>
-            <a:tailEnd/>
-          </a:ln>
-        </p:spPr>
-      </p:pic>
     </p:spTree>
   </p:cSld>
   <p:clrMapOvr>
@@ -6876,6 +8223,479 @@
 </file>
 
 <file path=ppt/slides/slide7.xml><?xml version="1.0" encoding="utf-8"?>
+<p:sld xmlns:a="http://schemas.openxmlformats.org/drawingml/2006/main" xmlns:r="http://schemas.openxmlformats.org/officeDocument/2006/relationships" xmlns:p="http://schemas.openxmlformats.org/presentationml/2006/main">
+  <p:cSld>
+    <p:spTree>
+      <p:nvGrpSpPr>
+        <p:cNvPr id="1" name=""/>
+        <p:cNvGrpSpPr/>
+        <p:nvPr/>
+      </p:nvGrpSpPr>
+      <p:grpSpPr>
+        <a:xfrm>
+          <a:off x="0" y="0"/>
+          <a:ext cx="0" cy="0"/>
+          <a:chOff x="0" y="0"/>
+          <a:chExt cx="0" cy="0"/>
+        </a:xfrm>
+      </p:grpSpPr>
+      <p:sp>
+        <p:nvSpPr>
+          <p:cNvPr id="2" name="标题 1"/>
+          <p:cNvSpPr>
+            <a:spLocks noGrp="1"/>
+          </p:cNvSpPr>
+          <p:nvPr>
+            <p:ph type="title"/>
+          </p:nvPr>
+        </p:nvSpPr>
+        <p:spPr/>
+        <p:txBody>
+          <a:bodyPr/>
+          <a:lstStyle/>
+          <a:p>
+            <a:r>
+              <a:rPr lang="en-US" altLang="zh-CN" dirty="0" smtClean="0"/>
+              <a:t>Introduction and Motivation</a:t>
+            </a:r>
+            <a:endParaRPr lang="zh-CN" altLang="en-US" dirty="0"/>
+          </a:p>
+        </p:txBody>
+      </p:sp>
+      <p:sp>
+        <p:nvSpPr>
+          <p:cNvPr id="4" name="灯片编号占位符 3"/>
+          <p:cNvSpPr>
+            <a:spLocks noGrp="1"/>
+          </p:cNvSpPr>
+          <p:nvPr>
+            <p:ph type="sldNum" sz="quarter" idx="10"/>
+          </p:nvPr>
+        </p:nvSpPr>
+        <p:spPr/>
+        <p:txBody>
+          <a:bodyPr/>
+          <a:lstStyle/>
+          <a:p>
+            <a:fld id="{FAF38CBB-378C-4311-BC9A-BAB83E9729AD}" type="slidenum">
+              <a:rPr lang="en-US" smtClean="0"/>
+              <a:pPr/>
+              <a:t>7</a:t>
+            </a:fld>
+            <a:endParaRPr lang="en-US"/>
+          </a:p>
+        </p:txBody>
+      </p:sp>
+      <p:sp>
+        <p:nvSpPr>
+          <p:cNvPr id="5" name="页脚占位符 4"/>
+          <p:cNvSpPr>
+            <a:spLocks noGrp="1"/>
+          </p:cNvSpPr>
+          <p:nvPr>
+            <p:ph type="ftr" sz="quarter" idx="11"/>
+          </p:nvPr>
+        </p:nvSpPr>
+        <p:spPr/>
+        <p:txBody>
+          <a:bodyPr/>
+          <a:lstStyle/>
+          <a:p>
+            <a:r>
+              <a:rPr lang="en-US" altLang="zh-CN" smtClean="0"/>
+              <a:t>OPC UA on Secure Device Yuankui Wang</a:t>
+            </a:r>
+            <a:endParaRPr lang="en-US" altLang="zh-CN" dirty="0"/>
+          </a:p>
+        </p:txBody>
+      </p:sp>
+      <p:sp>
+        <p:nvSpPr>
+          <p:cNvPr id="6" name="日期占位符 5"/>
+          <p:cNvSpPr>
+            <a:spLocks noGrp="1"/>
+          </p:cNvSpPr>
+          <p:nvPr>
+            <p:ph type="dt" sz="half" idx="12"/>
+          </p:nvPr>
+        </p:nvSpPr>
+        <p:spPr/>
+        <p:txBody>
+          <a:bodyPr/>
+          <a:lstStyle/>
+          <a:p>
+            <a:fld id="{D9CB193C-FC74-4279-8388-9DD1BFD58DB8}" type="datetime4">
+              <a:rPr lang="en-US" smtClean="0"/>
+              <a:pPr/>
+              <a:t>April 26, 2014</a:t>
+            </a:fld>
+            <a:endParaRPr lang="en-US"/>
+          </a:p>
+        </p:txBody>
+      </p:sp>
+      <p:pic>
+        <p:nvPicPr>
+          <p:cNvPr id="3074" name="Picture 2" descr="C:\Users\kui\Desktop\mobile-workforce-scheduling-optimization-problem.jpg"/>
+          <p:cNvPicPr>
+            <a:picLocks noGrp="1" noChangeAspect="1" noChangeArrowheads="1"/>
+          </p:cNvPicPr>
+          <p:nvPr>
+            <p:ph idx="1"/>
+          </p:nvPr>
+        </p:nvPicPr>
+        <p:blipFill>
+          <a:blip r:embed="rId2" cstate="print"/>
+          <a:srcRect/>
+          <a:stretch>
+            <a:fillRect/>
+          </a:stretch>
+        </p:blipFill>
+        <p:spPr bwMode="auto">
+          <a:xfrm>
+            <a:off x="4687007" y="3727419"/>
+            <a:ext cx="4128381" cy="2916269"/>
+          </a:xfrm>
+          <a:prstGeom prst="rect">
+            <a:avLst/>
+          </a:prstGeom>
+          <a:noFill/>
+        </p:spPr>
+      </p:pic>
+      <p:sp>
+        <p:nvSpPr>
+          <p:cNvPr id="8" name="内容占位符 13"/>
+          <p:cNvSpPr txBox="1">
+            <a:spLocks/>
+          </p:cNvSpPr>
+          <p:nvPr/>
+        </p:nvSpPr>
+        <p:spPr bwMode="auto">
+          <a:xfrm>
+            <a:off x="457200" y="1341438"/>
+            <a:ext cx="8447314" cy="5056187"/>
+          </a:xfrm>
+          <a:prstGeom prst="rect">
+            <a:avLst/>
+          </a:prstGeom>
+          <a:noFill/>
+          <a:ln w="9525">
+            <a:noFill/>
+            <a:miter lim="800000"/>
+            <a:headEnd/>
+            <a:tailEnd/>
+          </a:ln>
+        </p:spPr>
+        <p:txBody>
+          <a:bodyPr vert="horz" wrap="square" lIns="91440" tIns="45720" rIns="91440" bIns="45720" numCol="1" anchor="t" anchorCtr="0" compatLnSpc="1">
+            <a:prstTxWarp prst="textNoShape">
+              <a:avLst/>
+            </a:prstTxWarp>
+          </a:bodyPr>
+          <a:lstStyle/>
+          <a:p>
+            <a:pPr marL="342900" marR="0" lvl="0" indent="-342900" algn="l" defTabSz="914400" rtl="0" eaLnBrk="1" fontAlgn="base" latinLnBrk="0" hangingPunct="1">
+              <a:lnSpc>
+                <a:spcPct val="100000"/>
+              </a:lnSpc>
+              <a:spcBef>
+                <a:spcPct val="20000"/>
+              </a:spcBef>
+              <a:spcAft>
+                <a:spcPct val="0"/>
+              </a:spcAft>
+              <a:buClr>
+                <a:srgbClr val="073482"/>
+              </a:buClr>
+              <a:buSzTx/>
+              <a:buFont typeface="Wingdings" pitchFamily="2" charset="2"/>
+              <a:buChar char="§"/>
+              <a:tabLst/>
+              <a:defRPr/>
+            </a:pPr>
+            <a:r>
+              <a:rPr kumimoji="0" lang="en-US" altLang="zh-CN" sz="2400" b="0" i="0" u="none" strike="noStrike" kern="0" cap="none" spc="0" normalizeH="0" baseline="0" noProof="0" dirty="0" smtClean="0">
+                <a:ln>
+                  <a:noFill/>
+                </a:ln>
+                <a:solidFill>
+                  <a:schemeClr val="tx1"/>
+                </a:solidFill>
+                <a:effectLst/>
+                <a:uLnTx/>
+                <a:uFillTx/>
+                <a:latin typeface="+mn-lt"/>
+                <a:ea typeface="+mn-ea"/>
+                <a:cs typeface="+mn-cs"/>
+              </a:rPr>
+              <a:t>Common</a:t>
+            </a:r>
+            <a:r>
+              <a:rPr kumimoji="0" lang="en-US" altLang="zh-CN" sz="2400" b="0" i="0" u="none" strike="noStrike" kern="0" cap="none" spc="0" normalizeH="0" noProof="0" dirty="0" smtClean="0">
+                <a:ln>
+                  <a:noFill/>
+                </a:ln>
+                <a:solidFill>
+                  <a:schemeClr val="tx1"/>
+                </a:solidFill>
+                <a:effectLst/>
+                <a:uLnTx/>
+                <a:uFillTx/>
+                <a:latin typeface="+mn-lt"/>
+                <a:ea typeface="+mn-ea"/>
+                <a:cs typeface="+mn-cs"/>
+              </a:rPr>
+              <a:t> Interface</a:t>
+            </a:r>
+          </a:p>
+          <a:p>
+            <a:pPr marL="800100" lvl="1" indent="-342900">
+              <a:spcBef>
+                <a:spcPct val="20000"/>
+              </a:spcBef>
+              <a:buClr>
+                <a:srgbClr val="073482"/>
+              </a:buClr>
+              <a:buFont typeface="Wingdings" pitchFamily="2" charset="2"/>
+              <a:buChar char="§"/>
+            </a:pPr>
+            <a:r>
+              <a:rPr lang="en-US" altLang="zh-CN" sz="2400" b="0" i="0" kern="0" baseline="0" dirty="0" smtClean="0">
+                <a:solidFill>
+                  <a:schemeClr val="tx1"/>
+                </a:solidFill>
+                <a:latin typeface="+mn-lt"/>
+              </a:rPr>
+              <a:t>In industry</a:t>
+            </a:r>
+            <a:r>
+              <a:rPr lang="en-US" altLang="zh-CN" sz="2400" b="0" i="0" kern="0" dirty="0" smtClean="0">
+                <a:solidFill>
+                  <a:schemeClr val="tx1"/>
+                </a:solidFill>
+                <a:latin typeface="+mn-lt"/>
+              </a:rPr>
+              <a:t> M2M area, over 22,000 products supplied by over 3,200 vendor</a:t>
+            </a:r>
+            <a:endParaRPr kumimoji="0" lang="en-US" altLang="zh-CN" sz="2400" b="0" i="0" u="none" strike="noStrike" kern="0" cap="none" spc="0" normalizeH="0" baseline="0" noProof="0" dirty="0" smtClean="0">
+              <a:ln>
+                <a:noFill/>
+              </a:ln>
+              <a:solidFill>
+                <a:schemeClr val="tx1"/>
+              </a:solidFill>
+              <a:effectLst/>
+              <a:uLnTx/>
+              <a:uFillTx/>
+              <a:latin typeface="+mn-lt"/>
+              <a:ea typeface="+mn-ea"/>
+              <a:cs typeface="+mn-cs"/>
+            </a:endParaRPr>
+          </a:p>
+          <a:p>
+            <a:pPr marL="342900" marR="0" lvl="0" indent="-342900" algn="l" defTabSz="914400" rtl="0" eaLnBrk="1" fontAlgn="base" latinLnBrk="0" hangingPunct="1">
+              <a:lnSpc>
+                <a:spcPct val="100000"/>
+              </a:lnSpc>
+              <a:spcBef>
+                <a:spcPct val="20000"/>
+              </a:spcBef>
+              <a:spcAft>
+                <a:spcPct val="0"/>
+              </a:spcAft>
+              <a:buClr>
+                <a:srgbClr val="073482"/>
+              </a:buClr>
+              <a:buSzTx/>
+              <a:buFont typeface="Wingdings" pitchFamily="2" charset="2"/>
+              <a:buChar char="§"/>
+              <a:tabLst/>
+              <a:defRPr/>
+            </a:pPr>
+            <a:r>
+              <a:rPr kumimoji="0" lang="en-US" altLang="zh-CN" sz="2400" b="0" i="0" u="none" strike="noStrike" kern="0" cap="none" spc="0" normalizeH="0" baseline="0" noProof="0" dirty="0" smtClean="0">
+                <a:ln>
+                  <a:noFill/>
+                </a:ln>
+                <a:solidFill>
+                  <a:schemeClr val="tx1"/>
+                </a:solidFill>
+                <a:effectLst/>
+                <a:uLnTx/>
+                <a:uFillTx/>
+                <a:latin typeface="+mn-lt"/>
+                <a:ea typeface="+mn-ea"/>
+                <a:cs typeface="+mn-cs"/>
+              </a:rPr>
+              <a:t>Security guarantee</a:t>
+            </a:r>
+          </a:p>
+          <a:p>
+            <a:pPr marL="800100" lvl="1" indent="-342900">
+              <a:spcBef>
+                <a:spcPct val="20000"/>
+              </a:spcBef>
+              <a:buClr>
+                <a:srgbClr val="073482"/>
+              </a:buClr>
+              <a:buFont typeface="Wingdings" pitchFamily="2" charset="2"/>
+              <a:buChar char="§"/>
+            </a:pPr>
+            <a:r>
+              <a:rPr lang="en-US" altLang="zh-CN" sz="2400" b="0" i="0" kern="0" dirty="0" smtClean="0">
+                <a:solidFill>
+                  <a:schemeClr val="tx1"/>
+                </a:solidFill>
+                <a:latin typeface="+mn-lt"/>
+              </a:rPr>
+              <a:t>Different communication environment</a:t>
+            </a:r>
+          </a:p>
+          <a:p>
+            <a:pPr marL="800100" lvl="1" indent="-342900">
+              <a:spcBef>
+                <a:spcPct val="20000"/>
+              </a:spcBef>
+              <a:buClr>
+                <a:srgbClr val="073482"/>
+              </a:buClr>
+              <a:buFont typeface="Wingdings" pitchFamily="2" charset="2"/>
+              <a:buChar char="§"/>
+            </a:pPr>
+            <a:r>
+              <a:rPr lang="en-US" altLang="zh-CN" sz="2400" b="0" i="0" kern="0" dirty="0" smtClean="0">
+                <a:solidFill>
+                  <a:schemeClr val="tx1"/>
+                </a:solidFill>
+                <a:latin typeface="+mn-lt"/>
+              </a:rPr>
+              <a:t>Variant data complexity</a:t>
+            </a:r>
+          </a:p>
+          <a:p>
+            <a:pPr marL="800100" lvl="1" indent="-342900">
+              <a:spcBef>
+                <a:spcPct val="20000"/>
+              </a:spcBef>
+              <a:buClr>
+                <a:srgbClr val="073482"/>
+              </a:buClr>
+              <a:buFont typeface="Wingdings" pitchFamily="2" charset="2"/>
+              <a:buChar char="§"/>
+            </a:pPr>
+            <a:r>
+              <a:rPr kumimoji="0" lang="en-US" altLang="zh-CN" sz="2400" b="0" i="0" u="none" strike="noStrike" kern="0" cap="none" spc="0" normalizeH="0" baseline="0" noProof="0" dirty="0" smtClean="0">
+                <a:ln>
+                  <a:noFill/>
+                </a:ln>
+                <a:solidFill>
+                  <a:schemeClr val="tx1"/>
+                </a:solidFill>
+                <a:effectLst/>
+                <a:uLnTx/>
+                <a:uFillTx/>
+                <a:latin typeface="+mn-lt"/>
+                <a:ea typeface="+mn-ea"/>
+                <a:cs typeface="+mn-cs"/>
+              </a:rPr>
+              <a:t>User</a:t>
+            </a:r>
+            <a:r>
+              <a:rPr kumimoji="0" lang="en-US" altLang="zh-CN" sz="2400" b="0" i="0" u="none" strike="noStrike" kern="0" cap="none" spc="0" normalizeH="0" noProof="0" dirty="0" smtClean="0">
+                <a:ln>
+                  <a:noFill/>
+                </a:ln>
+                <a:solidFill>
+                  <a:schemeClr val="tx1"/>
+                </a:solidFill>
+                <a:effectLst/>
+                <a:uLnTx/>
+                <a:uFillTx/>
+                <a:latin typeface="+mn-lt"/>
+                <a:ea typeface="+mn-ea"/>
+                <a:cs typeface="+mn-cs"/>
+              </a:rPr>
+              <a:t> authentication</a:t>
+            </a:r>
+          </a:p>
+          <a:p>
+            <a:pPr marL="800100" lvl="1" indent="-342900">
+              <a:spcBef>
+                <a:spcPct val="20000"/>
+              </a:spcBef>
+              <a:buClr>
+                <a:srgbClr val="073482"/>
+              </a:buClr>
+              <a:buFont typeface="Wingdings" pitchFamily="2" charset="2"/>
+              <a:buChar char="§"/>
+            </a:pPr>
+            <a:r>
+              <a:rPr lang="en-US" altLang="zh-CN" sz="2400" b="0" i="0" kern="0" baseline="0" dirty="0" smtClean="0">
+                <a:solidFill>
+                  <a:schemeClr val="tx1"/>
+                </a:solidFill>
+                <a:latin typeface="+mn-lt"/>
+              </a:rPr>
+              <a:t>User authorization</a:t>
+            </a:r>
+          </a:p>
+          <a:p>
+            <a:pPr marL="800100" lvl="1" indent="-342900">
+              <a:spcBef>
+                <a:spcPct val="20000"/>
+              </a:spcBef>
+              <a:buClr>
+                <a:srgbClr val="073482"/>
+              </a:buClr>
+              <a:buFont typeface="Wingdings" pitchFamily="2" charset="2"/>
+              <a:buChar char="§"/>
+            </a:pPr>
+            <a:r>
+              <a:rPr lang="en-US" altLang="zh-CN" sz="2400" b="0" i="0" kern="0" baseline="0" dirty="0" smtClean="0">
+                <a:solidFill>
+                  <a:schemeClr val="tx1"/>
+                </a:solidFill>
+                <a:latin typeface="+mn-lt"/>
+              </a:rPr>
+              <a:t>Message secure</a:t>
+            </a:r>
+          </a:p>
+          <a:p>
+            <a:pPr marL="800100" lvl="1" indent="-342900">
+              <a:spcBef>
+                <a:spcPct val="20000"/>
+              </a:spcBef>
+              <a:buClr>
+                <a:srgbClr val="073482"/>
+              </a:buClr>
+              <a:buFont typeface="Wingdings" pitchFamily="2" charset="2"/>
+              <a:buChar char="§"/>
+            </a:pPr>
+            <a:endParaRPr kumimoji="0" lang="en-US" altLang="zh-CN" sz="2400" b="0" i="0" u="none" strike="noStrike" kern="0" cap="none" spc="0" normalizeH="0" baseline="0" noProof="0" dirty="0" smtClean="0">
+              <a:ln>
+                <a:noFill/>
+              </a:ln>
+              <a:solidFill>
+                <a:schemeClr val="tx1"/>
+              </a:solidFill>
+              <a:effectLst/>
+              <a:uLnTx/>
+              <a:uFillTx/>
+              <a:latin typeface="+mn-lt"/>
+              <a:ea typeface="+mn-ea"/>
+              <a:cs typeface="+mn-cs"/>
+            </a:endParaRPr>
+          </a:p>
+        </p:txBody>
+      </p:sp>
+    </p:spTree>
+  </p:cSld>
+  <p:clrMapOvr>
+    <a:masterClrMapping/>
+  </p:clrMapOvr>
+</p:sld>
+</file>
+
+<file path=ppt/slides/slide8.xml><?xml version="1.0" encoding="utf-8"?>
 <p:sld xmlns:a="http://schemas.openxmlformats.org/drawingml/2006/main" xmlns:r="http://schemas.openxmlformats.org/officeDocument/2006/relationships" xmlns:p="http://schemas.openxmlformats.org/presentationml/2006/main">
   <p:cSld>
     <p:spTree>
@@ -6965,7 +8785,7 @@
             <a:fld id="{FAF38CBB-378C-4311-BC9A-BAB83E9729AD}" type="slidenum">
               <a:rPr lang="en-US" smtClean="0"/>
               <a:pPr/>
-              <a:t>7</a:t>
+              <a:t>8</a:t>
             </a:fld>
             <a:endParaRPr lang="en-US"/>
           </a:p>
@@ -7012,7 +8832,7 @@
             <a:fld id="{D9CB193C-FC74-4279-8388-9DD1BFD58DB8}" type="datetime4">
               <a:rPr lang="en-US" smtClean="0"/>
               <a:pPr/>
-              <a:t>March 31, 2014</a:t>
+              <a:t>April 26, 2014</a:t>
             </a:fld>
             <a:endParaRPr lang="en-US"/>
           </a:p>
@@ -7039,166 +8859,6 @@
           <a:xfrm>
             <a:off x="457200" y="1385095"/>
             <a:ext cx="5137934" cy="3022314"/>
-          </a:xfrm>
-          <a:prstGeom prst="rect">
-            <a:avLst/>
-          </a:prstGeom>
-          <a:noFill/>
-          <a:ln w="9525">
-            <a:noFill/>
-            <a:miter lim="800000"/>
-            <a:headEnd/>
-            <a:tailEnd/>
-          </a:ln>
-        </p:spPr>
-      </p:pic>
-    </p:spTree>
-  </p:cSld>
-  <p:clrMapOvr>
-    <a:masterClrMapping/>
-  </p:clrMapOvr>
-  <p:timing>
-    <p:tnLst>
-      <p:par>
-        <p:cTn id="1" dur="indefinite" restart="never" nodeType="tmRoot"/>
-      </p:par>
-    </p:tnLst>
-  </p:timing>
-</p:sld>
-</file>
-
-<file path=ppt/slides/slide8.xml><?xml version="1.0" encoding="utf-8"?>
-<p:sld xmlns:a="http://schemas.openxmlformats.org/drawingml/2006/main" xmlns:r="http://schemas.openxmlformats.org/officeDocument/2006/relationships" xmlns:p="http://schemas.openxmlformats.org/presentationml/2006/main">
-  <p:cSld>
-    <p:spTree>
-      <p:nvGrpSpPr>
-        <p:cNvPr id="1" name=""/>
-        <p:cNvGrpSpPr/>
-        <p:nvPr/>
-      </p:nvGrpSpPr>
-      <p:grpSpPr>
-        <a:xfrm>
-          <a:off x="0" y="0"/>
-          <a:ext cx="0" cy="0"/>
-          <a:chOff x="0" y="0"/>
-          <a:chExt cx="0" cy="0"/>
-        </a:xfrm>
-      </p:grpSpPr>
-      <p:sp>
-        <p:nvSpPr>
-          <p:cNvPr id="2" name="标题 1"/>
-          <p:cNvSpPr>
-            <a:spLocks noGrp="1"/>
-          </p:cNvSpPr>
-          <p:nvPr>
-            <p:ph type="title"/>
-          </p:nvPr>
-        </p:nvSpPr>
-        <p:spPr/>
-        <p:txBody>
-          <a:bodyPr/>
-          <a:lstStyle/>
-          <a:p>
-            <a:r>
-              <a:rPr lang="en-US" altLang="zh-CN" dirty="0" smtClean="0"/>
-              <a:t>OPC UA Client Server Architecture </a:t>
-            </a:r>
-            <a:endParaRPr lang="zh-CN" altLang="en-US" dirty="0"/>
-          </a:p>
-        </p:txBody>
-      </p:sp>
-      <p:sp>
-        <p:nvSpPr>
-          <p:cNvPr id="4" name="灯片编号占位符 3"/>
-          <p:cNvSpPr>
-            <a:spLocks noGrp="1"/>
-          </p:cNvSpPr>
-          <p:nvPr>
-            <p:ph type="sldNum" sz="quarter" idx="10"/>
-          </p:nvPr>
-        </p:nvSpPr>
-        <p:spPr/>
-        <p:txBody>
-          <a:bodyPr/>
-          <a:lstStyle/>
-          <a:p>
-            <a:fld id="{FAF38CBB-378C-4311-BC9A-BAB83E9729AD}" type="slidenum">
-              <a:rPr lang="en-US" smtClean="0"/>
-              <a:pPr/>
-              <a:t>8</a:t>
-            </a:fld>
-            <a:endParaRPr lang="en-US"/>
-          </a:p>
-        </p:txBody>
-      </p:sp>
-      <p:sp>
-        <p:nvSpPr>
-          <p:cNvPr id="5" name="页脚占位符 4"/>
-          <p:cNvSpPr>
-            <a:spLocks noGrp="1"/>
-          </p:cNvSpPr>
-          <p:nvPr>
-            <p:ph type="ftr" sz="quarter" idx="11"/>
-          </p:nvPr>
-        </p:nvSpPr>
-        <p:spPr/>
-        <p:txBody>
-          <a:bodyPr/>
-          <a:lstStyle/>
-          <a:p>
-            <a:r>
-              <a:rPr lang="en-US" altLang="zh-CN" smtClean="0"/>
-              <a:t>OPC UA on Secure Device Yuankui Wang</a:t>
-            </a:r>
-            <a:endParaRPr lang="en-US" altLang="zh-CN" dirty="0"/>
-          </a:p>
-        </p:txBody>
-      </p:sp>
-      <p:sp>
-        <p:nvSpPr>
-          <p:cNvPr id="6" name="日期占位符 5"/>
-          <p:cNvSpPr>
-            <a:spLocks noGrp="1"/>
-          </p:cNvSpPr>
-          <p:nvPr>
-            <p:ph type="dt" sz="half" idx="12"/>
-          </p:nvPr>
-        </p:nvSpPr>
-        <p:spPr/>
-        <p:txBody>
-          <a:bodyPr/>
-          <a:lstStyle/>
-          <a:p>
-            <a:fld id="{D9CB193C-FC74-4279-8388-9DD1BFD58DB8}" type="datetime4">
-              <a:rPr lang="en-US" smtClean="0"/>
-              <a:pPr/>
-              <a:t>March 31, 2014</a:t>
-            </a:fld>
-            <a:endParaRPr lang="en-US"/>
-          </a:p>
-        </p:txBody>
-      </p:sp>
-      <p:pic>
-        <p:nvPicPr>
-          <p:cNvPr id="1026" name="Picture 2"/>
-          <p:cNvPicPr>
-            <a:picLocks noGrp="1" noChangeAspect="1" noChangeArrowheads="1"/>
-          </p:cNvPicPr>
-          <p:nvPr>
-            <p:ph idx="1"/>
-          </p:nvPr>
-        </p:nvPicPr>
-        <p:blipFill>
-          <a:blip r:embed="rId2" cstate="print"/>
-          <a:srcRect/>
-          <a:stretch>
-            <a:fillRect/>
-          </a:stretch>
-        </p:blipFill>
-        <p:spPr bwMode="auto">
-          <a:xfrm>
-            <a:off x="457200" y="1385094"/>
-            <a:ext cx="8447088" cy="4968875"/>
           </a:xfrm>
           <a:prstGeom prst="rect">
             <a:avLst/>
@@ -7244,6 +8904,32 @@
           <a:chExt cx="0" cy="0"/>
         </a:xfrm>
       </p:grpSpPr>
+      <p:pic>
+        <p:nvPicPr>
+          <p:cNvPr id="3074" name="Picture 2" descr="C:\Users\kui\Desktop\QQ截图20140317112610.jpg"/>
+          <p:cNvPicPr>
+            <a:picLocks noChangeAspect="1" noChangeArrowheads="1"/>
+          </p:cNvPicPr>
+          <p:nvPr/>
+        </p:nvPicPr>
+        <p:blipFill>
+          <a:blip r:embed="rId2" cstate="print"/>
+          <a:srcRect/>
+          <a:stretch>
+            <a:fillRect/>
+          </a:stretch>
+        </p:blipFill>
+        <p:spPr bwMode="auto">
+          <a:xfrm>
+            <a:off x="4388521" y="2975102"/>
+            <a:ext cx="4543425" cy="3038475"/>
+          </a:xfrm>
+          <a:prstGeom prst="rect">
+            <a:avLst/>
+          </a:prstGeom>
+          <a:noFill/>
+        </p:spPr>
+      </p:pic>
       <p:sp>
         <p:nvSpPr>
           <p:cNvPr id="2" name="标题 1"/>
@@ -7261,8 +8947,96 @@
           <a:p>
             <a:r>
               <a:rPr lang="en-US" altLang="zh-CN" dirty="0" smtClean="0"/>
-              <a:t>OPC UA Client Server Architecture </a:t>
-            </a:r>
+              <a:t/>
+            </a:r>
+            <a:br>
+              <a:rPr lang="en-US" altLang="zh-CN" dirty="0" smtClean="0"/>
+            </a:br>
+            <a:r>
+              <a:rPr lang="en-US" altLang="zh-CN" dirty="0" smtClean="0"/>
+              <a:t>OPC Unified Architecture Specification</a:t>
+            </a:r>
+            <a:br>
+              <a:rPr lang="en-US" altLang="zh-CN" dirty="0" smtClean="0"/>
+            </a:br>
+            <a:endParaRPr lang="zh-CN" altLang="en-US" dirty="0"/>
+          </a:p>
+        </p:txBody>
+      </p:sp>
+      <p:sp>
+        <p:nvSpPr>
+          <p:cNvPr id="3" name="内容占位符 2"/>
+          <p:cNvSpPr>
+            <a:spLocks noGrp="1"/>
+          </p:cNvSpPr>
+          <p:nvPr>
+            <p:ph idx="1"/>
+          </p:nvPr>
+        </p:nvSpPr>
+        <p:spPr/>
+        <p:txBody>
+          <a:bodyPr/>
+          <a:lstStyle/>
+          <a:p>
+            <a:r>
+              <a:rPr lang="en-US" altLang="zh-CN" dirty="0" smtClean="0"/>
+              <a:t>OPC UA is the M2M </a:t>
+            </a:r>
+            <a:r>
+              <a:rPr lang="en-US" altLang="zh-CN" smtClean="0"/>
+              <a:t>communication protocol</a:t>
+            </a:r>
+            <a:endParaRPr lang="en-US" altLang="zh-CN" dirty="0" smtClean="0"/>
+          </a:p>
+          <a:p>
+            <a:r>
+              <a:rPr lang="en-US" altLang="zh-CN" dirty="0" smtClean="0"/>
+              <a:t>Platform independent data communication</a:t>
+            </a:r>
+          </a:p>
+          <a:p>
+            <a:r>
+              <a:rPr lang="en-US" altLang="zh-CN" dirty="0" smtClean="0"/>
+              <a:t>Standardized communication via internet and firewalls</a:t>
+            </a:r>
+          </a:p>
+          <a:p>
+            <a:r>
+              <a:rPr lang="en-US" altLang="zh-CN" dirty="0" smtClean="0"/>
+              <a:t>Protection against unauthorized access</a:t>
+            </a:r>
+          </a:p>
+          <a:p>
+            <a:r>
+              <a:rPr lang="en-US" altLang="zh-CN" dirty="0" smtClean="0"/>
+              <a:t>Availability and reliability</a:t>
+            </a:r>
+          </a:p>
+          <a:p>
+            <a:r>
+              <a:rPr lang="en-US" altLang="zh-CN" dirty="0" smtClean="0"/>
+              <a:t>SOA architecture</a:t>
+            </a:r>
+          </a:p>
+          <a:p>
+            <a:r>
+              <a:rPr lang="en-US" altLang="zh-CN" dirty="0" smtClean="0"/>
+              <a:t>Object oriented meta model</a:t>
+            </a:r>
+          </a:p>
+          <a:p>
+            <a:r>
+              <a:rPr lang="en-US" altLang="zh-CN" dirty="0" smtClean="0"/>
+              <a:t>Simplification by unification</a:t>
+            </a:r>
+          </a:p>
+          <a:p>
+            <a:endParaRPr lang="en-US" altLang="zh-CN" dirty="0" smtClean="0"/>
+          </a:p>
+          <a:p>
+            <a:endParaRPr lang="en-US" altLang="zh-CN" dirty="0" smtClean="0"/>
+          </a:p>
+          <a:p>
             <a:endParaRPr lang="zh-CN" altLang="en-US" dirty="0"/>
           </a:p>
         </p:txBody>
@@ -7307,8 +9081,16 @@
           <a:lstStyle/>
           <a:p>
             <a:r>
-              <a:rPr lang="en-US" altLang="zh-CN" smtClean="0"/>
-              <a:t>OPC UA on Secure Device Yuankui Wang</a:t>
+              <a:rPr lang="en-US" altLang="zh-CN" dirty="0" smtClean="0"/>
+              <a:t>OPC UA on Secure Device </a:t>
+            </a:r>
+            <a:r>
+              <a:rPr lang="en-US" altLang="zh-CN" dirty="0" err="1" smtClean="0"/>
+              <a:t>Yuankui</a:t>
+            </a:r>
+            <a:r>
+              <a:rPr lang="en-US" altLang="zh-CN" dirty="0" smtClean="0"/>
+              <a:t> Wang</a:t>
             </a:r>
             <a:endParaRPr lang="en-US" altLang="zh-CN" dirty="0"/>
           </a:p>
@@ -7332,378 +9114,9 @@
             <a:fld id="{D9CB193C-FC74-4279-8388-9DD1BFD58DB8}" type="datetime4">
               <a:rPr lang="en-US" smtClean="0"/>
               <a:pPr/>
-              <a:t>March 31, 2014</a:t>
+              <a:t>April 26, 2014</a:t>
             </a:fld>
             <a:endParaRPr lang="en-US"/>
-          </a:p>
-        </p:txBody>
-      </p:sp>
-      <p:pic>
-        <p:nvPicPr>
-          <p:cNvPr id="1026" name="Picture 2"/>
-          <p:cNvPicPr>
-            <a:picLocks noGrp="1" noChangeAspect="1" noChangeArrowheads="1"/>
-          </p:cNvPicPr>
-          <p:nvPr>
-            <p:ph idx="1"/>
-          </p:nvPr>
-        </p:nvPicPr>
-        <p:blipFill>
-          <a:blip r:embed="rId2" cstate="print"/>
-          <a:srcRect r="63520"/>
-          <a:stretch>
-            <a:fillRect/>
-          </a:stretch>
-        </p:blipFill>
-        <p:spPr bwMode="auto">
-          <a:xfrm>
-            <a:off x="457200" y="1385094"/>
-            <a:ext cx="3081528" cy="4968875"/>
-          </a:xfrm>
-          <a:prstGeom prst="rect">
-            <a:avLst/>
-          </a:prstGeom>
-          <a:noFill/>
-          <a:ln w="9525">
-            <a:noFill/>
-            <a:miter lim="800000"/>
-            <a:headEnd/>
-            <a:tailEnd/>
-          </a:ln>
-        </p:spPr>
-      </p:pic>
-      <p:sp>
-        <p:nvSpPr>
-          <p:cNvPr id="8" name="内容占位符 2"/>
-          <p:cNvSpPr txBox="1">
-            <a:spLocks/>
-          </p:cNvSpPr>
-          <p:nvPr/>
-        </p:nvSpPr>
-        <p:spPr bwMode="auto">
-          <a:xfrm>
-            <a:off x="3849624" y="1341438"/>
-            <a:ext cx="5054890" cy="5056187"/>
-          </a:xfrm>
-          <a:prstGeom prst="rect">
-            <a:avLst/>
-          </a:prstGeom>
-          <a:noFill/>
-          <a:ln w="9525">
-            <a:noFill/>
-            <a:miter lim="800000"/>
-            <a:headEnd/>
-            <a:tailEnd/>
-          </a:ln>
-        </p:spPr>
-        <p:txBody>
-          <a:bodyPr vert="horz" wrap="square" lIns="91440" tIns="45720" rIns="91440" bIns="45720" numCol="1" anchor="t" anchorCtr="0" compatLnSpc="1">
-            <a:prstTxWarp prst="textNoShape">
-              <a:avLst/>
-            </a:prstTxWarp>
-          </a:bodyPr>
-          <a:lstStyle/>
-          <a:p>
-            <a:pPr marL="342900" marR="0" lvl="0" indent="-342900" algn="l" defTabSz="914400" rtl="0" eaLnBrk="1" fontAlgn="base" latinLnBrk="0" hangingPunct="1">
-              <a:lnSpc>
-                <a:spcPct val="100000"/>
-              </a:lnSpc>
-              <a:spcBef>
-                <a:spcPct val="20000"/>
-              </a:spcBef>
-              <a:spcAft>
-                <a:spcPct val="0"/>
-              </a:spcAft>
-              <a:buClr>
-                <a:srgbClr val="073482"/>
-              </a:buClr>
-              <a:buSzTx/>
-              <a:buFont typeface="Wingdings" pitchFamily="2" charset="2"/>
-              <a:buChar char="§"/>
-              <a:tabLst/>
-              <a:defRPr/>
-            </a:pPr>
-            <a:r>
-              <a:rPr kumimoji="0" lang="en-US" altLang="zh-CN" b="0" i="0" u="none" strike="noStrike" kern="0" cap="none" spc="0" normalizeH="0" baseline="0" noProof="0" dirty="0" smtClean="0">
-                <a:ln>
-                  <a:noFill/>
-                </a:ln>
-                <a:solidFill>
-                  <a:schemeClr val="tx1"/>
-                </a:solidFill>
-                <a:effectLst/>
-                <a:uLnTx/>
-                <a:uFillTx/>
-                <a:latin typeface="+mn-lt"/>
-                <a:ea typeface="+mn-ea"/>
-                <a:cs typeface="+mn-cs"/>
-              </a:rPr>
-              <a:t>Client Application</a:t>
-            </a:r>
-            <a:r>
-              <a:rPr lang="en-US" altLang="zh-CN" b="0" i="0" kern="0" dirty="0" smtClean="0">
-                <a:solidFill>
-                  <a:schemeClr val="tx1"/>
-                </a:solidFill>
-                <a:latin typeface="+mn-lt"/>
-              </a:rPr>
-              <a:t>: </a:t>
-            </a:r>
-            <a:r>
-              <a:rPr kumimoji="0" lang="en-US" altLang="zh-CN" b="0" i="0" u="none" strike="noStrike" kern="0" cap="none" spc="0" normalizeH="0" noProof="0" dirty="0" smtClean="0">
-                <a:ln>
-                  <a:noFill/>
-                </a:ln>
-                <a:solidFill>
-                  <a:schemeClr val="tx1"/>
-                </a:solidFill>
-                <a:effectLst/>
-                <a:uLnTx/>
-                <a:uFillTx/>
-                <a:latin typeface="+mn-lt"/>
-                <a:ea typeface="+mn-ea"/>
-                <a:cs typeface="+mn-cs"/>
-              </a:rPr>
-              <a:t>Java Phone APP</a:t>
-            </a:r>
-          </a:p>
-          <a:p>
-            <a:pPr marL="342900" marR="0" lvl="0" indent="-342900" algn="l" defTabSz="914400" rtl="0" eaLnBrk="1" fontAlgn="base" latinLnBrk="0" hangingPunct="1">
-              <a:lnSpc>
-                <a:spcPct val="100000"/>
-              </a:lnSpc>
-              <a:spcBef>
-                <a:spcPct val="20000"/>
-              </a:spcBef>
-              <a:spcAft>
-                <a:spcPct val="0"/>
-              </a:spcAft>
-              <a:buClr>
-                <a:srgbClr val="073482"/>
-              </a:buClr>
-              <a:buSzTx/>
-              <a:buFont typeface="Wingdings" pitchFamily="2" charset="2"/>
-              <a:buChar char="§"/>
-              <a:tabLst/>
-              <a:defRPr/>
-            </a:pPr>
-            <a:r>
-              <a:rPr lang="en-US" altLang="zh-CN" b="0" i="0" kern="0" noProof="0" dirty="0" smtClean="0">
-                <a:solidFill>
-                  <a:schemeClr val="tx1"/>
-                </a:solidFill>
-                <a:latin typeface="+mn-lt"/>
-              </a:rPr>
-              <a:t>Supported client functions:</a:t>
-            </a:r>
-          </a:p>
-          <a:p>
-            <a:pPr marL="800100" lvl="1" indent="-342900">
-              <a:spcBef>
-                <a:spcPct val="20000"/>
-              </a:spcBef>
-              <a:buClr>
-                <a:srgbClr val="073482"/>
-              </a:buClr>
-              <a:buFont typeface="Wingdings" pitchFamily="2" charset="2"/>
-              <a:buChar char="§"/>
-            </a:pPr>
-            <a:r>
-              <a:rPr kumimoji="0" lang="en-US" altLang="zh-CN" b="0" i="0" u="none" strike="noStrike" kern="0" cap="none" spc="0" normalizeH="0" dirty="0" smtClean="0">
-                <a:ln>
-                  <a:noFill/>
-                </a:ln>
-                <a:solidFill>
-                  <a:schemeClr val="tx1"/>
-                </a:solidFill>
-                <a:effectLst/>
-                <a:uLnTx/>
-                <a:uFillTx/>
-                <a:latin typeface="+mn-lt"/>
-                <a:ea typeface="+mn-ea"/>
-                <a:cs typeface="+mn-cs"/>
-              </a:rPr>
-              <a:t>Query</a:t>
-            </a:r>
-          </a:p>
-          <a:p>
-            <a:pPr marL="800100" lvl="1" indent="-342900">
-              <a:spcBef>
-                <a:spcPct val="20000"/>
-              </a:spcBef>
-              <a:buClr>
-                <a:srgbClr val="073482"/>
-              </a:buClr>
-              <a:buFont typeface="Wingdings" pitchFamily="2" charset="2"/>
-              <a:buChar char="§"/>
-            </a:pPr>
-            <a:r>
-              <a:rPr lang="en-US" altLang="zh-CN" b="0" i="0" kern="0" noProof="0" dirty="0" smtClean="0">
-                <a:solidFill>
-                  <a:schemeClr val="tx1"/>
-                </a:solidFill>
-                <a:latin typeface="+mn-lt"/>
-              </a:rPr>
-              <a:t>Authentication</a:t>
-            </a:r>
-          </a:p>
-          <a:p>
-            <a:pPr marL="800100" lvl="1" indent="-342900">
-              <a:spcBef>
-                <a:spcPct val="20000"/>
-              </a:spcBef>
-              <a:buClr>
-                <a:srgbClr val="073482"/>
-              </a:buClr>
-              <a:buFont typeface="Wingdings" pitchFamily="2" charset="2"/>
-              <a:buChar char="§"/>
-            </a:pPr>
-            <a:r>
-              <a:rPr kumimoji="0" lang="en-US" altLang="zh-CN" b="0" i="0" u="none" strike="noStrike" kern="0" cap="none" spc="0" normalizeH="0" dirty="0" smtClean="0">
-                <a:ln>
-                  <a:noFill/>
-                </a:ln>
-                <a:solidFill>
-                  <a:schemeClr val="tx1"/>
-                </a:solidFill>
-                <a:effectLst/>
-                <a:uLnTx/>
-                <a:uFillTx/>
-                <a:latin typeface="+mn-lt"/>
-                <a:ea typeface="+mn-ea"/>
-                <a:cs typeface="+mn-cs"/>
-              </a:rPr>
-              <a:t>Authorization and etc…</a:t>
-            </a:r>
-            <a:r>
-              <a:rPr kumimoji="0" lang="en-US" altLang="zh-CN" b="0" i="0" u="none" strike="noStrike" kern="0" cap="none" spc="0" normalizeH="0" noProof="0" dirty="0" smtClean="0">
-                <a:ln>
-                  <a:noFill/>
-                </a:ln>
-                <a:solidFill>
-                  <a:schemeClr val="tx1"/>
-                </a:solidFill>
-                <a:effectLst/>
-                <a:uLnTx/>
-                <a:uFillTx/>
-                <a:latin typeface="+mn-lt"/>
-                <a:ea typeface="+mn-ea"/>
-                <a:cs typeface="+mn-cs"/>
-              </a:rPr>
-              <a:t> </a:t>
-            </a:r>
-          </a:p>
-          <a:p>
-            <a:pPr marL="342900" marR="0" lvl="0" indent="-342900" algn="l" defTabSz="914400" rtl="0" eaLnBrk="1" fontAlgn="base" latinLnBrk="0" hangingPunct="1">
-              <a:lnSpc>
-                <a:spcPct val="100000"/>
-              </a:lnSpc>
-              <a:spcBef>
-                <a:spcPct val="20000"/>
-              </a:spcBef>
-              <a:spcAft>
-                <a:spcPct val="0"/>
-              </a:spcAft>
-              <a:buClr>
-                <a:srgbClr val="073482"/>
-              </a:buClr>
-              <a:buSzTx/>
-              <a:buFont typeface="Wingdings" pitchFamily="2" charset="2"/>
-              <a:buChar char="§"/>
-              <a:tabLst/>
-              <a:defRPr/>
-            </a:pPr>
-            <a:r>
-              <a:rPr lang="en-US" altLang="zh-CN" b="0" i="0" kern="0" noProof="0" dirty="0" smtClean="0">
-                <a:solidFill>
-                  <a:schemeClr val="tx1"/>
-                </a:solidFill>
-                <a:latin typeface="+mn-lt"/>
-              </a:rPr>
-              <a:t>Communication stack: developed on smart card, used to realize communication with OPC UA server.</a:t>
-            </a:r>
-          </a:p>
-          <a:p>
-            <a:pPr marL="342900" marR="0" lvl="0" indent="-342900" algn="l" defTabSz="914400" rtl="0" eaLnBrk="1" fontAlgn="base" latinLnBrk="0" hangingPunct="1">
-              <a:lnSpc>
-                <a:spcPct val="100000"/>
-              </a:lnSpc>
-              <a:spcBef>
-                <a:spcPct val="20000"/>
-              </a:spcBef>
-              <a:spcAft>
-                <a:spcPct val="0"/>
-              </a:spcAft>
-              <a:buClr>
-                <a:srgbClr val="073482"/>
-              </a:buClr>
-              <a:buSzTx/>
-              <a:buFont typeface="Wingdings" pitchFamily="2" charset="2"/>
-              <a:buChar char="§"/>
-              <a:tabLst/>
-              <a:defRPr/>
-            </a:pPr>
-            <a:r>
-              <a:rPr lang="en-US" altLang="zh-CN" b="0" i="0" kern="0" dirty="0" smtClean="0">
-                <a:solidFill>
-                  <a:schemeClr val="tx1"/>
-                </a:solidFill>
-                <a:latin typeface="+mn-lt"/>
-              </a:rPr>
-              <a:t>Important user credential information like: encryption keys and certificates are saved on card.</a:t>
-            </a:r>
-            <a:endParaRPr lang="en-US" altLang="zh-CN" b="0" i="0" kern="0" noProof="0" dirty="0" smtClean="0">
-              <a:solidFill>
-                <a:schemeClr val="tx1"/>
-              </a:solidFill>
-              <a:latin typeface="+mn-lt"/>
-            </a:endParaRPr>
-          </a:p>
-          <a:p>
-            <a:pPr marL="342900" marR="0" lvl="0" indent="-342900" algn="l" defTabSz="914400" rtl="0" eaLnBrk="1" fontAlgn="base" latinLnBrk="0" hangingPunct="1">
-              <a:lnSpc>
-                <a:spcPct val="100000"/>
-              </a:lnSpc>
-              <a:spcBef>
-                <a:spcPct val="20000"/>
-              </a:spcBef>
-              <a:spcAft>
-                <a:spcPct val="0"/>
-              </a:spcAft>
-              <a:buClr>
-                <a:srgbClr val="073482"/>
-              </a:buClr>
-              <a:buSzTx/>
-              <a:buFont typeface="Wingdings" pitchFamily="2" charset="2"/>
-              <a:buChar char="§"/>
-              <a:tabLst/>
-              <a:defRPr/>
-            </a:pPr>
-            <a:r>
-              <a:rPr lang="en-US" altLang="zh-CN" b="0" i="0" kern="0" dirty="0" smtClean="0">
-                <a:solidFill>
-                  <a:schemeClr val="tx1"/>
-                </a:solidFill>
-                <a:latin typeface="+mn-lt"/>
-              </a:rPr>
-              <a:t>Client API: Translate App instructions into Application Protocol Date Unit (APDU) formats.</a:t>
-            </a:r>
-          </a:p>
-          <a:p>
-            <a:pPr marL="800100" lvl="1" indent="-342900">
-              <a:spcBef>
-                <a:spcPct val="20000"/>
-              </a:spcBef>
-              <a:buClr>
-                <a:srgbClr val="073482"/>
-              </a:buClr>
-            </a:pPr>
-            <a:endParaRPr lang="en-US" altLang="zh-CN" sz="2400" b="0" i="0" kern="0" dirty="0" smtClean="0">
-              <a:solidFill>
-                <a:schemeClr val="tx1"/>
-              </a:solidFill>
-              <a:latin typeface="+mn-lt"/>
-            </a:endParaRPr>
           </a:p>
         </p:txBody>
       </p:sp>

--- a/ppt/Einleitung.pptx
+++ b/ppt/Einleitung.pptx
@@ -1317,7 +1317,7 @@
             <a:fld id="{71D6DBAF-C9CC-41B3-844C-C1F5D8267235}" type="datetime4">
               <a:rPr lang="en-US"/>
               <a:pPr/>
-              <a:t>April 26, 2014</a:t>
+              <a:t>April 28, 2014</a:t>
             </a:fld>
             <a:endParaRPr lang="en-US"/>
           </a:p>
@@ -1551,7 +1551,7 @@
             <a:fld id="{D9CB193C-FC74-4279-8388-9DD1BFD58DB8}" type="datetime4">
               <a:rPr lang="en-US"/>
               <a:pPr/>
-              <a:t>April 26, 2014</a:t>
+              <a:t>April 28, 2014</a:t>
             </a:fld>
             <a:endParaRPr lang="en-US"/>
           </a:p>
@@ -1999,7 +1999,7 @@
             <a:fld id="{F9C0533E-6560-41EF-998F-4A06FB5FB3B5}" type="datetime4">
               <a:rPr lang="en-US"/>
               <a:pPr/>
-              <a:t>April 26, 2014</a:t>
+              <a:t>April 28, 2014</a:t>
             </a:fld>
             <a:endParaRPr lang="en-US"/>
           </a:p>
@@ -2569,7 +2569,7 @@
             <a:fld id="{BE3ACA9F-847D-4917-9890-CF03388418A4}" type="datetime4">
               <a:rPr lang="en-US"/>
               <a:pPr/>
-              <a:t>April 26, 2014</a:t>
+              <a:t>April 28, 2014</a:t>
             </a:fld>
             <a:endParaRPr lang="en-US"/>
           </a:p>
@@ -3333,7 +3333,7 @@
             <a:fld id="{D9CB193C-FC74-4279-8388-9DD1BFD58DB8}" type="datetime4">
               <a:rPr lang="en-US" smtClean="0"/>
               <a:pPr/>
-              <a:t>April 26, 2014</a:t>
+              <a:t>April 28, 2014</a:t>
             </a:fld>
             <a:endParaRPr lang="en-US"/>
           </a:p>
@@ -3491,7 +3491,7 @@
             <a:fld id="{D9CB193C-FC74-4279-8388-9DD1BFD58DB8}" type="datetime4">
               <a:rPr lang="en-US" smtClean="0"/>
               <a:pPr/>
-              <a:t>April 26, 2014</a:t>
+              <a:t>April 28, 2014</a:t>
             </a:fld>
             <a:endParaRPr lang="en-US"/>
           </a:p>
@@ -3651,7 +3651,7 @@
             <a:fld id="{D9CB193C-FC74-4279-8388-9DD1BFD58DB8}" type="datetime4">
               <a:rPr lang="en-US" smtClean="0"/>
               <a:pPr/>
-              <a:t>April 26, 2014</a:t>
+              <a:t>April 28, 2014</a:t>
             </a:fld>
             <a:endParaRPr lang="en-US"/>
           </a:p>
@@ -4146,7 +4146,7 @@
             <a:fld id="{D9CB193C-FC74-4279-8388-9DD1BFD58DB8}" type="datetime4">
               <a:rPr lang="en-US" smtClean="0"/>
               <a:pPr/>
-              <a:t>April 26, 2014</a:t>
+              <a:t>April 28, 2014</a:t>
             </a:fld>
             <a:endParaRPr lang="en-US"/>
           </a:p>
@@ -4635,7 +4635,7 @@
             <a:fld id="{D9CB193C-FC74-4279-8388-9DD1BFD58DB8}" type="datetime4">
               <a:rPr lang="en-US" smtClean="0"/>
               <a:pPr/>
-              <a:t>April 26, 2014</a:t>
+              <a:t>April 28, 2014</a:t>
             </a:fld>
             <a:endParaRPr lang="en-US"/>
           </a:p>
@@ -4650,7 +4650,7 @@
         <p:spPr>
           <a:xfrm>
             <a:off x="5184395" y="2432304"/>
-            <a:ext cx="4087621" cy="3539430"/>
+            <a:ext cx="4087621" cy="3046988"/>
           </a:xfrm>
           <a:prstGeom prst="rect">
             <a:avLst/>
@@ -4677,9 +4677,26 @@
               <a:rPr lang="en-US" altLang="zh-CN" sz="1600" i="0" dirty="0" smtClean="0"/>
               <a:t>Sensor</a:t>
             </a:r>
-            <a:endParaRPr lang="en-US" altLang="zh-CN" sz="1600" i="0" dirty="0" smtClean="0"/>
-          </a:p>
-          <a:p>
+          </a:p>
+          <a:p>
+            <a:r>
+              <a:rPr lang="en-US" altLang="zh-CN" sz="1600" i="0" dirty="0" smtClean="0"/>
+              <a:t>	control </a:t>
+            </a:r>
+            <a:r>
+              <a:rPr lang="en-US" altLang="zh-CN" sz="1600" i="0" dirty="0" smtClean="0"/>
+              <a:t>devices</a:t>
+            </a:r>
+          </a:p>
+          <a:p>
+            <a:r>
+              <a:rPr lang="en-US" altLang="zh-CN" sz="1600" i="0" dirty="0" smtClean="0"/>
+              <a:t>	access control </a:t>
+            </a:r>
+            <a:r>
+              <a:rPr lang="en-US" altLang="zh-CN" sz="1600" i="0" dirty="0" smtClean="0"/>
+              <a:t>locks</a:t>
+            </a:r>
             <a:endParaRPr lang="en-US" altLang="zh-CN" sz="1600" i="0" dirty="0" smtClean="0"/>
           </a:p>
           <a:p>
@@ -4691,26 +4708,12 @@
           <a:p>
             <a:r>
               <a:rPr lang="en-US" altLang="zh-CN" sz="1600" i="0" dirty="0" smtClean="0"/>
-              <a:t>	control devices</a:t>
-            </a:r>
-          </a:p>
-          <a:p>
-            <a:r>
-              <a:rPr lang="en-US" altLang="zh-CN" sz="1600" i="0" dirty="0" smtClean="0"/>
-              <a:t>	access control locks</a:t>
-            </a:r>
-          </a:p>
-          <a:p>
-            <a:r>
-              <a:rPr lang="en-US" altLang="zh-CN" sz="1600" i="0" dirty="0" smtClean="0"/>
               <a:t>	</a:t>
             </a:r>
             <a:r>
               <a:rPr lang="en-US" altLang="zh-CN" sz="1600" i="0" dirty="0" smtClean="0"/>
               <a:t>phones</a:t>
             </a:r>
-          </a:p>
-          <a:p>
             <a:endParaRPr lang="en-US" altLang="zh-CN" sz="1600" i="0" dirty="0" smtClean="0"/>
           </a:p>
           <a:p>
@@ -4722,13 +4725,8 @@
           <a:p>
             <a:r>
               <a:rPr lang="en-US" altLang="zh-CN" sz="1600" i="0" dirty="0" smtClean="0"/>
-              <a:t>	</a:t>
-            </a:r>
-            <a:r>
-              <a:rPr lang="en-US" altLang="zh-CN" sz="1600" i="0" dirty="0" smtClean="0"/>
-              <a:t>central controller</a:t>
-            </a:r>
-            <a:endParaRPr lang="en-US" altLang="zh-CN" sz="1600" i="0" dirty="0" smtClean="0"/>
+              <a:t>	central controller</a:t>
+            </a:r>
           </a:p>
           <a:p>
             <a:endParaRPr lang="en-US" altLang="zh-CN" sz="1600" i="0" dirty="0" smtClean="0"/>
@@ -4894,7 +4892,7 @@
             <a:fld id="{D9CB193C-FC74-4279-8388-9DD1BFD58DB8}" type="datetime4">
               <a:rPr lang="en-US" smtClean="0"/>
               <a:pPr/>
-              <a:t>April 26, 2014</a:t>
+              <a:t>April 28, 2014</a:t>
             </a:fld>
             <a:endParaRPr lang="en-US"/>
           </a:p>
@@ -4944,8 +4942,13 @@
             </a:pPr>
             <a:r>
               <a:rPr lang="en-US" altLang="zh-CN" sz="1600" i="0" dirty="0" smtClean="0"/>
-              <a:t>Inform controller</a:t>
-            </a:r>
+              <a:t>Inform </a:t>
+            </a:r>
+            <a:r>
+              <a:rPr lang="en-US" altLang="zh-CN" sz="1600" i="0" dirty="0" smtClean="0"/>
+              <a:t>central controller</a:t>
+            </a:r>
+            <a:endParaRPr lang="en-US" altLang="zh-CN" sz="1600" i="0" dirty="0" smtClean="0"/>
           </a:p>
           <a:p>
             <a:pPr>
@@ -5169,7 +5172,7 @@
             <a:fld id="{D9CB193C-FC74-4279-8388-9DD1BFD58DB8}" type="datetime4">
               <a:rPr lang="en-US" smtClean="0"/>
               <a:pPr/>
-              <a:t>April 26, 2014</a:t>
+              <a:t>April 28, 2014</a:t>
             </a:fld>
             <a:endParaRPr lang="en-US"/>
           </a:p>
@@ -5508,7 +5511,7 @@
             <a:fld id="{D9CB193C-FC74-4279-8388-9DD1BFD58DB8}" type="datetime4">
               <a:rPr lang="en-US" smtClean="0"/>
               <a:pPr/>
-              <a:t>April 26, 2014</a:t>
+              <a:t>April 28, 2014</a:t>
             </a:fld>
             <a:endParaRPr lang="en-US"/>
           </a:p>
@@ -5877,7 +5880,7 @@
             <a:fld id="{D9CB193C-FC74-4279-8388-9DD1BFD58DB8}" type="datetime4">
               <a:rPr lang="en-US" smtClean="0"/>
               <a:pPr/>
-              <a:t>April 26, 2014</a:t>
+              <a:t>April 28, 2014</a:t>
             </a:fld>
             <a:endParaRPr lang="en-US"/>
           </a:p>
@@ -5963,8 +5966,34 @@
             </a:r>
             <a:r>
               <a:rPr lang="en-US" altLang="zh-CN" dirty="0" smtClean="0"/>
-              <a:t> communication stack on UICC smart card using Java</a:t>
-            </a:r>
+              <a:t> communication stack on UICC smart card using </a:t>
+            </a:r>
+            <a:r>
+              <a:rPr lang="en-US" altLang="zh-CN" dirty="0" smtClean="0"/>
+              <a:t>Java</a:t>
+            </a:r>
+          </a:p>
+          <a:p>
+            <a:pPr lvl="1"/>
+            <a:r>
+              <a:rPr lang="en-US" altLang="zh-CN" dirty="0" smtClean="0"/>
+              <a:t>Create communication between client/server application</a:t>
+            </a:r>
+          </a:p>
+          <a:p>
+            <a:pPr lvl="1"/>
+            <a:r>
+              <a:rPr lang="en-US" altLang="zh-CN" dirty="0" smtClean="0"/>
+              <a:t>Serialization</a:t>
+            </a:r>
+          </a:p>
+          <a:p>
+            <a:pPr lvl="1"/>
+            <a:r>
+              <a:rPr lang="en-US" altLang="zh-CN" dirty="0" smtClean="0"/>
+              <a:t>Message secure</a:t>
+            </a:r>
+            <a:endParaRPr lang="en-US" altLang="zh-CN" dirty="0" smtClean="0"/>
           </a:p>
           <a:p>
             <a:r>
@@ -5991,13 +6020,8 @@
             </a:r>
             <a:r>
               <a:rPr lang="en-US" altLang="zh-CN" dirty="0" smtClean="0"/>
-              <a:t> client at the cell phone user </a:t>
-            </a:r>
-            <a:r>
-              <a:rPr lang="en-US" altLang="zh-CN" dirty="0" smtClean="0"/>
-              <a:t>side</a:t>
-            </a:r>
-            <a:endParaRPr lang="en-US" altLang="zh-CN" dirty="0" smtClean="0"/>
+              <a:t> client at the cell phone user side</a:t>
+            </a:r>
           </a:p>
           <a:p>
             <a:r>
@@ -6024,11 +6048,8 @@
             </a:r>
             <a:r>
               <a:rPr lang="en-US" altLang="zh-CN" dirty="0" smtClean="0"/>
-              <a:t> with smart card and analyzing the performance of secure policies under different conditions. I.e. different network quality,  different date complexity and etc…</a:t>
-            </a:r>
-          </a:p>
-          <a:p>
-            <a:endParaRPr lang="en-US" altLang="zh-CN" dirty="0" smtClean="0"/>
+              <a:t> with smart card and analyzing the performance of secure policies under different conditions. </a:t>
+            </a:r>
           </a:p>
         </p:txBody>
       </p:sp>
@@ -6097,7 +6118,7 @@
             <a:fld id="{D9CB193C-FC74-4279-8388-9DD1BFD58DB8}" type="datetime4">
               <a:rPr lang="en-US" smtClean="0"/>
               <a:pPr/>
-              <a:t>April 26, 2014</a:t>
+              <a:t>April 28, 2014</a:t>
             </a:fld>
             <a:endParaRPr lang="en-US"/>
           </a:p>
@@ -6291,7 +6312,7 @@
             <a:fld id="{D9CB193C-FC74-4279-8388-9DD1BFD58DB8}" type="datetime4">
               <a:rPr lang="en-US" smtClean="0"/>
               <a:pPr/>
-              <a:t>April 26, 2014</a:t>
+              <a:t>April 28, 2014</a:t>
             </a:fld>
             <a:endParaRPr lang="en-US"/>
           </a:p>
@@ -6478,7 +6499,7 @@
             <a:fld id="{D9CB193C-FC74-4279-8388-9DD1BFD58DB8}" type="datetime4">
               <a:rPr lang="en-US" smtClean="0"/>
               <a:pPr/>
-              <a:t>April 26, 2014</a:t>
+              <a:t>April 28, 2014</a:t>
             </a:fld>
             <a:endParaRPr lang="en-US"/>
           </a:p>
@@ -6576,19 +6597,7 @@
           <a:p>
             <a:r>
               <a:rPr lang="en-US" altLang="zh-CN" dirty="0" smtClean="0"/>
-              <a:t>[</a:t>
-            </a:r>
-            <a:r>
-              <a:rPr lang="en-US" altLang="zh-CN" dirty="0" smtClean="0"/>
-              <a:t>3</a:t>
-            </a:r>
-            <a:r>
-              <a:rPr lang="en-US" altLang="zh-CN" dirty="0" smtClean="0"/>
-              <a:t>]OPC </a:t>
-            </a:r>
-            <a:r>
-              <a:rPr lang="en-US" altLang="zh-CN" dirty="0" smtClean="0"/>
-              <a:t>UA specification 1-11</a:t>
+              <a:t>[3]OPC UA specification 1-11</a:t>
             </a:r>
           </a:p>
           <a:p>
@@ -6692,11 +6701,7 @@
           <a:p>
             <a:r>
               <a:rPr lang="de-DE" altLang="zh-CN" dirty="0" smtClean="0"/>
-              <a:t>[7]Wolfgang </a:t>
-            </a:r>
-            <a:r>
-              <a:rPr lang="de-DE" altLang="zh-CN" dirty="0" smtClean="0"/>
-              <a:t>Rankl und Wolfgang Eng: Handbuch der chipkarten - 5. deutsche </a:t>
+              <a:t>[7]Wolfgang Rankl und Wolfgang Eng: Handbuch der chipkarten - 5. deutsche </a:t>
             </a:r>
             <a:r>
               <a:rPr lang="en-US" altLang="zh-CN" dirty="0" err="1" smtClean="0"/>
@@ -6780,7 +6785,7 @@
             <a:fld id="{D9CB193C-FC74-4279-8388-9DD1BFD58DB8}" type="datetime4">
               <a:rPr lang="en-US" smtClean="0"/>
               <a:pPr/>
-              <a:t>April 26, 2014</a:t>
+              <a:t>April 28, 2014</a:t>
             </a:fld>
             <a:endParaRPr lang="en-US"/>
           </a:p>
@@ -6925,7 +6930,7 @@
             <a:fld id="{D9CB193C-FC74-4279-8388-9DD1BFD58DB8}" type="datetime4">
               <a:rPr lang="en-US" smtClean="0"/>
               <a:pPr/>
-              <a:t>April 26, 2014</a:t>
+              <a:t>April 28, 2014</a:t>
             </a:fld>
             <a:endParaRPr lang="en-US"/>
           </a:p>
@@ -7059,7 +7064,7 @@
             <a:fld id="{D9CB193C-FC74-4279-8388-9DD1BFD58DB8}" type="datetime4">
               <a:rPr lang="en-US" smtClean="0"/>
               <a:pPr/>
-              <a:t>April 26, 2014</a:t>
+              <a:t>April 28, 2014</a:t>
             </a:fld>
             <a:endParaRPr lang="en-US"/>
           </a:p>
@@ -7492,7 +7497,7 @@
             <a:fld id="{D9CB193C-FC74-4279-8388-9DD1BFD58DB8}" type="datetime4">
               <a:rPr lang="en-US" smtClean="0"/>
               <a:pPr/>
-              <a:t>April 26, 2014</a:t>
+              <a:t>April 28, 2014</a:t>
             </a:fld>
             <a:endParaRPr lang="en-US"/>
           </a:p>
@@ -7950,11 +7955,7 @@
           <a:p>
             <a:r>
               <a:rPr lang="en-US" altLang="zh-CN" dirty="0" smtClean="0"/>
-              <a:t>With th</a:t>
-            </a:r>
-            <a:r>
-              <a:rPr lang="en-US" altLang="zh-CN" dirty="0" smtClean="0"/>
-              <a:t>e help of mobile, users are enjoying more and more mobility</a:t>
+              <a:t>With the help of mobile, users are enjoying more and more mobility</a:t>
             </a:r>
           </a:p>
           <a:p>
@@ -7977,7 +7978,6 @@
               <a:rPr lang="en-US" altLang="zh-CN" dirty="0" smtClean="0"/>
               <a:t>Manage thermostat, light and etc.</a:t>
             </a:r>
-            <a:endParaRPr lang="en-US" altLang="zh-CN" dirty="0" smtClean="0"/>
           </a:p>
         </p:txBody>
       </p:sp>
@@ -8046,7 +8046,7 @@
             <a:fld id="{D9CB193C-FC74-4279-8388-9DD1BFD58DB8}" type="datetime4">
               <a:rPr lang="en-US" smtClean="0"/>
               <a:pPr/>
-              <a:t>April 26, 2014</a:t>
+              <a:t>April 28, 2014</a:t>
             </a:fld>
             <a:endParaRPr lang="en-US"/>
           </a:p>
@@ -8132,7 +8132,6 @@
               <a:rPr lang="en-US" altLang="zh-CN" dirty="0" smtClean="0"/>
               <a:t>With mobility people, processes and assets can be always connected, be optimized on the go</a:t>
             </a:r>
-            <a:endParaRPr lang="en-US" altLang="zh-CN" dirty="0" smtClean="0"/>
           </a:p>
         </p:txBody>
       </p:sp>
@@ -8201,7 +8200,7 @@
             <a:fld id="{D9CB193C-FC74-4279-8388-9DD1BFD58DB8}" type="datetime4">
               <a:rPr lang="en-US" smtClean="0"/>
               <a:pPr/>
-              <a:t>April 26, 2014</a:t>
+              <a:t>April 28, 2014</a:t>
             </a:fld>
             <a:endParaRPr lang="en-US"/>
           </a:p>
@@ -8327,7 +8326,7 @@
             <a:fld id="{D9CB193C-FC74-4279-8388-9DD1BFD58DB8}" type="datetime4">
               <a:rPr lang="en-US" smtClean="0"/>
               <a:pPr/>
-              <a:t>April 26, 2014</a:t>
+              <a:t>April 28, 2014</a:t>
             </a:fld>
             <a:endParaRPr lang="en-US"/>
           </a:p>
@@ -8656,8 +8655,56 @@
                 </a:solidFill>
                 <a:latin typeface="+mn-lt"/>
               </a:rPr>
-              <a:t>Message secure</a:t>
-            </a:r>
+              <a:t>Message </a:t>
+            </a:r>
+            <a:r>
+              <a:rPr lang="en-US" altLang="zh-CN" sz="2400" b="0" i="0" kern="0" baseline="0" dirty="0" smtClean="0">
+                <a:solidFill>
+                  <a:schemeClr val="tx1"/>
+                </a:solidFill>
+                <a:latin typeface="+mn-lt"/>
+              </a:rPr>
+              <a:t>secure</a:t>
+            </a:r>
+          </a:p>
+          <a:p>
+            <a:pPr marL="800100" lvl="1" indent="-342900">
+              <a:spcBef>
+                <a:spcPct val="20000"/>
+              </a:spcBef>
+              <a:buClr>
+                <a:srgbClr val="073482"/>
+              </a:buClr>
+              <a:buFont typeface="Wingdings" pitchFamily="2" charset="2"/>
+              <a:buChar char="§"/>
+            </a:pPr>
+            <a:r>
+              <a:rPr lang="en-US" altLang="zh-CN" sz="2400" b="0" i="0" kern="0" dirty="0" smtClean="0">
+                <a:solidFill>
+                  <a:schemeClr val="tx1"/>
+                </a:solidFill>
+                <a:latin typeface="+mn-lt"/>
+              </a:rPr>
+              <a:t>Etc.</a:t>
+            </a:r>
+          </a:p>
+          <a:p>
+            <a:pPr marL="800100" lvl="1" indent="-342900">
+              <a:spcBef>
+                <a:spcPct val="20000"/>
+              </a:spcBef>
+              <a:buClr>
+                <a:srgbClr val="073482"/>
+              </a:buClr>
+              <a:buFont typeface="Wingdings" pitchFamily="2" charset="2"/>
+              <a:buChar char="§"/>
+            </a:pPr>
+            <a:endParaRPr lang="en-US" altLang="zh-CN" sz="2400" b="0" i="0" kern="0" baseline="0" dirty="0" smtClean="0">
+              <a:solidFill>
+                <a:schemeClr val="tx1"/>
+              </a:solidFill>
+              <a:latin typeface="+mn-lt"/>
+            </a:endParaRPr>
           </a:p>
           <a:p>
             <a:pPr marL="800100" lvl="1" indent="-342900">
@@ -8832,7 +8879,7 @@
             <a:fld id="{D9CB193C-FC74-4279-8388-9DD1BFD58DB8}" type="datetime4">
               <a:rPr lang="en-US" smtClean="0"/>
               <a:pPr/>
-              <a:t>April 26, 2014</a:t>
+              <a:t>April 28, 2014</a:t>
             </a:fld>
             <a:endParaRPr lang="en-US"/>
           </a:p>
@@ -9114,7 +9161,7 @@
             <a:fld id="{D9CB193C-FC74-4279-8388-9DD1BFD58DB8}" type="datetime4">
               <a:rPr lang="en-US" smtClean="0"/>
               <a:pPr/>
-              <a:t>April 26, 2014</a:t>
+              <a:t>April 28, 2014</a:t>
             </a:fld>
             <a:endParaRPr lang="en-US"/>
           </a:p>

--- a/ppt/Einleitung.pptx
+++ b/ppt/Einleitung.pptx
@@ -1317,7 +1317,7 @@
             <a:fld id="{71D6DBAF-C9CC-41B3-844C-C1F5D8267235}" type="datetime4">
               <a:rPr lang="en-US"/>
               <a:pPr/>
-              <a:t>April 28, 2014</a:t>
+              <a:t>April 29, 2014</a:t>
             </a:fld>
             <a:endParaRPr lang="en-US"/>
           </a:p>
@@ -1551,7 +1551,7 @@
             <a:fld id="{D9CB193C-FC74-4279-8388-9DD1BFD58DB8}" type="datetime4">
               <a:rPr lang="en-US"/>
               <a:pPr/>
-              <a:t>April 28, 2014</a:t>
+              <a:t>April 29, 2014</a:t>
             </a:fld>
             <a:endParaRPr lang="en-US"/>
           </a:p>
@@ -1999,7 +1999,7 @@
             <a:fld id="{F9C0533E-6560-41EF-998F-4A06FB5FB3B5}" type="datetime4">
               <a:rPr lang="en-US"/>
               <a:pPr/>
-              <a:t>April 28, 2014</a:t>
+              <a:t>April 29, 2014</a:t>
             </a:fld>
             <a:endParaRPr lang="en-US"/>
           </a:p>
@@ -2569,7 +2569,7 @@
             <a:fld id="{BE3ACA9F-847D-4917-9890-CF03388418A4}" type="datetime4">
               <a:rPr lang="en-US"/>
               <a:pPr/>
-              <a:t>April 28, 2014</a:t>
+              <a:t>April 29, 2014</a:t>
             </a:fld>
             <a:endParaRPr lang="en-US"/>
           </a:p>
@@ -3333,7 +3333,7 @@
             <a:fld id="{D9CB193C-FC74-4279-8388-9DD1BFD58DB8}" type="datetime4">
               <a:rPr lang="en-US" smtClean="0"/>
               <a:pPr/>
-              <a:t>April 28, 2014</a:t>
+              <a:t>April 29, 2014</a:t>
             </a:fld>
             <a:endParaRPr lang="en-US"/>
           </a:p>
@@ -3491,7 +3491,7 @@
             <a:fld id="{D9CB193C-FC74-4279-8388-9DD1BFD58DB8}" type="datetime4">
               <a:rPr lang="en-US" smtClean="0"/>
               <a:pPr/>
-              <a:t>April 28, 2014</a:t>
+              <a:t>April 29, 2014</a:t>
             </a:fld>
             <a:endParaRPr lang="en-US"/>
           </a:p>
@@ -3651,7 +3651,7 @@
             <a:fld id="{D9CB193C-FC74-4279-8388-9DD1BFD58DB8}" type="datetime4">
               <a:rPr lang="en-US" smtClean="0"/>
               <a:pPr/>
-              <a:t>April 28, 2014</a:t>
+              <a:t>April 29, 2014</a:t>
             </a:fld>
             <a:endParaRPr lang="en-US"/>
           </a:p>
@@ -3760,13 +3760,30 @@
               <a:t>Client Application</a:t>
             </a:r>
             <a:r>
-              <a:rPr lang="en-US" altLang="zh-CN" b="0" i="0" kern="0" dirty="0" smtClean="0">
+              <a:rPr lang="en-US" altLang="zh-CN" b="0" i="0" kern="0" smtClean="0">
                 <a:solidFill>
                   <a:schemeClr val="tx1"/>
                 </a:solidFill>
                 <a:latin typeface="+mn-lt"/>
               </a:rPr>
               <a:t>: </a:t>
+            </a:r>
+            <a:r>
+              <a:rPr kumimoji="0" lang="en-US" altLang="zh-CN" b="0" i="0" u="none" strike="noStrike" kern="0" cap="none" spc="0" normalizeH="0" noProof="0" smtClean="0">
+                <a:ln>
+                  <a:noFill/>
+                </a:ln>
+                <a:solidFill>
+                  <a:schemeClr val="tx1"/>
+                </a:solidFill>
+                <a:effectLst/>
+                <a:uLnTx/>
+                <a:uFillTx/>
+                <a:latin typeface="+mn-lt"/>
+                <a:ea typeface="+mn-ea"/>
+                <a:cs typeface="+mn-cs"/>
+              </a:rPr>
+              <a:t>Phone </a:t>
             </a:r>
             <a:r>
               <a:rPr kumimoji="0" lang="en-US" altLang="zh-CN" b="0" i="0" u="none" strike="noStrike" kern="0" cap="none" spc="0" normalizeH="0" noProof="0" dirty="0" smtClean="0">
@@ -3783,7 +3800,7 @@
                 <a:ea typeface="+mn-ea"/>
                 <a:cs typeface="+mn-cs"/>
               </a:rPr>
-              <a:t>Java Phone APP</a:t>
+              <a:t>APP</a:t>
             </a:r>
           </a:p>
           <a:p>
@@ -4146,7 +4163,7 @@
             <a:fld id="{D9CB193C-FC74-4279-8388-9DD1BFD58DB8}" type="datetime4">
               <a:rPr lang="en-US" smtClean="0"/>
               <a:pPr/>
-              <a:t>April 28, 2014</a:t>
+              <a:t>April 29, 2014</a:t>
             </a:fld>
             <a:endParaRPr lang="en-US"/>
           </a:p>
@@ -4635,7 +4652,7 @@
             <a:fld id="{D9CB193C-FC74-4279-8388-9DD1BFD58DB8}" type="datetime4">
               <a:rPr lang="en-US" smtClean="0"/>
               <a:pPr/>
-              <a:t>April 28, 2014</a:t>
+              <a:t>April 29, 2014</a:t>
             </a:fld>
             <a:endParaRPr lang="en-US"/>
           </a:p>
@@ -4671,33 +4688,20 @@
           <a:p>
             <a:r>
               <a:rPr lang="en-US" altLang="zh-CN" sz="1600" i="0" dirty="0" smtClean="0"/>
-              <a:t>	</a:t>
-            </a:r>
+              <a:t>	Sensor</a:t>
+            </a:r>
+          </a:p>
+          <a:p>
             <a:r>
               <a:rPr lang="en-US" altLang="zh-CN" sz="1600" i="0" dirty="0" smtClean="0"/>
-              <a:t>Sensor</a:t>
+              <a:t>	control devices</a:t>
             </a:r>
           </a:p>
           <a:p>
             <a:r>
               <a:rPr lang="en-US" altLang="zh-CN" sz="1600" i="0" dirty="0" smtClean="0"/>
-              <a:t>	control </a:t>
-            </a:r>
-            <a:r>
-              <a:rPr lang="en-US" altLang="zh-CN" sz="1600" i="0" dirty="0" smtClean="0"/>
-              <a:t>devices</a:t>
-            </a:r>
-          </a:p>
-          <a:p>
-            <a:r>
-              <a:rPr lang="en-US" altLang="zh-CN" sz="1600" i="0" dirty="0" smtClean="0"/>
-              <a:t>	access control </a:t>
-            </a:r>
-            <a:r>
-              <a:rPr lang="en-US" altLang="zh-CN" sz="1600" i="0" dirty="0" smtClean="0"/>
-              <a:t>locks</a:t>
-            </a:r>
-            <a:endParaRPr lang="en-US" altLang="zh-CN" sz="1600" i="0" dirty="0" smtClean="0"/>
+              <a:t>	access control locks</a:t>
+            </a:r>
           </a:p>
           <a:p>
             <a:r>
@@ -4708,13 +4712,8 @@
           <a:p>
             <a:r>
               <a:rPr lang="en-US" altLang="zh-CN" sz="1600" i="0" dirty="0" smtClean="0"/>
-              <a:t>	</a:t>
-            </a:r>
-            <a:r>
-              <a:rPr lang="en-US" altLang="zh-CN" sz="1600" i="0" dirty="0" smtClean="0"/>
-              <a:t>phones</a:t>
-            </a:r>
-            <a:endParaRPr lang="en-US" altLang="zh-CN" sz="1600" i="0" dirty="0" smtClean="0"/>
+              <a:t>	phones</a:t>
+            </a:r>
           </a:p>
           <a:p>
             <a:r>
@@ -4892,7 +4891,7 @@
             <a:fld id="{D9CB193C-FC74-4279-8388-9DD1BFD58DB8}" type="datetime4">
               <a:rPr lang="en-US" smtClean="0"/>
               <a:pPr/>
-              <a:t>April 28, 2014</a:t>
+              <a:t>April 29, 2014</a:t>
             </a:fld>
             <a:endParaRPr lang="en-US"/>
           </a:p>
@@ -4942,13 +4941,8 @@
             </a:pPr>
             <a:r>
               <a:rPr lang="en-US" altLang="zh-CN" sz="1600" i="0" dirty="0" smtClean="0"/>
-              <a:t>Inform </a:t>
-            </a:r>
-            <a:r>
-              <a:rPr lang="en-US" altLang="zh-CN" sz="1600" i="0" dirty="0" smtClean="0"/>
-              <a:t>central controller</a:t>
-            </a:r>
-            <a:endParaRPr lang="en-US" altLang="zh-CN" sz="1600" i="0" dirty="0" smtClean="0"/>
+              <a:t>Inform central controller</a:t>
+            </a:r>
           </a:p>
           <a:p>
             <a:pPr>
@@ -5172,7 +5166,7 @@
             <a:fld id="{D9CB193C-FC74-4279-8388-9DD1BFD58DB8}" type="datetime4">
               <a:rPr lang="en-US" smtClean="0"/>
               <a:pPr/>
-              <a:t>April 28, 2014</a:t>
+              <a:t>April 29, 2014</a:t>
             </a:fld>
             <a:endParaRPr lang="en-US"/>
           </a:p>
@@ -5511,7 +5505,7 @@
             <a:fld id="{D9CB193C-FC74-4279-8388-9DD1BFD58DB8}" type="datetime4">
               <a:rPr lang="en-US" smtClean="0"/>
               <a:pPr/>
-              <a:t>April 28, 2014</a:t>
+              <a:t>April 29, 2014</a:t>
             </a:fld>
             <a:endParaRPr lang="en-US"/>
           </a:p>
@@ -5880,7 +5874,7 @@
             <a:fld id="{D9CB193C-FC74-4279-8388-9DD1BFD58DB8}" type="datetime4">
               <a:rPr lang="en-US" smtClean="0"/>
               <a:pPr/>
-              <a:t>April 28, 2014</a:t>
+              <a:t>April 29, 2014</a:t>
             </a:fld>
             <a:endParaRPr lang="en-US"/>
           </a:p>
@@ -5966,11 +5960,7 @@
             </a:r>
             <a:r>
               <a:rPr lang="en-US" altLang="zh-CN" dirty="0" smtClean="0"/>
-              <a:t> communication stack on UICC smart card using </a:t>
-            </a:r>
-            <a:r>
-              <a:rPr lang="en-US" altLang="zh-CN" dirty="0" smtClean="0"/>
-              <a:t>Java</a:t>
+              <a:t> communication stack on UICC smart card using Java</a:t>
             </a:r>
           </a:p>
           <a:p>
@@ -5993,7 +5983,6 @@
               <a:rPr lang="en-US" altLang="zh-CN" dirty="0" smtClean="0"/>
               <a:t>Message secure</a:t>
             </a:r>
-            <a:endParaRPr lang="en-US" altLang="zh-CN" dirty="0" smtClean="0"/>
           </a:p>
           <a:p>
             <a:r>
@@ -6118,7 +6107,7 @@
             <a:fld id="{D9CB193C-FC74-4279-8388-9DD1BFD58DB8}" type="datetime4">
               <a:rPr lang="en-US" smtClean="0"/>
               <a:pPr/>
-              <a:t>April 28, 2014</a:t>
+              <a:t>April 29, 2014</a:t>
             </a:fld>
             <a:endParaRPr lang="en-US"/>
           </a:p>
@@ -6312,7 +6301,7 @@
             <a:fld id="{D9CB193C-FC74-4279-8388-9DD1BFD58DB8}" type="datetime4">
               <a:rPr lang="en-US" smtClean="0"/>
               <a:pPr/>
-              <a:t>April 28, 2014</a:t>
+              <a:t>April 29, 2014</a:t>
             </a:fld>
             <a:endParaRPr lang="en-US"/>
           </a:p>
@@ -6499,7 +6488,7 @@
             <a:fld id="{D9CB193C-FC74-4279-8388-9DD1BFD58DB8}" type="datetime4">
               <a:rPr lang="en-US" smtClean="0"/>
               <a:pPr/>
-              <a:t>April 28, 2014</a:t>
+              <a:t>April 29, 2014</a:t>
             </a:fld>
             <a:endParaRPr lang="en-US"/>
           </a:p>
@@ -6785,7 +6774,7 @@
             <a:fld id="{D9CB193C-FC74-4279-8388-9DD1BFD58DB8}" type="datetime4">
               <a:rPr lang="en-US" smtClean="0"/>
               <a:pPr/>
-              <a:t>April 28, 2014</a:t>
+              <a:t>April 29, 2014</a:t>
             </a:fld>
             <a:endParaRPr lang="en-US"/>
           </a:p>
@@ -6930,7 +6919,7 @@
             <a:fld id="{D9CB193C-FC74-4279-8388-9DD1BFD58DB8}" type="datetime4">
               <a:rPr lang="en-US" smtClean="0"/>
               <a:pPr/>
-              <a:t>April 28, 2014</a:t>
+              <a:t>April 29, 2014</a:t>
             </a:fld>
             <a:endParaRPr lang="en-US"/>
           </a:p>
@@ -7064,7 +7053,7 @@
             <a:fld id="{D9CB193C-FC74-4279-8388-9DD1BFD58DB8}" type="datetime4">
               <a:rPr lang="en-US" smtClean="0"/>
               <a:pPr/>
-              <a:t>April 28, 2014</a:t>
+              <a:t>April 29, 2014</a:t>
             </a:fld>
             <a:endParaRPr lang="en-US"/>
           </a:p>
@@ -7497,7 +7486,7 @@
             <a:fld id="{D9CB193C-FC74-4279-8388-9DD1BFD58DB8}" type="datetime4">
               <a:rPr lang="en-US" smtClean="0"/>
               <a:pPr/>
-              <a:t>April 28, 2014</a:t>
+              <a:t>April 29, 2014</a:t>
             </a:fld>
             <a:endParaRPr lang="en-US"/>
           </a:p>
@@ -8046,7 +8035,7 @@
             <a:fld id="{D9CB193C-FC74-4279-8388-9DD1BFD58DB8}" type="datetime4">
               <a:rPr lang="en-US" smtClean="0"/>
               <a:pPr/>
-              <a:t>April 28, 2014</a:t>
+              <a:t>April 29, 2014</a:t>
             </a:fld>
             <a:endParaRPr lang="en-US"/>
           </a:p>
@@ -8200,7 +8189,7 @@
             <a:fld id="{D9CB193C-FC74-4279-8388-9DD1BFD58DB8}" type="datetime4">
               <a:rPr lang="en-US" smtClean="0"/>
               <a:pPr/>
-              <a:t>April 28, 2014</a:t>
+              <a:t>April 29, 2014</a:t>
             </a:fld>
             <a:endParaRPr lang="en-US"/>
           </a:p>
@@ -8326,7 +8315,7 @@
             <a:fld id="{D9CB193C-FC74-4279-8388-9DD1BFD58DB8}" type="datetime4">
               <a:rPr lang="en-US" smtClean="0"/>
               <a:pPr/>
-              <a:t>April 28, 2014</a:t>
+              <a:t>April 29, 2014</a:t>
             </a:fld>
             <a:endParaRPr lang="en-US"/>
           </a:p>
@@ -8655,16 +8644,7 @@
                 </a:solidFill>
                 <a:latin typeface="+mn-lt"/>
               </a:rPr>
-              <a:t>Message </a:t>
-            </a:r>
-            <a:r>
-              <a:rPr lang="en-US" altLang="zh-CN" sz="2400" b="0" i="0" kern="0" baseline="0" dirty="0" smtClean="0">
-                <a:solidFill>
-                  <a:schemeClr val="tx1"/>
-                </a:solidFill>
-                <a:latin typeface="+mn-lt"/>
-              </a:rPr>
-              <a:t>secure</a:t>
+              <a:t>Message secure</a:t>
             </a:r>
           </a:p>
           <a:p>
@@ -8879,7 +8859,7 @@
             <a:fld id="{D9CB193C-FC74-4279-8388-9DD1BFD58DB8}" type="datetime4">
               <a:rPr lang="en-US" smtClean="0"/>
               <a:pPr/>
-              <a:t>April 28, 2014</a:t>
+              <a:t>April 29, 2014</a:t>
             </a:fld>
             <a:endParaRPr lang="en-US"/>
           </a:p>
@@ -9161,7 +9141,7 @@
             <a:fld id="{D9CB193C-FC74-4279-8388-9DD1BFD58DB8}" type="datetime4">
               <a:rPr lang="en-US" smtClean="0"/>
               <a:pPr/>
-              <a:t>April 28, 2014</a:t>
+              <a:t>April 29, 2014</a:t>
             </a:fld>
             <a:endParaRPr lang="en-US"/>
           </a:p>
